--- a/PPT/UML/界面原形G02.pptx
+++ b/PPT/UML/界面原形G02.pptx
@@ -1,53 +1,53 @@
 
 <file path=ppt/presentation.xml><?xml version="1.0" encoding="utf-8"?>
-<p:presentation xmlns:a="http://schemas.openxmlformats.org/drawingml/2006/main" xmlns:r="http://schemas.openxmlformats.org/officeDocument/2006/relationships" xmlns:p="http://schemas.openxmlformats.org/presentationml/2006/main" xmlns:m="http://schemas.openxmlformats.org/officeDocument/2006/math" xmlns:a14="http://schemas.microsoft.com/office/drawing/2010/main">
+<p:presentation xmlns:a="http://schemas.openxmlformats.org/drawingml/2006/main" xmlns:r="http://schemas.openxmlformats.org/officeDocument/2006/relationships" xmlns:p="http://schemas.openxmlformats.org/presentationml/2006/main">
   <p:sldMasterIdLst>
-    <p:sldMasterId id="2147483648" r:id="rId5"/>
+    <p:sldMasterId id="2147483648" r:id="rId1"/>
   </p:sldMasterIdLst>
   <p:notesMasterIdLst>
-    <p:notesMasterId r:id="rId7"/>
+    <p:notesMasterId r:id="rId42"/>
   </p:notesMasterIdLst>
   <p:sldIdLst>
-    <p:sldId id="256" r:id="rId8"/>
-    <p:sldId id="257" r:id="rId9"/>
-    <p:sldId id="258" r:id="rId10"/>
-    <p:sldId id="259" r:id="rId11"/>
-    <p:sldId id="260" r:id="rId12"/>
-    <p:sldId id="261" r:id="rId13"/>
-    <p:sldId id="262" r:id="rId14"/>
-    <p:sldId id="263" r:id="rId15"/>
-    <p:sldId id="264" r:id="rId16"/>
-    <p:sldId id="265" r:id="rId17"/>
-    <p:sldId id="266" r:id="rId18"/>
-    <p:sldId id="267" r:id="rId19"/>
-    <p:sldId id="268" r:id="rId20"/>
-    <p:sldId id="269" r:id="rId21"/>
-    <p:sldId id="270" r:id="rId22"/>
-    <p:sldId id="271" r:id="rId23"/>
-    <p:sldId id="272" r:id="rId24"/>
-    <p:sldId id="273" r:id="rId25"/>
-    <p:sldId id="274" r:id="rId26"/>
-    <p:sldId id="275" r:id="rId27"/>
-    <p:sldId id="276" r:id="rId28"/>
-    <p:sldId id="277" r:id="rId29"/>
-    <p:sldId id="278" r:id="rId30"/>
-    <p:sldId id="279" r:id="rId31"/>
-    <p:sldId id="280" r:id="rId32"/>
-    <p:sldId id="281" r:id="rId33"/>
-    <p:sldId id="282" r:id="rId34"/>
-    <p:sldId id="283" r:id="rId35"/>
-    <p:sldId id="284" r:id="rId36"/>
-    <p:sldId id="285" r:id="rId37"/>
-    <p:sldId id="286" r:id="rId38"/>
-    <p:sldId id="287" r:id="rId39"/>
-    <p:sldId id="288" r:id="rId40"/>
-    <p:sldId id="289" r:id="rId41"/>
-    <p:sldId id="290" r:id="rId42"/>
-    <p:sldId id="291" r:id="rId43"/>
-    <p:sldId id="292" r:id="rId44"/>
-    <p:sldId id="293" r:id="rId45"/>
-    <p:sldId id="294" r:id="rId46"/>
-    <p:sldId id="295" r:id="rId47"/>
+    <p:sldId id="256" r:id="rId2"/>
+    <p:sldId id="257" r:id="rId3"/>
+    <p:sldId id="258" r:id="rId4"/>
+    <p:sldId id="259" r:id="rId5"/>
+    <p:sldId id="260" r:id="rId6"/>
+    <p:sldId id="261" r:id="rId7"/>
+    <p:sldId id="262" r:id="rId8"/>
+    <p:sldId id="263" r:id="rId9"/>
+    <p:sldId id="264" r:id="rId10"/>
+    <p:sldId id="265" r:id="rId11"/>
+    <p:sldId id="266" r:id="rId12"/>
+    <p:sldId id="267" r:id="rId13"/>
+    <p:sldId id="268" r:id="rId14"/>
+    <p:sldId id="269" r:id="rId15"/>
+    <p:sldId id="270" r:id="rId16"/>
+    <p:sldId id="271" r:id="rId17"/>
+    <p:sldId id="272" r:id="rId18"/>
+    <p:sldId id="273" r:id="rId19"/>
+    <p:sldId id="274" r:id="rId20"/>
+    <p:sldId id="275" r:id="rId21"/>
+    <p:sldId id="276" r:id="rId22"/>
+    <p:sldId id="277" r:id="rId23"/>
+    <p:sldId id="278" r:id="rId24"/>
+    <p:sldId id="279" r:id="rId25"/>
+    <p:sldId id="280" r:id="rId26"/>
+    <p:sldId id="281" r:id="rId27"/>
+    <p:sldId id="282" r:id="rId28"/>
+    <p:sldId id="283" r:id="rId29"/>
+    <p:sldId id="284" r:id="rId30"/>
+    <p:sldId id="285" r:id="rId31"/>
+    <p:sldId id="286" r:id="rId32"/>
+    <p:sldId id="287" r:id="rId33"/>
+    <p:sldId id="288" r:id="rId34"/>
+    <p:sldId id="289" r:id="rId35"/>
+    <p:sldId id="290" r:id="rId36"/>
+    <p:sldId id="291" r:id="rId37"/>
+    <p:sldId id="292" r:id="rId38"/>
+    <p:sldId id="293" r:id="rId39"/>
+    <p:sldId id="294" r:id="rId40"/>
+    <p:sldId id="295" r:id="rId41"/>
   </p:sldIdLst>
   <p:sldSz cx="12192000" cy="6858000"/>
   <p:notesSz cx="6858000" cy="9144000"/>
@@ -67,7 +67,7 @@
       <a:buFontTx/>
       <a:buNone/>
       <a:tabLst/>
-      <a:defRPr b="0" baseline="0" cap="none" i="0" spc="0" strike="noStrike" sz="1800" u="none" kumimoji="0" normalizeH="0">
+      <a:defRPr kumimoji="0" sz="1800" b="0" i="0" u="none" strike="noStrike" cap="none" spc="0" normalizeH="0" baseline="0">
         <a:ln>
           <a:noFill/>
         </a:ln>
@@ -93,7 +93,7 @@
       <a:buFontTx/>
       <a:buNone/>
       <a:tabLst/>
-      <a:defRPr b="0" baseline="0" cap="none" i="0" spc="0" strike="noStrike" sz="1800" u="none" kumimoji="0" normalizeH="0">
+      <a:defRPr kumimoji="0" sz="1800" b="0" i="0" u="none" strike="noStrike" cap="none" spc="0" normalizeH="0" baseline="0">
         <a:ln>
           <a:noFill/>
         </a:ln>
@@ -123,7 +123,7 @@
       <a:buFontTx/>
       <a:buNone/>
       <a:tabLst/>
-      <a:defRPr b="0" baseline="0" cap="none" i="0" spc="0" strike="noStrike" sz="1800" u="none" kumimoji="0" normalizeH="0">
+      <a:defRPr kumimoji="0" sz="1800" b="0" i="0" u="none" strike="noStrike" cap="none" spc="0" normalizeH="0" baseline="0">
         <a:ln>
           <a:noFill/>
         </a:ln>
@@ -153,7 +153,7 @@
       <a:buFontTx/>
       <a:buNone/>
       <a:tabLst/>
-      <a:defRPr b="0" baseline="0" cap="none" i="0" spc="0" strike="noStrike" sz="1800" u="none" kumimoji="0" normalizeH="0">
+      <a:defRPr kumimoji="0" sz="1800" b="0" i="0" u="none" strike="noStrike" cap="none" spc="0" normalizeH="0" baseline="0">
         <a:ln>
           <a:noFill/>
         </a:ln>
@@ -183,7 +183,7 @@
       <a:buFontTx/>
       <a:buNone/>
       <a:tabLst/>
-      <a:defRPr b="0" baseline="0" cap="none" i="0" spc="0" strike="noStrike" sz="1800" u="none" kumimoji="0" normalizeH="0">
+      <a:defRPr kumimoji="0" sz="1800" b="0" i="0" u="none" strike="noStrike" cap="none" spc="0" normalizeH="0" baseline="0">
         <a:ln>
           <a:noFill/>
         </a:ln>
@@ -213,7 +213,7 @@
       <a:buFontTx/>
       <a:buNone/>
       <a:tabLst/>
-      <a:defRPr b="0" baseline="0" cap="none" i="0" spc="0" strike="noStrike" sz="1800" u="none" kumimoji="0" normalizeH="0">
+      <a:defRPr kumimoji="0" sz="1800" b="0" i="0" u="none" strike="noStrike" cap="none" spc="0" normalizeH="0" baseline="0">
         <a:ln>
           <a:noFill/>
         </a:ln>
@@ -243,7 +243,7 @@
       <a:buFontTx/>
       <a:buNone/>
       <a:tabLst/>
-      <a:defRPr b="0" baseline="0" cap="none" i="0" spc="0" strike="noStrike" sz="1800" u="none" kumimoji="0" normalizeH="0">
+      <a:defRPr kumimoji="0" sz="1800" b="0" i="0" u="none" strike="noStrike" cap="none" spc="0" normalizeH="0" baseline="0">
         <a:ln>
           <a:noFill/>
         </a:ln>
@@ -273,7 +273,7 @@
       <a:buFontTx/>
       <a:buNone/>
       <a:tabLst/>
-      <a:defRPr b="0" baseline="0" cap="none" i="0" spc="0" strike="noStrike" sz="1800" u="none" kumimoji="0" normalizeH="0">
+      <a:defRPr kumimoji="0" sz="1800" b="0" i="0" u="none" strike="noStrike" cap="none" spc="0" normalizeH="0" baseline="0">
         <a:ln>
           <a:noFill/>
         </a:ln>
@@ -303,7 +303,7 @@
       <a:buFontTx/>
       <a:buNone/>
       <a:tabLst/>
-      <a:defRPr b="0" baseline="0" cap="none" i="0" spc="0" strike="noStrike" sz="1800" u="none" kumimoji="0" normalizeH="0">
+      <a:defRPr kumimoji="0" sz="1800" b="0" i="0" u="none" strike="noStrike" cap="none" spc="0" normalizeH="0" baseline="0">
         <a:ln>
           <a:noFill/>
         </a:ln>
@@ -333,7 +333,7 @@
       <a:buFontTx/>
       <a:buNone/>
       <a:tabLst/>
-      <a:defRPr b="0" baseline="0" cap="none" i="0" spc="0" strike="noStrike" sz="1800" u="none" kumimoji="0" normalizeH="0">
+      <a:defRPr kumimoji="0" sz="1800" b="0" i="0" u="none" strike="noStrike" cap="none" spc="0" normalizeH="0" baseline="0">
         <a:ln>
           <a:noFill/>
         </a:ln>
@@ -352,13 +352,14 @@
 </p:presentation>
 </file>
 
-<file path=ppt/commentAuthors.xml><?xml version="1.0" encoding="utf-8"?>
-<p:cmAuthorLst xmlns:a="http://schemas.openxmlformats.org/drawingml/2006/main" xmlns:r="http://schemas.openxmlformats.org/officeDocument/2006/relationships" xmlns:p="http://schemas.openxmlformats.org/presentationml/2006/main" xmlns:m="http://schemas.openxmlformats.org/officeDocument/2006/math" xmlns:a14="http://schemas.microsoft.com/office/drawing/2010/main"/>
-</file>
-
 <file path=ppt/notesMasters/notesMaster1.xml><?xml version="1.0" encoding="utf-8"?>
-<p:notesMaster xmlns:a="http://schemas.openxmlformats.org/drawingml/2006/main" xmlns:r="http://schemas.openxmlformats.org/officeDocument/2006/relationships" xmlns:p="http://schemas.openxmlformats.org/presentationml/2006/main" xmlns:m="http://schemas.openxmlformats.org/officeDocument/2006/math" xmlns:a14="http://schemas.microsoft.com/office/drawing/2010/main">
+<p:notesMaster xmlns:a="http://schemas.openxmlformats.org/drawingml/2006/main" xmlns:r="http://schemas.openxmlformats.org/officeDocument/2006/relationships" xmlns:p="http://schemas.openxmlformats.org/presentationml/2006/main">
   <p:cSld>
+    <p:bg>
+      <p:bgRef idx="1001">
+        <a:schemeClr val="bg1"/>
+      </p:bgRef>
+    </p:bg>
     <p:spTree>
       <p:nvGrpSpPr>
         <p:cNvPr id="1" name=""/>
@@ -376,7 +377,9 @@
       <p:sp>
         <p:nvSpPr>
           <p:cNvPr id="123" name="Shape 123"/>
-          <p:cNvSpPr/>
+          <p:cNvSpPr>
+            <a:spLocks noGrp="1" noRot="1" noChangeAspect="1"/>
+          </p:cNvSpPr>
           <p:nvPr>
             <p:ph type="sldImg"/>
           </p:nvPr>
@@ -394,14 +397,16 @@
           <a:bodyPr/>
           <a:lstStyle/>
           <a:p>
-            <a:pPr/>
+            <a:endParaRPr/>
           </a:p>
         </p:txBody>
       </p:sp>
       <p:sp>
         <p:nvSpPr>
           <p:cNvPr id="124" name="Shape 124"/>
-          <p:cNvSpPr/>
+          <p:cNvSpPr>
+            <a:spLocks noGrp="1"/>
+          </p:cNvSpPr>
           <p:nvPr>
             <p:ph type="body" sz="quarter" idx="1"/>
           </p:nvPr>
@@ -419,7 +424,7 @@
           <a:bodyPr/>
           <a:lstStyle/>
           <a:p>
-            <a:pPr/>
+            <a:endParaRPr/>
           </a:p>
         </p:txBody>
       </p:sp>
@@ -504,7 +509,7 @@
 </file>
 
 <file path=ppt/slideLayouts/slideLayout1.xml><?xml version="1.0" encoding="utf-8"?>
-<p:sldLayout xmlns:a="http://schemas.openxmlformats.org/drawingml/2006/main" xmlns:r="http://schemas.openxmlformats.org/officeDocument/2006/relationships" xmlns:p="http://schemas.openxmlformats.org/presentationml/2006/main" xmlns:m="http://schemas.openxmlformats.org/officeDocument/2006/math" xmlns:a14="http://schemas.microsoft.com/office/drawing/2010/main" type="title" showMasterSp="1" showMasterPhAnim="1">
+<p:sldLayout xmlns:a="http://schemas.openxmlformats.org/drawingml/2006/main" xmlns:r="http://schemas.openxmlformats.org/officeDocument/2006/relationships" xmlns:p="http://schemas.openxmlformats.org/presentationml/2006/main" type="title">
   <p:cSld name="Title Slide">
     <p:spTree>
       <p:nvGrpSpPr>
@@ -545,7 +550,7 @@
           <a:bodyPr lIns="45719" rIns="45719"/>
           <a:lstStyle/>
           <a:p>
-            <a:pPr/>
+            <a:endParaRPr/>
           </a:p>
         </p:txBody>
       </p:sp>
@@ -580,7 +585,7 @@
             </a:cxnLst>
             <a:rect l="0" t="0" r="r" b="b"/>
             <a:pathLst>
-              <a:path w="21600" h="21600" fill="norm" stroke="1" extrusionOk="0">
+              <a:path w="21600" h="21600" extrusionOk="0">
                 <a:moveTo>
                   <a:pt x="21600" y="20731"/>
                 </a:moveTo>
@@ -9150,14 +9155,16 @@
           <a:bodyPr lIns="45719" rIns="45719"/>
           <a:lstStyle/>
           <a:p>
-            <a:pPr/>
+            <a:endParaRPr/>
           </a:p>
         </p:txBody>
       </p:sp>
       <p:sp>
         <p:nvSpPr>
           <p:cNvPr id="13" name="Title Text"/>
-          <p:cNvSpPr txBox="1"/>
+          <p:cNvSpPr txBox="1">
+            <a:spLocks noGrp="1"/>
+          </p:cNvSpPr>
           <p:nvPr>
             <p:ph type="title"/>
           </p:nvPr>
@@ -9179,7 +9186,6 @@
             </a:lvl1pPr>
           </a:lstStyle>
           <a:p>
-            <a:pPr/>
             <a:r>
               <a:t>Title Text</a:t>
             </a:r>
@@ -9189,7 +9195,9 @@
       <p:sp>
         <p:nvSpPr>
           <p:cNvPr id="14" name="Body Level One…"/>
-          <p:cNvSpPr txBox="1"/>
+          <p:cNvSpPr txBox="1">
+            <a:spLocks noGrp="1"/>
+          </p:cNvSpPr>
           <p:nvPr>
             <p:ph type="body" sz="quarter" idx="1"/>
           </p:nvPr>
@@ -9293,7 +9301,6 @@
             </a:lvl5pPr>
           </a:lstStyle>
           <a:p>
-            <a:pPr/>
             <a:r>
               <a:t>Body Level One</a:t>
             </a:r>
@@ -9348,14 +9355,16 @@
           <a:bodyPr lIns="45719" rIns="45719"/>
           <a:lstStyle/>
           <a:p>
-            <a:pPr/>
+            <a:endParaRPr/>
           </a:p>
         </p:txBody>
       </p:sp>
       <p:sp>
         <p:nvSpPr>
           <p:cNvPr id="16" name="Slide Number"/>
-          <p:cNvSpPr txBox="1"/>
+          <p:cNvSpPr txBox="1">
+            <a:spLocks noGrp="1"/>
+          </p:cNvSpPr>
           <p:nvPr>
             <p:ph type="sldNum" sz="quarter" idx="2"/>
           </p:nvPr>
@@ -9369,8 +9378,10 @@
           <a:bodyPr/>
           <a:lstStyle/>
           <a:p>
-            <a:pPr/>
-            <a:fld id="{86CB4B4D-7CA3-9044-876B-883B54F8677D}" type="slidenum"/>
+            <a:fld id="{86CB4B4D-7CA3-9044-876B-883B54F8677D}" type="slidenum">
+              <a:t>‹#›</a:t>
+            </a:fld>
+            <a:endParaRPr/>
           </a:p>
         </p:txBody>
       </p:sp>
@@ -9379,12 +9390,12 @@
   <p:clrMapOvr>
     <a:masterClrMapping/>
   </p:clrMapOvr>
-  <p:transition xmlns:p14="http://schemas.microsoft.com/office/powerpoint/2010/main" spd="med" advClick="1"/>
+  <p:transition spd="med"/>
 </p:sldLayout>
 </file>
 
 <file path=ppt/slideLayouts/slideLayout10.xml><?xml version="1.0" encoding="utf-8"?>
-<p:sldLayout xmlns:a="http://schemas.openxmlformats.org/drawingml/2006/main" xmlns:r="http://schemas.openxmlformats.org/officeDocument/2006/relationships" xmlns:p="http://schemas.openxmlformats.org/presentationml/2006/main" xmlns:m="http://schemas.openxmlformats.org/officeDocument/2006/math" xmlns:a14="http://schemas.microsoft.com/office/drawing/2010/main" type="tx" showMasterSp="1" showMasterPhAnim="1">
+<p:sldLayout xmlns:a="http://schemas.openxmlformats.org/drawingml/2006/main" xmlns:r="http://schemas.openxmlformats.org/officeDocument/2006/relationships" xmlns:p="http://schemas.openxmlformats.org/presentationml/2006/main" type="tx">
   <p:cSld name="Title and Vertical Text">
     <p:spTree>
       <p:nvGrpSpPr>
@@ -9424,14 +9435,16 @@
           <a:bodyPr lIns="45719" rIns="45719"/>
           <a:lstStyle/>
           <a:p>
-            <a:pPr/>
+            <a:endParaRPr/>
           </a:p>
         </p:txBody>
       </p:sp>
       <p:sp>
         <p:nvSpPr>
           <p:cNvPr id="105" name="Title Text"/>
-          <p:cNvSpPr txBox="1"/>
+          <p:cNvSpPr txBox="1">
+            <a:spLocks noGrp="1"/>
+          </p:cNvSpPr>
           <p:nvPr>
             <p:ph type="title"/>
           </p:nvPr>
@@ -9449,7 +9462,6 @@
           <a:bodyPr/>
           <a:lstStyle/>
           <a:p>
-            <a:pPr/>
             <a:r>
               <a:t>Title Text</a:t>
             </a:r>
@@ -9459,7 +9471,9 @@
       <p:sp>
         <p:nvSpPr>
           <p:cNvPr id="106" name="Body Level One…"/>
-          <p:cNvSpPr txBox="1"/>
+          <p:cNvSpPr txBox="1">
+            <a:spLocks noGrp="1"/>
+          </p:cNvSpPr>
           <p:nvPr>
             <p:ph type="body" idx="1"/>
           </p:nvPr>
@@ -9477,7 +9491,6 @@
           <a:bodyPr/>
           <a:lstStyle/>
           <a:p>
-            <a:pPr/>
             <a:r>
               <a:t>Body Level One</a:t>
             </a:r>
@@ -9511,7 +9524,9 @@
       <p:sp>
         <p:nvSpPr>
           <p:cNvPr id="107" name="Slide Number"/>
-          <p:cNvSpPr txBox="1"/>
+          <p:cNvSpPr txBox="1">
+            <a:spLocks noGrp="1"/>
+          </p:cNvSpPr>
           <p:nvPr>
             <p:ph type="sldNum" sz="quarter" idx="2"/>
           </p:nvPr>
@@ -9525,8 +9540,10 @@
           <a:bodyPr/>
           <a:lstStyle/>
           <a:p>
-            <a:pPr/>
-            <a:fld id="{86CB4B4D-7CA3-9044-876B-883B54F8677D}" type="slidenum"/>
+            <a:fld id="{86CB4B4D-7CA3-9044-876B-883B54F8677D}" type="slidenum">
+              <a:t>‹#›</a:t>
+            </a:fld>
+            <a:endParaRPr/>
           </a:p>
         </p:txBody>
       </p:sp>
@@ -9535,12 +9552,12 @@
   <p:clrMapOvr>
     <a:masterClrMapping/>
   </p:clrMapOvr>
-  <p:transition xmlns:p14="http://schemas.microsoft.com/office/powerpoint/2010/main" spd="med" advClick="1"/>
+  <p:transition spd="med"/>
 </p:sldLayout>
 </file>
 
 <file path=ppt/slideLayouts/slideLayout11.xml><?xml version="1.0" encoding="utf-8"?>
-<p:sldLayout xmlns:a="http://schemas.openxmlformats.org/drawingml/2006/main" xmlns:r="http://schemas.openxmlformats.org/officeDocument/2006/relationships" xmlns:p="http://schemas.openxmlformats.org/presentationml/2006/main" xmlns:m="http://schemas.openxmlformats.org/officeDocument/2006/math" xmlns:a14="http://schemas.microsoft.com/office/drawing/2010/main" type="tx" showMasterSp="1" showMasterPhAnim="1">
+<p:sldLayout xmlns:a="http://schemas.openxmlformats.org/drawingml/2006/main" xmlns:r="http://schemas.openxmlformats.org/officeDocument/2006/relationships" xmlns:p="http://schemas.openxmlformats.org/presentationml/2006/main" type="tx">
   <p:cSld name="Vertical Title and Text">
     <p:spTree>
       <p:nvGrpSpPr>
@@ -9559,7 +9576,9 @@
       <p:sp>
         <p:nvSpPr>
           <p:cNvPr id="114" name="Title Text"/>
-          <p:cNvSpPr txBox="1"/>
+          <p:cNvSpPr txBox="1">
+            <a:spLocks noGrp="1"/>
+          </p:cNvSpPr>
           <p:nvPr>
             <p:ph type="title"/>
           </p:nvPr>
@@ -9577,7 +9596,6 @@
           <a:bodyPr/>
           <a:lstStyle/>
           <a:p>
-            <a:pPr/>
             <a:r>
               <a:t>Title Text</a:t>
             </a:r>
@@ -9587,7 +9605,9 @@
       <p:sp>
         <p:nvSpPr>
           <p:cNvPr id="115" name="Body Level One…"/>
-          <p:cNvSpPr txBox="1"/>
+          <p:cNvSpPr txBox="1">
+            <a:spLocks noGrp="1"/>
+          </p:cNvSpPr>
           <p:nvPr>
             <p:ph type="body" idx="1"/>
           </p:nvPr>
@@ -9605,7 +9625,6 @@
           <a:bodyPr/>
           <a:lstStyle/>
           <a:p>
-            <a:pPr/>
             <a:r>
               <a:t>Body Level One</a:t>
             </a:r>
@@ -9660,14 +9679,16 @@
           <a:bodyPr lIns="45719" rIns="45719"/>
           <a:lstStyle/>
           <a:p>
-            <a:pPr/>
+            <a:endParaRPr/>
           </a:p>
         </p:txBody>
       </p:sp>
       <p:sp>
         <p:nvSpPr>
           <p:cNvPr id="117" name="Slide Number"/>
-          <p:cNvSpPr txBox="1"/>
+          <p:cNvSpPr txBox="1">
+            <a:spLocks noGrp="1"/>
+          </p:cNvSpPr>
           <p:nvPr>
             <p:ph type="sldNum" sz="quarter" idx="2"/>
           </p:nvPr>
@@ -9681,8 +9702,10 @@
           <a:bodyPr/>
           <a:lstStyle/>
           <a:p>
-            <a:pPr/>
-            <a:fld id="{86CB4B4D-7CA3-9044-876B-883B54F8677D}" type="slidenum"/>
+            <a:fld id="{86CB4B4D-7CA3-9044-876B-883B54F8677D}" type="slidenum">
+              <a:t>‹#›</a:t>
+            </a:fld>
+            <a:endParaRPr/>
           </a:p>
         </p:txBody>
       </p:sp>
@@ -9691,12 +9714,12 @@
   <p:clrMapOvr>
     <a:masterClrMapping/>
   </p:clrMapOvr>
-  <p:transition xmlns:p14="http://schemas.microsoft.com/office/powerpoint/2010/main" spd="med" advClick="1"/>
+  <p:transition spd="med"/>
 </p:sldLayout>
 </file>
 
 <file path=ppt/slideLayouts/slideLayout2.xml><?xml version="1.0" encoding="utf-8"?>
-<p:sldLayout xmlns:a="http://schemas.openxmlformats.org/drawingml/2006/main" xmlns:r="http://schemas.openxmlformats.org/officeDocument/2006/relationships" xmlns:p="http://schemas.openxmlformats.org/presentationml/2006/main" xmlns:m="http://schemas.openxmlformats.org/officeDocument/2006/math" xmlns:a14="http://schemas.microsoft.com/office/drawing/2010/main" type="tx" showMasterSp="1" showMasterPhAnim="1">
+<p:sldLayout xmlns:a="http://schemas.openxmlformats.org/drawingml/2006/main" xmlns:r="http://schemas.openxmlformats.org/officeDocument/2006/relationships" xmlns:p="http://schemas.openxmlformats.org/presentationml/2006/main" type="tx">
   <p:cSld name="Title and Content">
     <p:spTree>
       <p:nvGrpSpPr>
@@ -9736,14 +9759,16 @@
           <a:bodyPr lIns="45719" rIns="45719"/>
           <a:lstStyle/>
           <a:p>
-            <a:pPr/>
+            <a:endParaRPr/>
           </a:p>
         </p:txBody>
       </p:sp>
       <p:sp>
         <p:nvSpPr>
           <p:cNvPr id="24" name="Title Text"/>
-          <p:cNvSpPr txBox="1"/>
+          <p:cNvSpPr txBox="1">
+            <a:spLocks noGrp="1"/>
+          </p:cNvSpPr>
           <p:nvPr>
             <p:ph type="title"/>
           </p:nvPr>
@@ -9761,7 +9786,6 @@
           <a:bodyPr/>
           <a:lstStyle/>
           <a:p>
-            <a:pPr/>
             <a:r>
               <a:t>Title Text</a:t>
             </a:r>
@@ -9771,7 +9795,9 @@
       <p:sp>
         <p:nvSpPr>
           <p:cNvPr id="25" name="Body Level One…"/>
-          <p:cNvSpPr txBox="1"/>
+          <p:cNvSpPr txBox="1">
+            <a:spLocks noGrp="1"/>
+          </p:cNvSpPr>
           <p:nvPr>
             <p:ph type="body" idx="1"/>
           </p:nvPr>
@@ -9789,7 +9815,6 @@
           <a:bodyPr/>
           <a:lstStyle/>
           <a:p>
-            <a:pPr/>
             <a:r>
               <a:t>Body Level One</a:t>
             </a:r>
@@ -9823,7 +9848,9 @@
       <p:sp>
         <p:nvSpPr>
           <p:cNvPr id="26" name="Slide Number"/>
-          <p:cNvSpPr txBox="1"/>
+          <p:cNvSpPr txBox="1">
+            <a:spLocks noGrp="1"/>
+          </p:cNvSpPr>
           <p:nvPr>
             <p:ph type="sldNum" sz="quarter" idx="2"/>
           </p:nvPr>
@@ -9837,8 +9864,10 @@
           <a:bodyPr/>
           <a:lstStyle/>
           <a:p>
-            <a:pPr/>
-            <a:fld id="{86CB4B4D-7CA3-9044-876B-883B54F8677D}" type="slidenum"/>
+            <a:fld id="{86CB4B4D-7CA3-9044-876B-883B54F8677D}" type="slidenum">
+              <a:t>‹#›</a:t>
+            </a:fld>
+            <a:endParaRPr/>
           </a:p>
         </p:txBody>
       </p:sp>
@@ -9847,12 +9876,12 @@
   <p:clrMapOvr>
     <a:masterClrMapping/>
   </p:clrMapOvr>
-  <p:transition xmlns:p14="http://schemas.microsoft.com/office/powerpoint/2010/main" spd="med" advClick="1"/>
+  <p:transition spd="med"/>
 </p:sldLayout>
 </file>
 
 <file path=ppt/slideLayouts/slideLayout3.xml><?xml version="1.0" encoding="utf-8"?>
-<p:sldLayout xmlns:a="http://schemas.openxmlformats.org/drawingml/2006/main" xmlns:r="http://schemas.openxmlformats.org/officeDocument/2006/relationships" xmlns:p="http://schemas.openxmlformats.org/presentationml/2006/main" xmlns:m="http://schemas.openxmlformats.org/officeDocument/2006/math" xmlns:a14="http://schemas.microsoft.com/office/drawing/2010/main" type="tx" showMasterSp="1" showMasterPhAnim="1">
+<p:sldLayout xmlns:a="http://schemas.openxmlformats.org/drawingml/2006/main" xmlns:r="http://schemas.openxmlformats.org/officeDocument/2006/relationships" xmlns:p="http://schemas.openxmlformats.org/presentationml/2006/main" type="tx">
   <p:cSld name="Section Header">
     <p:spTree>
       <p:nvGrpSpPr>
@@ -9893,7 +9922,7 @@
           <a:bodyPr lIns="45719" rIns="45719"/>
           <a:lstStyle/>
           <a:p>
-            <a:pPr/>
+            <a:endParaRPr/>
           </a:p>
         </p:txBody>
       </p:sp>
@@ -9928,7 +9957,7 @@
             </a:cxnLst>
             <a:rect l="0" t="0" r="r" b="b"/>
             <a:pathLst>
-              <a:path w="21600" h="21600" fill="norm" stroke="1" extrusionOk="0">
+              <a:path w="21600" h="21600" extrusionOk="0">
                 <a:moveTo>
                   <a:pt x="21600" y="20731"/>
                 </a:moveTo>
@@ -18498,14 +18527,16 @@
           <a:bodyPr lIns="45719" rIns="45719"/>
           <a:lstStyle/>
           <a:p>
-            <a:pPr/>
+            <a:endParaRPr/>
           </a:p>
         </p:txBody>
       </p:sp>
       <p:sp>
         <p:nvSpPr>
           <p:cNvPr id="35" name="Title Text"/>
-          <p:cNvSpPr txBox="1"/>
+          <p:cNvSpPr txBox="1">
+            <a:spLocks noGrp="1"/>
+          </p:cNvSpPr>
           <p:nvPr>
             <p:ph type="title"/>
           </p:nvPr>
@@ -18527,7 +18558,6 @@
             </a:lvl1pPr>
           </a:lstStyle>
           <a:p>
-            <a:pPr/>
             <a:r>
               <a:t>Title Text</a:t>
             </a:r>
@@ -18537,7 +18567,9 @@
       <p:sp>
         <p:nvSpPr>
           <p:cNvPr id="36" name="Body Level One…"/>
-          <p:cNvSpPr txBox="1"/>
+          <p:cNvSpPr txBox="1">
+            <a:spLocks noGrp="1"/>
+          </p:cNvSpPr>
           <p:nvPr>
             <p:ph type="body" sz="quarter" idx="1"/>
           </p:nvPr>
@@ -18641,7 +18673,6 @@
             </a:lvl5pPr>
           </a:lstStyle>
           <a:p>
-            <a:pPr/>
             <a:r>
               <a:t>Body Level One</a:t>
             </a:r>
@@ -18696,14 +18727,16 @@
           <a:bodyPr lIns="45719" rIns="45719"/>
           <a:lstStyle/>
           <a:p>
-            <a:pPr/>
+            <a:endParaRPr/>
           </a:p>
         </p:txBody>
       </p:sp>
       <p:sp>
         <p:nvSpPr>
           <p:cNvPr id="38" name="Slide Number"/>
-          <p:cNvSpPr txBox="1"/>
+          <p:cNvSpPr txBox="1">
+            <a:spLocks noGrp="1"/>
+          </p:cNvSpPr>
           <p:nvPr>
             <p:ph type="sldNum" sz="quarter" idx="2"/>
           </p:nvPr>
@@ -18717,8 +18750,10 @@
           <a:bodyPr/>
           <a:lstStyle/>
           <a:p>
-            <a:pPr/>
-            <a:fld id="{86CB4B4D-7CA3-9044-876B-883B54F8677D}" type="slidenum"/>
+            <a:fld id="{86CB4B4D-7CA3-9044-876B-883B54F8677D}" type="slidenum">
+              <a:t>‹#›</a:t>
+            </a:fld>
+            <a:endParaRPr/>
           </a:p>
         </p:txBody>
       </p:sp>
@@ -18727,12 +18762,12 @@
   <p:clrMapOvr>
     <a:masterClrMapping/>
   </p:clrMapOvr>
-  <p:transition xmlns:p14="http://schemas.microsoft.com/office/powerpoint/2010/main" spd="med" advClick="1"/>
+  <p:transition spd="med"/>
 </p:sldLayout>
 </file>
 
 <file path=ppt/slideLayouts/slideLayout4.xml><?xml version="1.0" encoding="utf-8"?>
-<p:sldLayout xmlns:a="http://schemas.openxmlformats.org/drawingml/2006/main" xmlns:r="http://schemas.openxmlformats.org/officeDocument/2006/relationships" xmlns:p="http://schemas.openxmlformats.org/presentationml/2006/main" xmlns:m="http://schemas.openxmlformats.org/officeDocument/2006/math" xmlns:a14="http://schemas.microsoft.com/office/drawing/2010/main" type="tx" showMasterSp="1" showMasterPhAnim="1">
+<p:sldLayout xmlns:a="http://schemas.openxmlformats.org/drawingml/2006/main" xmlns:r="http://schemas.openxmlformats.org/officeDocument/2006/relationships" xmlns:p="http://schemas.openxmlformats.org/presentationml/2006/main" type="tx">
   <p:cSld name="Two Content">
     <p:spTree>
       <p:nvGrpSpPr>
@@ -18772,14 +18807,16 @@
           <a:bodyPr lIns="45719" rIns="45719"/>
           <a:lstStyle/>
           <a:p>
-            <a:pPr/>
+            <a:endParaRPr/>
           </a:p>
         </p:txBody>
       </p:sp>
       <p:sp>
         <p:nvSpPr>
           <p:cNvPr id="46" name="Title Text"/>
-          <p:cNvSpPr txBox="1"/>
+          <p:cNvSpPr txBox="1">
+            <a:spLocks noGrp="1"/>
+          </p:cNvSpPr>
           <p:nvPr>
             <p:ph type="title"/>
           </p:nvPr>
@@ -18797,7 +18834,6 @@
           <a:bodyPr/>
           <a:lstStyle/>
           <a:p>
-            <a:pPr/>
             <a:r>
               <a:t>Title Text</a:t>
             </a:r>
@@ -18807,7 +18843,9 @@
       <p:sp>
         <p:nvSpPr>
           <p:cNvPr id="47" name="Body Level One…"/>
-          <p:cNvSpPr txBox="1"/>
+          <p:cNvSpPr txBox="1">
+            <a:spLocks noGrp="1"/>
+          </p:cNvSpPr>
           <p:nvPr>
             <p:ph type="body" sz="half" idx="1"/>
           </p:nvPr>
@@ -18825,7 +18863,6 @@
           <a:bodyPr/>
           <a:lstStyle/>
           <a:p>
-            <a:pPr/>
             <a:r>
               <a:t>Body Level One</a:t>
             </a:r>
@@ -18859,7 +18896,9 @@
       <p:sp>
         <p:nvSpPr>
           <p:cNvPr id="48" name="Slide Number"/>
-          <p:cNvSpPr txBox="1"/>
+          <p:cNvSpPr txBox="1">
+            <a:spLocks noGrp="1"/>
+          </p:cNvSpPr>
           <p:nvPr>
             <p:ph type="sldNum" sz="quarter" idx="2"/>
           </p:nvPr>
@@ -18873,8 +18912,10 @@
           <a:bodyPr/>
           <a:lstStyle/>
           <a:p>
-            <a:pPr/>
-            <a:fld id="{86CB4B4D-7CA3-9044-876B-883B54F8677D}" type="slidenum"/>
+            <a:fld id="{86CB4B4D-7CA3-9044-876B-883B54F8677D}" type="slidenum">
+              <a:t>‹#›</a:t>
+            </a:fld>
+            <a:endParaRPr/>
           </a:p>
         </p:txBody>
       </p:sp>
@@ -18883,12 +18924,12 @@
   <p:clrMapOvr>
     <a:masterClrMapping/>
   </p:clrMapOvr>
-  <p:transition xmlns:p14="http://schemas.microsoft.com/office/powerpoint/2010/main" spd="med" advClick="1"/>
+  <p:transition spd="med"/>
 </p:sldLayout>
 </file>
 
 <file path=ppt/slideLayouts/slideLayout5.xml><?xml version="1.0" encoding="utf-8"?>
-<p:sldLayout xmlns:a="http://schemas.openxmlformats.org/drawingml/2006/main" xmlns:r="http://schemas.openxmlformats.org/officeDocument/2006/relationships" xmlns:p="http://schemas.openxmlformats.org/presentationml/2006/main" xmlns:m="http://schemas.openxmlformats.org/officeDocument/2006/math" xmlns:a14="http://schemas.microsoft.com/office/drawing/2010/main" type="tx" showMasterSp="1" showMasterPhAnim="1">
+<p:sldLayout xmlns:a="http://schemas.openxmlformats.org/drawingml/2006/main" xmlns:r="http://schemas.openxmlformats.org/officeDocument/2006/relationships" xmlns:p="http://schemas.openxmlformats.org/presentationml/2006/main" type="tx">
   <p:cSld name="Comparison">
     <p:spTree>
       <p:nvGrpSpPr>
@@ -18928,14 +18969,16 @@
           <a:bodyPr lIns="45719" rIns="45719"/>
           <a:lstStyle/>
           <a:p>
-            <a:pPr/>
+            <a:endParaRPr/>
           </a:p>
         </p:txBody>
       </p:sp>
       <p:sp>
         <p:nvSpPr>
           <p:cNvPr id="56" name="Title Text"/>
-          <p:cNvSpPr txBox="1"/>
+          <p:cNvSpPr txBox="1">
+            <a:spLocks noGrp="1"/>
+          </p:cNvSpPr>
           <p:nvPr>
             <p:ph type="title"/>
           </p:nvPr>
@@ -18953,7 +18996,6 @@
           <a:bodyPr/>
           <a:lstStyle/>
           <a:p>
-            <a:pPr/>
             <a:r>
               <a:t>Title Text</a:t>
             </a:r>
@@ -18963,7 +19005,9 @@
       <p:sp>
         <p:nvSpPr>
           <p:cNvPr id="57" name="Body Level One…"/>
-          <p:cNvSpPr txBox="1"/>
+          <p:cNvSpPr txBox="1">
+            <a:spLocks noGrp="1"/>
+          </p:cNvSpPr>
           <p:nvPr>
             <p:ph type="body" sz="quarter" idx="1"/>
           </p:nvPr>
@@ -19052,7 +19096,6 @@
             </a:lvl5pPr>
           </a:lstStyle>
           <a:p>
-            <a:pPr/>
             <a:r>
               <a:t>Body Level One</a:t>
             </a:r>
@@ -19086,7 +19129,9 @@
       <p:sp>
         <p:nvSpPr>
           <p:cNvPr id="58" name="Text Placeholder 4"/>
-          <p:cNvSpPr/>
+          <p:cNvSpPr>
+            <a:spLocks noGrp="1"/>
+          </p:cNvSpPr>
           <p:nvPr>
             <p:ph type="body" sz="quarter" idx="13"/>
           </p:nvPr>
@@ -19118,13 +19163,16 @@
                 </a:solidFill>
               </a:defRPr>
             </a:pPr>
+            <a:endParaRPr/>
           </a:p>
         </p:txBody>
       </p:sp>
       <p:sp>
         <p:nvSpPr>
           <p:cNvPr id="59" name="Slide Number"/>
-          <p:cNvSpPr txBox="1"/>
+          <p:cNvSpPr txBox="1">
+            <a:spLocks noGrp="1"/>
+          </p:cNvSpPr>
           <p:nvPr>
             <p:ph type="sldNum" sz="quarter" idx="2"/>
           </p:nvPr>
@@ -19138,8 +19186,10 @@
           <a:bodyPr/>
           <a:lstStyle/>
           <a:p>
-            <a:pPr/>
-            <a:fld id="{86CB4B4D-7CA3-9044-876B-883B54F8677D}" type="slidenum"/>
+            <a:fld id="{86CB4B4D-7CA3-9044-876B-883B54F8677D}" type="slidenum">
+              <a:t>‹#›</a:t>
+            </a:fld>
+            <a:endParaRPr/>
           </a:p>
         </p:txBody>
       </p:sp>
@@ -19148,12 +19198,12 @@
   <p:clrMapOvr>
     <a:masterClrMapping/>
   </p:clrMapOvr>
-  <p:transition xmlns:p14="http://schemas.microsoft.com/office/powerpoint/2010/main" spd="med" advClick="1"/>
+  <p:transition spd="med"/>
 </p:sldLayout>
 </file>
 
 <file path=ppt/slideLayouts/slideLayout6.xml><?xml version="1.0" encoding="utf-8"?>
-<p:sldLayout xmlns:a="http://schemas.openxmlformats.org/drawingml/2006/main" xmlns:r="http://schemas.openxmlformats.org/officeDocument/2006/relationships" xmlns:p="http://schemas.openxmlformats.org/presentationml/2006/main" xmlns:m="http://schemas.openxmlformats.org/officeDocument/2006/math" xmlns:a14="http://schemas.microsoft.com/office/drawing/2010/main" type="tx" showMasterSp="1" showMasterPhAnim="1">
+<p:sldLayout xmlns:a="http://schemas.openxmlformats.org/drawingml/2006/main" xmlns:r="http://schemas.openxmlformats.org/officeDocument/2006/relationships" xmlns:p="http://schemas.openxmlformats.org/presentationml/2006/main" type="tx">
   <p:cSld name="Title Only">
     <p:spTree>
       <p:nvGrpSpPr>
@@ -19193,14 +19243,16 @@
           <a:bodyPr lIns="45719" rIns="45719"/>
           <a:lstStyle/>
           <a:p>
-            <a:pPr/>
+            <a:endParaRPr/>
           </a:p>
         </p:txBody>
       </p:sp>
       <p:sp>
         <p:nvSpPr>
           <p:cNvPr id="67" name="Title Text"/>
-          <p:cNvSpPr txBox="1"/>
+          <p:cNvSpPr txBox="1">
+            <a:spLocks noGrp="1"/>
+          </p:cNvSpPr>
           <p:nvPr>
             <p:ph type="title"/>
           </p:nvPr>
@@ -19218,7 +19270,6 @@
           <a:bodyPr/>
           <a:lstStyle/>
           <a:p>
-            <a:pPr/>
             <a:r>
               <a:t>Title Text</a:t>
             </a:r>
@@ -19228,7 +19279,9 @@
       <p:sp>
         <p:nvSpPr>
           <p:cNvPr id="68" name="Slide Number"/>
-          <p:cNvSpPr txBox="1"/>
+          <p:cNvSpPr txBox="1">
+            <a:spLocks noGrp="1"/>
+          </p:cNvSpPr>
           <p:nvPr>
             <p:ph type="sldNum" sz="quarter" idx="2"/>
           </p:nvPr>
@@ -19242,8 +19295,10 @@
           <a:bodyPr/>
           <a:lstStyle/>
           <a:p>
-            <a:pPr/>
-            <a:fld id="{86CB4B4D-7CA3-9044-876B-883B54F8677D}" type="slidenum"/>
+            <a:fld id="{86CB4B4D-7CA3-9044-876B-883B54F8677D}" type="slidenum">
+              <a:t>‹#›</a:t>
+            </a:fld>
+            <a:endParaRPr/>
           </a:p>
         </p:txBody>
       </p:sp>
@@ -19252,12 +19307,12 @@
   <p:clrMapOvr>
     <a:masterClrMapping/>
   </p:clrMapOvr>
-  <p:transition xmlns:p14="http://schemas.microsoft.com/office/powerpoint/2010/main" spd="med" advClick="1"/>
+  <p:transition spd="med"/>
 </p:sldLayout>
 </file>
 
 <file path=ppt/slideLayouts/slideLayout7.xml><?xml version="1.0" encoding="utf-8"?>
-<p:sldLayout xmlns:a="http://schemas.openxmlformats.org/drawingml/2006/main" xmlns:r="http://schemas.openxmlformats.org/officeDocument/2006/relationships" xmlns:p="http://schemas.openxmlformats.org/presentationml/2006/main" xmlns:m="http://schemas.openxmlformats.org/officeDocument/2006/math" xmlns:a14="http://schemas.microsoft.com/office/drawing/2010/main" type="tx" showMasterSp="1" showMasterPhAnim="1">
+<p:sldLayout xmlns:a="http://schemas.openxmlformats.org/drawingml/2006/main" xmlns:r="http://schemas.openxmlformats.org/officeDocument/2006/relationships" xmlns:p="http://schemas.openxmlformats.org/presentationml/2006/main" type="tx">
   <p:cSld name="Blank">
     <p:spTree>
       <p:nvGrpSpPr>
@@ -19276,7 +19331,9 @@
       <p:sp>
         <p:nvSpPr>
           <p:cNvPr id="75" name="Slide Number"/>
-          <p:cNvSpPr txBox="1"/>
+          <p:cNvSpPr txBox="1">
+            <a:spLocks noGrp="1"/>
+          </p:cNvSpPr>
           <p:nvPr>
             <p:ph type="sldNum" sz="quarter" idx="2"/>
           </p:nvPr>
@@ -19290,8 +19347,10 @@
           <a:bodyPr/>
           <a:lstStyle/>
           <a:p>
-            <a:pPr/>
-            <a:fld id="{86CB4B4D-7CA3-9044-876B-883B54F8677D}" type="slidenum"/>
+            <a:fld id="{86CB4B4D-7CA3-9044-876B-883B54F8677D}" type="slidenum">
+              <a:t>‹#›</a:t>
+            </a:fld>
+            <a:endParaRPr/>
           </a:p>
         </p:txBody>
       </p:sp>
@@ -19300,12 +19359,12 @@
   <p:clrMapOvr>
     <a:masterClrMapping/>
   </p:clrMapOvr>
-  <p:transition xmlns:p14="http://schemas.microsoft.com/office/powerpoint/2010/main" spd="med" advClick="1"/>
+  <p:transition spd="med"/>
 </p:sldLayout>
 </file>
 
 <file path=ppt/slideLayouts/slideLayout8.xml><?xml version="1.0" encoding="utf-8"?>
-<p:sldLayout xmlns:a="http://schemas.openxmlformats.org/drawingml/2006/main" xmlns:r="http://schemas.openxmlformats.org/officeDocument/2006/relationships" xmlns:p="http://schemas.openxmlformats.org/presentationml/2006/main" xmlns:m="http://schemas.openxmlformats.org/officeDocument/2006/math" xmlns:a14="http://schemas.microsoft.com/office/drawing/2010/main" type="tx" showMasterSp="1" showMasterPhAnim="1">
+<p:sldLayout xmlns:a="http://schemas.openxmlformats.org/drawingml/2006/main" xmlns:r="http://schemas.openxmlformats.org/officeDocument/2006/relationships" xmlns:p="http://schemas.openxmlformats.org/presentationml/2006/main" type="tx">
   <p:cSld name="Content with Caption">
     <p:spTree>
       <p:nvGrpSpPr>
@@ -19345,14 +19404,16 @@
           <a:bodyPr lIns="45719" rIns="45719"/>
           <a:lstStyle/>
           <a:p>
-            <a:pPr/>
+            <a:endParaRPr/>
           </a:p>
         </p:txBody>
       </p:sp>
       <p:sp>
         <p:nvSpPr>
           <p:cNvPr id="83" name="Title Text"/>
-          <p:cNvSpPr txBox="1"/>
+          <p:cNvSpPr txBox="1">
+            <a:spLocks noGrp="1"/>
+          </p:cNvSpPr>
           <p:nvPr>
             <p:ph type="title"/>
           </p:nvPr>
@@ -19374,7 +19435,6 @@
             </a:lvl1pPr>
           </a:lstStyle>
           <a:p>
-            <a:pPr/>
             <a:r>
               <a:t>Title Text</a:t>
             </a:r>
@@ -19384,7 +19444,9 @@
       <p:sp>
         <p:nvSpPr>
           <p:cNvPr id="84" name="Body Level One…"/>
-          <p:cNvSpPr txBox="1"/>
+          <p:cNvSpPr txBox="1">
+            <a:spLocks noGrp="1"/>
+          </p:cNvSpPr>
           <p:nvPr>
             <p:ph type="body" sz="half" idx="1"/>
           </p:nvPr>
@@ -19418,7 +19480,6 @@
             </a:lvl5pPr>
           </a:lstStyle>
           <a:p>
-            <a:pPr/>
             <a:r>
               <a:t>Body Level One</a:t>
             </a:r>
@@ -19452,7 +19513,9 @@
       <p:sp>
         <p:nvSpPr>
           <p:cNvPr id="85" name="Text Placeholder 3"/>
-          <p:cNvSpPr/>
+          <p:cNvSpPr>
+            <a:spLocks noGrp="1"/>
+          </p:cNvSpPr>
           <p:nvPr>
             <p:ph type="body" sz="quarter" idx="13"/>
           </p:nvPr>
@@ -19483,13 +19546,16 @@
               <a:buNone/>
               <a:defRPr sz="1600"/>
             </a:pPr>
+            <a:endParaRPr/>
           </a:p>
         </p:txBody>
       </p:sp>
       <p:sp>
         <p:nvSpPr>
           <p:cNvPr id="86" name="Slide Number"/>
-          <p:cNvSpPr txBox="1"/>
+          <p:cNvSpPr txBox="1">
+            <a:spLocks noGrp="1"/>
+          </p:cNvSpPr>
           <p:nvPr>
             <p:ph type="sldNum" sz="quarter" idx="2"/>
           </p:nvPr>
@@ -19503,8 +19569,10 @@
           <a:bodyPr/>
           <a:lstStyle/>
           <a:p>
-            <a:pPr/>
-            <a:fld id="{86CB4B4D-7CA3-9044-876B-883B54F8677D}" type="slidenum"/>
+            <a:fld id="{86CB4B4D-7CA3-9044-876B-883B54F8677D}" type="slidenum">
+              <a:t>‹#›</a:t>
+            </a:fld>
+            <a:endParaRPr/>
           </a:p>
         </p:txBody>
       </p:sp>
@@ -19513,12 +19581,12 @@
   <p:clrMapOvr>
     <a:masterClrMapping/>
   </p:clrMapOvr>
-  <p:transition xmlns:p14="http://schemas.microsoft.com/office/powerpoint/2010/main" spd="med" advClick="1"/>
+  <p:transition spd="med"/>
 </p:sldLayout>
 </file>
 
 <file path=ppt/slideLayouts/slideLayout9.xml><?xml version="1.0" encoding="utf-8"?>
-<p:sldLayout xmlns:a="http://schemas.openxmlformats.org/drawingml/2006/main" xmlns:r="http://schemas.openxmlformats.org/officeDocument/2006/relationships" xmlns:p="http://schemas.openxmlformats.org/presentationml/2006/main" xmlns:m="http://schemas.openxmlformats.org/officeDocument/2006/math" xmlns:a14="http://schemas.microsoft.com/office/drawing/2010/main" type="tx" showMasterSp="1" showMasterPhAnim="1">
+<p:sldLayout xmlns:a="http://schemas.openxmlformats.org/drawingml/2006/main" xmlns:r="http://schemas.openxmlformats.org/officeDocument/2006/relationships" xmlns:p="http://schemas.openxmlformats.org/presentationml/2006/main" type="tx">
   <p:cSld name="Picture with Caption">
     <p:spTree>
       <p:nvGrpSpPr>
@@ -19537,7 +19605,9 @@
       <p:sp>
         <p:nvSpPr>
           <p:cNvPr id="93" name="Title Text"/>
-          <p:cNvSpPr txBox="1"/>
+          <p:cNvSpPr txBox="1">
+            <a:spLocks noGrp="1"/>
+          </p:cNvSpPr>
           <p:nvPr>
             <p:ph type="title"/>
           </p:nvPr>
@@ -19559,7 +19629,6 @@
             </a:lvl1pPr>
           </a:lstStyle>
           <a:p>
-            <a:pPr/>
             <a:r>
               <a:t>Title Text</a:t>
             </a:r>
@@ -19569,7 +19638,9 @@
       <p:sp>
         <p:nvSpPr>
           <p:cNvPr id="94" name="Picture Placeholder 2"/>
-          <p:cNvSpPr/>
+          <p:cNvSpPr>
+            <a:spLocks noGrp="1"/>
+          </p:cNvSpPr>
           <p:nvPr>
             <p:ph type="pic" idx="13"/>
           </p:nvPr>
@@ -19589,14 +19660,16 @@
           </a:bodyPr>
           <a:lstStyle/>
           <a:p>
-            <a:pPr/>
+            <a:endParaRPr/>
           </a:p>
         </p:txBody>
       </p:sp>
       <p:sp>
         <p:nvSpPr>
           <p:cNvPr id="95" name="Body Level One…"/>
-          <p:cNvSpPr txBox="1"/>
+          <p:cNvSpPr txBox="1">
+            <a:spLocks noGrp="1"/>
+          </p:cNvSpPr>
           <p:nvPr>
             <p:ph type="body" sz="quarter" idx="1"/>
           </p:nvPr>
@@ -19700,7 +19773,6 @@
             </a:lvl5pPr>
           </a:lstStyle>
           <a:p>
-            <a:pPr/>
             <a:r>
               <a:t>Body Level One</a:t>
             </a:r>
@@ -19755,14 +19827,16 @@
           <a:bodyPr lIns="45719" rIns="45719"/>
           <a:lstStyle/>
           <a:p>
-            <a:pPr/>
+            <a:endParaRPr/>
           </a:p>
         </p:txBody>
       </p:sp>
       <p:sp>
         <p:nvSpPr>
           <p:cNvPr id="97" name="Slide Number"/>
-          <p:cNvSpPr txBox="1"/>
+          <p:cNvSpPr txBox="1">
+            <a:spLocks noGrp="1"/>
+          </p:cNvSpPr>
           <p:nvPr>
             <p:ph type="sldNum" sz="quarter" idx="2"/>
           </p:nvPr>
@@ -19776,8 +19850,10 @@
           <a:bodyPr/>
           <a:lstStyle/>
           <a:p>
-            <a:pPr/>
-            <a:fld id="{86CB4B4D-7CA3-9044-876B-883B54F8677D}" type="slidenum"/>
+            <a:fld id="{86CB4B4D-7CA3-9044-876B-883B54F8677D}" type="slidenum">
+              <a:t>‹#›</a:t>
+            </a:fld>
+            <a:endParaRPr/>
           </a:p>
         </p:txBody>
       </p:sp>
@@ -19786,18 +19862,19 @@
   <p:clrMapOvr>
     <a:masterClrMapping/>
   </p:clrMapOvr>
-  <p:transition xmlns:p14="http://schemas.microsoft.com/office/powerpoint/2010/main" spd="med" advClick="1"/>
+  <p:transition spd="med"/>
 </p:sldLayout>
 </file>
 
 <file path=ppt/slideMasters/slideMaster1.xml><?xml version="1.0" encoding="utf-8"?>
-<p:sldMaster xmlns:a="http://schemas.openxmlformats.org/drawingml/2006/main" xmlns:r="http://schemas.openxmlformats.org/officeDocument/2006/relationships" xmlns:p="http://schemas.openxmlformats.org/presentationml/2006/main" xmlns:m="http://schemas.openxmlformats.org/officeDocument/2006/math" xmlns:a14="http://schemas.microsoft.com/office/drawing/2010/main">
+<p:sldMaster xmlns:a="http://schemas.openxmlformats.org/drawingml/2006/main" xmlns:r="http://schemas.openxmlformats.org/officeDocument/2006/relationships" xmlns:p="http://schemas.openxmlformats.org/presentationml/2006/main">
   <p:cSld>
     <p:bg>
       <p:bgPr>
         <a:solidFill>
           <a:srgbClr val="FFFFFF"/>
         </a:solidFill>
+        <a:effectLst/>
       </p:bgPr>
     </p:bg>
     <p:spTree>
@@ -19817,7 +19894,9 @@
       <p:sp>
         <p:nvSpPr>
           <p:cNvPr id="2" name="Title Text"/>
-          <p:cNvSpPr txBox="1"/>
+          <p:cNvSpPr txBox="1">
+            <a:spLocks noGrp="1"/>
+          </p:cNvSpPr>
           <p:nvPr>
             <p:ph type="title"/>
           </p:nvPr>
@@ -19835,17 +19914,16 @@
           </a:ln>
           <a:extLst>
             <a:ext uri="{C572A759-6A51-4108-AA02-DFA0A04FC94B}">
-              <ma14:wrappingTextBoxFlag xmlns:ma14="http://schemas.microsoft.com/office/mac/drawingml/2011/main" val="1"/>
+              <ma14:wrappingTextBoxFlag xmlns:ma14="http://schemas.microsoft.com/office/mac/drawingml/2011/main" xmlns:a14="http://schemas.microsoft.com/office/drawing/2010/main" xmlns:m="http://schemas.openxmlformats.org/officeDocument/2006/math" xmlns="" val="1"/>
             </a:ext>
           </a:extLst>
         </p:spPr>
         <p:txBody>
           <a:bodyPr lIns="45719" rIns="45719" anchor="ctr">
-            <a:normAutofit fontScale="100000" lnSpcReduction="0"/>
+            <a:normAutofit/>
           </a:bodyPr>
           <a:lstStyle/>
           <a:p>
-            <a:pPr/>
             <a:r>
               <a:t>Title Text</a:t>
             </a:r>
@@ -19855,7 +19933,9 @@
       <p:sp>
         <p:nvSpPr>
           <p:cNvPr id="3" name="Body Level One…"/>
-          <p:cNvSpPr txBox="1"/>
+          <p:cNvSpPr txBox="1">
+            <a:spLocks noGrp="1"/>
+          </p:cNvSpPr>
           <p:nvPr>
             <p:ph type="body" idx="1"/>
           </p:nvPr>
@@ -19873,17 +19953,16 @@
           </a:ln>
           <a:extLst>
             <a:ext uri="{C572A759-6A51-4108-AA02-DFA0A04FC94B}">
-              <ma14:wrappingTextBoxFlag xmlns:ma14="http://schemas.microsoft.com/office/mac/drawingml/2011/main" val="1"/>
+              <ma14:wrappingTextBoxFlag xmlns:ma14="http://schemas.microsoft.com/office/mac/drawingml/2011/main" xmlns:a14="http://schemas.microsoft.com/office/drawing/2010/main" xmlns:m="http://schemas.openxmlformats.org/officeDocument/2006/math" xmlns="" val="1"/>
             </a:ext>
           </a:extLst>
         </p:spPr>
         <p:txBody>
           <a:bodyPr lIns="45719" rIns="45719">
-            <a:normAutofit fontScale="100000" lnSpcReduction="0"/>
+            <a:normAutofit/>
           </a:bodyPr>
           <a:lstStyle/>
           <a:p>
-            <a:pPr/>
             <a:r>
               <a:t>Body Level One</a:t>
             </a:r>
@@ -19917,7 +19996,9 @@
       <p:sp>
         <p:nvSpPr>
           <p:cNvPr id="4" name="Slide Number"/>
-          <p:cNvSpPr txBox="1"/>
+          <p:cNvSpPr txBox="1">
+            <a:spLocks noGrp="1"/>
+          </p:cNvSpPr>
           <p:nvPr>
             <p:ph type="sldNum" sz="quarter" idx="2"/>
           </p:nvPr>
@@ -19952,8 +20033,10 @@
             </a:lvl1pPr>
           </a:lstStyle>
           <a:p>
-            <a:pPr/>
-            <a:fld id="{86CB4B4D-7CA3-9044-876B-883B54F8677D}" type="slidenum"/>
+            <a:fld id="{86CB4B4D-7CA3-9044-876B-883B54F8677D}" type="slidenum">
+              <a:t>‹#›</a:t>
+            </a:fld>
+            <a:endParaRPr/>
           </a:p>
         </p:txBody>
       </p:sp>
@@ -19961,19 +20044,19 @@
   </p:cSld>
   <p:clrMap bg1="lt1" tx1="dk1" bg2="lt2" tx2="dk2" accent1="accent1" accent2="accent2" accent3="accent3" accent4="accent4" accent5="accent5" accent6="accent6" hlink="hlink" folHlink="folHlink"/>
   <p:sldLayoutIdLst>
-    <p:sldLayoutId id="2147483649" r:id="rId2"/>
-    <p:sldLayoutId id="2147483650" r:id="rId3"/>
-    <p:sldLayoutId id="2147483651" r:id="rId4"/>
-    <p:sldLayoutId id="2147483652" r:id="rId5"/>
-    <p:sldLayoutId id="2147483653" r:id="rId6"/>
-    <p:sldLayoutId id="2147483654" r:id="rId7"/>
-    <p:sldLayoutId id="2147483655" r:id="rId8"/>
-    <p:sldLayoutId id="2147483656" r:id="rId9"/>
-    <p:sldLayoutId id="2147483657" r:id="rId10"/>
-    <p:sldLayoutId id="2147483658" r:id="rId11"/>
-    <p:sldLayoutId id="2147483659" r:id="rId12"/>
+    <p:sldLayoutId id="2147483649" r:id="rId1"/>
+    <p:sldLayoutId id="2147483650" r:id="rId2"/>
+    <p:sldLayoutId id="2147483651" r:id="rId3"/>
+    <p:sldLayoutId id="2147483652" r:id="rId4"/>
+    <p:sldLayoutId id="2147483653" r:id="rId5"/>
+    <p:sldLayoutId id="2147483654" r:id="rId6"/>
+    <p:sldLayoutId id="2147483655" r:id="rId7"/>
+    <p:sldLayoutId id="2147483656" r:id="rId8"/>
+    <p:sldLayoutId id="2147483657" r:id="rId9"/>
+    <p:sldLayoutId id="2147483658" r:id="rId10"/>
+    <p:sldLayoutId id="2147483659" r:id="rId11"/>
   </p:sldLayoutIdLst>
-  <p:transition xmlns:p14="http://schemas.microsoft.com/office/powerpoint/2010/main" spd="med" advClick="1"/>
+  <p:transition spd="med"/>
   <p:txStyles>
     <p:titleStyle>
       <a:lvl1pPr marL="0" marR="0" indent="0" algn="l" defTabSz="914400" rtl="0" latinLnBrk="0">
@@ -19991,7 +20074,7 @@
         <a:buFontTx/>
         <a:buNone/>
         <a:tabLst/>
-        <a:defRPr b="0" baseline="0" cap="all" i="0" spc="100" strike="noStrike" sz="5000" u="none">
+        <a:defRPr sz="5000" b="0" i="0" u="none" strike="noStrike" cap="all" spc="100" baseline="0">
           <a:ln>
             <a:noFill/>
           </a:ln>
@@ -20020,7 +20103,7 @@
         <a:buFontTx/>
         <a:buNone/>
         <a:tabLst/>
-        <a:defRPr b="0" baseline="0" cap="all" i="0" spc="100" strike="noStrike" sz="5000" u="none">
+        <a:defRPr sz="5000" b="0" i="0" u="none" strike="noStrike" cap="all" spc="100" baseline="0">
           <a:ln>
             <a:noFill/>
           </a:ln>
@@ -20049,7 +20132,7 @@
         <a:buFontTx/>
         <a:buNone/>
         <a:tabLst/>
-        <a:defRPr b="0" baseline="0" cap="all" i="0" spc="100" strike="noStrike" sz="5000" u="none">
+        <a:defRPr sz="5000" b="0" i="0" u="none" strike="noStrike" cap="all" spc="100" baseline="0">
           <a:ln>
             <a:noFill/>
           </a:ln>
@@ -20078,7 +20161,7 @@
         <a:buFontTx/>
         <a:buNone/>
         <a:tabLst/>
-        <a:defRPr b="0" baseline="0" cap="all" i="0" spc="100" strike="noStrike" sz="5000" u="none">
+        <a:defRPr sz="5000" b="0" i="0" u="none" strike="noStrike" cap="all" spc="100" baseline="0">
           <a:ln>
             <a:noFill/>
           </a:ln>
@@ -20107,7 +20190,7 @@
         <a:buFontTx/>
         <a:buNone/>
         <a:tabLst/>
-        <a:defRPr b="0" baseline="0" cap="all" i="0" spc="100" strike="noStrike" sz="5000" u="none">
+        <a:defRPr sz="5000" b="0" i="0" u="none" strike="noStrike" cap="all" spc="100" baseline="0">
           <a:ln>
             <a:noFill/>
           </a:ln>
@@ -20136,7 +20219,7 @@
         <a:buFontTx/>
         <a:buNone/>
         <a:tabLst/>
-        <a:defRPr b="0" baseline="0" cap="all" i="0" spc="100" strike="noStrike" sz="5000" u="none">
+        <a:defRPr sz="5000" b="0" i="0" u="none" strike="noStrike" cap="all" spc="100" baseline="0">
           <a:ln>
             <a:noFill/>
           </a:ln>
@@ -20165,7 +20248,7 @@
         <a:buFontTx/>
         <a:buNone/>
         <a:tabLst/>
-        <a:defRPr b="0" baseline="0" cap="all" i="0" spc="100" strike="noStrike" sz="5000" u="none">
+        <a:defRPr sz="5000" b="0" i="0" u="none" strike="noStrike" cap="all" spc="100" baseline="0">
           <a:ln>
             <a:noFill/>
           </a:ln>
@@ -20194,7 +20277,7 @@
         <a:buFontTx/>
         <a:buNone/>
         <a:tabLst/>
-        <a:defRPr b="0" baseline="0" cap="all" i="0" spc="100" strike="noStrike" sz="5000" u="none">
+        <a:defRPr sz="5000" b="0" i="0" u="none" strike="noStrike" cap="all" spc="100" baseline="0">
           <a:ln>
             <a:noFill/>
           </a:ln>
@@ -20223,7 +20306,7 @@
         <a:buFontTx/>
         <a:buNone/>
         <a:tabLst/>
-        <a:defRPr b="0" baseline="0" cap="all" i="0" spc="100" strike="noStrike" sz="5000" u="none">
+        <a:defRPr sz="5000" b="0" i="0" u="none" strike="noStrike" cap="all" spc="100" baseline="0">
           <a:ln>
             <a:noFill/>
           </a:ln>
@@ -20256,7 +20339,7 @@
         <a:buFont typeface="Tw Cen MT"/>
         <a:buChar char=" "/>
         <a:tabLst/>
-        <a:defRPr b="0" baseline="0" cap="none" i="0" spc="0" strike="noStrike" sz="2200" u="none">
+        <a:defRPr sz="2200" b="0" i="0" u="none" strike="noStrike" cap="none" spc="0" baseline="0">
           <a:ln>
             <a:noFill/>
           </a:ln>
@@ -20287,7 +20370,7 @@
         <a:buFont typeface="Tw Cen MT"/>
         <a:buChar char=""/>
         <a:tabLst/>
-        <a:defRPr b="0" baseline="0" cap="none" i="0" spc="0" strike="noStrike" sz="2200" u="none">
+        <a:defRPr sz="2200" b="0" i="0" u="none" strike="noStrike" cap="none" spc="0" baseline="0">
           <a:ln>
             <a:noFill/>
           </a:ln>
@@ -20318,7 +20401,7 @@
         <a:buFont typeface="Tw Cen MT"/>
         <a:buChar char=""/>
         <a:tabLst/>
-        <a:defRPr b="0" baseline="0" cap="none" i="0" spc="0" strike="noStrike" sz="2200" u="none">
+        <a:defRPr sz="2200" b="0" i="0" u="none" strike="noStrike" cap="none" spc="0" baseline="0">
           <a:ln>
             <a:noFill/>
           </a:ln>
@@ -20349,7 +20432,7 @@
         <a:buFont typeface="Tw Cen MT"/>
         <a:buChar char=""/>
         <a:tabLst/>
-        <a:defRPr b="0" baseline="0" cap="none" i="0" spc="0" strike="noStrike" sz="2200" u="none">
+        <a:defRPr sz="2200" b="0" i="0" u="none" strike="noStrike" cap="none" spc="0" baseline="0">
           <a:ln>
             <a:noFill/>
           </a:ln>
@@ -20380,7 +20463,7 @@
         <a:buFont typeface="Tw Cen MT"/>
         <a:buChar char=""/>
         <a:tabLst/>
-        <a:defRPr b="0" baseline="0" cap="none" i="0" spc="0" strike="noStrike" sz="2200" u="none">
+        <a:defRPr sz="2200" b="0" i="0" u="none" strike="noStrike" cap="none" spc="0" baseline="0">
           <a:ln>
             <a:noFill/>
           </a:ln>
@@ -20411,7 +20494,7 @@
         <a:buFont typeface="Tw Cen MT"/>
         <a:buChar char=""/>
         <a:tabLst/>
-        <a:defRPr b="0" baseline="0" cap="none" i="0" spc="0" strike="noStrike" sz="2200" u="none">
+        <a:defRPr sz="2200" b="0" i="0" u="none" strike="noStrike" cap="none" spc="0" baseline="0">
           <a:ln>
             <a:noFill/>
           </a:ln>
@@ -20442,7 +20525,7 @@
         <a:buFont typeface="Tw Cen MT"/>
         <a:buChar char=""/>
         <a:tabLst/>
-        <a:defRPr b="0" baseline="0" cap="none" i="0" spc="0" strike="noStrike" sz="2200" u="none">
+        <a:defRPr sz="2200" b="0" i="0" u="none" strike="noStrike" cap="none" spc="0" baseline="0">
           <a:ln>
             <a:noFill/>
           </a:ln>
@@ -20473,7 +20556,7 @@
         <a:buFont typeface="Tw Cen MT"/>
         <a:buChar char=""/>
         <a:tabLst/>
-        <a:defRPr b="0" baseline="0" cap="none" i="0" spc="0" strike="noStrike" sz="2200" u="none">
+        <a:defRPr sz="2200" b="0" i="0" u="none" strike="noStrike" cap="none" spc="0" baseline="0">
           <a:ln>
             <a:noFill/>
           </a:ln>
@@ -20504,7 +20587,7 @@
         <a:buFont typeface="Tw Cen MT"/>
         <a:buChar char=""/>
         <a:tabLst/>
-        <a:defRPr b="0" baseline="0" cap="none" i="0" spc="0" strike="noStrike" sz="2200" u="none">
+        <a:defRPr sz="2200" b="0" i="0" u="none" strike="noStrike" cap="none" spc="0" baseline="0">
           <a:ln>
             <a:noFill/>
           </a:ln>
@@ -20535,7 +20618,7 @@
         <a:buFontTx/>
         <a:buNone/>
         <a:tabLst/>
-        <a:defRPr b="0" baseline="0" cap="none" i="0" spc="0" strike="noStrike" sz="1000" u="none">
+        <a:defRPr sz="1000" b="0" i="0" u="none" strike="noStrike" cap="none" spc="0" baseline="0">
           <a:ln>
             <a:noFill/>
           </a:ln>
@@ -20564,7 +20647,7 @@
         <a:buFontTx/>
         <a:buNone/>
         <a:tabLst/>
-        <a:defRPr b="0" baseline="0" cap="none" i="0" spc="0" strike="noStrike" sz="1000" u="none">
+        <a:defRPr sz="1000" b="0" i="0" u="none" strike="noStrike" cap="none" spc="0" baseline="0">
           <a:ln>
             <a:noFill/>
           </a:ln>
@@ -20593,7 +20676,7 @@
         <a:buFontTx/>
         <a:buNone/>
         <a:tabLst/>
-        <a:defRPr b="0" baseline="0" cap="none" i="0" spc="0" strike="noStrike" sz="1000" u="none">
+        <a:defRPr sz="1000" b="0" i="0" u="none" strike="noStrike" cap="none" spc="0" baseline="0">
           <a:ln>
             <a:noFill/>
           </a:ln>
@@ -20622,7 +20705,7 @@
         <a:buFontTx/>
         <a:buNone/>
         <a:tabLst/>
-        <a:defRPr b="0" baseline="0" cap="none" i="0" spc="0" strike="noStrike" sz="1000" u="none">
+        <a:defRPr sz="1000" b="0" i="0" u="none" strike="noStrike" cap="none" spc="0" baseline="0">
           <a:ln>
             <a:noFill/>
           </a:ln>
@@ -20651,7 +20734,7 @@
         <a:buFontTx/>
         <a:buNone/>
         <a:tabLst/>
-        <a:defRPr b="0" baseline="0" cap="none" i="0" spc="0" strike="noStrike" sz="1000" u="none">
+        <a:defRPr sz="1000" b="0" i="0" u="none" strike="noStrike" cap="none" spc="0" baseline="0">
           <a:ln>
             <a:noFill/>
           </a:ln>
@@ -20680,7 +20763,7 @@
         <a:buFontTx/>
         <a:buNone/>
         <a:tabLst/>
-        <a:defRPr b="0" baseline="0" cap="none" i="0" spc="0" strike="noStrike" sz="1000" u="none">
+        <a:defRPr sz="1000" b="0" i="0" u="none" strike="noStrike" cap="none" spc="0" baseline="0">
           <a:ln>
             <a:noFill/>
           </a:ln>
@@ -20709,7 +20792,7 @@
         <a:buFontTx/>
         <a:buNone/>
         <a:tabLst/>
-        <a:defRPr b="0" baseline="0" cap="none" i="0" spc="0" strike="noStrike" sz="1000" u="none">
+        <a:defRPr sz="1000" b="0" i="0" u="none" strike="noStrike" cap="none" spc="0" baseline="0">
           <a:ln>
             <a:noFill/>
           </a:ln>
@@ -20738,7 +20821,7 @@
         <a:buFontTx/>
         <a:buNone/>
         <a:tabLst/>
-        <a:defRPr b="0" baseline="0" cap="none" i="0" spc="0" strike="noStrike" sz="1000" u="none">
+        <a:defRPr sz="1000" b="0" i="0" u="none" strike="noStrike" cap="none" spc="0" baseline="0">
           <a:ln>
             <a:noFill/>
           </a:ln>
@@ -20767,7 +20850,7 @@
         <a:buFontTx/>
         <a:buNone/>
         <a:tabLst/>
-        <a:defRPr b="0" baseline="0" cap="none" i="0" spc="0" strike="noStrike" sz="1000" u="none">
+        <a:defRPr sz="1000" b="0" i="0" u="none" strike="noStrike" cap="none" spc="0" baseline="0">
           <a:ln>
             <a:noFill/>
           </a:ln>
@@ -20787,7 +20870,7 @@
 </file>
 
 <file path=ppt/slides/slide1.xml><?xml version="1.0" encoding="utf-8"?>
-<p:sld xmlns:a="http://schemas.openxmlformats.org/drawingml/2006/main" xmlns:r="http://schemas.openxmlformats.org/officeDocument/2006/relationships" xmlns:p="http://schemas.openxmlformats.org/presentationml/2006/main" xmlns:m="http://schemas.openxmlformats.org/officeDocument/2006/math" xmlns:a14="http://schemas.microsoft.com/office/drawing/2010/main" showMasterSp="1" showMasterPhAnim="1">
+<p:sld xmlns:a="http://schemas.openxmlformats.org/drawingml/2006/main" xmlns:r="http://schemas.openxmlformats.org/officeDocument/2006/relationships" xmlns:p="http://schemas.openxmlformats.org/presentationml/2006/main">
   <p:cSld>
     <p:spTree>
       <p:nvGrpSpPr>
@@ -20806,7 +20889,9 @@
       <p:sp>
         <p:nvSpPr>
           <p:cNvPr id="126" name="Title 1"/>
-          <p:cNvSpPr txBox="1"/>
+          <p:cNvSpPr txBox="1">
+            <a:spLocks noGrp="1"/>
+          </p:cNvSpPr>
           <p:nvPr>
             <p:ph type="ctrTitle"/>
           </p:nvPr>
@@ -20826,17 +20911,20 @@
             <a:lvl1pPr algn="ctr"/>
           </a:lstStyle>
           <a:p>
-            <a:pPr/>
             <a:r>
+              <a:rPr dirty="0" err="1"/>
               <a:t>界面原型</a:t>
             </a:r>
+            <a:endParaRPr dirty="0"/>
           </a:p>
         </p:txBody>
       </p:sp>
       <p:sp>
         <p:nvSpPr>
           <p:cNvPr id="127" name="Subtitle 2"/>
-          <p:cNvSpPr txBox="1"/>
+          <p:cNvSpPr txBox="1">
+            <a:spLocks noGrp="1"/>
+          </p:cNvSpPr>
           <p:nvPr>
             <p:ph type="subTitle" sz="quarter" idx="1"/>
           </p:nvPr>
@@ -20880,7 +20968,9 @@
       <p:sp>
         <p:nvSpPr>
           <p:cNvPr id="128" name="Slide Number"/>
-          <p:cNvSpPr txBox="1"/>
+          <p:cNvSpPr txBox="1">
+            <a:spLocks noGrp="1"/>
+          </p:cNvSpPr>
           <p:nvPr>
             <p:ph type="sldNum" sz="quarter" idx="4294967295"/>
           </p:nvPr>
@@ -20895,7 +20985,7 @@
           </a:prstGeom>
           <a:extLst>
             <a:ext uri="{C572A759-6A51-4108-AA02-DFA0A04FC94B}">
-              <ma14:wrappingTextBoxFlag xmlns:ma14="http://schemas.microsoft.com/office/mac/drawingml/2011/main" val="1"/>
+              <ma14:wrappingTextBoxFlag xmlns:ma14="http://schemas.microsoft.com/office/mac/drawingml/2011/main" xmlns:a14="http://schemas.microsoft.com/office/drawing/2010/main" xmlns:m="http://schemas.openxmlformats.org/officeDocument/2006/math" xmlns="" val="1"/>
             </a:ext>
           </a:extLst>
         </p:spPr>
@@ -20907,8 +20997,10 @@
             </a:lvl1pPr>
           </a:lstStyle>
           <a:p>
-            <a:pPr/>
-            <a:fld id="{86CB4B4D-7CA3-9044-876B-883B54F8677D}" type="slidenum"/>
+            <a:fld id="{86CB4B4D-7CA3-9044-876B-883B54F8677D}" type="slidenum">
+              <a:t>1</a:t>
+            </a:fld>
+            <a:endParaRPr/>
           </a:p>
         </p:txBody>
       </p:sp>
@@ -20917,12 +21009,23 @@
   <p:clrMapOvr>
     <a:masterClrMapping/>
   </p:clrMapOvr>
-  <p:transition xmlns:p14="http://schemas.microsoft.com/office/powerpoint/2010/main" spd="med" advClick="1"/>
+  <mc:AlternateContent xmlns:mc="http://schemas.openxmlformats.org/markup-compatibility/2006">
+    <mc:Choice xmlns:p15="http://schemas.microsoft.com/office/powerpoint/2012/main" Requires="p15">
+      <p:transition xmlns:p14="http://schemas.microsoft.com/office/powerpoint/2010/main" spd="slow" p14:dur="1250">
+        <p15:prstTrans prst="peelOff"/>
+      </p:transition>
+    </mc:Choice>
+    <mc:Fallback>
+      <p:transition spd="slow">
+        <p:fade/>
+      </p:transition>
+    </mc:Fallback>
+  </mc:AlternateContent>
 </p:sld>
 </file>
 
 <file path=ppt/slides/slide10.xml><?xml version="1.0" encoding="utf-8"?>
-<p:sld xmlns:a="http://schemas.openxmlformats.org/drawingml/2006/main" xmlns:r="http://schemas.openxmlformats.org/officeDocument/2006/relationships" xmlns:p="http://schemas.openxmlformats.org/presentationml/2006/main" xmlns:m="http://schemas.openxmlformats.org/officeDocument/2006/math" xmlns:a14="http://schemas.microsoft.com/office/drawing/2010/main" showMasterSp="1" showMasterPhAnim="1">
+<p:sld xmlns:a="http://schemas.openxmlformats.org/drawingml/2006/main" xmlns:r="http://schemas.openxmlformats.org/officeDocument/2006/relationships" xmlns:p="http://schemas.openxmlformats.org/presentationml/2006/main">
   <p:cSld>
     <p:spTree>
       <p:nvGrpSpPr>
@@ -20941,7 +21044,9 @@
       <p:sp>
         <p:nvSpPr>
           <p:cNvPr id="176" name="Title 1"/>
-          <p:cNvSpPr txBox="1"/>
+          <p:cNvSpPr txBox="1">
+            <a:spLocks noGrp="1"/>
+          </p:cNvSpPr>
           <p:nvPr>
             <p:ph type="title"/>
           </p:nvPr>
@@ -20959,7 +21064,6 @@
           <a:bodyPr/>
           <a:lstStyle/>
           <a:p>
-            <a:pPr/>
             <a:r>
               <a:t>目标导向设计-建模阶段</a:t>
             </a:r>
@@ -20969,7 +21073,9 @@
       <p:sp>
         <p:nvSpPr>
           <p:cNvPr id="177" name="Content Placeholder 2"/>
-          <p:cNvSpPr txBox="1"/>
+          <p:cNvSpPr txBox="1">
+            <a:spLocks noGrp="1"/>
+          </p:cNvSpPr>
           <p:nvPr>
             <p:ph type="body" idx="1"/>
           </p:nvPr>
@@ -20991,7 +21097,7 @@
               <a:spcBef>
                 <a:spcPts val="1100"/>
               </a:spcBef>
-              <a:defRPr b="1" sz="2112"/>
+              <a:defRPr sz="2112" b="1"/>
             </a:pPr>
             <a:r>
               <a:t>建模</a:t>
@@ -21029,13 +21135,14 @@
               </a:spcBef>
               <a:defRPr sz="2304"/>
             </a:pPr>
+            <a:endParaRPr/>
           </a:p>
           <a:p>
             <a:pPr marL="87782" indent="-87782" defTabSz="877823">
               <a:spcBef>
                 <a:spcPts val="1100"/>
               </a:spcBef>
-              <a:defRPr b="1" sz="2304"/>
+              <a:defRPr sz="2304" b="1"/>
             </a:pPr>
             <a:r>
               <a:t>领域模型</a:t>
@@ -21044,14 +21151,13 @@
               <a:rPr b="0"/>
               <a:t>包括了信息流和工作流程的图表</a:t>
             </a:r>
-            <a:endParaRPr b="0"/>
           </a:p>
           <a:p>
             <a:pPr marL="87782" indent="-87782" defTabSz="877823">
               <a:spcBef>
                 <a:spcPts val="1100"/>
               </a:spcBef>
-              <a:defRPr b="1" sz="2304"/>
+              <a:defRPr sz="2304" b="1"/>
             </a:pPr>
             <a:endParaRPr b="0"/>
           </a:p>
@@ -21060,7 +21166,7 @@
               <a:spcBef>
                 <a:spcPts val="1100"/>
               </a:spcBef>
-              <a:defRPr b="1" sz="2304"/>
+              <a:defRPr sz="2304" b="1"/>
             </a:pPr>
             <a:r>
               <a:t>用户模型</a:t>
@@ -21082,7 +21188,9 @@
       <p:sp>
         <p:nvSpPr>
           <p:cNvPr id="178" name="Slide Number"/>
-          <p:cNvSpPr txBox="1"/>
+          <p:cNvSpPr txBox="1">
+            <a:spLocks noGrp="1"/>
+          </p:cNvSpPr>
           <p:nvPr>
             <p:ph type="sldNum" sz="quarter" idx="4294967295"/>
           </p:nvPr>
@@ -21093,7 +21201,7 @@
           </a:prstGeom>
           <a:extLst>
             <a:ext uri="{C572A759-6A51-4108-AA02-DFA0A04FC94B}">
-              <ma14:wrappingTextBoxFlag xmlns:ma14="http://schemas.microsoft.com/office/mac/drawingml/2011/main" val="1"/>
+              <ma14:wrappingTextBoxFlag xmlns:ma14="http://schemas.microsoft.com/office/mac/drawingml/2011/main" xmlns:a14="http://schemas.microsoft.com/office/drawing/2010/main" xmlns:m="http://schemas.openxmlformats.org/officeDocument/2006/math" xmlns="" val="1"/>
             </a:ext>
           </a:extLst>
         </p:spPr>
@@ -21101,8 +21209,10 @@
           <a:bodyPr/>
           <a:lstStyle/>
           <a:p>
-            <a:pPr/>
-            <a:fld id="{86CB4B4D-7CA3-9044-876B-883B54F8677D}" type="slidenum"/>
+            <a:fld id="{86CB4B4D-7CA3-9044-876B-883B54F8677D}" type="slidenum">
+              <a:t>10</a:t>
+            </a:fld>
+            <a:endParaRPr/>
           </a:p>
         </p:txBody>
       </p:sp>
@@ -21111,12 +21221,23 @@
   <p:clrMapOvr>
     <a:masterClrMapping/>
   </p:clrMapOvr>
-  <p:transition xmlns:p14="http://schemas.microsoft.com/office/powerpoint/2010/main" spd="med" advClick="1"/>
+  <mc:AlternateContent xmlns:mc="http://schemas.openxmlformats.org/markup-compatibility/2006">
+    <mc:Choice xmlns:p15="http://schemas.microsoft.com/office/powerpoint/2012/main" Requires="p15">
+      <p:transition xmlns:p14="http://schemas.microsoft.com/office/powerpoint/2010/main" spd="slow" p14:dur="1250">
+        <p15:prstTrans prst="peelOff"/>
+      </p:transition>
+    </mc:Choice>
+    <mc:Fallback>
+      <p:transition spd="slow">
+        <p:fade/>
+      </p:transition>
+    </mc:Fallback>
+  </mc:AlternateContent>
 </p:sld>
 </file>
 
 <file path=ppt/slides/slide11.xml><?xml version="1.0" encoding="utf-8"?>
-<p:sld xmlns:a="http://schemas.openxmlformats.org/drawingml/2006/main" xmlns:r="http://schemas.openxmlformats.org/officeDocument/2006/relationships" xmlns:p="http://schemas.openxmlformats.org/presentationml/2006/main" xmlns:m="http://schemas.openxmlformats.org/officeDocument/2006/math" xmlns:a14="http://schemas.microsoft.com/office/drawing/2010/main" showMasterSp="1" showMasterPhAnim="1">
+<p:sld xmlns:a="http://schemas.openxmlformats.org/drawingml/2006/main" xmlns:r="http://schemas.openxmlformats.org/officeDocument/2006/relationships" xmlns:p="http://schemas.openxmlformats.org/presentationml/2006/main">
   <p:cSld>
     <p:spTree>
       <p:nvGrpSpPr>
@@ -21135,7 +21256,9 @@
       <p:sp>
         <p:nvSpPr>
           <p:cNvPr id="180" name="Title 1"/>
-          <p:cNvSpPr txBox="1"/>
+          <p:cNvSpPr txBox="1">
+            <a:spLocks noGrp="1"/>
+          </p:cNvSpPr>
           <p:nvPr>
             <p:ph type="title"/>
           </p:nvPr>
@@ -21153,7 +21276,6 @@
           <a:bodyPr/>
           <a:lstStyle/>
           <a:p>
-            <a:pPr/>
             <a:r>
               <a:t>目标导向设计-建模阶段</a:t>
             </a:r>
@@ -21163,7 +21285,9 @@
       <p:sp>
         <p:nvSpPr>
           <p:cNvPr id="181" name="Content Placeholder 2"/>
-          <p:cNvSpPr txBox="1"/>
+          <p:cNvSpPr txBox="1">
+            <a:spLocks noGrp="1"/>
+          </p:cNvSpPr>
           <p:nvPr>
             <p:ph type="body" idx="1"/>
           </p:nvPr>
@@ -21199,7 +21323,6 @@
               <a:rPr b="0"/>
               <a:t>有关程序如何实际工作的表达[1]</a:t>
             </a:r>
-            <a:endParaRPr b="0"/>
           </a:p>
           <a:p>
             <a:pPr>
@@ -21208,7 +21331,6 @@
             <a:endParaRPr b="0"/>
           </a:p>
           <a:p>
-            <a:pPr/>
             <a:r>
               <a:rPr b="1"/>
               <a:t>心理模型（Mental Model）</a:t>
@@ -21218,7 +21340,6 @@
             </a:r>
           </a:p>
           <a:p>
-            <a:pPr/>
             <a:r>
               <a:t>例如：在电影观众看来，放映机只不过是在大屏幕上投射出移动的图片而已。</a:t>
             </a:r>
@@ -21228,7 +21349,9 @@
       <p:sp>
         <p:nvSpPr>
           <p:cNvPr id="182" name="Slide Number"/>
-          <p:cNvSpPr txBox="1"/>
+          <p:cNvSpPr txBox="1">
+            <a:spLocks noGrp="1"/>
+          </p:cNvSpPr>
           <p:nvPr>
             <p:ph type="sldNum" sz="quarter" idx="4294967295"/>
           </p:nvPr>
@@ -21239,7 +21362,7 @@
           </a:prstGeom>
           <a:extLst>
             <a:ext uri="{C572A759-6A51-4108-AA02-DFA0A04FC94B}">
-              <ma14:wrappingTextBoxFlag xmlns:ma14="http://schemas.microsoft.com/office/mac/drawingml/2011/main" val="1"/>
+              <ma14:wrappingTextBoxFlag xmlns:ma14="http://schemas.microsoft.com/office/mac/drawingml/2011/main" xmlns:a14="http://schemas.microsoft.com/office/drawing/2010/main" xmlns:m="http://schemas.openxmlformats.org/officeDocument/2006/math" xmlns="" val="1"/>
             </a:ext>
           </a:extLst>
         </p:spPr>
@@ -21247,8 +21370,10 @@
           <a:bodyPr/>
           <a:lstStyle/>
           <a:p>
-            <a:pPr/>
-            <a:fld id="{86CB4B4D-7CA3-9044-876B-883B54F8677D}" type="slidenum"/>
+            <a:fld id="{86CB4B4D-7CA3-9044-876B-883B54F8677D}" type="slidenum">
+              <a:t>11</a:t>
+            </a:fld>
+            <a:endParaRPr/>
           </a:p>
         </p:txBody>
       </p:sp>
@@ -21257,12 +21382,23 @@
   <p:clrMapOvr>
     <a:masterClrMapping/>
   </p:clrMapOvr>
-  <p:transition xmlns:p14="http://schemas.microsoft.com/office/powerpoint/2010/main" spd="med" advClick="1"/>
+  <mc:AlternateContent xmlns:mc="http://schemas.openxmlformats.org/markup-compatibility/2006">
+    <mc:Choice xmlns:p15="http://schemas.microsoft.com/office/powerpoint/2012/main" Requires="p15">
+      <p:transition xmlns:p14="http://schemas.microsoft.com/office/powerpoint/2010/main" spd="slow" p14:dur="1250">
+        <p15:prstTrans prst="peelOff"/>
+      </p:transition>
+    </mc:Choice>
+    <mc:Fallback>
+      <p:transition spd="slow">
+        <p:fade/>
+      </p:transition>
+    </mc:Fallback>
+  </mc:AlternateContent>
 </p:sld>
 </file>
 
 <file path=ppt/slides/slide12.xml><?xml version="1.0" encoding="utf-8"?>
-<p:sld xmlns:a="http://schemas.openxmlformats.org/drawingml/2006/main" xmlns:r="http://schemas.openxmlformats.org/officeDocument/2006/relationships" xmlns:p="http://schemas.openxmlformats.org/presentationml/2006/main" xmlns:m="http://schemas.openxmlformats.org/officeDocument/2006/math" xmlns:a14="http://schemas.microsoft.com/office/drawing/2010/main" showMasterSp="1" showMasterPhAnim="1">
+<p:sld xmlns:a="http://schemas.openxmlformats.org/drawingml/2006/main" xmlns:r="http://schemas.openxmlformats.org/officeDocument/2006/relationships" xmlns:p="http://schemas.openxmlformats.org/presentationml/2006/main">
   <p:cSld>
     <p:spTree>
       <p:nvGrpSpPr>
@@ -21281,7 +21417,9 @@
       <p:sp>
         <p:nvSpPr>
           <p:cNvPr id="184" name="Title 1"/>
-          <p:cNvSpPr txBox="1"/>
+          <p:cNvSpPr txBox="1">
+            <a:spLocks noGrp="1"/>
+          </p:cNvSpPr>
           <p:nvPr>
             <p:ph type="title"/>
           </p:nvPr>
@@ -21299,7 +21437,6 @@
           <a:bodyPr/>
           <a:lstStyle/>
           <a:p>
-            <a:pPr/>
             <a:r>
               <a:t>目标导向设计-建模阶段</a:t>
             </a:r>
@@ -21309,7 +21446,9 @@
       <p:sp>
         <p:nvSpPr>
           <p:cNvPr id="185" name="Content Placeholder 2"/>
-          <p:cNvSpPr txBox="1"/>
+          <p:cNvSpPr txBox="1">
+            <a:spLocks noGrp="1"/>
+          </p:cNvSpPr>
           <p:nvPr>
             <p:ph type="body" idx="1"/>
           </p:nvPr>
@@ -21338,6 +21477,7 @@
             <a:pPr>
               <a:defRPr sz="2300"/>
             </a:pPr>
+            <a:endParaRPr/>
           </a:p>
           <a:p>
             <a:pPr>
@@ -21356,7 +21496,9 @@
       <p:sp>
         <p:nvSpPr>
           <p:cNvPr id="186" name="Slide Number"/>
-          <p:cNvSpPr txBox="1"/>
+          <p:cNvSpPr txBox="1">
+            <a:spLocks noGrp="1"/>
+          </p:cNvSpPr>
           <p:nvPr>
             <p:ph type="sldNum" sz="quarter" idx="4294967295"/>
           </p:nvPr>
@@ -21367,7 +21509,7 @@
           </a:prstGeom>
           <a:extLst>
             <a:ext uri="{C572A759-6A51-4108-AA02-DFA0A04FC94B}">
-              <ma14:wrappingTextBoxFlag xmlns:ma14="http://schemas.microsoft.com/office/mac/drawingml/2011/main" val="1"/>
+              <ma14:wrappingTextBoxFlag xmlns:ma14="http://schemas.microsoft.com/office/mac/drawingml/2011/main" xmlns:a14="http://schemas.microsoft.com/office/drawing/2010/main" xmlns:m="http://schemas.openxmlformats.org/officeDocument/2006/math" xmlns="" val="1"/>
             </a:ext>
           </a:extLst>
         </p:spPr>
@@ -21375,8 +21517,10 @@
           <a:bodyPr/>
           <a:lstStyle/>
           <a:p>
-            <a:pPr/>
-            <a:fld id="{86CB4B4D-7CA3-9044-876B-883B54F8677D}" type="slidenum"/>
+            <a:fld id="{86CB4B4D-7CA3-9044-876B-883B54F8677D}" type="slidenum">
+              <a:t>12</a:t>
+            </a:fld>
+            <a:endParaRPr/>
           </a:p>
         </p:txBody>
       </p:sp>
@@ -21385,12 +21529,23 @@
   <p:clrMapOvr>
     <a:masterClrMapping/>
   </p:clrMapOvr>
-  <p:transition xmlns:p14="http://schemas.microsoft.com/office/powerpoint/2010/main" spd="med" advClick="1"/>
+  <mc:AlternateContent xmlns:mc="http://schemas.openxmlformats.org/markup-compatibility/2006">
+    <mc:Choice xmlns:p15="http://schemas.microsoft.com/office/powerpoint/2012/main" Requires="p15">
+      <p:transition xmlns:p14="http://schemas.microsoft.com/office/powerpoint/2010/main" spd="slow" p14:dur="1250">
+        <p15:prstTrans prst="peelOff"/>
+      </p:transition>
+    </mc:Choice>
+    <mc:Fallback>
+      <p:transition spd="slow">
+        <p:fade/>
+      </p:transition>
+    </mc:Fallback>
+  </mc:AlternateContent>
 </p:sld>
 </file>
 
 <file path=ppt/slides/slide13.xml><?xml version="1.0" encoding="utf-8"?>
-<p:sld xmlns:a="http://schemas.openxmlformats.org/drawingml/2006/main" xmlns:r="http://schemas.openxmlformats.org/officeDocument/2006/relationships" xmlns:p="http://schemas.openxmlformats.org/presentationml/2006/main" xmlns:m="http://schemas.openxmlformats.org/officeDocument/2006/math" xmlns:a14="http://schemas.microsoft.com/office/drawing/2010/main" showMasterSp="1" showMasterPhAnim="1">
+<p:sld xmlns:a="http://schemas.openxmlformats.org/drawingml/2006/main" xmlns:r="http://schemas.openxmlformats.org/officeDocument/2006/relationships" xmlns:p="http://schemas.openxmlformats.org/presentationml/2006/main">
   <p:cSld>
     <p:spTree>
       <p:nvGrpSpPr>
@@ -21409,7 +21564,9 @@
       <p:sp>
         <p:nvSpPr>
           <p:cNvPr id="188" name="Title 1"/>
-          <p:cNvSpPr txBox="1"/>
+          <p:cNvSpPr txBox="1">
+            <a:spLocks noGrp="1"/>
+          </p:cNvSpPr>
           <p:nvPr>
             <p:ph type="title"/>
           </p:nvPr>
@@ -21427,7 +21584,6 @@
           <a:bodyPr/>
           <a:lstStyle/>
           <a:p>
-            <a:pPr/>
             <a:r>
               <a:t>目标导向设计-建模阶段</a:t>
             </a:r>
@@ -21437,7 +21593,9 @@
       <p:sp>
         <p:nvSpPr>
           <p:cNvPr id="189" name="Content Placeholder 2"/>
-          <p:cNvSpPr txBox="1"/>
+          <p:cNvSpPr txBox="1">
+            <a:spLocks noGrp="1"/>
+          </p:cNvSpPr>
           <p:nvPr>
             <p:ph type="body" idx="1"/>
           </p:nvPr>
@@ -21456,7 +21614,7 @@
           <a:lstStyle/>
           <a:p>
             <a:pPr>
-              <a:defRPr b="1" sz="2300"/>
+              <a:defRPr sz="2300" b="1"/>
             </a:pPr>
             <a:r>
               <a:t>        </a:t>
@@ -21479,17 +21637,16 @@
               <a:rPr b="0"/>
               <a:t>。</a:t>
             </a:r>
-            <a:endParaRPr b="0"/>
           </a:p>
           <a:p>
             <a:pPr>
-              <a:defRPr b="1" sz="2300"/>
+              <a:defRPr sz="2300" b="1"/>
             </a:pPr>
             <a:endParaRPr b="0"/>
           </a:p>
           <a:p>
             <a:pPr>
-              <a:defRPr b="1" sz="2300"/>
+              <a:defRPr sz="2300" b="1"/>
             </a:pPr>
             <a:r>
               <a:rPr b="0"/>
@@ -21501,7 +21658,9 @@
       <p:sp>
         <p:nvSpPr>
           <p:cNvPr id="190" name="Slide Number"/>
-          <p:cNvSpPr txBox="1"/>
+          <p:cNvSpPr txBox="1">
+            <a:spLocks noGrp="1"/>
+          </p:cNvSpPr>
           <p:nvPr>
             <p:ph type="sldNum" sz="quarter" idx="4294967295"/>
           </p:nvPr>
@@ -21512,7 +21671,7 @@
           </a:prstGeom>
           <a:extLst>
             <a:ext uri="{C572A759-6A51-4108-AA02-DFA0A04FC94B}">
-              <ma14:wrappingTextBoxFlag xmlns:ma14="http://schemas.microsoft.com/office/mac/drawingml/2011/main" val="1"/>
+              <ma14:wrappingTextBoxFlag xmlns:ma14="http://schemas.microsoft.com/office/mac/drawingml/2011/main" xmlns:a14="http://schemas.microsoft.com/office/drawing/2010/main" xmlns:m="http://schemas.openxmlformats.org/officeDocument/2006/math" xmlns="" val="1"/>
             </a:ext>
           </a:extLst>
         </p:spPr>
@@ -21520,8 +21679,10 @@
           <a:bodyPr/>
           <a:lstStyle/>
           <a:p>
-            <a:pPr/>
-            <a:fld id="{86CB4B4D-7CA3-9044-876B-883B54F8677D}" type="slidenum"/>
+            <a:fld id="{86CB4B4D-7CA3-9044-876B-883B54F8677D}" type="slidenum">
+              <a:t>13</a:t>
+            </a:fld>
+            <a:endParaRPr/>
           </a:p>
         </p:txBody>
       </p:sp>
@@ -21530,12 +21691,23 @@
   <p:clrMapOvr>
     <a:masterClrMapping/>
   </p:clrMapOvr>
-  <p:transition xmlns:p14="http://schemas.microsoft.com/office/powerpoint/2010/main" spd="med" advClick="1"/>
+  <mc:AlternateContent xmlns:mc="http://schemas.openxmlformats.org/markup-compatibility/2006">
+    <mc:Choice xmlns:p15="http://schemas.microsoft.com/office/powerpoint/2012/main" Requires="p15">
+      <p:transition xmlns:p14="http://schemas.microsoft.com/office/powerpoint/2010/main" spd="slow" p14:dur="1250">
+        <p15:prstTrans prst="peelOff"/>
+      </p:transition>
+    </mc:Choice>
+    <mc:Fallback>
+      <p:transition spd="slow">
+        <p:fade/>
+      </p:transition>
+    </mc:Fallback>
+  </mc:AlternateContent>
 </p:sld>
 </file>
 
 <file path=ppt/slides/slide14.xml><?xml version="1.0" encoding="utf-8"?>
-<p:sld xmlns:a="http://schemas.openxmlformats.org/drawingml/2006/main" xmlns:r="http://schemas.openxmlformats.org/officeDocument/2006/relationships" xmlns:p="http://schemas.openxmlformats.org/presentationml/2006/main" xmlns:m="http://schemas.openxmlformats.org/officeDocument/2006/math" xmlns:a14="http://schemas.microsoft.com/office/drawing/2010/main" showMasterSp="1" showMasterPhAnim="1">
+<p:sld xmlns:a="http://schemas.openxmlformats.org/drawingml/2006/main" xmlns:r="http://schemas.openxmlformats.org/officeDocument/2006/relationships" xmlns:p="http://schemas.openxmlformats.org/presentationml/2006/main">
   <p:cSld>
     <p:spTree>
       <p:nvGrpSpPr>
@@ -21554,7 +21726,9 @@
       <p:sp>
         <p:nvSpPr>
           <p:cNvPr id="192" name="Title 1"/>
-          <p:cNvSpPr txBox="1"/>
+          <p:cNvSpPr txBox="1">
+            <a:spLocks noGrp="1"/>
+          </p:cNvSpPr>
           <p:nvPr>
             <p:ph type="title"/>
           </p:nvPr>
@@ -21572,7 +21746,6 @@
           <a:bodyPr/>
           <a:lstStyle/>
           <a:p>
-            <a:pPr/>
             <a:r>
               <a:t>目标导向设计-建模阶段</a:t>
             </a:r>
@@ -21582,7 +21755,9 @@
       <p:sp>
         <p:nvSpPr>
           <p:cNvPr id="193" name="Content Placeholder 2"/>
-          <p:cNvSpPr txBox="1"/>
+          <p:cNvSpPr txBox="1">
+            <a:spLocks noGrp="1"/>
+          </p:cNvSpPr>
           <p:nvPr>
             <p:ph type="body" idx="1"/>
           </p:nvPr>
@@ -21604,7 +21779,7 @@
               <a:spcBef>
                 <a:spcPts val="1100"/>
               </a:spcBef>
-              <a:defRPr b="1" sz="2208"/>
+              <a:defRPr sz="2208" b="1"/>
             </a:pPr>
             <a:r>
               <a:t>构造人物角色</a:t>
@@ -21696,7 +21871,9 @@
       <p:sp>
         <p:nvSpPr>
           <p:cNvPr id="194" name="Slide Number"/>
-          <p:cNvSpPr txBox="1"/>
+          <p:cNvSpPr txBox="1">
+            <a:spLocks noGrp="1"/>
+          </p:cNvSpPr>
           <p:nvPr>
             <p:ph type="sldNum" sz="quarter" idx="4294967295"/>
           </p:nvPr>
@@ -21707,7 +21884,7 @@
           </a:prstGeom>
           <a:extLst>
             <a:ext uri="{C572A759-6A51-4108-AA02-DFA0A04FC94B}">
-              <ma14:wrappingTextBoxFlag xmlns:ma14="http://schemas.microsoft.com/office/mac/drawingml/2011/main" val="1"/>
+              <ma14:wrappingTextBoxFlag xmlns:ma14="http://schemas.microsoft.com/office/mac/drawingml/2011/main" xmlns:a14="http://schemas.microsoft.com/office/drawing/2010/main" xmlns:m="http://schemas.openxmlformats.org/officeDocument/2006/math" xmlns="" val="1"/>
             </a:ext>
           </a:extLst>
         </p:spPr>
@@ -21715,8 +21892,10 @@
           <a:bodyPr/>
           <a:lstStyle/>
           <a:p>
-            <a:pPr/>
-            <a:fld id="{86CB4B4D-7CA3-9044-876B-883B54F8677D}" type="slidenum"/>
+            <a:fld id="{86CB4B4D-7CA3-9044-876B-883B54F8677D}" type="slidenum">
+              <a:t>14</a:t>
+            </a:fld>
+            <a:endParaRPr/>
           </a:p>
         </p:txBody>
       </p:sp>
@@ -21725,12 +21904,23 @@
   <p:clrMapOvr>
     <a:masterClrMapping/>
   </p:clrMapOvr>
-  <p:transition xmlns:p14="http://schemas.microsoft.com/office/powerpoint/2010/main" spd="med" advClick="1"/>
+  <mc:AlternateContent xmlns:mc="http://schemas.openxmlformats.org/markup-compatibility/2006">
+    <mc:Choice xmlns:p15="http://schemas.microsoft.com/office/powerpoint/2012/main" Requires="p15">
+      <p:transition xmlns:p14="http://schemas.microsoft.com/office/powerpoint/2010/main" spd="slow" p14:dur="1250">
+        <p15:prstTrans prst="peelOff"/>
+      </p:transition>
+    </mc:Choice>
+    <mc:Fallback>
+      <p:transition spd="slow">
+        <p:fade/>
+      </p:transition>
+    </mc:Fallback>
+  </mc:AlternateContent>
 </p:sld>
 </file>
 
 <file path=ppt/slides/slide15.xml><?xml version="1.0" encoding="utf-8"?>
-<p:sld xmlns:a="http://schemas.openxmlformats.org/drawingml/2006/main" xmlns:r="http://schemas.openxmlformats.org/officeDocument/2006/relationships" xmlns:p="http://schemas.openxmlformats.org/presentationml/2006/main" xmlns:m="http://schemas.openxmlformats.org/officeDocument/2006/math" xmlns:a14="http://schemas.microsoft.com/office/drawing/2010/main" showMasterSp="1" showMasterPhAnim="1">
+<p:sld xmlns:a="http://schemas.openxmlformats.org/drawingml/2006/main" xmlns:r="http://schemas.openxmlformats.org/officeDocument/2006/relationships" xmlns:p="http://schemas.openxmlformats.org/presentationml/2006/main">
   <p:cSld>
     <p:spTree>
       <p:nvGrpSpPr>
@@ -21749,7 +21939,9 @@
       <p:sp>
         <p:nvSpPr>
           <p:cNvPr id="196" name="Title 1"/>
-          <p:cNvSpPr txBox="1"/>
+          <p:cNvSpPr txBox="1">
+            <a:spLocks noGrp="1"/>
+          </p:cNvSpPr>
           <p:nvPr>
             <p:ph type="title"/>
           </p:nvPr>
@@ -21767,7 +21959,6 @@
           <a:bodyPr/>
           <a:lstStyle/>
           <a:p>
-            <a:pPr/>
             <a:r>
               <a:t>目标导向设计-建模阶段</a:t>
             </a:r>
@@ -21777,7 +21968,9 @@
       <p:sp>
         <p:nvSpPr>
           <p:cNvPr id="197" name="Content Placeholder 2"/>
-          <p:cNvSpPr txBox="1"/>
+          <p:cNvSpPr txBox="1">
+            <a:spLocks noGrp="1"/>
+          </p:cNvSpPr>
           <p:nvPr>
             <p:ph type="body" idx="1"/>
           </p:nvPr>
@@ -21796,7 +21989,7 @@
           <a:lstStyle/>
           <a:p>
             <a:pPr>
-              <a:defRPr b="1" sz="2300"/>
+              <a:defRPr sz="2300" b="1"/>
             </a:pPr>
             <a:r>
               <a:t>行为变量一般包括：</a:t>
@@ -21811,7 +22004,7 @@
             </a:r>
           </a:p>
           <a:p>
-            <a:pPr lvl="3" marL="548640" indent="-91440">
+            <a:pPr marL="548640" lvl="3" indent="-91440">
               <a:buChar char=" "/>
               <a:defRPr sz="2300"/>
             </a:pPr>
@@ -21820,7 +22013,7 @@
             </a:r>
           </a:p>
           <a:p>
-            <a:pPr lvl="3" marL="548640" indent="-91440">
+            <a:pPr marL="548640" lvl="3" indent="-91440">
               <a:buChar char=" "/>
               <a:defRPr sz="2300"/>
             </a:pPr>
@@ -21829,7 +22022,7 @@
             </a:r>
           </a:p>
           <a:p>
-            <a:pPr lvl="3" marL="548640" indent="-91440">
+            <a:pPr marL="548640" lvl="3" indent="-91440">
               <a:buChar char=" "/>
               <a:defRPr sz="2300"/>
             </a:pPr>
@@ -21838,7 +22031,7 @@
             </a:r>
           </a:p>
           <a:p>
-            <a:pPr lvl="3" marL="548640" indent="-91440">
+            <a:pPr marL="548640" lvl="3" indent="-91440">
               <a:buChar char=" "/>
               <a:defRPr sz="2300"/>
             </a:pPr>
@@ -21851,7 +22044,9 @@
       <p:sp>
         <p:nvSpPr>
           <p:cNvPr id="198" name="Slide Number"/>
-          <p:cNvSpPr txBox="1"/>
+          <p:cNvSpPr txBox="1">
+            <a:spLocks noGrp="1"/>
+          </p:cNvSpPr>
           <p:nvPr>
             <p:ph type="sldNum" sz="quarter" idx="4294967295"/>
           </p:nvPr>
@@ -21862,7 +22057,7 @@
           </a:prstGeom>
           <a:extLst>
             <a:ext uri="{C572A759-6A51-4108-AA02-DFA0A04FC94B}">
-              <ma14:wrappingTextBoxFlag xmlns:ma14="http://schemas.microsoft.com/office/mac/drawingml/2011/main" val="1"/>
+              <ma14:wrappingTextBoxFlag xmlns:ma14="http://schemas.microsoft.com/office/mac/drawingml/2011/main" xmlns:a14="http://schemas.microsoft.com/office/drawing/2010/main" xmlns:m="http://schemas.openxmlformats.org/officeDocument/2006/math" xmlns="" val="1"/>
             </a:ext>
           </a:extLst>
         </p:spPr>
@@ -21870,8 +22065,10 @@
           <a:bodyPr/>
           <a:lstStyle/>
           <a:p>
-            <a:pPr/>
-            <a:fld id="{86CB4B4D-7CA3-9044-876B-883B54F8677D}" type="slidenum"/>
+            <a:fld id="{86CB4B4D-7CA3-9044-876B-883B54F8677D}" type="slidenum">
+              <a:t>15</a:t>
+            </a:fld>
+            <a:endParaRPr/>
           </a:p>
         </p:txBody>
       </p:sp>
@@ -21880,12 +22077,23 @@
   <p:clrMapOvr>
     <a:masterClrMapping/>
   </p:clrMapOvr>
-  <p:transition xmlns:p14="http://schemas.microsoft.com/office/powerpoint/2010/main" spd="med" advClick="1"/>
+  <mc:AlternateContent xmlns:mc="http://schemas.openxmlformats.org/markup-compatibility/2006">
+    <mc:Choice xmlns:p15="http://schemas.microsoft.com/office/powerpoint/2012/main" Requires="p15">
+      <p:transition xmlns:p14="http://schemas.microsoft.com/office/powerpoint/2010/main" spd="slow" p14:dur="1250">
+        <p15:prstTrans prst="peelOff"/>
+      </p:transition>
+    </mc:Choice>
+    <mc:Fallback>
+      <p:transition spd="slow">
+        <p:fade/>
+      </p:transition>
+    </mc:Fallback>
+  </mc:AlternateContent>
 </p:sld>
 </file>
 
 <file path=ppt/slides/slide16.xml><?xml version="1.0" encoding="utf-8"?>
-<p:sld xmlns:a="http://schemas.openxmlformats.org/drawingml/2006/main" xmlns:r="http://schemas.openxmlformats.org/officeDocument/2006/relationships" xmlns:p="http://schemas.openxmlformats.org/presentationml/2006/main" xmlns:m="http://schemas.openxmlformats.org/officeDocument/2006/math" xmlns:a14="http://schemas.microsoft.com/office/drawing/2010/main" showMasterSp="1" showMasterPhAnim="1">
+<p:sld xmlns:a="http://schemas.openxmlformats.org/drawingml/2006/main" xmlns:r="http://schemas.openxmlformats.org/officeDocument/2006/relationships" xmlns:p="http://schemas.openxmlformats.org/presentationml/2006/main">
   <p:cSld>
     <p:spTree>
       <p:nvGrpSpPr>
@@ -21904,7 +22112,9 @@
       <p:sp>
         <p:nvSpPr>
           <p:cNvPr id="200" name="Title 1"/>
-          <p:cNvSpPr txBox="1"/>
+          <p:cNvSpPr txBox="1">
+            <a:spLocks noGrp="1"/>
+          </p:cNvSpPr>
           <p:nvPr>
             <p:ph type="title"/>
           </p:nvPr>
@@ -21922,7 +22132,6 @@
           <a:bodyPr/>
           <a:lstStyle/>
           <a:p>
-            <a:pPr/>
             <a:r>
               <a:t>目标导向设计-建模阶段</a:t>
             </a:r>
@@ -21932,7 +22141,9 @@
       <p:sp>
         <p:nvSpPr>
           <p:cNvPr id="201" name="Content Placeholder 2"/>
-          <p:cNvSpPr txBox="1"/>
+          <p:cNvSpPr txBox="1">
+            <a:spLocks noGrp="1"/>
+          </p:cNvSpPr>
           <p:nvPr>
             <p:ph type="body" idx="1"/>
           </p:nvPr>
@@ -21951,7 +22162,7 @@
           <a:lstStyle/>
           <a:p>
             <a:pPr>
-              <a:defRPr b="1" sz="2300"/>
+              <a:defRPr sz="2300" b="1"/>
             </a:pPr>
             <a:r>
               <a:t>将访问对象和行为变量对应起来</a:t>
@@ -21959,8 +22170,9 @@
           </a:p>
           <a:p>
             <a:pPr>
-              <a:defRPr b="1" sz="2300"/>
+              <a:defRPr sz="2300" b="1"/>
             </a:pPr>
+            <a:endParaRPr/>
           </a:p>
         </p:txBody>
       </p:sp>
@@ -22012,7 +22224,7 @@
           </a:ln>
           <a:extLst>
             <a:ext uri="{C572A759-6A51-4108-AA02-DFA0A04FC94B}">
-              <ma14:wrappingTextBoxFlag xmlns:ma14="http://schemas.microsoft.com/office/mac/drawingml/2011/main" val="1"/>
+              <ma14:wrappingTextBoxFlag xmlns:ma14="http://schemas.microsoft.com/office/mac/drawingml/2011/main" xmlns:a14="http://schemas.microsoft.com/office/drawing/2010/main" xmlns:m="http://schemas.openxmlformats.org/officeDocument/2006/math" xmlns="" val="1"/>
             </a:ext>
           </a:extLst>
         </p:spPr>
@@ -22022,7 +22234,6 @@
           </a:bodyPr>
           <a:lstStyle/>
           <a:p>
-            <a:pPr/>
             <a:r>
               <a:t>[1]</a:t>
             </a:r>
@@ -22032,7 +22243,9 @@
       <p:sp>
         <p:nvSpPr>
           <p:cNvPr id="204" name="Slide Number"/>
-          <p:cNvSpPr txBox="1"/>
+          <p:cNvSpPr txBox="1">
+            <a:spLocks noGrp="1"/>
+          </p:cNvSpPr>
           <p:nvPr>
             <p:ph type="sldNum" sz="quarter" idx="4294967295"/>
           </p:nvPr>
@@ -22043,7 +22256,7 @@
           </a:prstGeom>
           <a:extLst>
             <a:ext uri="{C572A759-6A51-4108-AA02-DFA0A04FC94B}">
-              <ma14:wrappingTextBoxFlag xmlns:ma14="http://schemas.microsoft.com/office/mac/drawingml/2011/main" val="1"/>
+              <ma14:wrappingTextBoxFlag xmlns:ma14="http://schemas.microsoft.com/office/mac/drawingml/2011/main" xmlns:a14="http://schemas.microsoft.com/office/drawing/2010/main" xmlns:m="http://schemas.openxmlformats.org/officeDocument/2006/math" xmlns="" val="1"/>
             </a:ext>
           </a:extLst>
         </p:spPr>
@@ -22051,8 +22264,10 @@
           <a:bodyPr/>
           <a:lstStyle/>
           <a:p>
-            <a:pPr/>
-            <a:fld id="{86CB4B4D-7CA3-9044-876B-883B54F8677D}" type="slidenum"/>
+            <a:fld id="{86CB4B4D-7CA3-9044-876B-883B54F8677D}" type="slidenum">
+              <a:t>16</a:t>
+            </a:fld>
+            <a:endParaRPr/>
           </a:p>
         </p:txBody>
       </p:sp>
@@ -22061,12 +22276,23 @@
   <p:clrMapOvr>
     <a:masterClrMapping/>
   </p:clrMapOvr>
-  <p:transition xmlns:p14="http://schemas.microsoft.com/office/powerpoint/2010/main" spd="med" advClick="1"/>
+  <mc:AlternateContent xmlns:mc="http://schemas.openxmlformats.org/markup-compatibility/2006">
+    <mc:Choice xmlns:p15="http://schemas.microsoft.com/office/powerpoint/2012/main" Requires="p15">
+      <p:transition xmlns:p14="http://schemas.microsoft.com/office/powerpoint/2010/main" spd="slow" p14:dur="1250">
+        <p15:prstTrans prst="peelOff"/>
+      </p:transition>
+    </mc:Choice>
+    <mc:Fallback>
+      <p:transition spd="slow">
+        <p:fade/>
+      </p:transition>
+    </mc:Fallback>
+  </mc:AlternateContent>
 </p:sld>
 </file>
 
 <file path=ppt/slides/slide17.xml><?xml version="1.0" encoding="utf-8"?>
-<p:sld xmlns:a="http://schemas.openxmlformats.org/drawingml/2006/main" xmlns:r="http://schemas.openxmlformats.org/officeDocument/2006/relationships" xmlns:p="http://schemas.openxmlformats.org/presentationml/2006/main" xmlns:m="http://schemas.openxmlformats.org/officeDocument/2006/math" xmlns:a14="http://schemas.microsoft.com/office/drawing/2010/main" showMasterSp="1" showMasterPhAnim="1">
+<p:sld xmlns:a="http://schemas.openxmlformats.org/drawingml/2006/main" xmlns:r="http://schemas.openxmlformats.org/officeDocument/2006/relationships" xmlns:p="http://schemas.openxmlformats.org/presentationml/2006/main">
   <p:cSld>
     <p:spTree>
       <p:nvGrpSpPr>
@@ -22085,7 +22311,9 @@
       <p:sp>
         <p:nvSpPr>
           <p:cNvPr id="206" name="Title 1"/>
-          <p:cNvSpPr txBox="1"/>
+          <p:cNvSpPr txBox="1">
+            <a:spLocks noGrp="1"/>
+          </p:cNvSpPr>
           <p:nvPr>
             <p:ph type="title"/>
           </p:nvPr>
@@ -22103,7 +22331,6 @@
           <a:bodyPr/>
           <a:lstStyle/>
           <a:p>
-            <a:pPr/>
             <a:r>
               <a:t>目标导向设计-需求定义阶段</a:t>
             </a:r>
@@ -22113,7 +22340,9 @@
       <p:sp>
         <p:nvSpPr>
           <p:cNvPr id="207" name="Content Placeholder 2"/>
-          <p:cNvSpPr txBox="1"/>
+          <p:cNvSpPr txBox="1">
+            <a:spLocks noGrp="1"/>
+          </p:cNvSpPr>
           <p:nvPr>
             <p:ph type="body" idx="1"/>
           </p:nvPr>
@@ -22139,23 +22368,24 @@
             </a:r>
           </a:p>
           <a:p>
-            <a:pPr/>
             <a:r>
               <a:t>对每一个界面/首要人物角色来说，在需求定义阶段中的设计过程中要分析人物角色数据和功能性需求。在不同情境中，基于人物 角色目标、行为及与其他人物角色的交互来对这些数据和需求进行优先级排序。</a:t>
             </a:r>
           </a:p>
           <a:p>
-            <a:pPr/>
-          </a:p>
-          <a:p>
-            <a:pPr/>
+            <a:endParaRPr/>
+          </a:p>
+          <a:p>
+            <a:endParaRPr/>
           </a:p>
         </p:txBody>
       </p:sp>
       <p:sp>
         <p:nvSpPr>
           <p:cNvPr id="208" name="Slide Number"/>
-          <p:cNvSpPr txBox="1"/>
+          <p:cNvSpPr txBox="1">
+            <a:spLocks noGrp="1"/>
+          </p:cNvSpPr>
           <p:nvPr>
             <p:ph type="sldNum" sz="quarter" idx="4294967295"/>
           </p:nvPr>
@@ -22166,7 +22396,7 @@
           </a:prstGeom>
           <a:extLst>
             <a:ext uri="{C572A759-6A51-4108-AA02-DFA0A04FC94B}">
-              <ma14:wrappingTextBoxFlag xmlns:ma14="http://schemas.microsoft.com/office/mac/drawingml/2011/main" val="1"/>
+              <ma14:wrappingTextBoxFlag xmlns:ma14="http://schemas.microsoft.com/office/mac/drawingml/2011/main" xmlns:a14="http://schemas.microsoft.com/office/drawing/2010/main" xmlns:m="http://schemas.openxmlformats.org/officeDocument/2006/math" xmlns="" val="1"/>
             </a:ext>
           </a:extLst>
         </p:spPr>
@@ -22174,8 +22404,10 @@
           <a:bodyPr/>
           <a:lstStyle/>
           <a:p>
-            <a:pPr/>
-            <a:fld id="{86CB4B4D-7CA3-9044-876B-883B54F8677D}" type="slidenum"/>
+            <a:fld id="{86CB4B4D-7CA3-9044-876B-883B54F8677D}" type="slidenum">
+              <a:t>17</a:t>
+            </a:fld>
+            <a:endParaRPr/>
           </a:p>
         </p:txBody>
       </p:sp>
@@ -22184,12 +22416,23 @@
   <p:clrMapOvr>
     <a:masterClrMapping/>
   </p:clrMapOvr>
-  <p:transition xmlns:p14="http://schemas.microsoft.com/office/powerpoint/2010/main" spd="med" advClick="1"/>
+  <mc:AlternateContent xmlns:mc="http://schemas.openxmlformats.org/markup-compatibility/2006">
+    <mc:Choice xmlns:p15="http://schemas.microsoft.com/office/powerpoint/2012/main" Requires="p15">
+      <p:transition xmlns:p14="http://schemas.microsoft.com/office/powerpoint/2010/main" spd="slow" p14:dur="1250">
+        <p15:prstTrans prst="peelOff"/>
+      </p:transition>
+    </mc:Choice>
+    <mc:Fallback>
+      <p:transition spd="slow">
+        <p:fade/>
+      </p:transition>
+    </mc:Fallback>
+  </mc:AlternateContent>
 </p:sld>
 </file>
 
 <file path=ppt/slides/slide18.xml><?xml version="1.0" encoding="utf-8"?>
-<p:sld xmlns:a="http://schemas.openxmlformats.org/drawingml/2006/main" xmlns:r="http://schemas.openxmlformats.org/officeDocument/2006/relationships" xmlns:p="http://schemas.openxmlformats.org/presentationml/2006/main" xmlns:m="http://schemas.openxmlformats.org/officeDocument/2006/math" xmlns:a14="http://schemas.microsoft.com/office/drawing/2010/main" showMasterSp="1" showMasterPhAnim="1">
+<p:sld xmlns:a="http://schemas.openxmlformats.org/drawingml/2006/main" xmlns:r="http://schemas.openxmlformats.org/officeDocument/2006/relationships" xmlns:p="http://schemas.openxmlformats.org/presentationml/2006/main">
   <p:cSld>
     <p:spTree>
       <p:nvGrpSpPr>
@@ -22208,7 +22451,9 @@
       <p:sp>
         <p:nvSpPr>
           <p:cNvPr id="210" name="Title 1"/>
-          <p:cNvSpPr txBox="1"/>
+          <p:cNvSpPr txBox="1">
+            <a:spLocks noGrp="1"/>
+          </p:cNvSpPr>
           <p:nvPr>
             <p:ph type="title"/>
           </p:nvPr>
@@ -22226,7 +22471,6 @@
           <a:bodyPr/>
           <a:lstStyle/>
           <a:p>
-            <a:pPr/>
             <a:r>
               <a:t>目标导向设计-需求定义阶段</a:t>
             </a:r>
@@ -22236,7 +22480,9 @@
       <p:sp>
         <p:nvSpPr>
           <p:cNvPr id="211" name="Content Placeholder 2"/>
-          <p:cNvSpPr txBox="1"/>
+          <p:cNvSpPr txBox="1">
+            <a:spLocks noGrp="1"/>
+          </p:cNvSpPr>
           <p:nvPr>
             <p:ph type="body" sz="quarter" idx="1"/>
           </p:nvPr>
@@ -22254,13 +22500,12 @@
           <a:bodyPr/>
           <a:lstStyle/>
           <a:p>
-            <a:pPr/>
             <a:r>
               <a:t>主要工作：</a:t>
             </a:r>
           </a:p>
           <a:p>
-            <a:pPr/>
+            <a:endParaRPr/>
           </a:p>
         </p:txBody>
       </p:sp>
@@ -22296,7 +22541,9 @@
       <p:sp>
         <p:nvSpPr>
           <p:cNvPr id="213" name="Slide Number"/>
-          <p:cNvSpPr txBox="1"/>
+          <p:cNvSpPr txBox="1">
+            <a:spLocks noGrp="1"/>
+          </p:cNvSpPr>
           <p:nvPr>
             <p:ph type="sldNum" sz="quarter" idx="4294967295"/>
           </p:nvPr>
@@ -22307,7 +22554,7 @@
           </a:prstGeom>
           <a:extLst>
             <a:ext uri="{C572A759-6A51-4108-AA02-DFA0A04FC94B}">
-              <ma14:wrappingTextBoxFlag xmlns:ma14="http://schemas.microsoft.com/office/mac/drawingml/2011/main" val="1"/>
+              <ma14:wrappingTextBoxFlag xmlns:ma14="http://schemas.microsoft.com/office/mac/drawingml/2011/main" xmlns:a14="http://schemas.microsoft.com/office/drawing/2010/main" xmlns:m="http://schemas.openxmlformats.org/officeDocument/2006/math" xmlns="" val="1"/>
             </a:ext>
           </a:extLst>
         </p:spPr>
@@ -22315,8 +22562,10 @@
           <a:bodyPr/>
           <a:lstStyle/>
           <a:p>
-            <a:pPr/>
-            <a:fld id="{86CB4B4D-7CA3-9044-876B-883B54F8677D}" type="slidenum"/>
+            <a:fld id="{86CB4B4D-7CA3-9044-876B-883B54F8677D}" type="slidenum">
+              <a:t>18</a:t>
+            </a:fld>
+            <a:endParaRPr/>
           </a:p>
         </p:txBody>
       </p:sp>
@@ -22325,12 +22574,23 @@
   <p:clrMapOvr>
     <a:masterClrMapping/>
   </p:clrMapOvr>
-  <p:transition xmlns:p14="http://schemas.microsoft.com/office/powerpoint/2010/main" spd="med" advClick="1"/>
+  <mc:AlternateContent xmlns:mc="http://schemas.openxmlformats.org/markup-compatibility/2006">
+    <mc:Choice xmlns:p15="http://schemas.microsoft.com/office/powerpoint/2012/main" Requires="p15">
+      <p:transition xmlns:p14="http://schemas.microsoft.com/office/powerpoint/2010/main" spd="slow" p14:dur="1250">
+        <p15:prstTrans prst="peelOff"/>
+      </p:transition>
+    </mc:Choice>
+    <mc:Fallback>
+      <p:transition spd="slow">
+        <p:fade/>
+      </p:transition>
+    </mc:Fallback>
+  </mc:AlternateContent>
 </p:sld>
 </file>
 
 <file path=ppt/slides/slide19.xml><?xml version="1.0" encoding="utf-8"?>
-<p:sld xmlns:a="http://schemas.openxmlformats.org/drawingml/2006/main" xmlns:r="http://schemas.openxmlformats.org/officeDocument/2006/relationships" xmlns:p="http://schemas.openxmlformats.org/presentationml/2006/main" xmlns:m="http://schemas.openxmlformats.org/officeDocument/2006/math" xmlns:a14="http://schemas.microsoft.com/office/drawing/2010/main" showMasterSp="1" showMasterPhAnim="1">
+<p:sld xmlns:a="http://schemas.openxmlformats.org/drawingml/2006/main" xmlns:r="http://schemas.openxmlformats.org/officeDocument/2006/relationships" xmlns:p="http://schemas.openxmlformats.org/presentationml/2006/main">
   <p:cSld>
     <p:spTree>
       <p:nvGrpSpPr>
@@ -22349,7 +22609,9 @@
       <p:sp>
         <p:nvSpPr>
           <p:cNvPr id="215" name="Title 1"/>
-          <p:cNvSpPr txBox="1"/>
+          <p:cNvSpPr txBox="1">
+            <a:spLocks noGrp="1"/>
+          </p:cNvSpPr>
           <p:nvPr>
             <p:ph type="title"/>
           </p:nvPr>
@@ -22367,7 +22629,6 @@
           <a:bodyPr/>
           <a:lstStyle/>
           <a:p>
-            <a:pPr/>
             <a:r>
               <a:t>目标导向设计-需求定义阶段</a:t>
             </a:r>
@@ -22377,7 +22638,9 @@
       <p:sp>
         <p:nvSpPr>
           <p:cNvPr id="216" name="Content Placeholder 2"/>
-          <p:cNvSpPr txBox="1"/>
+          <p:cNvSpPr txBox="1">
+            <a:spLocks noGrp="1"/>
+          </p:cNvSpPr>
           <p:nvPr>
             <p:ph type="body" idx="1"/>
           </p:nvPr>
@@ -22396,7 +22659,7 @@
           <a:lstStyle/>
           <a:p>
             <a:pPr marL="91440" indent="-91440">
-              <a:defRPr b="1" sz="2300"/>
+              <a:defRPr sz="2300" b="1"/>
             </a:pPr>
             <a:r>
               <a:t>场景剧本（Scenario）：</a:t>
@@ -22419,7 +22682,9 @@
       <p:sp>
         <p:nvSpPr>
           <p:cNvPr id="217" name="Slide Number"/>
-          <p:cNvSpPr txBox="1"/>
+          <p:cNvSpPr txBox="1">
+            <a:spLocks noGrp="1"/>
+          </p:cNvSpPr>
           <p:nvPr>
             <p:ph type="sldNum" sz="quarter" idx="4294967295"/>
           </p:nvPr>
@@ -22430,7 +22695,7 @@
           </a:prstGeom>
           <a:extLst>
             <a:ext uri="{C572A759-6A51-4108-AA02-DFA0A04FC94B}">
-              <ma14:wrappingTextBoxFlag xmlns:ma14="http://schemas.microsoft.com/office/mac/drawingml/2011/main" val="1"/>
+              <ma14:wrappingTextBoxFlag xmlns:ma14="http://schemas.microsoft.com/office/mac/drawingml/2011/main" xmlns:a14="http://schemas.microsoft.com/office/drawing/2010/main" xmlns:m="http://schemas.openxmlformats.org/officeDocument/2006/math" xmlns="" val="1"/>
             </a:ext>
           </a:extLst>
         </p:spPr>
@@ -22438,8 +22703,10 @@
           <a:bodyPr/>
           <a:lstStyle/>
           <a:p>
-            <a:pPr/>
-            <a:fld id="{86CB4B4D-7CA3-9044-876B-883B54F8677D}" type="slidenum"/>
+            <a:fld id="{86CB4B4D-7CA3-9044-876B-883B54F8677D}" type="slidenum">
+              <a:t>19</a:t>
+            </a:fld>
+            <a:endParaRPr/>
           </a:p>
         </p:txBody>
       </p:sp>
@@ -22448,12 +22715,23 @@
   <p:clrMapOvr>
     <a:masterClrMapping/>
   </p:clrMapOvr>
-  <p:transition xmlns:p14="http://schemas.microsoft.com/office/powerpoint/2010/main" spd="med" advClick="1"/>
+  <mc:AlternateContent xmlns:mc="http://schemas.openxmlformats.org/markup-compatibility/2006">
+    <mc:Choice xmlns:p15="http://schemas.microsoft.com/office/powerpoint/2012/main" Requires="p15">
+      <p:transition xmlns:p14="http://schemas.microsoft.com/office/powerpoint/2010/main" spd="slow" p14:dur="1250">
+        <p15:prstTrans prst="peelOff"/>
+      </p:transition>
+    </mc:Choice>
+    <mc:Fallback>
+      <p:transition spd="slow">
+        <p:fade/>
+      </p:transition>
+    </mc:Fallback>
+  </mc:AlternateContent>
 </p:sld>
 </file>
 
 <file path=ppt/slides/slide2.xml><?xml version="1.0" encoding="utf-8"?>
-<p:sld xmlns:a="http://schemas.openxmlformats.org/drawingml/2006/main" xmlns:r="http://schemas.openxmlformats.org/officeDocument/2006/relationships" xmlns:p="http://schemas.openxmlformats.org/presentationml/2006/main" xmlns:m="http://schemas.openxmlformats.org/officeDocument/2006/math" xmlns:a14="http://schemas.microsoft.com/office/drawing/2010/main" showMasterSp="1" showMasterPhAnim="1">
+<p:sld xmlns:a="http://schemas.openxmlformats.org/drawingml/2006/main" xmlns:r="http://schemas.openxmlformats.org/officeDocument/2006/relationships" xmlns:p="http://schemas.openxmlformats.org/presentationml/2006/main">
   <p:cSld>
     <p:spTree>
       <p:nvGrpSpPr>
@@ -22472,7 +22750,9 @@
       <p:sp>
         <p:nvSpPr>
           <p:cNvPr id="130" name="Title 1"/>
-          <p:cNvSpPr txBox="1"/>
+          <p:cNvSpPr txBox="1">
+            <a:spLocks noGrp="1"/>
+          </p:cNvSpPr>
           <p:nvPr>
             <p:ph type="title"/>
           </p:nvPr>
@@ -22490,7 +22770,6 @@
           <a:bodyPr/>
           <a:lstStyle/>
           <a:p>
-            <a:pPr/>
             <a:r>
               <a:t>Content</a:t>
             </a:r>
@@ -22500,7 +22779,9 @@
       <p:sp>
         <p:nvSpPr>
           <p:cNvPr id="131" name="Content Placeholder 2"/>
-          <p:cNvSpPr txBox="1"/>
+          <p:cNvSpPr txBox="1">
+            <a:spLocks noGrp="1"/>
+          </p:cNvSpPr>
           <p:nvPr>
             <p:ph type="body" sz="half" idx="1"/>
           </p:nvPr>
@@ -22599,7 +22880,9 @@
       <p:sp>
         <p:nvSpPr>
           <p:cNvPr id="132" name="Slide Number"/>
-          <p:cNvSpPr txBox="1"/>
+          <p:cNvSpPr txBox="1">
+            <a:spLocks noGrp="1"/>
+          </p:cNvSpPr>
           <p:nvPr>
             <p:ph type="sldNum" sz="quarter" idx="4294967295"/>
           </p:nvPr>
@@ -22614,7 +22897,7 @@
           </a:prstGeom>
           <a:extLst>
             <a:ext uri="{C572A759-6A51-4108-AA02-DFA0A04FC94B}">
-              <ma14:wrappingTextBoxFlag xmlns:ma14="http://schemas.microsoft.com/office/mac/drawingml/2011/main" val="1"/>
+              <ma14:wrappingTextBoxFlag xmlns:ma14="http://schemas.microsoft.com/office/mac/drawingml/2011/main" xmlns:a14="http://schemas.microsoft.com/office/drawing/2010/main" xmlns:m="http://schemas.openxmlformats.org/officeDocument/2006/math" xmlns="" val="1"/>
             </a:ext>
           </a:extLst>
         </p:spPr>
@@ -22622,8 +22905,10 @@
           <a:bodyPr/>
           <a:lstStyle/>
           <a:p>
-            <a:pPr/>
-            <a:fld id="{86CB4B4D-7CA3-9044-876B-883B54F8677D}" type="slidenum"/>
+            <a:fld id="{86CB4B4D-7CA3-9044-876B-883B54F8677D}" type="slidenum">
+              <a:t>2</a:t>
+            </a:fld>
+            <a:endParaRPr/>
           </a:p>
         </p:txBody>
       </p:sp>
@@ -22632,12 +22917,23 @@
   <p:clrMapOvr>
     <a:masterClrMapping/>
   </p:clrMapOvr>
-  <p:transition xmlns:p14="http://schemas.microsoft.com/office/powerpoint/2010/main" spd="med" advClick="1"/>
+  <mc:AlternateContent xmlns:mc="http://schemas.openxmlformats.org/markup-compatibility/2006">
+    <mc:Choice xmlns:p15="http://schemas.microsoft.com/office/powerpoint/2012/main" Requires="p15">
+      <p:transition xmlns:p14="http://schemas.microsoft.com/office/powerpoint/2010/main" spd="slow" p14:dur="1250">
+        <p15:prstTrans prst="peelOff"/>
+      </p:transition>
+    </mc:Choice>
+    <mc:Fallback>
+      <p:transition spd="slow">
+        <p:fade/>
+      </p:transition>
+    </mc:Fallback>
+  </mc:AlternateContent>
 </p:sld>
 </file>
 
 <file path=ppt/slides/slide20.xml><?xml version="1.0" encoding="utf-8"?>
-<p:sld xmlns:a="http://schemas.openxmlformats.org/drawingml/2006/main" xmlns:r="http://schemas.openxmlformats.org/officeDocument/2006/relationships" xmlns:p="http://schemas.openxmlformats.org/presentationml/2006/main" xmlns:m="http://schemas.openxmlformats.org/officeDocument/2006/math" xmlns:a14="http://schemas.microsoft.com/office/drawing/2010/main" showMasterSp="1" showMasterPhAnim="1">
+<p:sld xmlns:a="http://schemas.openxmlformats.org/drawingml/2006/main" xmlns:r="http://schemas.openxmlformats.org/officeDocument/2006/relationships" xmlns:p="http://schemas.openxmlformats.org/presentationml/2006/main">
   <p:cSld>
     <p:spTree>
       <p:nvGrpSpPr>
@@ -22656,7 +22952,9 @@
       <p:sp>
         <p:nvSpPr>
           <p:cNvPr id="219" name="Title 1"/>
-          <p:cNvSpPr txBox="1"/>
+          <p:cNvSpPr txBox="1">
+            <a:spLocks noGrp="1"/>
+          </p:cNvSpPr>
           <p:nvPr>
             <p:ph type="title"/>
           </p:nvPr>
@@ -22674,7 +22972,6 @@
           <a:bodyPr/>
           <a:lstStyle/>
           <a:p>
-            <a:pPr/>
             <a:r>
               <a:t>目标导向设计-需求定义阶段</a:t>
             </a:r>
@@ -22684,7 +22981,9 @@
       <p:sp>
         <p:nvSpPr>
           <p:cNvPr id="220" name="Content Placeholder 2"/>
-          <p:cNvSpPr txBox="1"/>
+          <p:cNvSpPr txBox="1">
+            <a:spLocks noGrp="1"/>
+          </p:cNvSpPr>
           <p:nvPr>
             <p:ph type="body" idx="1"/>
           </p:nvPr>
@@ -22703,7 +23002,7 @@
           <a:lstStyle/>
           <a:p>
             <a:pPr marL="91440" indent="-91440">
-              <a:defRPr b="1" sz="2300"/>
+              <a:defRPr sz="2300" b="1"/>
             </a:pPr>
             <a:r>
               <a:t>场景剧本（Scenario）与用例（use case）：</a:t>
@@ -22713,6 +23012,7 @@
             <a:pPr>
               <a:defRPr sz="2300"/>
             </a:pPr>
+            <a:endParaRPr/>
           </a:p>
           <a:p>
             <a:pPr>
@@ -22726,6 +23026,7 @@
             <a:pPr>
               <a:defRPr sz="2300"/>
             </a:pPr>
+            <a:endParaRPr/>
           </a:p>
           <a:p>
             <a:pPr>
@@ -22759,7 +23060,9 @@
       <p:sp>
         <p:nvSpPr>
           <p:cNvPr id="221" name="Slide Number"/>
-          <p:cNvSpPr txBox="1"/>
+          <p:cNvSpPr txBox="1">
+            <a:spLocks noGrp="1"/>
+          </p:cNvSpPr>
           <p:nvPr>
             <p:ph type="sldNum" sz="quarter" idx="4294967295"/>
           </p:nvPr>
@@ -22770,7 +23073,7 @@
           </a:prstGeom>
           <a:extLst>
             <a:ext uri="{C572A759-6A51-4108-AA02-DFA0A04FC94B}">
-              <ma14:wrappingTextBoxFlag xmlns:ma14="http://schemas.microsoft.com/office/mac/drawingml/2011/main" val="1"/>
+              <ma14:wrappingTextBoxFlag xmlns:ma14="http://schemas.microsoft.com/office/mac/drawingml/2011/main" xmlns:a14="http://schemas.microsoft.com/office/drawing/2010/main" xmlns:m="http://schemas.openxmlformats.org/officeDocument/2006/math" xmlns="" val="1"/>
             </a:ext>
           </a:extLst>
         </p:spPr>
@@ -22778,8 +23081,10 @@
           <a:bodyPr/>
           <a:lstStyle/>
           <a:p>
-            <a:pPr/>
-            <a:fld id="{86CB4B4D-7CA3-9044-876B-883B54F8677D}" type="slidenum"/>
+            <a:fld id="{86CB4B4D-7CA3-9044-876B-883B54F8677D}" type="slidenum">
+              <a:t>20</a:t>
+            </a:fld>
+            <a:endParaRPr/>
           </a:p>
         </p:txBody>
       </p:sp>
@@ -22788,12 +23093,23 @@
   <p:clrMapOvr>
     <a:masterClrMapping/>
   </p:clrMapOvr>
-  <p:transition xmlns:p14="http://schemas.microsoft.com/office/powerpoint/2010/main" spd="med" advClick="1"/>
+  <mc:AlternateContent xmlns:mc="http://schemas.openxmlformats.org/markup-compatibility/2006">
+    <mc:Choice xmlns:p15="http://schemas.microsoft.com/office/powerpoint/2012/main" Requires="p15">
+      <p:transition xmlns:p14="http://schemas.microsoft.com/office/powerpoint/2010/main" spd="slow" p14:dur="1250">
+        <p15:prstTrans prst="peelOff"/>
+      </p:transition>
+    </mc:Choice>
+    <mc:Fallback>
+      <p:transition spd="slow">
+        <p:fade/>
+      </p:transition>
+    </mc:Fallback>
+  </mc:AlternateContent>
 </p:sld>
 </file>
 
 <file path=ppt/slides/slide21.xml><?xml version="1.0" encoding="utf-8"?>
-<p:sld xmlns:a="http://schemas.openxmlformats.org/drawingml/2006/main" xmlns:r="http://schemas.openxmlformats.org/officeDocument/2006/relationships" xmlns:p="http://schemas.openxmlformats.org/presentationml/2006/main" xmlns:m="http://schemas.openxmlformats.org/officeDocument/2006/math" xmlns:a14="http://schemas.microsoft.com/office/drawing/2010/main" showMasterSp="1" showMasterPhAnim="1">
+<p:sld xmlns:a="http://schemas.openxmlformats.org/drawingml/2006/main" xmlns:r="http://schemas.openxmlformats.org/officeDocument/2006/relationships" xmlns:p="http://schemas.openxmlformats.org/presentationml/2006/main">
   <p:cSld>
     <p:spTree>
       <p:nvGrpSpPr>
@@ -22812,7 +23128,9 @@
       <p:sp>
         <p:nvSpPr>
           <p:cNvPr id="223" name="Title 1"/>
-          <p:cNvSpPr txBox="1"/>
+          <p:cNvSpPr txBox="1">
+            <a:spLocks noGrp="1"/>
+          </p:cNvSpPr>
           <p:nvPr>
             <p:ph type="title"/>
           </p:nvPr>
@@ -22830,7 +23148,6 @@
           <a:bodyPr/>
           <a:lstStyle/>
           <a:p>
-            <a:pPr/>
             <a:r>
               <a:t>目标导向设计-需求定义阶段</a:t>
             </a:r>
@@ -22840,7 +23157,9 @@
       <p:sp>
         <p:nvSpPr>
           <p:cNvPr id="224" name="Content Placeholder 2"/>
-          <p:cNvSpPr txBox="1"/>
+          <p:cNvSpPr txBox="1">
+            <a:spLocks noGrp="1"/>
+          </p:cNvSpPr>
           <p:nvPr>
             <p:ph type="body" idx="1"/>
           </p:nvPr>
@@ -22859,7 +23178,7 @@
           <a:lstStyle/>
           <a:p>
             <a:pPr marL="91440" indent="-91440">
-              <a:defRPr b="1" sz="2300"/>
+              <a:defRPr sz="2300" b="1"/>
             </a:pPr>
             <a:r>
               <a:t>根据场景剧本确定需求</a:t>
@@ -22885,6 +23204,7 @@
             <a:pPr marL="91440" indent="-91440">
               <a:defRPr sz="2300"/>
             </a:pPr>
+            <a:endParaRPr/>
           </a:p>
           <a:p>
             <a:pPr marL="91440" indent="-91440">
@@ -22907,7 +23227,9 @@
       <p:sp>
         <p:nvSpPr>
           <p:cNvPr id="225" name="Slide Number"/>
-          <p:cNvSpPr txBox="1"/>
+          <p:cNvSpPr txBox="1">
+            <a:spLocks noGrp="1"/>
+          </p:cNvSpPr>
           <p:nvPr>
             <p:ph type="sldNum" sz="quarter" idx="4294967295"/>
           </p:nvPr>
@@ -22918,7 +23240,7 @@
           </a:prstGeom>
           <a:extLst>
             <a:ext uri="{C572A759-6A51-4108-AA02-DFA0A04FC94B}">
-              <ma14:wrappingTextBoxFlag xmlns:ma14="http://schemas.microsoft.com/office/mac/drawingml/2011/main" val="1"/>
+              <ma14:wrappingTextBoxFlag xmlns:ma14="http://schemas.microsoft.com/office/mac/drawingml/2011/main" xmlns:a14="http://schemas.microsoft.com/office/drawing/2010/main" xmlns:m="http://schemas.openxmlformats.org/officeDocument/2006/math" xmlns="" val="1"/>
             </a:ext>
           </a:extLst>
         </p:spPr>
@@ -22926,8 +23248,10 @@
           <a:bodyPr/>
           <a:lstStyle/>
           <a:p>
-            <a:pPr/>
-            <a:fld id="{86CB4B4D-7CA3-9044-876B-883B54F8677D}" type="slidenum"/>
+            <a:fld id="{86CB4B4D-7CA3-9044-876B-883B54F8677D}" type="slidenum">
+              <a:t>21</a:t>
+            </a:fld>
+            <a:endParaRPr/>
           </a:p>
         </p:txBody>
       </p:sp>
@@ -22936,12 +23260,23 @@
   <p:clrMapOvr>
     <a:masterClrMapping/>
   </p:clrMapOvr>
-  <p:transition xmlns:p14="http://schemas.microsoft.com/office/powerpoint/2010/main" spd="med" advClick="1"/>
+  <mc:AlternateContent xmlns:mc="http://schemas.openxmlformats.org/markup-compatibility/2006">
+    <mc:Choice xmlns:p15="http://schemas.microsoft.com/office/powerpoint/2012/main" Requires="p15">
+      <p:transition xmlns:p14="http://schemas.microsoft.com/office/powerpoint/2010/main" spd="slow" p14:dur="1250">
+        <p15:prstTrans prst="peelOff"/>
+      </p:transition>
+    </mc:Choice>
+    <mc:Fallback>
+      <p:transition spd="slow">
+        <p:fade/>
+      </p:transition>
+    </mc:Fallback>
+  </mc:AlternateContent>
 </p:sld>
 </file>
 
 <file path=ppt/slides/slide22.xml><?xml version="1.0" encoding="utf-8"?>
-<p:sld xmlns:a="http://schemas.openxmlformats.org/drawingml/2006/main" xmlns:r="http://schemas.openxmlformats.org/officeDocument/2006/relationships" xmlns:p="http://schemas.openxmlformats.org/presentationml/2006/main" xmlns:m="http://schemas.openxmlformats.org/officeDocument/2006/math" xmlns:a14="http://schemas.microsoft.com/office/drawing/2010/main" showMasterSp="1" showMasterPhAnim="1">
+<p:sld xmlns:a="http://schemas.openxmlformats.org/drawingml/2006/main" xmlns:r="http://schemas.openxmlformats.org/officeDocument/2006/relationships" xmlns:p="http://schemas.openxmlformats.org/presentationml/2006/main">
   <p:cSld>
     <p:spTree>
       <p:nvGrpSpPr>
@@ -22960,7 +23295,9 @@
       <p:sp>
         <p:nvSpPr>
           <p:cNvPr id="227" name="Title 1"/>
-          <p:cNvSpPr txBox="1"/>
+          <p:cNvSpPr txBox="1">
+            <a:spLocks noGrp="1"/>
+          </p:cNvSpPr>
           <p:nvPr>
             <p:ph type="title"/>
           </p:nvPr>
@@ -22978,7 +23315,6 @@
           <a:bodyPr/>
           <a:lstStyle/>
           <a:p>
-            <a:pPr/>
             <a:r>
               <a:t>目标导向设计-框架定义阶段</a:t>
             </a:r>
@@ -22988,7 +23324,9 @@
       <p:sp>
         <p:nvSpPr>
           <p:cNvPr id="228" name="Content Placeholder 2"/>
-          <p:cNvSpPr txBox="1"/>
+          <p:cNvSpPr txBox="1">
+            <a:spLocks noGrp="1"/>
+          </p:cNvSpPr>
           <p:nvPr>
             <p:ph type="body" idx="1"/>
           </p:nvPr>
@@ -23014,13 +23352,11 @@
             </a:r>
           </a:p>
           <a:p>
-            <a:pPr/>
             <a:r>
               <a:t>在框架定义阶段，设计者创建整个产品的概念，产品行为、视觉设计及物理形式（如果有的话）的基本框架。</a:t>
             </a:r>
           </a:p>
           <a:p>
-            <a:pPr/>
             <a:r>
               <a:t>交互设计团队使用</a:t>
             </a:r>
@@ -23042,10 +23378,8 @@
               <a:rPr b="1"/>
               <a:t>交互框架</a:t>
             </a:r>
-            <a:endParaRPr b="1"/>
-          </a:p>
-          <a:p>
-            <a:pPr/>
+          </a:p>
+          <a:p>
             <a:endParaRPr b="1"/>
           </a:p>
           <a:p>
@@ -23059,7 +23393,6 @@
               <a:rPr b="0"/>
               <a:t>提供了在多种情境中定义恰当系统行为的指导原则。</a:t>
             </a:r>
-            <a:endParaRPr b="0"/>
           </a:p>
           <a:p>
             <a:pPr>
@@ -23078,7 +23411,9 @@
       <p:sp>
         <p:nvSpPr>
           <p:cNvPr id="229" name="Slide Number"/>
-          <p:cNvSpPr txBox="1"/>
+          <p:cNvSpPr txBox="1">
+            <a:spLocks noGrp="1"/>
+          </p:cNvSpPr>
           <p:nvPr>
             <p:ph type="sldNum" sz="quarter" idx="4294967295"/>
           </p:nvPr>
@@ -23089,7 +23424,7 @@
           </a:prstGeom>
           <a:extLst>
             <a:ext uri="{C572A759-6A51-4108-AA02-DFA0A04FC94B}">
-              <ma14:wrappingTextBoxFlag xmlns:ma14="http://schemas.microsoft.com/office/mac/drawingml/2011/main" val="1"/>
+              <ma14:wrappingTextBoxFlag xmlns:ma14="http://schemas.microsoft.com/office/mac/drawingml/2011/main" xmlns:a14="http://schemas.microsoft.com/office/drawing/2010/main" xmlns:m="http://schemas.openxmlformats.org/officeDocument/2006/math" xmlns="" val="1"/>
             </a:ext>
           </a:extLst>
         </p:spPr>
@@ -23097,8 +23432,10 @@
           <a:bodyPr/>
           <a:lstStyle/>
           <a:p>
-            <a:pPr/>
-            <a:fld id="{86CB4B4D-7CA3-9044-876B-883B54F8677D}" type="slidenum"/>
+            <a:fld id="{86CB4B4D-7CA3-9044-876B-883B54F8677D}" type="slidenum">
+              <a:t>22</a:t>
+            </a:fld>
+            <a:endParaRPr/>
           </a:p>
         </p:txBody>
       </p:sp>
@@ -23107,12 +23444,23 @@
   <p:clrMapOvr>
     <a:masterClrMapping/>
   </p:clrMapOvr>
-  <p:transition xmlns:p14="http://schemas.microsoft.com/office/powerpoint/2010/main" spd="med" advClick="1"/>
+  <mc:AlternateContent xmlns:mc="http://schemas.openxmlformats.org/markup-compatibility/2006">
+    <mc:Choice xmlns:p15="http://schemas.microsoft.com/office/powerpoint/2012/main" Requires="p15">
+      <p:transition xmlns:p14="http://schemas.microsoft.com/office/powerpoint/2010/main" spd="slow" p14:dur="1250">
+        <p15:prstTrans prst="peelOff"/>
+      </p:transition>
+    </mc:Choice>
+    <mc:Fallback>
+      <p:transition spd="slow">
+        <p:fade/>
+      </p:transition>
+    </mc:Fallback>
+  </mc:AlternateContent>
 </p:sld>
 </file>
 
 <file path=ppt/slides/slide23.xml><?xml version="1.0" encoding="utf-8"?>
-<p:sld xmlns:a="http://schemas.openxmlformats.org/drawingml/2006/main" xmlns:r="http://schemas.openxmlformats.org/officeDocument/2006/relationships" xmlns:p="http://schemas.openxmlformats.org/presentationml/2006/main" xmlns:m="http://schemas.openxmlformats.org/officeDocument/2006/math" xmlns:a14="http://schemas.microsoft.com/office/drawing/2010/main" showMasterSp="1" showMasterPhAnim="1">
+<p:sld xmlns:a="http://schemas.openxmlformats.org/drawingml/2006/main" xmlns:r="http://schemas.openxmlformats.org/officeDocument/2006/relationships" xmlns:p="http://schemas.openxmlformats.org/presentationml/2006/main">
   <p:cSld>
     <p:spTree>
       <p:nvGrpSpPr>
@@ -23131,7 +23479,9 @@
       <p:sp>
         <p:nvSpPr>
           <p:cNvPr id="231" name="Title 1"/>
-          <p:cNvSpPr txBox="1"/>
+          <p:cNvSpPr txBox="1">
+            <a:spLocks noGrp="1"/>
+          </p:cNvSpPr>
           <p:nvPr>
             <p:ph type="title"/>
           </p:nvPr>
@@ -23149,7 +23499,6 @@
           <a:bodyPr/>
           <a:lstStyle/>
           <a:p>
-            <a:pPr/>
             <a:r>
               <a:t>目标导向设计-框架定义阶段</a:t>
             </a:r>
@@ -23159,7 +23508,9 @@
       <p:sp>
         <p:nvSpPr>
           <p:cNvPr id="232" name="Content Placeholder 2"/>
-          <p:cNvSpPr txBox="1"/>
+          <p:cNvSpPr txBox="1">
+            <a:spLocks noGrp="1"/>
+          </p:cNvSpPr>
           <p:nvPr>
             <p:ph type="body" idx="1"/>
           </p:nvPr>
@@ -23185,43 +23536,36 @@
             </a:r>
           </a:p>
           <a:p>
-            <a:pPr/>
             <a:r>
               <a:t>下面的6个步骤描述了定义交互框架的过程[1]</a:t>
             </a:r>
           </a:p>
           <a:p>
-            <a:pPr/>
             <a:r>
               <a:t>（1）定义外形因素、姿态和输入方法（略）</a:t>
             </a:r>
           </a:p>
           <a:p>
-            <a:pPr/>
             <a:r>
               <a:t>（2）定义功能和数据元素</a:t>
             </a:r>
           </a:p>
           <a:p>
-            <a:pPr/>
             <a:r>
               <a:t>（3）决定功能组和层次</a:t>
             </a:r>
           </a:p>
           <a:p>
-            <a:pPr/>
             <a:r>
               <a:t>（4）勾画出大致的交互框架</a:t>
             </a:r>
           </a:p>
           <a:p>
-            <a:pPr/>
             <a:r>
               <a:t>（5）构建关键线路</a:t>
             </a:r>
           </a:p>
           <a:p>
-            <a:pPr/>
             <a:r>
               <a:t>（6）检查设计（略）</a:t>
             </a:r>
@@ -23231,7 +23575,9 @@
       <p:sp>
         <p:nvSpPr>
           <p:cNvPr id="233" name="Slide Number"/>
-          <p:cNvSpPr txBox="1"/>
+          <p:cNvSpPr txBox="1">
+            <a:spLocks noGrp="1"/>
+          </p:cNvSpPr>
           <p:nvPr>
             <p:ph type="sldNum" sz="quarter" idx="4294967295"/>
           </p:nvPr>
@@ -23242,7 +23588,7 @@
           </a:prstGeom>
           <a:extLst>
             <a:ext uri="{C572A759-6A51-4108-AA02-DFA0A04FC94B}">
-              <ma14:wrappingTextBoxFlag xmlns:ma14="http://schemas.microsoft.com/office/mac/drawingml/2011/main" val="1"/>
+              <ma14:wrappingTextBoxFlag xmlns:ma14="http://schemas.microsoft.com/office/mac/drawingml/2011/main" xmlns:a14="http://schemas.microsoft.com/office/drawing/2010/main" xmlns:m="http://schemas.openxmlformats.org/officeDocument/2006/math" xmlns="" val="1"/>
             </a:ext>
           </a:extLst>
         </p:spPr>
@@ -23250,8 +23596,10 @@
           <a:bodyPr/>
           <a:lstStyle/>
           <a:p>
-            <a:pPr/>
-            <a:fld id="{86CB4B4D-7CA3-9044-876B-883B54F8677D}" type="slidenum"/>
+            <a:fld id="{86CB4B4D-7CA3-9044-876B-883B54F8677D}" type="slidenum">
+              <a:t>23</a:t>
+            </a:fld>
+            <a:endParaRPr/>
           </a:p>
         </p:txBody>
       </p:sp>
@@ -23260,12 +23608,23 @@
   <p:clrMapOvr>
     <a:masterClrMapping/>
   </p:clrMapOvr>
-  <p:transition xmlns:p14="http://schemas.microsoft.com/office/powerpoint/2010/main" spd="med" advClick="1"/>
+  <mc:AlternateContent xmlns:mc="http://schemas.openxmlformats.org/markup-compatibility/2006">
+    <mc:Choice xmlns:p15="http://schemas.microsoft.com/office/powerpoint/2012/main" Requires="p15">
+      <p:transition xmlns:p14="http://schemas.microsoft.com/office/powerpoint/2010/main" spd="slow" p14:dur="1250">
+        <p15:prstTrans prst="peelOff"/>
+      </p:transition>
+    </mc:Choice>
+    <mc:Fallback>
+      <p:transition spd="slow">
+        <p:fade/>
+      </p:transition>
+    </mc:Fallback>
+  </mc:AlternateContent>
 </p:sld>
 </file>
 
 <file path=ppt/slides/slide24.xml><?xml version="1.0" encoding="utf-8"?>
-<p:sld xmlns:a="http://schemas.openxmlformats.org/drawingml/2006/main" xmlns:r="http://schemas.openxmlformats.org/officeDocument/2006/relationships" xmlns:p="http://schemas.openxmlformats.org/presentationml/2006/main" xmlns:m="http://schemas.openxmlformats.org/officeDocument/2006/math" xmlns:a14="http://schemas.microsoft.com/office/drawing/2010/main" showMasterSp="1" showMasterPhAnim="1">
+<p:sld xmlns:a="http://schemas.openxmlformats.org/drawingml/2006/main" xmlns:r="http://schemas.openxmlformats.org/officeDocument/2006/relationships" xmlns:p="http://schemas.openxmlformats.org/presentationml/2006/main">
   <p:cSld>
     <p:spTree>
       <p:nvGrpSpPr>
@@ -23284,7 +23643,9 @@
       <p:sp>
         <p:nvSpPr>
           <p:cNvPr id="235" name="Title 1"/>
-          <p:cNvSpPr txBox="1"/>
+          <p:cNvSpPr txBox="1">
+            <a:spLocks noGrp="1"/>
+          </p:cNvSpPr>
           <p:nvPr>
             <p:ph type="title"/>
           </p:nvPr>
@@ -23302,7 +23663,6 @@
           <a:bodyPr/>
           <a:lstStyle/>
           <a:p>
-            <a:pPr/>
             <a:r>
               <a:t>目标导向设计-框架定义阶段</a:t>
             </a:r>
@@ -23312,7 +23672,9 @@
       <p:sp>
         <p:nvSpPr>
           <p:cNvPr id="236" name="Content Placeholder 2"/>
-          <p:cNvSpPr txBox="1"/>
+          <p:cNvSpPr txBox="1">
+            <a:spLocks noGrp="1"/>
+          </p:cNvSpPr>
           <p:nvPr>
             <p:ph type="body" idx="1"/>
           </p:nvPr>
@@ -23338,13 +23700,11 @@
             </a:r>
           </a:p>
           <a:p>
-            <a:pPr/>
             <a:r>
               <a:t>（2）定义功能和数据元素</a:t>
             </a:r>
           </a:p>
           <a:p>
-            <a:pPr/>
             <a:r>
               <a:rPr b="1"/>
               <a:t>数据元素</a:t>
@@ -23354,10 +23714,9 @@
             </a:r>
           </a:p>
           <a:p>
-            <a:pPr/>
-          </a:p>
-          <a:p>
-            <a:pPr/>
+            <a:endParaRPr/>
+          </a:p>
+          <a:p>
             <a:r>
               <a:rPr b="1"/>
               <a:t>功能元素</a:t>
@@ -23371,7 +23730,9 @@
       <p:sp>
         <p:nvSpPr>
           <p:cNvPr id="237" name="Slide Number"/>
-          <p:cNvSpPr txBox="1"/>
+          <p:cNvSpPr txBox="1">
+            <a:spLocks noGrp="1"/>
+          </p:cNvSpPr>
           <p:nvPr>
             <p:ph type="sldNum" sz="quarter" idx="4294967295"/>
           </p:nvPr>
@@ -23382,7 +23743,7 @@
           </a:prstGeom>
           <a:extLst>
             <a:ext uri="{C572A759-6A51-4108-AA02-DFA0A04FC94B}">
-              <ma14:wrappingTextBoxFlag xmlns:ma14="http://schemas.microsoft.com/office/mac/drawingml/2011/main" val="1"/>
+              <ma14:wrappingTextBoxFlag xmlns:ma14="http://schemas.microsoft.com/office/mac/drawingml/2011/main" xmlns:a14="http://schemas.microsoft.com/office/drawing/2010/main" xmlns:m="http://schemas.openxmlformats.org/officeDocument/2006/math" xmlns="" val="1"/>
             </a:ext>
           </a:extLst>
         </p:spPr>
@@ -23390,8 +23751,10 @@
           <a:bodyPr/>
           <a:lstStyle/>
           <a:p>
-            <a:pPr/>
-            <a:fld id="{86CB4B4D-7CA3-9044-876B-883B54F8677D}" type="slidenum"/>
+            <a:fld id="{86CB4B4D-7CA3-9044-876B-883B54F8677D}" type="slidenum">
+              <a:t>24</a:t>
+            </a:fld>
+            <a:endParaRPr/>
           </a:p>
         </p:txBody>
       </p:sp>
@@ -23400,12 +23763,23 @@
   <p:clrMapOvr>
     <a:masterClrMapping/>
   </p:clrMapOvr>
-  <p:transition xmlns:p14="http://schemas.microsoft.com/office/powerpoint/2010/main" spd="med" advClick="1"/>
+  <mc:AlternateContent xmlns:mc="http://schemas.openxmlformats.org/markup-compatibility/2006">
+    <mc:Choice xmlns:p15="http://schemas.microsoft.com/office/powerpoint/2012/main" Requires="p15">
+      <p:transition xmlns:p14="http://schemas.microsoft.com/office/powerpoint/2010/main" spd="slow" p14:dur="1250">
+        <p15:prstTrans prst="peelOff"/>
+      </p:transition>
+    </mc:Choice>
+    <mc:Fallback>
+      <p:transition spd="slow">
+        <p:fade/>
+      </p:transition>
+    </mc:Fallback>
+  </mc:AlternateContent>
 </p:sld>
 </file>
 
 <file path=ppt/slides/slide25.xml><?xml version="1.0" encoding="utf-8"?>
-<p:sld xmlns:a="http://schemas.openxmlformats.org/drawingml/2006/main" xmlns:r="http://schemas.openxmlformats.org/officeDocument/2006/relationships" xmlns:p="http://schemas.openxmlformats.org/presentationml/2006/main" xmlns:m="http://schemas.openxmlformats.org/officeDocument/2006/math" xmlns:a14="http://schemas.microsoft.com/office/drawing/2010/main" showMasterSp="1" showMasterPhAnim="1">
+<p:sld xmlns:a="http://schemas.openxmlformats.org/drawingml/2006/main" xmlns:r="http://schemas.openxmlformats.org/officeDocument/2006/relationships" xmlns:p="http://schemas.openxmlformats.org/presentationml/2006/main">
   <p:cSld>
     <p:spTree>
       <p:nvGrpSpPr>
@@ -23424,7 +23798,9 @@
       <p:sp>
         <p:nvSpPr>
           <p:cNvPr id="239" name="Title 1"/>
-          <p:cNvSpPr txBox="1"/>
+          <p:cNvSpPr txBox="1">
+            <a:spLocks noGrp="1"/>
+          </p:cNvSpPr>
           <p:nvPr>
             <p:ph type="title"/>
           </p:nvPr>
@@ -23442,7 +23818,6 @@
           <a:bodyPr/>
           <a:lstStyle/>
           <a:p>
-            <a:pPr/>
             <a:r>
               <a:t>目标导向设计-框架定义阶段</a:t>
             </a:r>
@@ -23452,7 +23827,9 @@
       <p:sp>
         <p:nvSpPr>
           <p:cNvPr id="240" name="Content Placeholder 2"/>
-          <p:cNvSpPr txBox="1"/>
+          <p:cNvSpPr txBox="1">
+            <a:spLocks noGrp="1"/>
+          </p:cNvSpPr>
           <p:nvPr>
             <p:ph type="body" idx="1"/>
           </p:nvPr>
@@ -23478,13 +23855,11 @@
             </a:r>
           </a:p>
           <a:p>
-            <a:pPr/>
             <a:r>
               <a:t>（3）决定功能组和层次</a:t>
             </a:r>
           </a:p>
           <a:p>
-            <a:pPr/>
             <a:r>
               <a:t>当完善了功能 和数据元素后，便可以开始将其分组，并决定其层次。需考虑的主要问题如下：</a:t>
             </a:r>
@@ -23526,7 +23901,9 @@
       <p:sp>
         <p:nvSpPr>
           <p:cNvPr id="241" name="Slide Number"/>
-          <p:cNvSpPr txBox="1"/>
+          <p:cNvSpPr txBox="1">
+            <a:spLocks noGrp="1"/>
+          </p:cNvSpPr>
           <p:nvPr>
             <p:ph type="sldNum" sz="quarter" idx="4294967295"/>
           </p:nvPr>
@@ -23537,7 +23914,7 @@
           </a:prstGeom>
           <a:extLst>
             <a:ext uri="{C572A759-6A51-4108-AA02-DFA0A04FC94B}">
-              <ma14:wrappingTextBoxFlag xmlns:ma14="http://schemas.microsoft.com/office/mac/drawingml/2011/main" val="1"/>
+              <ma14:wrappingTextBoxFlag xmlns:ma14="http://schemas.microsoft.com/office/mac/drawingml/2011/main" xmlns:a14="http://schemas.microsoft.com/office/drawing/2010/main" xmlns:m="http://schemas.openxmlformats.org/officeDocument/2006/math" xmlns="" val="1"/>
             </a:ext>
           </a:extLst>
         </p:spPr>
@@ -23545,8 +23922,10 @@
           <a:bodyPr/>
           <a:lstStyle/>
           <a:p>
-            <a:pPr/>
-            <a:fld id="{86CB4B4D-7CA3-9044-876B-883B54F8677D}" type="slidenum"/>
+            <a:fld id="{86CB4B4D-7CA3-9044-876B-883B54F8677D}" type="slidenum">
+              <a:t>25</a:t>
+            </a:fld>
+            <a:endParaRPr/>
           </a:p>
         </p:txBody>
       </p:sp>
@@ -23555,12 +23934,23 @@
   <p:clrMapOvr>
     <a:masterClrMapping/>
   </p:clrMapOvr>
-  <p:transition xmlns:p14="http://schemas.microsoft.com/office/powerpoint/2010/main" spd="med" advClick="1"/>
+  <mc:AlternateContent xmlns:mc="http://schemas.openxmlformats.org/markup-compatibility/2006">
+    <mc:Choice xmlns:p15="http://schemas.microsoft.com/office/powerpoint/2012/main" Requires="p15">
+      <p:transition xmlns:p14="http://schemas.microsoft.com/office/powerpoint/2010/main" spd="slow" p14:dur="1250">
+        <p15:prstTrans prst="peelOff"/>
+      </p:transition>
+    </mc:Choice>
+    <mc:Fallback>
+      <p:transition spd="slow">
+        <p:fade/>
+      </p:transition>
+    </mc:Fallback>
+  </mc:AlternateContent>
 </p:sld>
 </file>
 
 <file path=ppt/slides/slide26.xml><?xml version="1.0" encoding="utf-8"?>
-<p:sld xmlns:a="http://schemas.openxmlformats.org/drawingml/2006/main" xmlns:r="http://schemas.openxmlformats.org/officeDocument/2006/relationships" xmlns:p="http://schemas.openxmlformats.org/presentationml/2006/main" xmlns:m="http://schemas.openxmlformats.org/officeDocument/2006/math" xmlns:a14="http://schemas.microsoft.com/office/drawing/2010/main" showMasterSp="1" showMasterPhAnim="1">
+<p:sld xmlns:a="http://schemas.openxmlformats.org/drawingml/2006/main" xmlns:r="http://schemas.openxmlformats.org/officeDocument/2006/relationships" xmlns:p="http://schemas.openxmlformats.org/presentationml/2006/main">
   <p:cSld>
     <p:spTree>
       <p:nvGrpSpPr>
@@ -23579,7 +23969,9 @@
       <p:sp>
         <p:nvSpPr>
           <p:cNvPr id="243" name="Title 1"/>
-          <p:cNvSpPr txBox="1"/>
+          <p:cNvSpPr txBox="1">
+            <a:spLocks noGrp="1"/>
+          </p:cNvSpPr>
           <p:nvPr>
             <p:ph type="title"/>
           </p:nvPr>
@@ -23597,7 +23989,6 @@
           <a:bodyPr/>
           <a:lstStyle/>
           <a:p>
-            <a:pPr/>
             <a:r>
               <a:t>目标导向设计-框架定义阶段</a:t>
             </a:r>
@@ -23607,7 +23998,9 @@
       <p:sp>
         <p:nvSpPr>
           <p:cNvPr id="244" name="Content Placeholder 2"/>
-          <p:cNvSpPr txBox="1"/>
+          <p:cNvSpPr txBox="1">
+            <a:spLocks noGrp="1"/>
+          </p:cNvSpPr>
           <p:nvPr>
             <p:ph type="body" idx="1"/>
           </p:nvPr>
@@ -23633,16 +24026,14 @@
             </a:r>
           </a:p>
           <a:p>
-            <a:pPr/>
             <a:r>
               <a:t>（4）勾画出大致的交互框架</a:t>
             </a:r>
           </a:p>
           <a:p>
-            <a:pPr/>
-          </a:p>
-          <a:p>
-            <a:pPr/>
+            <a:endParaRPr/>
+          </a:p>
+          <a:p>
             <a:r>
               <a:t>       可以勾画不同的草图来在界面上排列组合这些高层次的容器，勾画框架是一个反复的过程，最好由一到两个交互设计者、一个视觉设计者或者一个工业设计者组成的小的合作小组来进行。</a:t>
             </a:r>
@@ -23652,7 +24043,9 @@
       <p:sp>
         <p:nvSpPr>
           <p:cNvPr id="245" name="Slide Number"/>
-          <p:cNvSpPr txBox="1"/>
+          <p:cNvSpPr txBox="1">
+            <a:spLocks noGrp="1"/>
+          </p:cNvSpPr>
           <p:nvPr>
             <p:ph type="sldNum" sz="quarter" idx="4294967295"/>
           </p:nvPr>
@@ -23663,7 +24056,7 @@
           </a:prstGeom>
           <a:extLst>
             <a:ext uri="{C572A759-6A51-4108-AA02-DFA0A04FC94B}">
-              <ma14:wrappingTextBoxFlag xmlns:ma14="http://schemas.microsoft.com/office/mac/drawingml/2011/main" val="1"/>
+              <ma14:wrappingTextBoxFlag xmlns:ma14="http://schemas.microsoft.com/office/mac/drawingml/2011/main" xmlns:a14="http://schemas.microsoft.com/office/drawing/2010/main" xmlns:m="http://schemas.openxmlformats.org/officeDocument/2006/math" xmlns="" val="1"/>
             </a:ext>
           </a:extLst>
         </p:spPr>
@@ -23671,8 +24064,10 @@
           <a:bodyPr/>
           <a:lstStyle/>
           <a:p>
-            <a:pPr/>
-            <a:fld id="{86CB4B4D-7CA3-9044-876B-883B54F8677D}" type="slidenum"/>
+            <a:fld id="{86CB4B4D-7CA3-9044-876B-883B54F8677D}" type="slidenum">
+              <a:t>26</a:t>
+            </a:fld>
+            <a:endParaRPr/>
           </a:p>
         </p:txBody>
       </p:sp>
@@ -23681,12 +24076,23 @@
   <p:clrMapOvr>
     <a:masterClrMapping/>
   </p:clrMapOvr>
-  <p:transition xmlns:p14="http://schemas.microsoft.com/office/powerpoint/2010/main" spd="med" advClick="1"/>
+  <mc:AlternateContent xmlns:mc="http://schemas.openxmlformats.org/markup-compatibility/2006">
+    <mc:Choice xmlns:p15="http://schemas.microsoft.com/office/powerpoint/2012/main" Requires="p15">
+      <p:transition xmlns:p14="http://schemas.microsoft.com/office/powerpoint/2010/main" spd="slow" p14:dur="1250">
+        <p15:prstTrans prst="peelOff"/>
+      </p:transition>
+    </mc:Choice>
+    <mc:Fallback>
+      <p:transition spd="slow">
+        <p:fade/>
+      </p:transition>
+    </mc:Fallback>
+  </mc:AlternateContent>
 </p:sld>
 </file>
 
 <file path=ppt/slides/slide27.xml><?xml version="1.0" encoding="utf-8"?>
-<p:sld xmlns:a="http://schemas.openxmlformats.org/drawingml/2006/main" xmlns:r="http://schemas.openxmlformats.org/officeDocument/2006/relationships" xmlns:p="http://schemas.openxmlformats.org/presentationml/2006/main" xmlns:m="http://schemas.openxmlformats.org/officeDocument/2006/math" xmlns:a14="http://schemas.microsoft.com/office/drawing/2010/main" showMasterSp="1" showMasterPhAnim="1">
+<p:sld xmlns:a="http://schemas.openxmlformats.org/drawingml/2006/main" xmlns:r="http://schemas.openxmlformats.org/officeDocument/2006/relationships" xmlns:p="http://schemas.openxmlformats.org/presentationml/2006/main">
   <p:cSld>
     <p:spTree>
       <p:nvGrpSpPr>
@@ -23734,7 +24140,9 @@
       <p:sp>
         <p:nvSpPr>
           <p:cNvPr id="248" name="Slide Number"/>
-          <p:cNvSpPr txBox="1"/>
+          <p:cNvSpPr txBox="1">
+            <a:spLocks noGrp="1"/>
+          </p:cNvSpPr>
           <p:nvPr>
             <p:ph type="sldNum" sz="quarter" idx="4294967295"/>
           </p:nvPr>
@@ -23745,7 +24153,7 @@
           </a:prstGeom>
           <a:extLst>
             <a:ext uri="{C572A759-6A51-4108-AA02-DFA0A04FC94B}">
-              <ma14:wrappingTextBoxFlag xmlns:ma14="http://schemas.microsoft.com/office/mac/drawingml/2011/main" val="1"/>
+              <ma14:wrappingTextBoxFlag xmlns:ma14="http://schemas.microsoft.com/office/mac/drawingml/2011/main" xmlns:a14="http://schemas.microsoft.com/office/drawing/2010/main" xmlns:m="http://schemas.openxmlformats.org/officeDocument/2006/math" xmlns="" val="1"/>
             </a:ext>
           </a:extLst>
         </p:spPr>
@@ -23753,8 +24161,10 @@
           <a:bodyPr/>
           <a:lstStyle/>
           <a:p>
-            <a:pPr/>
-            <a:fld id="{86CB4B4D-7CA3-9044-876B-883B54F8677D}" type="slidenum"/>
+            <a:fld id="{86CB4B4D-7CA3-9044-876B-883B54F8677D}" type="slidenum">
+              <a:t>27</a:t>
+            </a:fld>
+            <a:endParaRPr/>
           </a:p>
         </p:txBody>
       </p:sp>
@@ -23763,12 +24173,23 @@
   <p:clrMapOvr>
     <a:masterClrMapping/>
   </p:clrMapOvr>
-  <p:transition xmlns:p14="http://schemas.microsoft.com/office/powerpoint/2010/main" spd="med" advClick="1"/>
+  <mc:AlternateContent xmlns:mc="http://schemas.openxmlformats.org/markup-compatibility/2006">
+    <mc:Choice xmlns:p15="http://schemas.microsoft.com/office/powerpoint/2012/main" Requires="p15">
+      <p:transition xmlns:p14="http://schemas.microsoft.com/office/powerpoint/2010/main" spd="slow" p14:dur="1250">
+        <p15:prstTrans prst="peelOff"/>
+      </p:transition>
+    </mc:Choice>
+    <mc:Fallback>
+      <p:transition spd="slow">
+        <p:fade/>
+      </p:transition>
+    </mc:Fallback>
+  </mc:AlternateContent>
 </p:sld>
 </file>
 
 <file path=ppt/slides/slide28.xml><?xml version="1.0" encoding="utf-8"?>
-<p:sld xmlns:a="http://schemas.openxmlformats.org/drawingml/2006/main" xmlns:r="http://schemas.openxmlformats.org/officeDocument/2006/relationships" xmlns:p="http://schemas.openxmlformats.org/presentationml/2006/main" xmlns:m="http://schemas.openxmlformats.org/officeDocument/2006/math" xmlns:a14="http://schemas.microsoft.com/office/drawing/2010/main" showMasterSp="1" showMasterPhAnim="1">
+<p:sld xmlns:a="http://schemas.openxmlformats.org/drawingml/2006/main" xmlns:r="http://schemas.openxmlformats.org/officeDocument/2006/relationships" xmlns:p="http://schemas.openxmlformats.org/presentationml/2006/main">
   <p:cSld>
     <p:spTree>
       <p:nvGrpSpPr>
@@ -23787,7 +24208,9 @@
       <p:sp>
         <p:nvSpPr>
           <p:cNvPr id="250" name="Title 1"/>
-          <p:cNvSpPr txBox="1"/>
+          <p:cNvSpPr txBox="1">
+            <a:spLocks noGrp="1"/>
+          </p:cNvSpPr>
           <p:nvPr>
             <p:ph type="title"/>
           </p:nvPr>
@@ -23805,7 +24228,6 @@
           <a:bodyPr/>
           <a:lstStyle/>
           <a:p>
-            <a:pPr/>
             <a:r>
               <a:t>目标导向设计-框架定义阶段</a:t>
             </a:r>
@@ -23815,7 +24237,9 @@
       <p:sp>
         <p:nvSpPr>
           <p:cNvPr id="251" name="Content Placeholder 2"/>
-          <p:cNvSpPr txBox="1"/>
+          <p:cNvSpPr txBox="1">
+            <a:spLocks noGrp="1"/>
+          </p:cNvSpPr>
           <p:nvPr>
             <p:ph type="body" idx="1"/>
           </p:nvPr>
@@ -23841,16 +24265,14 @@
             </a:r>
           </a:p>
           <a:p>
-            <a:pPr/>
             <a:r>
               <a:t>（5）构建关键线路</a:t>
             </a:r>
           </a:p>
           <a:p>
-            <a:pPr/>
-          </a:p>
-          <a:p>
-            <a:pPr/>
+            <a:endParaRPr/>
+          </a:p>
+          <a:p>
             <a:r>
               <a:t>       描述了人物角色最频繁使用界面的主要路径，经常是每天都使用的路径。关键线路必须在细节上严谨地描述每个主要交互的精确行为。</a:t>
             </a:r>
@@ -23860,7 +24282,9 @@
       <p:sp>
         <p:nvSpPr>
           <p:cNvPr id="252" name="Slide Number"/>
-          <p:cNvSpPr txBox="1"/>
+          <p:cNvSpPr txBox="1">
+            <a:spLocks noGrp="1"/>
+          </p:cNvSpPr>
           <p:nvPr>
             <p:ph type="sldNum" sz="quarter" idx="4294967295"/>
           </p:nvPr>
@@ -23871,7 +24295,7 @@
           </a:prstGeom>
           <a:extLst>
             <a:ext uri="{C572A759-6A51-4108-AA02-DFA0A04FC94B}">
-              <ma14:wrappingTextBoxFlag xmlns:ma14="http://schemas.microsoft.com/office/mac/drawingml/2011/main" val="1"/>
+              <ma14:wrappingTextBoxFlag xmlns:ma14="http://schemas.microsoft.com/office/mac/drawingml/2011/main" xmlns:a14="http://schemas.microsoft.com/office/drawing/2010/main" xmlns:m="http://schemas.openxmlformats.org/officeDocument/2006/math" xmlns="" val="1"/>
             </a:ext>
           </a:extLst>
         </p:spPr>
@@ -23879,8 +24303,10 @@
           <a:bodyPr/>
           <a:lstStyle/>
           <a:p>
-            <a:pPr/>
-            <a:fld id="{86CB4B4D-7CA3-9044-876B-883B54F8677D}" type="slidenum"/>
+            <a:fld id="{86CB4B4D-7CA3-9044-876B-883B54F8677D}" type="slidenum">
+              <a:t>28</a:t>
+            </a:fld>
+            <a:endParaRPr/>
           </a:p>
         </p:txBody>
       </p:sp>
@@ -23889,12 +24315,23 @@
   <p:clrMapOvr>
     <a:masterClrMapping/>
   </p:clrMapOvr>
-  <p:transition xmlns:p14="http://schemas.microsoft.com/office/powerpoint/2010/main" spd="med" advClick="1"/>
+  <mc:AlternateContent xmlns:mc="http://schemas.openxmlformats.org/markup-compatibility/2006">
+    <mc:Choice xmlns:p15="http://schemas.microsoft.com/office/powerpoint/2012/main" Requires="p15">
+      <p:transition xmlns:p14="http://schemas.microsoft.com/office/powerpoint/2010/main" spd="slow" p14:dur="1250">
+        <p15:prstTrans prst="peelOff"/>
+      </p:transition>
+    </mc:Choice>
+    <mc:Fallback>
+      <p:transition spd="slow">
+        <p:fade/>
+      </p:transition>
+    </mc:Fallback>
+  </mc:AlternateContent>
 </p:sld>
 </file>
 
 <file path=ppt/slides/slide29.xml><?xml version="1.0" encoding="utf-8"?>
-<p:sld xmlns:a="http://schemas.openxmlformats.org/drawingml/2006/main" xmlns:r="http://schemas.openxmlformats.org/officeDocument/2006/relationships" xmlns:p="http://schemas.openxmlformats.org/presentationml/2006/main" xmlns:m="http://schemas.openxmlformats.org/officeDocument/2006/math" xmlns:a14="http://schemas.microsoft.com/office/drawing/2010/main" showMasterSp="1" showMasterPhAnim="1">
+<p:sld xmlns:a="http://schemas.openxmlformats.org/drawingml/2006/main" xmlns:r="http://schemas.openxmlformats.org/officeDocument/2006/relationships" xmlns:p="http://schemas.openxmlformats.org/presentationml/2006/main">
   <p:cSld>
     <p:spTree>
       <p:nvGrpSpPr>
@@ -23913,7 +24350,9 @@
       <p:sp>
         <p:nvSpPr>
           <p:cNvPr id="254" name="Title 1"/>
-          <p:cNvSpPr txBox="1"/>
+          <p:cNvSpPr txBox="1">
+            <a:spLocks noGrp="1"/>
+          </p:cNvSpPr>
           <p:nvPr>
             <p:ph type="title"/>
           </p:nvPr>
@@ -23931,7 +24370,6 @@
           <a:bodyPr/>
           <a:lstStyle/>
           <a:p>
-            <a:pPr/>
             <a:r>
               <a:t>目标导向设计-框架定义阶段</a:t>
             </a:r>
@@ -23941,7 +24379,9 @@
       <p:sp>
         <p:nvSpPr>
           <p:cNvPr id="255" name="Content Placeholder 2"/>
-          <p:cNvSpPr txBox="1"/>
+          <p:cNvSpPr txBox="1">
+            <a:spLocks noGrp="1"/>
+          </p:cNvSpPr>
           <p:nvPr>
             <p:ph type="body" sz="half" idx="1"/>
           </p:nvPr>
@@ -23959,7 +24399,6 @@
           <a:bodyPr/>
           <a:lstStyle/>
           <a:p>
-            <a:pPr/>
             <a:r>
               <a:t>       一旦交互框架浮现出来，视觉设计者便开始着手创建一些</a:t>
             </a:r>
@@ -24037,7 +24476,9 @@
       <p:sp>
         <p:nvSpPr>
           <p:cNvPr id="257" name="Slide Number"/>
-          <p:cNvSpPr txBox="1"/>
+          <p:cNvSpPr txBox="1">
+            <a:spLocks noGrp="1"/>
+          </p:cNvSpPr>
           <p:nvPr>
             <p:ph type="sldNum" sz="quarter" idx="4294967295"/>
           </p:nvPr>
@@ -24048,7 +24489,7 @@
           </a:prstGeom>
           <a:extLst>
             <a:ext uri="{C572A759-6A51-4108-AA02-DFA0A04FC94B}">
-              <ma14:wrappingTextBoxFlag xmlns:ma14="http://schemas.microsoft.com/office/mac/drawingml/2011/main" val="1"/>
+              <ma14:wrappingTextBoxFlag xmlns:ma14="http://schemas.microsoft.com/office/mac/drawingml/2011/main" xmlns:a14="http://schemas.microsoft.com/office/drawing/2010/main" xmlns:m="http://schemas.openxmlformats.org/officeDocument/2006/math" xmlns="" val="1"/>
             </a:ext>
           </a:extLst>
         </p:spPr>
@@ -24056,8 +24497,10 @@
           <a:bodyPr/>
           <a:lstStyle/>
           <a:p>
-            <a:pPr/>
-            <a:fld id="{86CB4B4D-7CA3-9044-876B-883B54F8677D}" type="slidenum"/>
+            <a:fld id="{86CB4B4D-7CA3-9044-876B-883B54F8677D}" type="slidenum">
+              <a:t>29</a:t>
+            </a:fld>
+            <a:endParaRPr/>
           </a:p>
         </p:txBody>
       </p:sp>
@@ -24066,12 +24509,23 @@
   <p:clrMapOvr>
     <a:masterClrMapping/>
   </p:clrMapOvr>
-  <p:transition xmlns:p14="http://schemas.microsoft.com/office/powerpoint/2010/main" spd="med" advClick="1"/>
+  <mc:AlternateContent xmlns:mc="http://schemas.openxmlformats.org/markup-compatibility/2006">
+    <mc:Choice xmlns:p15="http://schemas.microsoft.com/office/powerpoint/2012/main" Requires="p15">
+      <p:transition xmlns:p14="http://schemas.microsoft.com/office/powerpoint/2010/main" spd="slow" p14:dur="1250">
+        <p15:prstTrans prst="peelOff"/>
+      </p:transition>
+    </mc:Choice>
+    <mc:Fallback>
+      <p:transition spd="slow">
+        <p:fade/>
+      </p:transition>
+    </mc:Fallback>
+  </mc:AlternateContent>
 </p:sld>
 </file>
 
 <file path=ppt/slides/slide3.xml><?xml version="1.0" encoding="utf-8"?>
-<p:sld xmlns:a="http://schemas.openxmlformats.org/drawingml/2006/main" xmlns:r="http://schemas.openxmlformats.org/officeDocument/2006/relationships" xmlns:p="http://schemas.openxmlformats.org/presentationml/2006/main" xmlns:m="http://schemas.openxmlformats.org/officeDocument/2006/math" xmlns:a14="http://schemas.microsoft.com/office/drawing/2010/main" showMasterSp="1" showMasterPhAnim="1">
+<p:sld xmlns:a="http://schemas.openxmlformats.org/drawingml/2006/main" xmlns:r="http://schemas.openxmlformats.org/officeDocument/2006/relationships" xmlns:p="http://schemas.openxmlformats.org/presentationml/2006/main">
   <p:cSld>
     <p:spTree>
       <p:nvGrpSpPr>
@@ -24090,7 +24544,9 @@
       <p:sp>
         <p:nvSpPr>
           <p:cNvPr id="134" name="Title 1"/>
-          <p:cNvSpPr txBox="1"/>
+          <p:cNvSpPr txBox="1">
+            <a:spLocks noGrp="1"/>
+          </p:cNvSpPr>
           <p:nvPr>
             <p:ph type="title"/>
           </p:nvPr>
@@ -24108,7 +24564,6 @@
           <a:bodyPr/>
           <a:lstStyle/>
           <a:p>
-            <a:pPr/>
             <a:r>
               <a:t>目标导向设计</a:t>
             </a:r>
@@ -24118,7 +24573,9 @@
       <p:sp>
         <p:nvSpPr>
           <p:cNvPr id="135" name="Content Placeholder 2"/>
-          <p:cNvSpPr txBox="1"/>
+          <p:cNvSpPr txBox="1">
+            <a:spLocks noGrp="1"/>
+          </p:cNvSpPr>
           <p:nvPr>
             <p:ph type="body" idx="1"/>
           </p:nvPr>
@@ -24136,7 +24593,6 @@
           <a:bodyPr/>
           <a:lstStyle/>
           <a:p>
-            <a:pPr/>
             <a:r>
               <a:t>       “目前，多数数字产品的开发过程就像怪物从咕咚冒泡的容器中诞生一样。开发人员没有从购买者与用户的需求出发进行规划与开发，最终创造出以技术为主导的产品很难控制与使用。”[1]</a:t>
             </a:r>
@@ -24146,7 +24602,9 @@
       <p:sp>
         <p:nvSpPr>
           <p:cNvPr id="136" name="Slide Number"/>
-          <p:cNvSpPr txBox="1"/>
+          <p:cNvSpPr txBox="1">
+            <a:spLocks noGrp="1"/>
+          </p:cNvSpPr>
           <p:nvPr>
             <p:ph type="sldNum" sz="quarter" idx="4294967295"/>
           </p:nvPr>
@@ -24161,7 +24619,7 @@
           </a:prstGeom>
           <a:extLst>
             <a:ext uri="{C572A759-6A51-4108-AA02-DFA0A04FC94B}">
-              <ma14:wrappingTextBoxFlag xmlns:ma14="http://schemas.microsoft.com/office/mac/drawingml/2011/main" val="1"/>
+              <ma14:wrappingTextBoxFlag xmlns:ma14="http://schemas.microsoft.com/office/mac/drawingml/2011/main" xmlns:a14="http://schemas.microsoft.com/office/drawing/2010/main" xmlns:m="http://schemas.openxmlformats.org/officeDocument/2006/math" xmlns="" val="1"/>
             </a:ext>
           </a:extLst>
         </p:spPr>
@@ -24169,8 +24627,10 @@
           <a:bodyPr/>
           <a:lstStyle/>
           <a:p>
-            <a:pPr/>
-            <a:fld id="{86CB4B4D-7CA3-9044-876B-883B54F8677D}" type="slidenum"/>
+            <a:fld id="{86CB4B4D-7CA3-9044-876B-883B54F8677D}" type="slidenum">
+              <a:t>3</a:t>
+            </a:fld>
+            <a:endParaRPr/>
           </a:p>
         </p:txBody>
       </p:sp>
@@ -24179,12 +24639,23 @@
   <p:clrMapOvr>
     <a:masterClrMapping/>
   </p:clrMapOvr>
-  <p:transition xmlns:p14="http://schemas.microsoft.com/office/powerpoint/2010/main" spd="med" advClick="1"/>
+  <mc:AlternateContent xmlns:mc="http://schemas.openxmlformats.org/markup-compatibility/2006">
+    <mc:Choice xmlns:p15="http://schemas.microsoft.com/office/powerpoint/2012/main" Requires="p15">
+      <p:transition xmlns:p14="http://schemas.microsoft.com/office/powerpoint/2010/main" spd="slow" p14:dur="1250">
+        <p15:prstTrans prst="peelOff"/>
+      </p:transition>
+    </mc:Choice>
+    <mc:Fallback>
+      <p:transition spd="slow">
+        <p:fade/>
+      </p:transition>
+    </mc:Fallback>
+  </mc:AlternateContent>
 </p:sld>
 </file>
 
 <file path=ppt/slides/slide30.xml><?xml version="1.0" encoding="utf-8"?>
-<p:sld xmlns:a="http://schemas.openxmlformats.org/drawingml/2006/main" xmlns:r="http://schemas.openxmlformats.org/officeDocument/2006/relationships" xmlns:p="http://schemas.openxmlformats.org/presentationml/2006/main" xmlns:m="http://schemas.openxmlformats.org/officeDocument/2006/math" xmlns:a14="http://schemas.microsoft.com/office/drawing/2010/main" showMasterSp="1" showMasterPhAnim="1">
+<p:sld xmlns:a="http://schemas.openxmlformats.org/drawingml/2006/main" xmlns:r="http://schemas.openxmlformats.org/officeDocument/2006/relationships" xmlns:p="http://schemas.openxmlformats.org/presentationml/2006/main">
   <p:cSld>
     <p:spTree>
       <p:nvGrpSpPr>
@@ -24203,7 +24674,9 @@
       <p:sp>
         <p:nvSpPr>
           <p:cNvPr id="259" name="Title 1"/>
-          <p:cNvSpPr txBox="1"/>
+          <p:cNvSpPr txBox="1">
+            <a:spLocks noGrp="1"/>
+          </p:cNvSpPr>
           <p:nvPr>
             <p:ph type="title"/>
           </p:nvPr>
@@ -24221,7 +24694,6 @@
           <a:bodyPr/>
           <a:lstStyle/>
           <a:p>
-            <a:pPr/>
             <a:r>
               <a:t>目标导向设计-框架定义阶段</a:t>
             </a:r>
@@ -24231,7 +24703,9 @@
       <p:sp>
         <p:nvSpPr>
           <p:cNvPr id="260" name="Content Placeholder 2"/>
-          <p:cNvSpPr txBox="1"/>
+          <p:cNvSpPr txBox="1">
+            <a:spLocks noGrp="1"/>
+          </p:cNvSpPr>
           <p:nvPr>
             <p:ph type="body" idx="1"/>
           </p:nvPr>
@@ -24257,16 +24731,14 @@
             </a:r>
           </a:p>
           <a:p>
-            <a:pPr/>
-          </a:p>
-          <a:p>
-            <a:pPr/>
+            <a:endParaRPr/>
+          </a:p>
+          <a:p>
             <a:r>
               <a:t>过程：（1）开发视觉语言研究</a:t>
             </a:r>
           </a:p>
           <a:p>
-            <a:pPr/>
             <a:r>
               <a:t>           （2）将选好的视觉风格变成屏幕原型</a:t>
             </a:r>
@@ -24276,7 +24748,9 @@
       <p:sp>
         <p:nvSpPr>
           <p:cNvPr id="261" name="Slide Number"/>
-          <p:cNvSpPr txBox="1"/>
+          <p:cNvSpPr txBox="1">
+            <a:spLocks noGrp="1"/>
+          </p:cNvSpPr>
           <p:nvPr>
             <p:ph type="sldNum" sz="quarter" idx="4294967295"/>
           </p:nvPr>
@@ -24287,7 +24761,7 @@
           </a:prstGeom>
           <a:extLst>
             <a:ext uri="{C572A759-6A51-4108-AA02-DFA0A04FC94B}">
-              <ma14:wrappingTextBoxFlag xmlns:ma14="http://schemas.microsoft.com/office/mac/drawingml/2011/main" val="1"/>
+              <ma14:wrappingTextBoxFlag xmlns:ma14="http://schemas.microsoft.com/office/mac/drawingml/2011/main" xmlns:a14="http://schemas.microsoft.com/office/drawing/2010/main" xmlns:m="http://schemas.openxmlformats.org/officeDocument/2006/math" xmlns="" val="1"/>
             </a:ext>
           </a:extLst>
         </p:spPr>
@@ -24295,8 +24769,10 @@
           <a:bodyPr/>
           <a:lstStyle/>
           <a:p>
-            <a:pPr/>
-            <a:fld id="{86CB4B4D-7CA3-9044-876B-883B54F8677D}" type="slidenum"/>
+            <a:fld id="{86CB4B4D-7CA3-9044-876B-883B54F8677D}" type="slidenum">
+              <a:t>30</a:t>
+            </a:fld>
+            <a:endParaRPr/>
           </a:p>
         </p:txBody>
       </p:sp>
@@ -24305,12 +24781,23 @@
   <p:clrMapOvr>
     <a:masterClrMapping/>
   </p:clrMapOvr>
-  <p:transition xmlns:p14="http://schemas.microsoft.com/office/powerpoint/2010/main" spd="med" advClick="1"/>
+  <mc:AlternateContent xmlns:mc="http://schemas.openxmlformats.org/markup-compatibility/2006">
+    <mc:Choice xmlns:p15="http://schemas.microsoft.com/office/powerpoint/2012/main" Requires="p15">
+      <p:transition xmlns:p14="http://schemas.microsoft.com/office/powerpoint/2010/main" spd="slow" p14:dur="1250">
+        <p15:prstTrans prst="peelOff"/>
+      </p:transition>
+    </mc:Choice>
+    <mc:Fallback>
+      <p:transition spd="slow">
+        <p:fade/>
+      </p:transition>
+    </mc:Fallback>
+  </mc:AlternateContent>
 </p:sld>
 </file>
 
 <file path=ppt/slides/slide31.xml><?xml version="1.0" encoding="utf-8"?>
-<p:sld xmlns:a="http://schemas.openxmlformats.org/drawingml/2006/main" xmlns:r="http://schemas.openxmlformats.org/officeDocument/2006/relationships" xmlns:p="http://schemas.openxmlformats.org/presentationml/2006/main" xmlns:m="http://schemas.openxmlformats.org/officeDocument/2006/math" xmlns:a14="http://schemas.microsoft.com/office/drawing/2010/main" showMasterSp="1" showMasterPhAnim="1">
+<p:sld xmlns:a="http://schemas.openxmlformats.org/drawingml/2006/main" xmlns:r="http://schemas.openxmlformats.org/officeDocument/2006/relationships" xmlns:p="http://schemas.openxmlformats.org/presentationml/2006/main">
   <p:cSld>
     <p:spTree>
       <p:nvGrpSpPr>
@@ -24329,7 +24816,9 @@
       <p:sp>
         <p:nvSpPr>
           <p:cNvPr id="263" name="Title 1"/>
-          <p:cNvSpPr txBox="1"/>
+          <p:cNvSpPr txBox="1">
+            <a:spLocks noGrp="1"/>
+          </p:cNvSpPr>
           <p:nvPr>
             <p:ph type="title"/>
           </p:nvPr>
@@ -24347,7 +24836,6 @@
           <a:bodyPr/>
           <a:lstStyle/>
           <a:p>
-            <a:pPr/>
             <a:r>
               <a:t>目标导向设计-框架定义阶段</a:t>
             </a:r>
@@ -24357,7 +24845,9 @@
       <p:sp>
         <p:nvSpPr>
           <p:cNvPr id="264" name="Content Placeholder 2"/>
-          <p:cNvSpPr txBox="1"/>
+          <p:cNvSpPr txBox="1">
+            <a:spLocks noGrp="1"/>
+          </p:cNvSpPr>
           <p:nvPr>
             <p:ph type="body" idx="1"/>
           </p:nvPr>
@@ -24383,28 +24873,24 @@
             </a:r>
           </a:p>
           <a:p>
-            <a:pPr/>
             <a:r>
               <a:t>（1）开发视觉语言研究</a:t>
             </a:r>
           </a:p>
           <a:p>
-            <a:pPr/>
             <a:r>
               <a:t>        研究包括颜色、类型、小部件处理，以及整体的外形尺寸和界面的“材料属性”（比如界面像纸还是像玻璃）。</a:t>
             </a:r>
           </a:p>
           <a:p>
-            <a:pPr/>
             <a:r>
               <a:t>        考虑环境因素和人物角色的能力也同样重要。比如在强光下或者远距离也要能够看清楚屏幕，需要高对比度和更为饱和的色彩，上年纪的人和视力不好的人需要较大且易读的显示。</a:t>
             </a:r>
           </a:p>
           <a:p>
-            <a:pPr/>
-          </a:p>
-          <a:p>
-            <a:pPr/>
+            <a:endParaRPr/>
+          </a:p>
+          <a:p>
             <a:r>
               <a:t>此阶段的目标是评估</a:t>
             </a:r>
@@ -24418,7 +24904,9 @@
       <p:sp>
         <p:nvSpPr>
           <p:cNvPr id="265" name="Slide Number"/>
-          <p:cNvSpPr txBox="1"/>
+          <p:cNvSpPr txBox="1">
+            <a:spLocks noGrp="1"/>
+          </p:cNvSpPr>
           <p:nvPr>
             <p:ph type="sldNum" sz="quarter" idx="4294967295"/>
           </p:nvPr>
@@ -24429,7 +24917,7 @@
           </a:prstGeom>
           <a:extLst>
             <a:ext uri="{C572A759-6A51-4108-AA02-DFA0A04FC94B}">
-              <ma14:wrappingTextBoxFlag xmlns:ma14="http://schemas.microsoft.com/office/mac/drawingml/2011/main" val="1"/>
+              <ma14:wrappingTextBoxFlag xmlns:ma14="http://schemas.microsoft.com/office/mac/drawingml/2011/main" xmlns:a14="http://schemas.microsoft.com/office/drawing/2010/main" xmlns:m="http://schemas.openxmlformats.org/officeDocument/2006/math" xmlns="" val="1"/>
             </a:ext>
           </a:extLst>
         </p:spPr>
@@ -24437,8 +24925,10 @@
           <a:bodyPr/>
           <a:lstStyle/>
           <a:p>
-            <a:pPr/>
-            <a:fld id="{86CB4B4D-7CA3-9044-876B-883B54F8677D}" type="slidenum"/>
+            <a:fld id="{86CB4B4D-7CA3-9044-876B-883B54F8677D}" type="slidenum">
+              <a:t>31</a:t>
+            </a:fld>
+            <a:endParaRPr/>
           </a:p>
         </p:txBody>
       </p:sp>
@@ -24447,12 +24937,23 @@
   <p:clrMapOvr>
     <a:masterClrMapping/>
   </p:clrMapOvr>
-  <p:transition xmlns:p14="http://schemas.microsoft.com/office/powerpoint/2010/main" spd="med" advClick="1"/>
+  <mc:AlternateContent xmlns:mc="http://schemas.openxmlformats.org/markup-compatibility/2006">
+    <mc:Choice xmlns:p15="http://schemas.microsoft.com/office/powerpoint/2012/main" Requires="p15">
+      <p:transition xmlns:p14="http://schemas.microsoft.com/office/powerpoint/2010/main" spd="slow" p14:dur="1250">
+        <p15:prstTrans prst="peelOff"/>
+      </p:transition>
+    </mc:Choice>
+    <mc:Fallback>
+      <p:transition spd="slow">
+        <p:fade/>
+      </p:transition>
+    </mc:Fallback>
+  </mc:AlternateContent>
 </p:sld>
 </file>
 
 <file path=ppt/slides/slide32.xml><?xml version="1.0" encoding="utf-8"?>
-<p:sld xmlns:a="http://schemas.openxmlformats.org/drawingml/2006/main" xmlns:r="http://schemas.openxmlformats.org/officeDocument/2006/relationships" xmlns:p="http://schemas.openxmlformats.org/presentationml/2006/main" xmlns:m="http://schemas.openxmlformats.org/officeDocument/2006/math" xmlns:a14="http://schemas.microsoft.com/office/drawing/2010/main" showMasterSp="1" showMasterPhAnim="1">
+<p:sld xmlns:a="http://schemas.openxmlformats.org/drawingml/2006/main" xmlns:r="http://schemas.openxmlformats.org/officeDocument/2006/relationships" xmlns:p="http://schemas.openxmlformats.org/presentationml/2006/main">
   <p:cSld>
     <p:spTree>
       <p:nvGrpSpPr>
@@ -24545,7 +25046,7 @@
           </a:ln>
           <a:extLst>
             <a:ext uri="{C572A759-6A51-4108-AA02-DFA0A04FC94B}">
-              <ma14:wrappingTextBoxFlag xmlns:ma14="http://schemas.microsoft.com/office/mac/drawingml/2011/main" val="1"/>
+              <ma14:wrappingTextBoxFlag xmlns:ma14="http://schemas.microsoft.com/office/mac/drawingml/2011/main" xmlns:a14="http://schemas.microsoft.com/office/drawing/2010/main" xmlns:m="http://schemas.openxmlformats.org/officeDocument/2006/math" xmlns="" val="1"/>
             </a:ext>
           </a:extLst>
         </p:spPr>
@@ -24555,7 +25056,6 @@
           </a:bodyPr>
           <a:lstStyle/>
           <a:p>
-            <a:pPr/>
             <a:r>
               <a:t>[1]</a:t>
             </a:r>
@@ -24581,7 +25081,7 @@
           </a:ln>
           <a:extLst>
             <a:ext uri="{C572A759-6A51-4108-AA02-DFA0A04FC94B}">
-              <ma14:wrappingTextBoxFlag xmlns:ma14="http://schemas.microsoft.com/office/mac/drawingml/2011/main" val="1"/>
+              <ma14:wrappingTextBoxFlag xmlns:ma14="http://schemas.microsoft.com/office/mac/drawingml/2011/main" xmlns:a14="http://schemas.microsoft.com/office/drawing/2010/main" xmlns:m="http://schemas.openxmlformats.org/officeDocument/2006/math" xmlns="" val="1"/>
             </a:ext>
           </a:extLst>
         </p:spPr>
@@ -24607,7 +25107,6 @@
             </a:lvl1pPr>
           </a:lstStyle>
           <a:p>
-            <a:pPr/>
             <a:r>
               <a:t>（2）将选好的视觉风格变成屏幕原型</a:t>
             </a:r>
@@ -24617,7 +25116,9 @@
       <p:sp>
         <p:nvSpPr>
           <p:cNvPr id="271" name="Slide Number"/>
-          <p:cNvSpPr txBox="1"/>
+          <p:cNvSpPr txBox="1">
+            <a:spLocks noGrp="1"/>
+          </p:cNvSpPr>
           <p:nvPr>
             <p:ph type="sldNum" sz="quarter" idx="4294967295"/>
           </p:nvPr>
@@ -24628,7 +25129,7 @@
           </a:prstGeom>
           <a:extLst>
             <a:ext uri="{C572A759-6A51-4108-AA02-DFA0A04FC94B}">
-              <ma14:wrappingTextBoxFlag xmlns:ma14="http://schemas.microsoft.com/office/mac/drawingml/2011/main" val="1"/>
+              <ma14:wrappingTextBoxFlag xmlns:ma14="http://schemas.microsoft.com/office/mac/drawingml/2011/main" xmlns:a14="http://schemas.microsoft.com/office/drawing/2010/main" xmlns:m="http://schemas.openxmlformats.org/officeDocument/2006/math" xmlns="" val="1"/>
             </a:ext>
           </a:extLst>
         </p:spPr>
@@ -24636,8 +25137,10 @@
           <a:bodyPr/>
           <a:lstStyle/>
           <a:p>
-            <a:pPr/>
-            <a:fld id="{86CB4B4D-7CA3-9044-876B-883B54F8677D}" type="slidenum"/>
+            <a:fld id="{86CB4B4D-7CA3-9044-876B-883B54F8677D}" type="slidenum">
+              <a:t>32</a:t>
+            </a:fld>
+            <a:endParaRPr/>
           </a:p>
         </p:txBody>
       </p:sp>
@@ -24646,12 +25149,23 @@
   <p:clrMapOvr>
     <a:masterClrMapping/>
   </p:clrMapOvr>
-  <p:transition xmlns:p14="http://schemas.microsoft.com/office/powerpoint/2010/main" spd="med" advClick="1"/>
+  <mc:AlternateContent xmlns:mc="http://schemas.openxmlformats.org/markup-compatibility/2006">
+    <mc:Choice xmlns:p15="http://schemas.microsoft.com/office/powerpoint/2012/main" Requires="p15">
+      <p:transition xmlns:p14="http://schemas.microsoft.com/office/powerpoint/2010/main" spd="slow" p14:dur="1250">
+        <p15:prstTrans prst="peelOff"/>
+      </p:transition>
+    </mc:Choice>
+    <mc:Fallback>
+      <p:transition spd="slow">
+        <p:fade/>
+      </p:transition>
+    </mc:Fallback>
+  </mc:AlternateContent>
 </p:sld>
 </file>
 
 <file path=ppt/slides/slide33.xml><?xml version="1.0" encoding="utf-8"?>
-<p:sld xmlns:a="http://schemas.openxmlformats.org/drawingml/2006/main" xmlns:r="http://schemas.openxmlformats.org/officeDocument/2006/relationships" xmlns:p="http://schemas.openxmlformats.org/presentationml/2006/main" xmlns:m="http://schemas.openxmlformats.org/officeDocument/2006/math" xmlns:a14="http://schemas.microsoft.com/office/drawing/2010/main" showMasterSp="1" showMasterPhAnim="1">
+<p:sld xmlns:a="http://schemas.openxmlformats.org/drawingml/2006/main" xmlns:r="http://schemas.openxmlformats.org/officeDocument/2006/relationships" xmlns:p="http://schemas.openxmlformats.org/presentationml/2006/main">
   <p:cSld>
     <p:spTree>
       <p:nvGrpSpPr>
@@ -24670,7 +25184,9 @@
       <p:sp>
         <p:nvSpPr>
           <p:cNvPr id="273" name="Title 1"/>
-          <p:cNvSpPr txBox="1"/>
+          <p:cNvSpPr txBox="1">
+            <a:spLocks noGrp="1"/>
+          </p:cNvSpPr>
           <p:nvPr>
             <p:ph type="title"/>
           </p:nvPr>
@@ -24688,7 +25204,6 @@
           <a:bodyPr/>
           <a:lstStyle/>
           <a:p>
-            <a:pPr/>
             <a:r>
               <a:t>目标导向设计-细化阶段</a:t>
             </a:r>
@@ -24698,7 +25213,9 @@
       <p:sp>
         <p:nvSpPr>
           <p:cNvPr id="274" name="Content Placeholder 2"/>
-          <p:cNvSpPr txBox="1"/>
+          <p:cNvSpPr txBox="1">
+            <a:spLocks noGrp="1"/>
+          </p:cNvSpPr>
           <p:nvPr>
             <p:ph type="body" idx="1"/>
           </p:nvPr>
@@ -24724,7 +25241,6 @@
             </a:r>
           </a:p>
           <a:p>
-            <a:pPr/>
             <a:r>
               <a:t>       </a:t>
             </a:r>
@@ -24751,10 +25267,9 @@
             </a:r>
           </a:p>
           <a:p>
-            <a:pPr/>
-          </a:p>
-          <a:p>
-            <a:pPr/>
+            <a:endParaRPr/>
+          </a:p>
+          <a:p>
             <a:r>
               <a:t>细化阶段的最终成果是详细的设计文档、</a:t>
             </a:r>
@@ -24768,7 +25283,9 @@
       <p:sp>
         <p:nvSpPr>
           <p:cNvPr id="275" name="Slide Number"/>
-          <p:cNvSpPr txBox="1"/>
+          <p:cNvSpPr txBox="1">
+            <a:spLocks noGrp="1"/>
+          </p:cNvSpPr>
           <p:nvPr>
             <p:ph type="sldNum" sz="quarter" idx="4294967295"/>
           </p:nvPr>
@@ -24779,7 +25296,7 @@
           </a:prstGeom>
           <a:extLst>
             <a:ext uri="{C572A759-6A51-4108-AA02-DFA0A04FC94B}">
-              <ma14:wrappingTextBoxFlag xmlns:ma14="http://schemas.microsoft.com/office/mac/drawingml/2011/main" val="1"/>
+              <ma14:wrappingTextBoxFlag xmlns:ma14="http://schemas.microsoft.com/office/mac/drawingml/2011/main" xmlns:a14="http://schemas.microsoft.com/office/drawing/2010/main" xmlns:m="http://schemas.openxmlformats.org/officeDocument/2006/math" xmlns="" val="1"/>
             </a:ext>
           </a:extLst>
         </p:spPr>
@@ -24787,8 +25304,10 @@
           <a:bodyPr/>
           <a:lstStyle/>
           <a:p>
-            <a:pPr/>
-            <a:fld id="{86CB4B4D-7CA3-9044-876B-883B54F8677D}" type="slidenum"/>
+            <a:fld id="{86CB4B4D-7CA3-9044-876B-883B54F8677D}" type="slidenum">
+              <a:t>33</a:t>
+            </a:fld>
+            <a:endParaRPr/>
           </a:p>
         </p:txBody>
       </p:sp>
@@ -24797,12 +25316,23 @@
   <p:clrMapOvr>
     <a:masterClrMapping/>
   </p:clrMapOvr>
-  <p:transition xmlns:p14="http://schemas.microsoft.com/office/powerpoint/2010/main" spd="med" advClick="1"/>
+  <mc:AlternateContent xmlns:mc="http://schemas.openxmlformats.org/markup-compatibility/2006">
+    <mc:Choice xmlns:p15="http://schemas.microsoft.com/office/powerpoint/2012/main" Requires="p15">
+      <p:transition xmlns:p14="http://schemas.microsoft.com/office/powerpoint/2010/main" spd="slow" p14:dur="1250">
+        <p15:prstTrans prst="peelOff"/>
+      </p:transition>
+    </mc:Choice>
+    <mc:Fallback>
+      <p:transition spd="slow">
+        <p:fade/>
+      </p:transition>
+    </mc:Fallback>
+  </mc:AlternateContent>
 </p:sld>
 </file>
 
 <file path=ppt/slides/slide34.xml><?xml version="1.0" encoding="utf-8"?>
-<p:sld xmlns:a="http://schemas.openxmlformats.org/drawingml/2006/main" xmlns:r="http://schemas.openxmlformats.org/officeDocument/2006/relationships" xmlns:p="http://schemas.openxmlformats.org/presentationml/2006/main" xmlns:m="http://schemas.openxmlformats.org/officeDocument/2006/math" xmlns:a14="http://schemas.microsoft.com/office/drawing/2010/main" showMasterSp="1" showMasterPhAnim="1">
+<p:sld xmlns:a="http://schemas.openxmlformats.org/drawingml/2006/main" xmlns:r="http://schemas.openxmlformats.org/officeDocument/2006/relationships" xmlns:p="http://schemas.openxmlformats.org/presentationml/2006/main">
   <p:cSld>
     <p:spTree>
       <p:nvGrpSpPr>
@@ -24821,7 +25351,9 @@
       <p:sp>
         <p:nvSpPr>
           <p:cNvPr id="277" name="Title 1"/>
-          <p:cNvSpPr txBox="1"/>
+          <p:cNvSpPr txBox="1">
+            <a:spLocks noGrp="1"/>
+          </p:cNvSpPr>
           <p:nvPr>
             <p:ph type="title"/>
           </p:nvPr>
@@ -24839,7 +25371,6 @@
           <a:bodyPr/>
           <a:lstStyle/>
           <a:p>
-            <a:pPr/>
             <a:r>
               <a:t>目标导向设计-细化阶段</a:t>
             </a:r>
@@ -24849,7 +25380,9 @@
       <p:sp>
         <p:nvSpPr>
           <p:cNvPr id="278" name="Content Placeholder 2"/>
-          <p:cNvSpPr txBox="1"/>
+          <p:cNvSpPr txBox="1">
+            <a:spLocks noGrp="1"/>
+          </p:cNvSpPr>
           <p:nvPr>
             <p:ph type="body" idx="1"/>
           </p:nvPr>
@@ -24875,13 +25408,11 @@
             </a:r>
           </a:p>
           <a:p>
-            <a:pPr/>
             <a:r>
               <a:t>       细化阶段的基本过程和框架设计阶段一样，只不过要关注更深更细节的层次。</a:t>
             </a:r>
           </a:p>
           <a:p>
-            <a:pPr/>
             <a:r>
               <a:t>       在该阶段，视觉设计者应该发展并提出一套</a:t>
             </a:r>
@@ -24898,7 +25429,9 @@
       <p:sp>
         <p:nvSpPr>
           <p:cNvPr id="279" name="Slide Number"/>
-          <p:cNvSpPr txBox="1"/>
+          <p:cNvSpPr txBox="1">
+            <a:spLocks noGrp="1"/>
+          </p:cNvSpPr>
           <p:nvPr>
             <p:ph type="sldNum" sz="quarter" idx="4294967295"/>
           </p:nvPr>
@@ -24909,7 +25442,7 @@
           </a:prstGeom>
           <a:extLst>
             <a:ext uri="{C572A759-6A51-4108-AA02-DFA0A04FC94B}">
-              <ma14:wrappingTextBoxFlag xmlns:ma14="http://schemas.microsoft.com/office/mac/drawingml/2011/main" val="1"/>
+              <ma14:wrappingTextBoxFlag xmlns:ma14="http://schemas.microsoft.com/office/mac/drawingml/2011/main" xmlns:a14="http://schemas.microsoft.com/office/drawing/2010/main" xmlns:m="http://schemas.openxmlformats.org/officeDocument/2006/math" xmlns="" val="1"/>
             </a:ext>
           </a:extLst>
         </p:spPr>
@@ -24917,8 +25450,10 @@
           <a:bodyPr/>
           <a:lstStyle/>
           <a:p>
-            <a:pPr/>
-            <a:fld id="{86CB4B4D-7CA3-9044-876B-883B54F8677D}" type="slidenum"/>
+            <a:fld id="{86CB4B4D-7CA3-9044-876B-883B54F8677D}" type="slidenum">
+              <a:t>34</a:t>
+            </a:fld>
+            <a:endParaRPr/>
           </a:p>
         </p:txBody>
       </p:sp>
@@ -24927,12 +25462,23 @@
   <p:clrMapOvr>
     <a:masterClrMapping/>
   </p:clrMapOvr>
-  <p:transition xmlns:p14="http://schemas.microsoft.com/office/powerpoint/2010/main" spd="med" advClick="1"/>
+  <mc:AlternateContent xmlns:mc="http://schemas.openxmlformats.org/markup-compatibility/2006">
+    <mc:Choice xmlns:p15="http://schemas.microsoft.com/office/powerpoint/2012/main" Requires="p15">
+      <p:transition xmlns:p14="http://schemas.microsoft.com/office/powerpoint/2010/main" spd="slow" p14:dur="1250">
+        <p15:prstTrans prst="peelOff"/>
+      </p:transition>
+    </mc:Choice>
+    <mc:Fallback>
+      <p:transition spd="slow">
+        <p:fade/>
+      </p:transition>
+    </mc:Fallback>
+  </mc:AlternateContent>
 </p:sld>
 </file>
 
 <file path=ppt/slides/slide35.xml><?xml version="1.0" encoding="utf-8"?>
-<p:sld xmlns:a="http://schemas.openxmlformats.org/drawingml/2006/main" xmlns:r="http://schemas.openxmlformats.org/officeDocument/2006/relationships" xmlns:p="http://schemas.openxmlformats.org/presentationml/2006/main" xmlns:m="http://schemas.openxmlformats.org/officeDocument/2006/math" xmlns:a14="http://schemas.microsoft.com/office/drawing/2010/main" showMasterSp="1" showMasterPhAnim="1">
+<p:sld xmlns:a="http://schemas.openxmlformats.org/drawingml/2006/main" xmlns:r="http://schemas.openxmlformats.org/officeDocument/2006/relationships" xmlns:p="http://schemas.openxmlformats.org/presentationml/2006/main">
   <p:cSld>
     <p:spTree>
       <p:nvGrpSpPr>
@@ -24951,7 +25497,9 @@
       <p:sp>
         <p:nvSpPr>
           <p:cNvPr id="281" name="Title 1"/>
-          <p:cNvSpPr txBox="1"/>
+          <p:cNvSpPr txBox="1">
+            <a:spLocks noGrp="1"/>
+          </p:cNvSpPr>
           <p:nvPr>
             <p:ph type="title"/>
           </p:nvPr>
@@ -24969,7 +25517,6 @@
           <a:bodyPr/>
           <a:lstStyle/>
           <a:p>
-            <a:pPr/>
             <a:r>
               <a:t>目标导向设计-开发支持阶段</a:t>
             </a:r>
@@ -24979,7 +25526,9 @@
       <p:sp>
         <p:nvSpPr>
           <p:cNvPr id="282" name="Content Placeholder 2"/>
-          <p:cNvSpPr txBox="1"/>
+          <p:cNvSpPr txBox="1">
+            <a:spLocks noGrp="1"/>
+          </p:cNvSpPr>
           <p:nvPr>
             <p:ph type="body" idx="1"/>
           </p:nvPr>
@@ -25005,7 +25554,6 @@
             </a:r>
           </a:p>
           <a:p>
-            <a:pPr/>
             <a:r>
               <a:t>        开发团队经常会为了赶工期而将其工作按优先级排序，并进行综合平衡。这时就需要缩减设计方案。如果交互设计团队不能在场对设计进行调整，那么开发者有可能就会在时间压力下自己进行缩减，这样有可能会严重地损害到产品设计的完整性。</a:t>
             </a:r>
@@ -25015,7 +25563,9 @@
       <p:sp>
         <p:nvSpPr>
           <p:cNvPr id="283" name="Slide Number"/>
-          <p:cNvSpPr txBox="1"/>
+          <p:cNvSpPr txBox="1">
+            <a:spLocks noGrp="1"/>
+          </p:cNvSpPr>
           <p:nvPr>
             <p:ph type="sldNum" sz="quarter" idx="4294967295"/>
           </p:nvPr>
@@ -25026,7 +25576,7 @@
           </a:prstGeom>
           <a:extLst>
             <a:ext uri="{C572A759-6A51-4108-AA02-DFA0A04FC94B}">
-              <ma14:wrappingTextBoxFlag xmlns:ma14="http://schemas.microsoft.com/office/mac/drawingml/2011/main" val="1"/>
+              <ma14:wrappingTextBoxFlag xmlns:ma14="http://schemas.microsoft.com/office/mac/drawingml/2011/main" xmlns:a14="http://schemas.microsoft.com/office/drawing/2010/main" xmlns:m="http://schemas.openxmlformats.org/officeDocument/2006/math" xmlns="" val="1"/>
             </a:ext>
           </a:extLst>
         </p:spPr>
@@ -25034,8 +25584,10 @@
           <a:bodyPr/>
           <a:lstStyle/>
           <a:p>
-            <a:pPr/>
-            <a:fld id="{86CB4B4D-7CA3-9044-876B-883B54F8677D}" type="slidenum"/>
+            <a:fld id="{86CB4B4D-7CA3-9044-876B-883B54F8677D}" type="slidenum">
+              <a:t>35</a:t>
+            </a:fld>
+            <a:endParaRPr/>
           </a:p>
         </p:txBody>
       </p:sp>
@@ -25044,12 +25596,23 @@
   <p:clrMapOvr>
     <a:masterClrMapping/>
   </p:clrMapOvr>
-  <p:transition xmlns:p14="http://schemas.microsoft.com/office/powerpoint/2010/main" spd="med" advClick="1"/>
+  <mc:AlternateContent xmlns:mc="http://schemas.openxmlformats.org/markup-compatibility/2006">
+    <mc:Choice xmlns:p15="http://schemas.microsoft.com/office/powerpoint/2012/main" Requires="p15">
+      <p:transition xmlns:p14="http://schemas.microsoft.com/office/powerpoint/2010/main" spd="slow" p14:dur="1250">
+        <p15:prstTrans prst="peelOff"/>
+      </p:transition>
+    </mc:Choice>
+    <mc:Fallback>
+      <p:transition spd="slow">
+        <p:fade/>
+      </p:transition>
+    </mc:Fallback>
+  </mc:AlternateContent>
 </p:sld>
 </file>
 
 <file path=ppt/slides/slide36.xml><?xml version="1.0" encoding="utf-8"?>
-<p:sld xmlns:a="http://schemas.openxmlformats.org/drawingml/2006/main" xmlns:r="http://schemas.openxmlformats.org/officeDocument/2006/relationships" xmlns:p="http://schemas.openxmlformats.org/presentationml/2006/main" xmlns:m="http://schemas.openxmlformats.org/officeDocument/2006/math" xmlns:a14="http://schemas.microsoft.com/office/drawing/2010/main" showMasterSp="1" showMasterPhAnim="1">
+<p:sld xmlns:a="http://schemas.openxmlformats.org/drawingml/2006/main" xmlns:r="http://schemas.openxmlformats.org/officeDocument/2006/relationships" xmlns:p="http://schemas.openxmlformats.org/presentationml/2006/main">
   <p:cSld>
     <p:spTree>
       <p:nvGrpSpPr>
@@ -25068,7 +25631,9 @@
       <p:sp>
         <p:nvSpPr>
           <p:cNvPr id="285" name="Title 1"/>
-          <p:cNvSpPr txBox="1"/>
+          <p:cNvSpPr txBox="1">
+            <a:spLocks noGrp="1"/>
+          </p:cNvSpPr>
           <p:nvPr>
             <p:ph type="title"/>
           </p:nvPr>
@@ -25086,17 +25651,20 @@
           <a:bodyPr/>
           <a:lstStyle/>
           <a:p>
-            <a:pPr/>
             <a:r>
+              <a:rPr dirty="0" err="1"/>
               <a:t>提问</a:t>
             </a:r>
+            <a:endParaRPr dirty="0"/>
           </a:p>
         </p:txBody>
       </p:sp>
       <p:sp>
         <p:nvSpPr>
           <p:cNvPr id="286" name="Content Placeholder 2"/>
-          <p:cNvSpPr txBox="1"/>
+          <p:cNvSpPr txBox="1">
+            <a:spLocks noGrp="1"/>
+          </p:cNvSpPr>
           <p:nvPr>
             <p:ph type="body" idx="1"/>
           </p:nvPr>
@@ -25118,10 +25686,19 @@
               <a:spcBef>
                 <a:spcPts val="1100"/>
               </a:spcBef>
-              <a:defRPr b="1" sz="2484"/>
+              <a:defRPr sz="2484" b="1"/>
             </a:pPr>
             <a:r>
-              <a:t>1.请大致说出研究阶段主要有哪些方法和手段？（回答三个即可）</a:t>
+              <a:rPr dirty="0"/>
+              <a:t>1.请大致说出研究阶段主要有哪些方法和手段？（</a:t>
+            </a:r>
+            <a:r>
+              <a:rPr dirty="0" err="1"/>
+              <a:t>回答三个即可</a:t>
+            </a:r>
+            <a:r>
+              <a:rPr dirty="0"/>
+              <a:t>）</a:t>
             </a:r>
           </a:p>
           <a:p>
@@ -25129,81 +25706,104 @@
               <a:spcBef>
                 <a:spcPts val="1100"/>
               </a:spcBef>
-              <a:defRPr b="1" sz="2484"/>
+              <a:defRPr sz="2484" b="1"/>
             </a:pPr>
+            <a:endParaRPr dirty="0"/>
           </a:p>
           <a:p>
             <a:pPr marL="84124" indent="-84124" defTabSz="841247">
               <a:spcBef>
                 <a:spcPts val="1100"/>
               </a:spcBef>
-              <a:defRPr b="1" sz="2208"/>
+              <a:defRPr sz="2208" b="1"/>
             </a:pPr>
             <a:r>
+              <a:rPr dirty="0" err="1"/>
               <a:t>访谈利益相关人</a:t>
             </a:r>
+            <a:endParaRPr dirty="0"/>
           </a:p>
           <a:p>
             <a:pPr marL="84124" indent="-84124" defTabSz="841247">
               <a:spcBef>
                 <a:spcPts val="1100"/>
               </a:spcBef>
-              <a:defRPr b="1" sz="2208"/>
+              <a:defRPr sz="2208" b="1"/>
             </a:pPr>
             <a:r>
+              <a:rPr dirty="0" err="1"/>
               <a:t>访谈主题专家</a:t>
             </a:r>
+            <a:endParaRPr dirty="0"/>
           </a:p>
           <a:p>
             <a:pPr marL="84124" indent="-84124" defTabSz="841247">
               <a:spcBef>
                 <a:spcPts val="1100"/>
               </a:spcBef>
-              <a:defRPr b="1" sz="2208"/>
+              <a:defRPr sz="2208" b="1"/>
             </a:pPr>
             <a:r>
+              <a:rPr dirty="0" err="1"/>
               <a:t>访谈用户和顾客</a:t>
             </a:r>
+            <a:endParaRPr dirty="0"/>
           </a:p>
           <a:p>
             <a:pPr marL="84124" indent="-84124" defTabSz="841247">
               <a:spcBef>
                 <a:spcPts val="1100"/>
               </a:spcBef>
-              <a:defRPr b="1" sz="2208"/>
+              <a:defRPr sz="2208" b="1"/>
             </a:pPr>
             <a:r>
+              <a:rPr dirty="0" err="1"/>
               <a:t>用户观察</a:t>
             </a:r>
+            <a:endParaRPr dirty="0"/>
           </a:p>
           <a:p>
             <a:pPr marL="84124" indent="-84124" defTabSz="841247">
               <a:spcBef>
                 <a:spcPts val="1100"/>
               </a:spcBef>
-              <a:defRPr b="1" sz="2208"/>
+              <a:defRPr sz="2208" b="1"/>
             </a:pPr>
             <a:r>
+              <a:rPr dirty="0" err="1"/>
               <a:t>文献调研</a:t>
             </a:r>
+            <a:endParaRPr dirty="0"/>
           </a:p>
           <a:p>
             <a:pPr marL="84124" indent="-84124" defTabSz="841247">
               <a:spcBef>
                 <a:spcPts val="1100"/>
               </a:spcBef>
-              <a:defRPr b="1" sz="2208"/>
+              <a:defRPr sz="2208" b="1"/>
             </a:pPr>
             <a:r>
-              <a:t>产品/原型和竞争审查</a:t>
+              <a:rPr dirty="0" err="1"/>
+              <a:t>产品</a:t>
             </a:r>
+            <a:r>
+              <a:rPr dirty="0"/>
+              <a:t>/</a:t>
+            </a:r>
+            <a:r>
+              <a:rPr dirty="0" err="1"/>
+              <a:t>原型和竞争审查</a:t>
+            </a:r>
+            <a:endParaRPr dirty="0"/>
           </a:p>
         </p:txBody>
       </p:sp>
       <p:sp>
         <p:nvSpPr>
           <p:cNvPr id="287" name="Slide Number"/>
-          <p:cNvSpPr txBox="1"/>
+          <p:cNvSpPr txBox="1">
+            <a:spLocks noGrp="1"/>
+          </p:cNvSpPr>
           <p:nvPr>
             <p:ph type="sldNum" sz="quarter" idx="4294967295"/>
           </p:nvPr>
@@ -25214,7 +25814,7 @@
           </a:prstGeom>
           <a:extLst>
             <a:ext uri="{C572A759-6A51-4108-AA02-DFA0A04FC94B}">
-              <ma14:wrappingTextBoxFlag xmlns:ma14="http://schemas.microsoft.com/office/mac/drawingml/2011/main" val="1"/>
+              <ma14:wrappingTextBoxFlag xmlns:ma14="http://schemas.microsoft.com/office/mac/drawingml/2011/main" xmlns:a14="http://schemas.microsoft.com/office/drawing/2010/main" xmlns:m="http://schemas.openxmlformats.org/officeDocument/2006/math" xmlns="" val="1"/>
             </a:ext>
           </a:extLst>
         </p:spPr>
@@ -25222,8 +25822,10 @@
           <a:bodyPr/>
           <a:lstStyle/>
           <a:p>
-            <a:pPr/>
-            <a:fld id="{86CB4B4D-7CA3-9044-876B-883B54F8677D}" type="slidenum"/>
+            <a:fld id="{86CB4B4D-7CA3-9044-876B-883B54F8677D}" type="slidenum">
+              <a:t>36</a:t>
+            </a:fld>
+            <a:endParaRPr/>
           </a:p>
         </p:txBody>
       </p:sp>
@@ -25232,12 +25834,684 @@
   <p:clrMapOvr>
     <a:masterClrMapping/>
   </p:clrMapOvr>
-  <p:transition xmlns:p14="http://schemas.microsoft.com/office/powerpoint/2010/main" spd="med" advClick="1"/>
+  <mc:AlternateContent xmlns:mc="http://schemas.openxmlformats.org/markup-compatibility/2006">
+    <mc:Choice xmlns:p15="http://schemas.microsoft.com/office/powerpoint/2012/main" Requires="p15">
+      <p:transition xmlns:p14="http://schemas.microsoft.com/office/powerpoint/2010/main" spd="slow" p14:dur="1250">
+        <p15:prstTrans prst="peelOff"/>
+      </p:transition>
+    </mc:Choice>
+    <mc:Fallback>
+      <p:transition spd="slow">
+        <p:fade/>
+      </p:transition>
+    </mc:Fallback>
+  </mc:AlternateContent>
+  <p:timing>
+    <p:tnLst>
+      <p:par>
+        <p:cTn id="1" dur="indefinite" restart="never" nodeType="tmRoot">
+          <p:childTnLst>
+            <p:seq concurrent="1" nextAc="seek">
+              <p:cTn id="2" dur="indefinite" nodeType="mainSeq">
+                <p:childTnLst>
+                  <p:par>
+                    <p:cTn id="3" fill="hold">
+                      <p:stCondLst>
+                        <p:cond delay="indefinite"/>
+                      </p:stCondLst>
+                      <p:childTnLst>
+                        <p:par>
+                          <p:cTn id="4" fill="hold">
+                            <p:stCondLst>
+                              <p:cond delay="0"/>
+                            </p:stCondLst>
+                            <p:childTnLst>
+                              <p:par>
+                                <p:cTn id="5" presetID="2" presetClass="entr" presetSubtype="4" fill="hold" nodeType="clickEffect">
+                                  <p:stCondLst>
+                                    <p:cond delay="0"/>
+                                  </p:stCondLst>
+                                  <p:childTnLst>
+                                    <p:set>
+                                      <p:cBhvr>
+                                        <p:cTn id="6" dur="1" fill="hold">
+                                          <p:stCondLst>
+                                            <p:cond delay="0"/>
+                                          </p:stCondLst>
+                                        </p:cTn>
+                                        <p:tgtEl>
+                                          <p:spTgt spid="286">
+                                            <p:txEl>
+                                              <p:pRg st="0" end="0"/>
+                                            </p:txEl>
+                                          </p:spTgt>
+                                        </p:tgtEl>
+                                        <p:attrNameLst>
+                                          <p:attrName>style.visibility</p:attrName>
+                                        </p:attrNameLst>
+                                      </p:cBhvr>
+                                      <p:to>
+                                        <p:strVal val="visible"/>
+                                      </p:to>
+                                    </p:set>
+                                    <p:anim calcmode="lin" valueType="num">
+                                      <p:cBhvr additive="base">
+                                        <p:cTn id="7" dur="500" fill="hold"/>
+                                        <p:tgtEl>
+                                          <p:spTgt spid="286">
+                                            <p:txEl>
+                                              <p:pRg st="0" end="0"/>
+                                            </p:txEl>
+                                          </p:spTgt>
+                                        </p:tgtEl>
+                                        <p:attrNameLst>
+                                          <p:attrName>ppt_x</p:attrName>
+                                        </p:attrNameLst>
+                                      </p:cBhvr>
+                                      <p:tavLst>
+                                        <p:tav tm="0">
+                                          <p:val>
+                                            <p:strVal val="#ppt_x"/>
+                                          </p:val>
+                                        </p:tav>
+                                        <p:tav tm="100000">
+                                          <p:val>
+                                            <p:strVal val="#ppt_x"/>
+                                          </p:val>
+                                        </p:tav>
+                                      </p:tavLst>
+                                    </p:anim>
+                                    <p:anim calcmode="lin" valueType="num">
+                                      <p:cBhvr additive="base">
+                                        <p:cTn id="8" dur="500" fill="hold"/>
+                                        <p:tgtEl>
+                                          <p:spTgt spid="286">
+                                            <p:txEl>
+                                              <p:pRg st="0" end="0"/>
+                                            </p:txEl>
+                                          </p:spTgt>
+                                        </p:tgtEl>
+                                        <p:attrNameLst>
+                                          <p:attrName>ppt_y</p:attrName>
+                                        </p:attrNameLst>
+                                      </p:cBhvr>
+                                      <p:tavLst>
+                                        <p:tav tm="0">
+                                          <p:val>
+                                            <p:strVal val="1+#ppt_h/2"/>
+                                          </p:val>
+                                        </p:tav>
+                                        <p:tav tm="100000">
+                                          <p:val>
+                                            <p:strVal val="#ppt_y"/>
+                                          </p:val>
+                                        </p:tav>
+                                      </p:tavLst>
+                                    </p:anim>
+                                  </p:childTnLst>
+                                </p:cTn>
+                              </p:par>
+                            </p:childTnLst>
+                          </p:cTn>
+                        </p:par>
+                      </p:childTnLst>
+                    </p:cTn>
+                  </p:par>
+                  <p:par>
+                    <p:cTn id="9" fill="hold">
+                      <p:stCondLst>
+                        <p:cond delay="indefinite"/>
+                      </p:stCondLst>
+                      <p:childTnLst>
+                        <p:par>
+                          <p:cTn id="10" fill="hold">
+                            <p:stCondLst>
+                              <p:cond delay="0"/>
+                            </p:stCondLst>
+                            <p:childTnLst>
+                              <p:par>
+                                <p:cTn id="11" presetID="2" presetClass="entr" presetSubtype="4" fill="hold" nodeType="clickEffect">
+                                  <p:stCondLst>
+                                    <p:cond delay="0"/>
+                                  </p:stCondLst>
+                                  <p:childTnLst>
+                                    <p:set>
+                                      <p:cBhvr>
+                                        <p:cTn id="12" dur="1" fill="hold">
+                                          <p:stCondLst>
+                                            <p:cond delay="0"/>
+                                          </p:stCondLst>
+                                        </p:cTn>
+                                        <p:tgtEl>
+                                          <p:spTgt spid="286">
+                                            <p:txEl>
+                                              <p:pRg st="2" end="2"/>
+                                            </p:txEl>
+                                          </p:spTgt>
+                                        </p:tgtEl>
+                                        <p:attrNameLst>
+                                          <p:attrName>style.visibility</p:attrName>
+                                        </p:attrNameLst>
+                                      </p:cBhvr>
+                                      <p:to>
+                                        <p:strVal val="visible"/>
+                                      </p:to>
+                                    </p:set>
+                                    <p:anim calcmode="lin" valueType="num">
+                                      <p:cBhvr additive="base">
+                                        <p:cTn id="13" dur="500" fill="hold"/>
+                                        <p:tgtEl>
+                                          <p:spTgt spid="286">
+                                            <p:txEl>
+                                              <p:pRg st="2" end="2"/>
+                                            </p:txEl>
+                                          </p:spTgt>
+                                        </p:tgtEl>
+                                        <p:attrNameLst>
+                                          <p:attrName>ppt_x</p:attrName>
+                                        </p:attrNameLst>
+                                      </p:cBhvr>
+                                      <p:tavLst>
+                                        <p:tav tm="0">
+                                          <p:val>
+                                            <p:strVal val="#ppt_x"/>
+                                          </p:val>
+                                        </p:tav>
+                                        <p:tav tm="100000">
+                                          <p:val>
+                                            <p:strVal val="#ppt_x"/>
+                                          </p:val>
+                                        </p:tav>
+                                      </p:tavLst>
+                                    </p:anim>
+                                    <p:anim calcmode="lin" valueType="num">
+                                      <p:cBhvr additive="base">
+                                        <p:cTn id="14" dur="500" fill="hold"/>
+                                        <p:tgtEl>
+                                          <p:spTgt spid="286">
+                                            <p:txEl>
+                                              <p:pRg st="2" end="2"/>
+                                            </p:txEl>
+                                          </p:spTgt>
+                                        </p:tgtEl>
+                                        <p:attrNameLst>
+                                          <p:attrName>ppt_y</p:attrName>
+                                        </p:attrNameLst>
+                                      </p:cBhvr>
+                                      <p:tavLst>
+                                        <p:tav tm="0">
+                                          <p:val>
+                                            <p:strVal val="1+#ppt_h/2"/>
+                                          </p:val>
+                                        </p:tav>
+                                        <p:tav tm="100000">
+                                          <p:val>
+                                            <p:strVal val="#ppt_y"/>
+                                          </p:val>
+                                        </p:tav>
+                                      </p:tavLst>
+                                    </p:anim>
+                                  </p:childTnLst>
+                                </p:cTn>
+                              </p:par>
+                              <p:par>
+                                <p:cTn id="15" presetID="2" presetClass="entr" presetSubtype="4" fill="hold" nodeType="withEffect">
+                                  <p:stCondLst>
+                                    <p:cond delay="0"/>
+                                  </p:stCondLst>
+                                  <p:childTnLst>
+                                    <p:set>
+                                      <p:cBhvr>
+                                        <p:cTn id="16" dur="1" fill="hold">
+                                          <p:stCondLst>
+                                            <p:cond delay="0"/>
+                                          </p:stCondLst>
+                                        </p:cTn>
+                                        <p:tgtEl>
+                                          <p:spTgt spid="286">
+                                            <p:txEl>
+                                              <p:pRg st="3" end="3"/>
+                                            </p:txEl>
+                                          </p:spTgt>
+                                        </p:tgtEl>
+                                        <p:attrNameLst>
+                                          <p:attrName>style.visibility</p:attrName>
+                                        </p:attrNameLst>
+                                      </p:cBhvr>
+                                      <p:to>
+                                        <p:strVal val="visible"/>
+                                      </p:to>
+                                    </p:set>
+                                    <p:anim calcmode="lin" valueType="num">
+                                      <p:cBhvr additive="base">
+                                        <p:cTn id="17" dur="500" fill="hold"/>
+                                        <p:tgtEl>
+                                          <p:spTgt spid="286">
+                                            <p:txEl>
+                                              <p:pRg st="3" end="3"/>
+                                            </p:txEl>
+                                          </p:spTgt>
+                                        </p:tgtEl>
+                                        <p:attrNameLst>
+                                          <p:attrName>ppt_x</p:attrName>
+                                        </p:attrNameLst>
+                                      </p:cBhvr>
+                                      <p:tavLst>
+                                        <p:tav tm="0">
+                                          <p:val>
+                                            <p:strVal val="#ppt_x"/>
+                                          </p:val>
+                                        </p:tav>
+                                        <p:tav tm="100000">
+                                          <p:val>
+                                            <p:strVal val="#ppt_x"/>
+                                          </p:val>
+                                        </p:tav>
+                                      </p:tavLst>
+                                    </p:anim>
+                                    <p:anim calcmode="lin" valueType="num">
+                                      <p:cBhvr additive="base">
+                                        <p:cTn id="18" dur="500" fill="hold"/>
+                                        <p:tgtEl>
+                                          <p:spTgt spid="286">
+                                            <p:txEl>
+                                              <p:pRg st="3" end="3"/>
+                                            </p:txEl>
+                                          </p:spTgt>
+                                        </p:tgtEl>
+                                        <p:attrNameLst>
+                                          <p:attrName>ppt_y</p:attrName>
+                                        </p:attrNameLst>
+                                      </p:cBhvr>
+                                      <p:tavLst>
+                                        <p:tav tm="0">
+                                          <p:val>
+                                            <p:strVal val="1+#ppt_h/2"/>
+                                          </p:val>
+                                        </p:tav>
+                                        <p:tav tm="100000">
+                                          <p:val>
+                                            <p:strVal val="#ppt_y"/>
+                                          </p:val>
+                                        </p:tav>
+                                      </p:tavLst>
+                                    </p:anim>
+                                  </p:childTnLst>
+                                </p:cTn>
+                              </p:par>
+                              <p:par>
+                                <p:cTn id="19" presetID="2" presetClass="entr" presetSubtype="4" fill="hold" nodeType="withEffect">
+                                  <p:stCondLst>
+                                    <p:cond delay="0"/>
+                                  </p:stCondLst>
+                                  <p:childTnLst>
+                                    <p:set>
+                                      <p:cBhvr>
+                                        <p:cTn id="20" dur="1" fill="hold">
+                                          <p:stCondLst>
+                                            <p:cond delay="0"/>
+                                          </p:stCondLst>
+                                        </p:cTn>
+                                        <p:tgtEl>
+                                          <p:spTgt spid="286">
+                                            <p:txEl>
+                                              <p:pRg st="4" end="4"/>
+                                            </p:txEl>
+                                          </p:spTgt>
+                                        </p:tgtEl>
+                                        <p:attrNameLst>
+                                          <p:attrName>style.visibility</p:attrName>
+                                        </p:attrNameLst>
+                                      </p:cBhvr>
+                                      <p:to>
+                                        <p:strVal val="visible"/>
+                                      </p:to>
+                                    </p:set>
+                                    <p:anim calcmode="lin" valueType="num">
+                                      <p:cBhvr additive="base">
+                                        <p:cTn id="21" dur="500" fill="hold"/>
+                                        <p:tgtEl>
+                                          <p:spTgt spid="286">
+                                            <p:txEl>
+                                              <p:pRg st="4" end="4"/>
+                                            </p:txEl>
+                                          </p:spTgt>
+                                        </p:tgtEl>
+                                        <p:attrNameLst>
+                                          <p:attrName>ppt_x</p:attrName>
+                                        </p:attrNameLst>
+                                      </p:cBhvr>
+                                      <p:tavLst>
+                                        <p:tav tm="0">
+                                          <p:val>
+                                            <p:strVal val="#ppt_x"/>
+                                          </p:val>
+                                        </p:tav>
+                                        <p:tav tm="100000">
+                                          <p:val>
+                                            <p:strVal val="#ppt_x"/>
+                                          </p:val>
+                                        </p:tav>
+                                      </p:tavLst>
+                                    </p:anim>
+                                    <p:anim calcmode="lin" valueType="num">
+                                      <p:cBhvr additive="base">
+                                        <p:cTn id="22" dur="500" fill="hold"/>
+                                        <p:tgtEl>
+                                          <p:spTgt spid="286">
+                                            <p:txEl>
+                                              <p:pRg st="4" end="4"/>
+                                            </p:txEl>
+                                          </p:spTgt>
+                                        </p:tgtEl>
+                                        <p:attrNameLst>
+                                          <p:attrName>ppt_y</p:attrName>
+                                        </p:attrNameLst>
+                                      </p:cBhvr>
+                                      <p:tavLst>
+                                        <p:tav tm="0">
+                                          <p:val>
+                                            <p:strVal val="1+#ppt_h/2"/>
+                                          </p:val>
+                                        </p:tav>
+                                        <p:tav tm="100000">
+                                          <p:val>
+                                            <p:strVal val="#ppt_y"/>
+                                          </p:val>
+                                        </p:tav>
+                                      </p:tavLst>
+                                    </p:anim>
+                                  </p:childTnLst>
+                                </p:cTn>
+                              </p:par>
+                              <p:par>
+                                <p:cTn id="23" presetID="2" presetClass="entr" presetSubtype="4" fill="hold" nodeType="withEffect">
+                                  <p:stCondLst>
+                                    <p:cond delay="0"/>
+                                  </p:stCondLst>
+                                  <p:childTnLst>
+                                    <p:set>
+                                      <p:cBhvr>
+                                        <p:cTn id="24" dur="1" fill="hold">
+                                          <p:stCondLst>
+                                            <p:cond delay="0"/>
+                                          </p:stCondLst>
+                                        </p:cTn>
+                                        <p:tgtEl>
+                                          <p:spTgt spid="286">
+                                            <p:txEl>
+                                              <p:pRg st="5" end="5"/>
+                                            </p:txEl>
+                                          </p:spTgt>
+                                        </p:tgtEl>
+                                        <p:attrNameLst>
+                                          <p:attrName>style.visibility</p:attrName>
+                                        </p:attrNameLst>
+                                      </p:cBhvr>
+                                      <p:to>
+                                        <p:strVal val="visible"/>
+                                      </p:to>
+                                    </p:set>
+                                    <p:anim calcmode="lin" valueType="num">
+                                      <p:cBhvr additive="base">
+                                        <p:cTn id="25" dur="500" fill="hold"/>
+                                        <p:tgtEl>
+                                          <p:spTgt spid="286">
+                                            <p:txEl>
+                                              <p:pRg st="5" end="5"/>
+                                            </p:txEl>
+                                          </p:spTgt>
+                                        </p:tgtEl>
+                                        <p:attrNameLst>
+                                          <p:attrName>ppt_x</p:attrName>
+                                        </p:attrNameLst>
+                                      </p:cBhvr>
+                                      <p:tavLst>
+                                        <p:tav tm="0">
+                                          <p:val>
+                                            <p:strVal val="#ppt_x"/>
+                                          </p:val>
+                                        </p:tav>
+                                        <p:tav tm="100000">
+                                          <p:val>
+                                            <p:strVal val="#ppt_x"/>
+                                          </p:val>
+                                        </p:tav>
+                                      </p:tavLst>
+                                    </p:anim>
+                                    <p:anim calcmode="lin" valueType="num">
+                                      <p:cBhvr additive="base">
+                                        <p:cTn id="26" dur="500" fill="hold"/>
+                                        <p:tgtEl>
+                                          <p:spTgt spid="286">
+                                            <p:txEl>
+                                              <p:pRg st="5" end="5"/>
+                                            </p:txEl>
+                                          </p:spTgt>
+                                        </p:tgtEl>
+                                        <p:attrNameLst>
+                                          <p:attrName>ppt_y</p:attrName>
+                                        </p:attrNameLst>
+                                      </p:cBhvr>
+                                      <p:tavLst>
+                                        <p:tav tm="0">
+                                          <p:val>
+                                            <p:strVal val="1+#ppt_h/2"/>
+                                          </p:val>
+                                        </p:tav>
+                                        <p:tav tm="100000">
+                                          <p:val>
+                                            <p:strVal val="#ppt_y"/>
+                                          </p:val>
+                                        </p:tav>
+                                      </p:tavLst>
+                                    </p:anim>
+                                  </p:childTnLst>
+                                </p:cTn>
+                              </p:par>
+                              <p:par>
+                                <p:cTn id="27" presetID="2" presetClass="entr" presetSubtype="4" fill="hold" nodeType="withEffect">
+                                  <p:stCondLst>
+                                    <p:cond delay="0"/>
+                                  </p:stCondLst>
+                                  <p:childTnLst>
+                                    <p:set>
+                                      <p:cBhvr>
+                                        <p:cTn id="28" dur="1" fill="hold">
+                                          <p:stCondLst>
+                                            <p:cond delay="0"/>
+                                          </p:stCondLst>
+                                        </p:cTn>
+                                        <p:tgtEl>
+                                          <p:spTgt spid="286">
+                                            <p:txEl>
+                                              <p:pRg st="6" end="6"/>
+                                            </p:txEl>
+                                          </p:spTgt>
+                                        </p:tgtEl>
+                                        <p:attrNameLst>
+                                          <p:attrName>style.visibility</p:attrName>
+                                        </p:attrNameLst>
+                                      </p:cBhvr>
+                                      <p:to>
+                                        <p:strVal val="visible"/>
+                                      </p:to>
+                                    </p:set>
+                                    <p:anim calcmode="lin" valueType="num">
+                                      <p:cBhvr additive="base">
+                                        <p:cTn id="29" dur="500" fill="hold"/>
+                                        <p:tgtEl>
+                                          <p:spTgt spid="286">
+                                            <p:txEl>
+                                              <p:pRg st="6" end="6"/>
+                                            </p:txEl>
+                                          </p:spTgt>
+                                        </p:tgtEl>
+                                        <p:attrNameLst>
+                                          <p:attrName>ppt_x</p:attrName>
+                                        </p:attrNameLst>
+                                      </p:cBhvr>
+                                      <p:tavLst>
+                                        <p:tav tm="0">
+                                          <p:val>
+                                            <p:strVal val="#ppt_x"/>
+                                          </p:val>
+                                        </p:tav>
+                                        <p:tav tm="100000">
+                                          <p:val>
+                                            <p:strVal val="#ppt_x"/>
+                                          </p:val>
+                                        </p:tav>
+                                      </p:tavLst>
+                                    </p:anim>
+                                    <p:anim calcmode="lin" valueType="num">
+                                      <p:cBhvr additive="base">
+                                        <p:cTn id="30" dur="500" fill="hold"/>
+                                        <p:tgtEl>
+                                          <p:spTgt spid="286">
+                                            <p:txEl>
+                                              <p:pRg st="6" end="6"/>
+                                            </p:txEl>
+                                          </p:spTgt>
+                                        </p:tgtEl>
+                                        <p:attrNameLst>
+                                          <p:attrName>ppt_y</p:attrName>
+                                        </p:attrNameLst>
+                                      </p:cBhvr>
+                                      <p:tavLst>
+                                        <p:tav tm="0">
+                                          <p:val>
+                                            <p:strVal val="1+#ppt_h/2"/>
+                                          </p:val>
+                                        </p:tav>
+                                        <p:tav tm="100000">
+                                          <p:val>
+                                            <p:strVal val="#ppt_y"/>
+                                          </p:val>
+                                        </p:tav>
+                                      </p:tavLst>
+                                    </p:anim>
+                                  </p:childTnLst>
+                                </p:cTn>
+                              </p:par>
+                              <p:par>
+                                <p:cTn id="31" presetID="2" presetClass="entr" presetSubtype="4" fill="hold" nodeType="withEffect">
+                                  <p:stCondLst>
+                                    <p:cond delay="0"/>
+                                  </p:stCondLst>
+                                  <p:childTnLst>
+                                    <p:set>
+                                      <p:cBhvr>
+                                        <p:cTn id="32" dur="1" fill="hold">
+                                          <p:stCondLst>
+                                            <p:cond delay="0"/>
+                                          </p:stCondLst>
+                                        </p:cTn>
+                                        <p:tgtEl>
+                                          <p:spTgt spid="286">
+                                            <p:txEl>
+                                              <p:pRg st="7" end="7"/>
+                                            </p:txEl>
+                                          </p:spTgt>
+                                        </p:tgtEl>
+                                        <p:attrNameLst>
+                                          <p:attrName>style.visibility</p:attrName>
+                                        </p:attrNameLst>
+                                      </p:cBhvr>
+                                      <p:to>
+                                        <p:strVal val="visible"/>
+                                      </p:to>
+                                    </p:set>
+                                    <p:anim calcmode="lin" valueType="num">
+                                      <p:cBhvr additive="base">
+                                        <p:cTn id="33" dur="500" fill="hold"/>
+                                        <p:tgtEl>
+                                          <p:spTgt spid="286">
+                                            <p:txEl>
+                                              <p:pRg st="7" end="7"/>
+                                            </p:txEl>
+                                          </p:spTgt>
+                                        </p:tgtEl>
+                                        <p:attrNameLst>
+                                          <p:attrName>ppt_x</p:attrName>
+                                        </p:attrNameLst>
+                                      </p:cBhvr>
+                                      <p:tavLst>
+                                        <p:tav tm="0">
+                                          <p:val>
+                                            <p:strVal val="#ppt_x"/>
+                                          </p:val>
+                                        </p:tav>
+                                        <p:tav tm="100000">
+                                          <p:val>
+                                            <p:strVal val="#ppt_x"/>
+                                          </p:val>
+                                        </p:tav>
+                                      </p:tavLst>
+                                    </p:anim>
+                                    <p:anim calcmode="lin" valueType="num">
+                                      <p:cBhvr additive="base">
+                                        <p:cTn id="34" dur="500" fill="hold"/>
+                                        <p:tgtEl>
+                                          <p:spTgt spid="286">
+                                            <p:txEl>
+                                              <p:pRg st="7" end="7"/>
+                                            </p:txEl>
+                                          </p:spTgt>
+                                        </p:tgtEl>
+                                        <p:attrNameLst>
+                                          <p:attrName>ppt_y</p:attrName>
+                                        </p:attrNameLst>
+                                      </p:cBhvr>
+                                      <p:tavLst>
+                                        <p:tav tm="0">
+                                          <p:val>
+                                            <p:strVal val="1+#ppt_h/2"/>
+                                          </p:val>
+                                        </p:tav>
+                                        <p:tav tm="100000">
+                                          <p:val>
+                                            <p:strVal val="#ppt_y"/>
+                                          </p:val>
+                                        </p:tav>
+                                      </p:tavLst>
+                                    </p:anim>
+                                  </p:childTnLst>
+                                </p:cTn>
+                              </p:par>
+                            </p:childTnLst>
+                          </p:cTn>
+                        </p:par>
+                      </p:childTnLst>
+                    </p:cTn>
+                  </p:par>
+                </p:childTnLst>
+              </p:cTn>
+              <p:prevCondLst>
+                <p:cond evt="onPrev" delay="0">
+                  <p:tgtEl>
+                    <p:sldTgt/>
+                  </p:tgtEl>
+                </p:cond>
+              </p:prevCondLst>
+              <p:nextCondLst>
+                <p:cond evt="onNext" delay="0">
+                  <p:tgtEl>
+                    <p:sldTgt/>
+                  </p:tgtEl>
+                </p:cond>
+              </p:nextCondLst>
+            </p:seq>
+          </p:childTnLst>
+        </p:cTn>
+      </p:par>
+    </p:tnLst>
+  </p:timing>
 </p:sld>
 </file>
 
 <file path=ppt/slides/slide37.xml><?xml version="1.0" encoding="utf-8"?>
-<p:sld xmlns:a="http://schemas.openxmlformats.org/drawingml/2006/main" xmlns:r="http://schemas.openxmlformats.org/officeDocument/2006/relationships" xmlns:p="http://schemas.openxmlformats.org/presentationml/2006/main" xmlns:m="http://schemas.openxmlformats.org/officeDocument/2006/math" xmlns:a14="http://schemas.microsoft.com/office/drawing/2010/main" showMasterSp="1" showMasterPhAnim="1">
+<p:sld xmlns:a="http://schemas.openxmlformats.org/drawingml/2006/main" xmlns:r="http://schemas.openxmlformats.org/officeDocument/2006/relationships" xmlns:p="http://schemas.openxmlformats.org/presentationml/2006/main">
   <p:cSld>
     <p:spTree>
       <p:nvGrpSpPr>
@@ -25256,7 +26530,9 @@
       <p:sp>
         <p:nvSpPr>
           <p:cNvPr id="289" name="Title 1"/>
-          <p:cNvSpPr txBox="1"/>
+          <p:cNvSpPr txBox="1">
+            <a:spLocks noGrp="1"/>
+          </p:cNvSpPr>
           <p:nvPr>
             <p:ph type="title"/>
           </p:nvPr>
@@ -25274,7 +26550,6 @@
           <a:bodyPr/>
           <a:lstStyle/>
           <a:p>
-            <a:pPr/>
             <a:r>
               <a:t>提问</a:t>
             </a:r>
@@ -25284,7 +26559,9 @@
       <p:sp>
         <p:nvSpPr>
           <p:cNvPr id="290" name="Content Placeholder 2"/>
-          <p:cNvSpPr txBox="1"/>
+          <p:cNvSpPr txBox="1">
+            <a:spLocks noGrp="1"/>
+          </p:cNvSpPr>
           <p:nvPr>
             <p:ph type="body" idx="1"/>
           </p:nvPr>
@@ -25303,36 +26580,43 @@
           <a:lstStyle/>
           <a:p>
             <a:pPr marL="91440" indent="-91440">
-              <a:defRPr b="1" sz="2700"/>
+              <a:defRPr sz="2700" b="1"/>
             </a:pPr>
             <a:r>
+              <a:rPr dirty="0"/>
               <a:t>2.用户界面与实现模型一致更好还是与心理模型一致更好？</a:t>
             </a:r>
           </a:p>
           <a:p>
             <a:pPr marL="91440" indent="-91440">
-              <a:defRPr b="1" sz="2700"/>
+              <a:defRPr sz="2700" b="1"/>
             </a:pPr>
+            <a:endParaRPr dirty="0"/>
           </a:p>
           <a:p>
             <a:pPr marL="91440" indent="-91440">
-              <a:defRPr b="1" sz="2700"/>
+              <a:defRPr sz="2700" b="1"/>
             </a:pPr>
             <a:r>
+              <a:rPr dirty="0" err="1"/>
               <a:t>心理模型</a:t>
             </a:r>
+            <a:endParaRPr dirty="0"/>
           </a:p>
           <a:p>
             <a:pPr marL="91440" indent="-91440">
-              <a:defRPr b="1" sz="2700"/>
+              <a:defRPr sz="2700" b="1"/>
             </a:pPr>
+            <a:endParaRPr dirty="0"/>
           </a:p>
         </p:txBody>
       </p:sp>
       <p:sp>
         <p:nvSpPr>
           <p:cNvPr id="291" name="Slide Number"/>
-          <p:cNvSpPr txBox="1"/>
+          <p:cNvSpPr txBox="1">
+            <a:spLocks noGrp="1"/>
+          </p:cNvSpPr>
           <p:nvPr>
             <p:ph type="sldNum" sz="quarter" idx="4294967295"/>
           </p:nvPr>
@@ -25343,7 +26627,7 @@
           </a:prstGeom>
           <a:extLst>
             <a:ext uri="{C572A759-6A51-4108-AA02-DFA0A04FC94B}">
-              <ma14:wrappingTextBoxFlag xmlns:ma14="http://schemas.microsoft.com/office/mac/drawingml/2011/main" val="1"/>
+              <ma14:wrappingTextBoxFlag xmlns:ma14="http://schemas.microsoft.com/office/mac/drawingml/2011/main" xmlns:a14="http://schemas.microsoft.com/office/drawing/2010/main" xmlns:m="http://schemas.openxmlformats.org/officeDocument/2006/math" xmlns="" val="1"/>
             </a:ext>
           </a:extLst>
         </p:spPr>
@@ -25351,8 +26635,10 @@
           <a:bodyPr/>
           <a:lstStyle/>
           <a:p>
-            <a:pPr/>
-            <a:fld id="{86CB4B4D-7CA3-9044-876B-883B54F8677D}" type="slidenum"/>
+            <a:fld id="{86CB4B4D-7CA3-9044-876B-883B54F8677D}" type="slidenum">
+              <a:t>37</a:t>
+            </a:fld>
+            <a:endParaRPr/>
           </a:p>
         </p:txBody>
       </p:sp>
@@ -25361,12 +26647,259 @@
   <p:clrMapOvr>
     <a:masterClrMapping/>
   </p:clrMapOvr>
-  <p:transition xmlns:p14="http://schemas.microsoft.com/office/powerpoint/2010/main" spd="med" advClick="1"/>
+  <mc:AlternateContent xmlns:mc="http://schemas.openxmlformats.org/markup-compatibility/2006">
+    <mc:Choice xmlns:p15="http://schemas.microsoft.com/office/powerpoint/2012/main" Requires="p15">
+      <p:transition xmlns:p14="http://schemas.microsoft.com/office/powerpoint/2010/main" spd="slow" p14:dur="1250">
+        <p15:prstTrans prst="peelOff"/>
+      </p:transition>
+    </mc:Choice>
+    <mc:Fallback>
+      <p:transition spd="slow">
+        <p:fade/>
+      </p:transition>
+    </mc:Fallback>
+  </mc:AlternateContent>
+  <p:timing>
+    <p:tnLst>
+      <p:par>
+        <p:cTn id="1" dur="indefinite" restart="never" nodeType="tmRoot">
+          <p:childTnLst>
+            <p:seq concurrent="1" nextAc="seek">
+              <p:cTn id="2" dur="indefinite" nodeType="mainSeq">
+                <p:childTnLst>
+                  <p:par>
+                    <p:cTn id="3" fill="hold">
+                      <p:stCondLst>
+                        <p:cond delay="indefinite"/>
+                      </p:stCondLst>
+                      <p:childTnLst>
+                        <p:par>
+                          <p:cTn id="4" fill="hold">
+                            <p:stCondLst>
+                              <p:cond delay="0"/>
+                            </p:stCondLst>
+                            <p:childTnLst>
+                              <p:par>
+                                <p:cTn id="5" presetID="2" presetClass="entr" presetSubtype="4" fill="hold" nodeType="clickEffect">
+                                  <p:stCondLst>
+                                    <p:cond delay="0"/>
+                                  </p:stCondLst>
+                                  <p:childTnLst>
+                                    <p:set>
+                                      <p:cBhvr>
+                                        <p:cTn id="6" dur="1" fill="hold">
+                                          <p:stCondLst>
+                                            <p:cond delay="0"/>
+                                          </p:stCondLst>
+                                        </p:cTn>
+                                        <p:tgtEl>
+                                          <p:spTgt spid="290">
+                                            <p:txEl>
+                                              <p:pRg st="0" end="0"/>
+                                            </p:txEl>
+                                          </p:spTgt>
+                                        </p:tgtEl>
+                                        <p:attrNameLst>
+                                          <p:attrName>style.visibility</p:attrName>
+                                        </p:attrNameLst>
+                                      </p:cBhvr>
+                                      <p:to>
+                                        <p:strVal val="visible"/>
+                                      </p:to>
+                                    </p:set>
+                                    <p:anim calcmode="lin" valueType="num">
+                                      <p:cBhvr additive="base">
+                                        <p:cTn id="7" dur="500" fill="hold"/>
+                                        <p:tgtEl>
+                                          <p:spTgt spid="290">
+                                            <p:txEl>
+                                              <p:pRg st="0" end="0"/>
+                                            </p:txEl>
+                                          </p:spTgt>
+                                        </p:tgtEl>
+                                        <p:attrNameLst>
+                                          <p:attrName>ppt_x</p:attrName>
+                                        </p:attrNameLst>
+                                      </p:cBhvr>
+                                      <p:tavLst>
+                                        <p:tav tm="0">
+                                          <p:val>
+                                            <p:strVal val="#ppt_x"/>
+                                          </p:val>
+                                        </p:tav>
+                                        <p:tav tm="100000">
+                                          <p:val>
+                                            <p:strVal val="#ppt_x"/>
+                                          </p:val>
+                                        </p:tav>
+                                      </p:tavLst>
+                                    </p:anim>
+                                    <p:anim calcmode="lin" valueType="num">
+                                      <p:cBhvr additive="base">
+                                        <p:cTn id="8" dur="500" fill="hold"/>
+                                        <p:tgtEl>
+                                          <p:spTgt spid="290">
+                                            <p:txEl>
+                                              <p:pRg st="0" end="0"/>
+                                            </p:txEl>
+                                          </p:spTgt>
+                                        </p:tgtEl>
+                                        <p:attrNameLst>
+                                          <p:attrName>ppt_y</p:attrName>
+                                        </p:attrNameLst>
+                                      </p:cBhvr>
+                                      <p:tavLst>
+                                        <p:tav tm="0">
+                                          <p:val>
+                                            <p:strVal val="1+#ppt_h/2"/>
+                                          </p:val>
+                                        </p:tav>
+                                        <p:tav tm="100000">
+                                          <p:val>
+                                            <p:strVal val="#ppt_y"/>
+                                          </p:val>
+                                        </p:tav>
+                                      </p:tavLst>
+                                    </p:anim>
+                                  </p:childTnLst>
+                                </p:cTn>
+                              </p:par>
+                            </p:childTnLst>
+                          </p:cTn>
+                        </p:par>
+                      </p:childTnLst>
+                    </p:cTn>
+                  </p:par>
+                  <p:par>
+                    <p:cTn id="9" fill="hold">
+                      <p:stCondLst>
+                        <p:cond delay="indefinite"/>
+                      </p:stCondLst>
+                      <p:childTnLst>
+                        <p:par>
+                          <p:cTn id="10" fill="hold">
+                            <p:stCondLst>
+                              <p:cond delay="0"/>
+                            </p:stCondLst>
+                            <p:childTnLst>
+                              <p:par>
+                                <p:cTn id="11" presetID="2" presetClass="entr" presetSubtype="4" fill="hold" nodeType="clickEffect">
+                                  <p:stCondLst>
+                                    <p:cond delay="0"/>
+                                  </p:stCondLst>
+                                  <p:childTnLst>
+                                    <p:set>
+                                      <p:cBhvr>
+                                        <p:cTn id="12" dur="1" fill="hold">
+                                          <p:stCondLst>
+                                            <p:cond delay="0"/>
+                                          </p:stCondLst>
+                                        </p:cTn>
+                                        <p:tgtEl>
+                                          <p:spTgt spid="290">
+                                            <p:txEl>
+                                              <p:pRg st="2" end="2"/>
+                                            </p:txEl>
+                                          </p:spTgt>
+                                        </p:tgtEl>
+                                        <p:attrNameLst>
+                                          <p:attrName>style.visibility</p:attrName>
+                                        </p:attrNameLst>
+                                      </p:cBhvr>
+                                      <p:to>
+                                        <p:strVal val="visible"/>
+                                      </p:to>
+                                    </p:set>
+                                    <p:anim calcmode="lin" valueType="num">
+                                      <p:cBhvr additive="base">
+                                        <p:cTn id="13" dur="500" fill="hold"/>
+                                        <p:tgtEl>
+                                          <p:spTgt spid="290">
+                                            <p:txEl>
+                                              <p:pRg st="2" end="2"/>
+                                            </p:txEl>
+                                          </p:spTgt>
+                                        </p:tgtEl>
+                                        <p:attrNameLst>
+                                          <p:attrName>ppt_x</p:attrName>
+                                        </p:attrNameLst>
+                                      </p:cBhvr>
+                                      <p:tavLst>
+                                        <p:tav tm="0">
+                                          <p:val>
+                                            <p:strVal val="#ppt_x"/>
+                                          </p:val>
+                                        </p:tav>
+                                        <p:tav tm="100000">
+                                          <p:val>
+                                            <p:strVal val="#ppt_x"/>
+                                          </p:val>
+                                        </p:tav>
+                                      </p:tavLst>
+                                    </p:anim>
+                                    <p:anim calcmode="lin" valueType="num">
+                                      <p:cBhvr additive="base">
+                                        <p:cTn id="14" dur="500" fill="hold"/>
+                                        <p:tgtEl>
+                                          <p:spTgt spid="290">
+                                            <p:txEl>
+                                              <p:pRg st="2" end="2"/>
+                                            </p:txEl>
+                                          </p:spTgt>
+                                        </p:tgtEl>
+                                        <p:attrNameLst>
+                                          <p:attrName>ppt_y</p:attrName>
+                                        </p:attrNameLst>
+                                      </p:cBhvr>
+                                      <p:tavLst>
+                                        <p:tav tm="0">
+                                          <p:val>
+                                            <p:strVal val="1+#ppt_h/2"/>
+                                          </p:val>
+                                        </p:tav>
+                                        <p:tav tm="100000">
+                                          <p:val>
+                                            <p:strVal val="#ppt_y"/>
+                                          </p:val>
+                                        </p:tav>
+                                      </p:tavLst>
+                                    </p:anim>
+                                  </p:childTnLst>
+                                </p:cTn>
+                              </p:par>
+                            </p:childTnLst>
+                          </p:cTn>
+                        </p:par>
+                      </p:childTnLst>
+                    </p:cTn>
+                  </p:par>
+                </p:childTnLst>
+              </p:cTn>
+              <p:prevCondLst>
+                <p:cond evt="onPrev" delay="0">
+                  <p:tgtEl>
+                    <p:sldTgt/>
+                  </p:tgtEl>
+                </p:cond>
+              </p:prevCondLst>
+              <p:nextCondLst>
+                <p:cond evt="onNext" delay="0">
+                  <p:tgtEl>
+                    <p:sldTgt/>
+                  </p:tgtEl>
+                </p:cond>
+              </p:nextCondLst>
+            </p:seq>
+          </p:childTnLst>
+        </p:cTn>
+      </p:par>
+    </p:tnLst>
+  </p:timing>
 </p:sld>
 </file>
 
 <file path=ppt/slides/slide38.xml><?xml version="1.0" encoding="utf-8"?>
-<p:sld xmlns:a="http://schemas.openxmlformats.org/drawingml/2006/main" xmlns:r="http://schemas.openxmlformats.org/officeDocument/2006/relationships" xmlns:p="http://schemas.openxmlformats.org/presentationml/2006/main" xmlns:m="http://schemas.openxmlformats.org/officeDocument/2006/math" xmlns:a14="http://schemas.microsoft.com/office/drawing/2010/main" showMasterSp="1" showMasterPhAnim="1">
+<p:sld xmlns:a="http://schemas.openxmlformats.org/drawingml/2006/main" xmlns:r="http://schemas.openxmlformats.org/officeDocument/2006/relationships" xmlns:p="http://schemas.openxmlformats.org/presentationml/2006/main">
   <p:cSld>
     <p:spTree>
       <p:nvGrpSpPr>
@@ -25385,7 +26918,9 @@
       <p:sp>
         <p:nvSpPr>
           <p:cNvPr id="293" name="Title 1"/>
-          <p:cNvSpPr txBox="1"/>
+          <p:cNvSpPr txBox="1">
+            <a:spLocks noGrp="1"/>
+          </p:cNvSpPr>
           <p:nvPr>
             <p:ph type="title"/>
           </p:nvPr>
@@ -25403,7 +26938,6 @@
           <a:bodyPr/>
           <a:lstStyle/>
           <a:p>
-            <a:pPr/>
             <a:r>
               <a:t>提问</a:t>
             </a:r>
@@ -25413,7 +26947,9 @@
       <p:sp>
         <p:nvSpPr>
           <p:cNvPr id="294" name="Content Placeholder 2"/>
-          <p:cNvSpPr txBox="1"/>
+          <p:cNvSpPr txBox="1">
+            <a:spLocks noGrp="1"/>
+          </p:cNvSpPr>
           <p:nvPr>
             <p:ph type="body" idx="1"/>
           </p:nvPr>
@@ -25432,27 +26968,34 @@
           <a:lstStyle/>
           <a:p>
             <a:pPr marL="91440" indent="-91440">
-              <a:defRPr b="1" sz="2700"/>
+              <a:defRPr sz="2700" b="1"/>
             </a:pPr>
             <a:r>
+              <a:rPr dirty="0"/>
               <a:t>3.需求定义阶段中场景剧本与用例的区别是什么？</a:t>
             </a:r>
           </a:p>
           <a:p>
             <a:pPr marL="91440" indent="-91440">
-              <a:defRPr b="1" sz="2700"/>
+              <a:defRPr sz="2700" b="1"/>
             </a:pPr>
+            <a:endParaRPr dirty="0"/>
           </a:p>
           <a:p>
             <a:pPr>
               <a:defRPr sz="2300"/>
             </a:pPr>
             <a:r>
-              <a:rPr b="1"/>
+              <a:rPr b="1" dirty="0" err="1"/>
               <a:t>场景剧本</a:t>
             </a:r>
             <a:r>
-              <a:t>是从人物角色角度定义产品行为的迭代手段，不仅包括系统功能，也包括功能过的优先级，以及用户与系统的交互方式。</a:t>
+              <a:rPr dirty="0" err="1"/>
+              <a:t>是从人物角色角度定义产品行为的迭代手段，不仅包括系统功能，也包括功能过的优先级，以及用户与系统的交互方式</a:t>
+            </a:r>
+            <a:r>
+              <a:rPr dirty="0"/>
+              <a:t>。</a:t>
             </a:r>
           </a:p>
           <a:p>
@@ -25460,11 +27003,16 @@
               <a:defRPr sz="2300"/>
             </a:pPr>
             <a:r>
-              <a:rPr b="1"/>
+              <a:rPr b="1" dirty="0" err="1"/>
               <a:t>用例</a:t>
             </a:r>
             <a:r>
-              <a:t>是对系统功能需求的详尽描述，系统的精确行为通常不是用例的一部分，很少提到任务如何向用户表达或者如何在界面中进行优先级排序。</a:t>
+              <a:rPr dirty="0" err="1"/>
+              <a:t>是对系统功能需求的详尽描述，系统的精确行为通常不是用例的一部分，很少提到任务如何向用户表达或者如何在界面中进行优先级排序</a:t>
+            </a:r>
+            <a:r>
+              <a:rPr dirty="0"/>
+              <a:t>。</a:t>
             </a:r>
           </a:p>
         </p:txBody>
@@ -25472,7 +27020,9 @@
       <p:sp>
         <p:nvSpPr>
           <p:cNvPr id="295" name="Slide Number"/>
-          <p:cNvSpPr txBox="1"/>
+          <p:cNvSpPr txBox="1">
+            <a:spLocks noGrp="1"/>
+          </p:cNvSpPr>
           <p:nvPr>
             <p:ph type="sldNum" sz="quarter" idx="4294967295"/>
           </p:nvPr>
@@ -25483,7 +27033,7 @@
           </a:prstGeom>
           <a:extLst>
             <a:ext uri="{C572A759-6A51-4108-AA02-DFA0A04FC94B}">
-              <ma14:wrappingTextBoxFlag xmlns:ma14="http://schemas.microsoft.com/office/mac/drawingml/2011/main" val="1"/>
+              <ma14:wrappingTextBoxFlag xmlns:ma14="http://schemas.microsoft.com/office/mac/drawingml/2011/main" xmlns:a14="http://schemas.microsoft.com/office/drawing/2010/main" xmlns:m="http://schemas.openxmlformats.org/officeDocument/2006/math" xmlns="" val="1"/>
             </a:ext>
           </a:extLst>
         </p:spPr>
@@ -25491,8 +27041,10 @@
           <a:bodyPr/>
           <a:lstStyle/>
           <a:p>
-            <a:pPr/>
-            <a:fld id="{86CB4B4D-7CA3-9044-876B-883B54F8677D}" type="slidenum"/>
+            <a:fld id="{86CB4B4D-7CA3-9044-876B-883B54F8677D}" type="slidenum">
+              <a:t>38</a:t>
+            </a:fld>
+            <a:endParaRPr/>
           </a:p>
         </p:txBody>
       </p:sp>
@@ -25501,12 +27053,344 @@
   <p:clrMapOvr>
     <a:masterClrMapping/>
   </p:clrMapOvr>
-  <p:transition xmlns:p14="http://schemas.microsoft.com/office/powerpoint/2010/main" spd="med" advClick="1"/>
+  <mc:AlternateContent xmlns:mc="http://schemas.openxmlformats.org/markup-compatibility/2006">
+    <mc:Choice xmlns:p15="http://schemas.microsoft.com/office/powerpoint/2012/main" Requires="p15">
+      <p:transition xmlns:p14="http://schemas.microsoft.com/office/powerpoint/2010/main" spd="slow" p14:dur="1250">
+        <p15:prstTrans prst="peelOff"/>
+      </p:transition>
+    </mc:Choice>
+    <mc:Fallback>
+      <p:transition spd="slow">
+        <p:fade/>
+      </p:transition>
+    </mc:Fallback>
+  </mc:AlternateContent>
+  <p:timing>
+    <p:tnLst>
+      <p:par>
+        <p:cTn id="1" dur="indefinite" restart="never" nodeType="tmRoot">
+          <p:childTnLst>
+            <p:seq concurrent="1" nextAc="seek">
+              <p:cTn id="2" dur="indefinite" nodeType="mainSeq">
+                <p:childTnLst>
+                  <p:par>
+                    <p:cTn id="3" fill="hold">
+                      <p:stCondLst>
+                        <p:cond delay="indefinite"/>
+                      </p:stCondLst>
+                      <p:childTnLst>
+                        <p:par>
+                          <p:cTn id="4" fill="hold">
+                            <p:stCondLst>
+                              <p:cond delay="0"/>
+                            </p:stCondLst>
+                            <p:childTnLst>
+                              <p:par>
+                                <p:cTn id="5" presetID="2" presetClass="entr" presetSubtype="4" fill="hold" nodeType="clickEffect">
+                                  <p:stCondLst>
+                                    <p:cond delay="0"/>
+                                  </p:stCondLst>
+                                  <p:childTnLst>
+                                    <p:set>
+                                      <p:cBhvr>
+                                        <p:cTn id="6" dur="1" fill="hold">
+                                          <p:stCondLst>
+                                            <p:cond delay="0"/>
+                                          </p:stCondLst>
+                                        </p:cTn>
+                                        <p:tgtEl>
+                                          <p:spTgt spid="294">
+                                            <p:txEl>
+                                              <p:pRg st="0" end="0"/>
+                                            </p:txEl>
+                                          </p:spTgt>
+                                        </p:tgtEl>
+                                        <p:attrNameLst>
+                                          <p:attrName>style.visibility</p:attrName>
+                                        </p:attrNameLst>
+                                      </p:cBhvr>
+                                      <p:to>
+                                        <p:strVal val="visible"/>
+                                      </p:to>
+                                    </p:set>
+                                    <p:anim calcmode="lin" valueType="num">
+                                      <p:cBhvr additive="base">
+                                        <p:cTn id="7" dur="500" fill="hold"/>
+                                        <p:tgtEl>
+                                          <p:spTgt spid="294">
+                                            <p:txEl>
+                                              <p:pRg st="0" end="0"/>
+                                            </p:txEl>
+                                          </p:spTgt>
+                                        </p:tgtEl>
+                                        <p:attrNameLst>
+                                          <p:attrName>ppt_x</p:attrName>
+                                        </p:attrNameLst>
+                                      </p:cBhvr>
+                                      <p:tavLst>
+                                        <p:tav tm="0">
+                                          <p:val>
+                                            <p:strVal val="#ppt_x"/>
+                                          </p:val>
+                                        </p:tav>
+                                        <p:tav tm="100000">
+                                          <p:val>
+                                            <p:strVal val="#ppt_x"/>
+                                          </p:val>
+                                        </p:tav>
+                                      </p:tavLst>
+                                    </p:anim>
+                                    <p:anim calcmode="lin" valueType="num">
+                                      <p:cBhvr additive="base">
+                                        <p:cTn id="8" dur="500" fill="hold"/>
+                                        <p:tgtEl>
+                                          <p:spTgt spid="294">
+                                            <p:txEl>
+                                              <p:pRg st="0" end="0"/>
+                                            </p:txEl>
+                                          </p:spTgt>
+                                        </p:tgtEl>
+                                        <p:attrNameLst>
+                                          <p:attrName>ppt_y</p:attrName>
+                                        </p:attrNameLst>
+                                      </p:cBhvr>
+                                      <p:tavLst>
+                                        <p:tav tm="0">
+                                          <p:val>
+                                            <p:strVal val="1+#ppt_h/2"/>
+                                          </p:val>
+                                        </p:tav>
+                                        <p:tav tm="100000">
+                                          <p:val>
+                                            <p:strVal val="#ppt_y"/>
+                                          </p:val>
+                                        </p:tav>
+                                      </p:tavLst>
+                                    </p:anim>
+                                  </p:childTnLst>
+                                </p:cTn>
+                              </p:par>
+                            </p:childTnLst>
+                          </p:cTn>
+                        </p:par>
+                      </p:childTnLst>
+                    </p:cTn>
+                  </p:par>
+                  <p:par>
+                    <p:cTn id="9" fill="hold">
+                      <p:stCondLst>
+                        <p:cond delay="indefinite"/>
+                      </p:stCondLst>
+                      <p:childTnLst>
+                        <p:par>
+                          <p:cTn id="10" fill="hold">
+                            <p:stCondLst>
+                              <p:cond delay="0"/>
+                            </p:stCondLst>
+                            <p:childTnLst>
+                              <p:par>
+                                <p:cTn id="11" presetID="2" presetClass="entr" presetSubtype="4" fill="hold" nodeType="clickEffect">
+                                  <p:stCondLst>
+                                    <p:cond delay="0"/>
+                                  </p:stCondLst>
+                                  <p:childTnLst>
+                                    <p:set>
+                                      <p:cBhvr>
+                                        <p:cTn id="12" dur="1" fill="hold">
+                                          <p:stCondLst>
+                                            <p:cond delay="0"/>
+                                          </p:stCondLst>
+                                        </p:cTn>
+                                        <p:tgtEl>
+                                          <p:spTgt spid="294">
+                                            <p:txEl>
+                                              <p:pRg st="2" end="2"/>
+                                            </p:txEl>
+                                          </p:spTgt>
+                                        </p:tgtEl>
+                                        <p:attrNameLst>
+                                          <p:attrName>style.visibility</p:attrName>
+                                        </p:attrNameLst>
+                                      </p:cBhvr>
+                                      <p:to>
+                                        <p:strVal val="visible"/>
+                                      </p:to>
+                                    </p:set>
+                                    <p:anim calcmode="lin" valueType="num">
+                                      <p:cBhvr additive="base">
+                                        <p:cTn id="13" dur="500" fill="hold"/>
+                                        <p:tgtEl>
+                                          <p:spTgt spid="294">
+                                            <p:txEl>
+                                              <p:pRg st="2" end="2"/>
+                                            </p:txEl>
+                                          </p:spTgt>
+                                        </p:tgtEl>
+                                        <p:attrNameLst>
+                                          <p:attrName>ppt_x</p:attrName>
+                                        </p:attrNameLst>
+                                      </p:cBhvr>
+                                      <p:tavLst>
+                                        <p:tav tm="0">
+                                          <p:val>
+                                            <p:strVal val="#ppt_x"/>
+                                          </p:val>
+                                        </p:tav>
+                                        <p:tav tm="100000">
+                                          <p:val>
+                                            <p:strVal val="#ppt_x"/>
+                                          </p:val>
+                                        </p:tav>
+                                      </p:tavLst>
+                                    </p:anim>
+                                    <p:anim calcmode="lin" valueType="num">
+                                      <p:cBhvr additive="base">
+                                        <p:cTn id="14" dur="500" fill="hold"/>
+                                        <p:tgtEl>
+                                          <p:spTgt spid="294">
+                                            <p:txEl>
+                                              <p:pRg st="2" end="2"/>
+                                            </p:txEl>
+                                          </p:spTgt>
+                                        </p:tgtEl>
+                                        <p:attrNameLst>
+                                          <p:attrName>ppt_y</p:attrName>
+                                        </p:attrNameLst>
+                                      </p:cBhvr>
+                                      <p:tavLst>
+                                        <p:tav tm="0">
+                                          <p:val>
+                                            <p:strVal val="1+#ppt_h/2"/>
+                                          </p:val>
+                                        </p:tav>
+                                        <p:tav tm="100000">
+                                          <p:val>
+                                            <p:strVal val="#ppt_y"/>
+                                          </p:val>
+                                        </p:tav>
+                                      </p:tavLst>
+                                    </p:anim>
+                                  </p:childTnLst>
+                                </p:cTn>
+                              </p:par>
+                              <p:par>
+                                <p:cTn id="15" presetID="2" presetClass="entr" presetSubtype="4" fill="hold" nodeType="withEffect">
+                                  <p:stCondLst>
+                                    <p:cond delay="0"/>
+                                  </p:stCondLst>
+                                  <p:childTnLst>
+                                    <p:set>
+                                      <p:cBhvr>
+                                        <p:cTn id="16" dur="1" fill="hold">
+                                          <p:stCondLst>
+                                            <p:cond delay="0"/>
+                                          </p:stCondLst>
+                                        </p:cTn>
+                                        <p:tgtEl>
+                                          <p:spTgt spid="294">
+                                            <p:txEl>
+                                              <p:pRg st="3" end="3"/>
+                                            </p:txEl>
+                                          </p:spTgt>
+                                        </p:tgtEl>
+                                        <p:attrNameLst>
+                                          <p:attrName>style.visibility</p:attrName>
+                                        </p:attrNameLst>
+                                      </p:cBhvr>
+                                      <p:to>
+                                        <p:strVal val="visible"/>
+                                      </p:to>
+                                    </p:set>
+                                    <p:anim calcmode="lin" valueType="num">
+                                      <p:cBhvr additive="base">
+                                        <p:cTn id="17" dur="500" fill="hold"/>
+                                        <p:tgtEl>
+                                          <p:spTgt spid="294">
+                                            <p:txEl>
+                                              <p:pRg st="3" end="3"/>
+                                            </p:txEl>
+                                          </p:spTgt>
+                                        </p:tgtEl>
+                                        <p:attrNameLst>
+                                          <p:attrName>ppt_x</p:attrName>
+                                        </p:attrNameLst>
+                                      </p:cBhvr>
+                                      <p:tavLst>
+                                        <p:tav tm="0">
+                                          <p:val>
+                                            <p:strVal val="#ppt_x"/>
+                                          </p:val>
+                                        </p:tav>
+                                        <p:tav tm="100000">
+                                          <p:val>
+                                            <p:strVal val="#ppt_x"/>
+                                          </p:val>
+                                        </p:tav>
+                                      </p:tavLst>
+                                    </p:anim>
+                                    <p:anim calcmode="lin" valueType="num">
+                                      <p:cBhvr additive="base">
+                                        <p:cTn id="18" dur="500" fill="hold"/>
+                                        <p:tgtEl>
+                                          <p:spTgt spid="294">
+                                            <p:txEl>
+                                              <p:pRg st="3" end="3"/>
+                                            </p:txEl>
+                                          </p:spTgt>
+                                        </p:tgtEl>
+                                        <p:attrNameLst>
+                                          <p:attrName>ppt_y</p:attrName>
+                                        </p:attrNameLst>
+                                      </p:cBhvr>
+                                      <p:tavLst>
+                                        <p:tav tm="0">
+                                          <p:val>
+                                            <p:strVal val="1+#ppt_h/2"/>
+                                          </p:val>
+                                        </p:tav>
+                                        <p:tav tm="100000">
+                                          <p:val>
+                                            <p:strVal val="#ppt_y"/>
+                                          </p:val>
+                                        </p:tav>
+                                      </p:tavLst>
+                                    </p:anim>
+                                  </p:childTnLst>
+                                </p:cTn>
+                              </p:par>
+                            </p:childTnLst>
+                          </p:cTn>
+                        </p:par>
+                      </p:childTnLst>
+                    </p:cTn>
+                  </p:par>
+                </p:childTnLst>
+              </p:cTn>
+              <p:prevCondLst>
+                <p:cond evt="onPrev" delay="0">
+                  <p:tgtEl>
+                    <p:sldTgt/>
+                  </p:tgtEl>
+                </p:cond>
+              </p:prevCondLst>
+              <p:nextCondLst>
+                <p:cond evt="onNext" delay="0">
+                  <p:tgtEl>
+                    <p:sldTgt/>
+                  </p:tgtEl>
+                </p:cond>
+              </p:nextCondLst>
+            </p:seq>
+          </p:childTnLst>
+        </p:cTn>
+      </p:par>
+    </p:tnLst>
+  </p:timing>
 </p:sld>
 </file>
 
 <file path=ppt/slides/slide39.xml><?xml version="1.0" encoding="utf-8"?>
-<p:sld xmlns:a="http://schemas.openxmlformats.org/drawingml/2006/main" xmlns:r="http://schemas.openxmlformats.org/officeDocument/2006/relationships" xmlns:p="http://schemas.openxmlformats.org/presentationml/2006/main" xmlns:m="http://schemas.openxmlformats.org/officeDocument/2006/math" xmlns:a14="http://schemas.microsoft.com/office/drawing/2010/main" showMasterSp="1" showMasterPhAnim="1">
+<p:sld xmlns:a="http://schemas.openxmlformats.org/drawingml/2006/main" xmlns:r="http://schemas.openxmlformats.org/officeDocument/2006/relationships" xmlns:p="http://schemas.openxmlformats.org/presentationml/2006/main">
   <p:cSld>
     <p:spTree>
       <p:nvGrpSpPr>
@@ -25525,7 +27409,9 @@
       <p:sp>
         <p:nvSpPr>
           <p:cNvPr id="297" name="Title 1"/>
-          <p:cNvSpPr txBox="1"/>
+          <p:cNvSpPr txBox="1">
+            <a:spLocks noGrp="1"/>
+          </p:cNvSpPr>
           <p:nvPr>
             <p:ph type="title"/>
           </p:nvPr>
@@ -25543,7 +27429,6 @@
           <a:bodyPr/>
           <a:lstStyle/>
           <a:p>
-            <a:pPr/>
             <a:r>
               <a:t>参考资料</a:t>
             </a:r>
@@ -25553,7 +27438,9 @@
       <p:sp>
         <p:nvSpPr>
           <p:cNvPr id="298" name="Content Placeholder 2"/>
-          <p:cNvSpPr txBox="1"/>
+          <p:cNvSpPr txBox="1">
+            <a:spLocks noGrp="1"/>
+          </p:cNvSpPr>
           <p:nvPr>
             <p:ph type="body" idx="1"/>
           </p:nvPr>
@@ -25571,34 +27458,36 @@
           <a:bodyPr/>
           <a:lstStyle/>
           <a:p>
-            <a:pPr/>
             <a:r>
-              <a:t>[1]About Face3（《交互设计精髓3》）  Alan Cooper / </a:t>
+              <a:rPr dirty="0"/>
+              <a:t>[1]About Face3（《交互设计精髓3》）  Alan Cooper / Robert Reimann  David Cronin</a:t>
             </a:r>
             <a:r>
-              <a:rPr>
-                <a:hlinkClick r:id="rId2" invalidUrl="" action="" tgtFrame="" tooltip="" history="1" highlightClick="0" endSnd="0"/>
-              </a:rPr>
-              <a:t>Robert Reimann</a:t>
-            </a:r>
-            <a:r>
-              <a:t>  </a:t>
-            </a:r>
-            <a:r>
-              <a:rPr>
-                <a:hlinkClick r:id="rId3" invalidUrl="" action="" tgtFrame="" tooltip="" history="1" highlightClick="0" endSnd="0"/>
-              </a:rPr>
-              <a:t>David Cronin</a:t>
-            </a:r>
-            <a:r>
-              <a:rPr>
+              <a:rPr dirty="0">
                 <a:solidFill>
                   <a:srgbClr val="111111"/>
                 </a:solidFill>
               </a:rPr>
-              <a:t> 电子工业出版社   </a:t>
+              <a:t> </a:t>
             </a:r>
             <a:r>
+              <a:rPr dirty="0" err="1">
+                <a:solidFill>
+                  <a:srgbClr val="111111"/>
+                </a:solidFill>
+              </a:rPr>
+              <a:t>电子工业出版社</a:t>
+            </a:r>
+            <a:r>
+              <a:rPr dirty="0">
+                <a:solidFill>
+                  <a:srgbClr val="111111"/>
+                </a:solidFill>
+              </a:rPr>
+              <a:t>   </a:t>
+            </a:r>
+            <a:r>
+              <a:rPr dirty="0"/>
               <a:t>ISBN: 9787121070174</a:t>
             </a:r>
           </a:p>
@@ -25607,7 +27496,9 @@
       <p:sp>
         <p:nvSpPr>
           <p:cNvPr id="299" name="Slide Number"/>
-          <p:cNvSpPr txBox="1"/>
+          <p:cNvSpPr txBox="1">
+            <a:spLocks noGrp="1"/>
+          </p:cNvSpPr>
           <p:nvPr>
             <p:ph type="sldNum" sz="quarter" idx="4294967295"/>
           </p:nvPr>
@@ -25618,7 +27509,7 @@
           </a:prstGeom>
           <a:extLst>
             <a:ext uri="{C572A759-6A51-4108-AA02-DFA0A04FC94B}">
-              <ma14:wrappingTextBoxFlag xmlns:ma14="http://schemas.microsoft.com/office/mac/drawingml/2011/main" val="1"/>
+              <ma14:wrappingTextBoxFlag xmlns:ma14="http://schemas.microsoft.com/office/mac/drawingml/2011/main" xmlns:a14="http://schemas.microsoft.com/office/drawing/2010/main" xmlns:m="http://schemas.openxmlformats.org/officeDocument/2006/math" xmlns="" val="1"/>
             </a:ext>
           </a:extLst>
         </p:spPr>
@@ -25626,8 +27517,10 @@
           <a:bodyPr/>
           <a:lstStyle/>
           <a:p>
-            <a:pPr/>
-            <a:fld id="{86CB4B4D-7CA3-9044-876B-883B54F8677D}" type="slidenum"/>
+            <a:fld id="{86CB4B4D-7CA3-9044-876B-883B54F8677D}" type="slidenum">
+              <a:t>39</a:t>
+            </a:fld>
+            <a:endParaRPr/>
           </a:p>
         </p:txBody>
       </p:sp>
@@ -25636,12 +27529,23 @@
   <p:clrMapOvr>
     <a:masterClrMapping/>
   </p:clrMapOvr>
-  <p:transition xmlns:p14="http://schemas.microsoft.com/office/powerpoint/2010/main" spd="med" advClick="1"/>
+  <mc:AlternateContent xmlns:mc="http://schemas.openxmlformats.org/markup-compatibility/2006">
+    <mc:Choice xmlns:p15="http://schemas.microsoft.com/office/powerpoint/2012/main" Requires="p15">
+      <p:transition xmlns:p14="http://schemas.microsoft.com/office/powerpoint/2010/main" spd="slow" p14:dur="1250">
+        <p15:prstTrans prst="peelOff"/>
+      </p:transition>
+    </mc:Choice>
+    <mc:Fallback>
+      <p:transition spd="slow">
+        <p:fade/>
+      </p:transition>
+    </mc:Fallback>
+  </mc:AlternateContent>
 </p:sld>
 </file>
 
 <file path=ppt/slides/slide4.xml><?xml version="1.0" encoding="utf-8"?>
-<p:sld xmlns:a="http://schemas.openxmlformats.org/drawingml/2006/main" xmlns:r="http://schemas.openxmlformats.org/officeDocument/2006/relationships" xmlns:p="http://schemas.openxmlformats.org/presentationml/2006/main" xmlns:m="http://schemas.openxmlformats.org/officeDocument/2006/math" xmlns:a14="http://schemas.microsoft.com/office/drawing/2010/main" showMasterSp="1" showMasterPhAnim="1">
+<p:sld xmlns:a="http://schemas.openxmlformats.org/drawingml/2006/main" xmlns:r="http://schemas.openxmlformats.org/officeDocument/2006/relationships" xmlns:p="http://schemas.openxmlformats.org/presentationml/2006/main">
   <p:cSld>
     <p:spTree>
       <p:nvGrpSpPr>
@@ -25660,7 +27564,9 @@
       <p:sp>
         <p:nvSpPr>
           <p:cNvPr id="138" name="Title 1"/>
-          <p:cNvSpPr txBox="1"/>
+          <p:cNvSpPr txBox="1">
+            <a:spLocks noGrp="1"/>
+          </p:cNvSpPr>
           <p:nvPr>
             <p:ph type="title"/>
           </p:nvPr>
@@ -25678,7 +27584,6 @@
           <a:bodyPr/>
           <a:lstStyle/>
           <a:p>
-            <a:pPr/>
             <a:r>
               <a:t>目标导向设计</a:t>
             </a:r>
@@ -25688,7 +27593,9 @@
       <p:sp>
         <p:nvSpPr>
           <p:cNvPr id="139" name="Content Placeholder 2"/>
-          <p:cNvSpPr txBox="1"/>
+          <p:cNvSpPr txBox="1">
+            <a:spLocks noGrp="1"/>
+          </p:cNvSpPr>
           <p:nvPr>
             <p:ph type="body" sz="quarter" idx="1"/>
           </p:nvPr>
@@ -25706,7 +27613,6 @@
           <a:bodyPr/>
           <a:lstStyle/>
           <a:p>
-            <a:pPr/>
             <a:r>
               <a:t>为了确保产品真正满足用户的需要，设计过程应当先于编码和测试工作。</a:t>
             </a:r>
@@ -25738,7 +27644,7 @@
             </a:solidFill>
           </a:ln>
           <a:effectLst>
-            <a:outerShdw sx="100000" sy="100000" kx="0" ky="0" algn="b" rotWithShape="0" blurRad="50800" dist="12700" dir="5400000">
+            <a:outerShdw blurRad="50800" dist="12700" dir="5400000" rotWithShape="0">
               <a:srgbClr val="000000">
                 <a:alpha val="50000"/>
               </a:srgbClr>
@@ -25746,7 +27652,7 @@
           </a:effectLst>
           <a:extLst>
             <a:ext uri="{C572A759-6A51-4108-AA02-DFA0A04FC94B}">
-              <ma14:wrappingTextBoxFlag xmlns:ma14="http://schemas.microsoft.com/office/mac/drawingml/2011/main" val="1"/>
+              <ma14:wrappingTextBoxFlag xmlns:ma14="http://schemas.microsoft.com/office/mac/drawingml/2011/main" xmlns:a14="http://schemas.microsoft.com/office/drawing/2010/main" xmlns:m="http://schemas.openxmlformats.org/officeDocument/2006/math" xmlns="" val="1"/>
             </a:ext>
           </a:extLst>
         </p:spPr>
@@ -25758,7 +27664,6 @@
             </a:lvl1pPr>
           </a:lstStyle>
           <a:p>
-            <a:pPr/>
             <a:r>
               <a:t>管理者</a:t>
             </a:r>
@@ -25790,7 +27695,7 @@
             </a:solidFill>
           </a:ln>
           <a:effectLst>
-            <a:outerShdw sx="100000" sy="100000" kx="0" ky="0" algn="b" rotWithShape="0" blurRad="50800" dist="12700" dir="5400000">
+            <a:outerShdw blurRad="50800" dist="12700" dir="5400000" rotWithShape="0">
               <a:srgbClr val="000000">
                 <a:alpha val="50000"/>
               </a:srgbClr>
@@ -25798,7 +27703,7 @@
           </a:effectLst>
           <a:extLst>
             <a:ext uri="{C572A759-6A51-4108-AA02-DFA0A04FC94B}">
-              <ma14:wrappingTextBoxFlag xmlns:ma14="http://schemas.microsoft.com/office/mac/drawingml/2011/main" val="1"/>
+              <ma14:wrappingTextBoxFlag xmlns:ma14="http://schemas.microsoft.com/office/mac/drawingml/2011/main" xmlns:a14="http://schemas.microsoft.com/office/drawing/2010/main" xmlns:m="http://schemas.openxmlformats.org/officeDocument/2006/math" xmlns="" val="1"/>
             </a:ext>
           </a:extLst>
         </p:spPr>
@@ -25810,7 +27715,6 @@
             </a:lvl1pPr>
           </a:lstStyle>
           <a:p>
-            <a:pPr/>
             <a:r>
               <a:t>设计人员</a:t>
             </a:r>
@@ -25842,7 +27746,7 @@
             </a:solidFill>
           </a:ln>
           <a:effectLst>
-            <a:outerShdw sx="100000" sy="100000" kx="0" ky="0" algn="b" rotWithShape="0" blurRad="50800" dist="12700" dir="5400000">
+            <a:outerShdw blurRad="50800" dist="12700" dir="5400000" rotWithShape="0">
               <a:srgbClr val="000000">
                 <a:alpha val="50000"/>
               </a:srgbClr>
@@ -25850,7 +27754,7 @@
           </a:effectLst>
           <a:extLst>
             <a:ext uri="{C572A759-6A51-4108-AA02-DFA0A04FC94B}">
-              <ma14:wrappingTextBoxFlag xmlns:ma14="http://schemas.microsoft.com/office/mac/drawingml/2011/main" val="1"/>
+              <ma14:wrappingTextBoxFlag xmlns:ma14="http://schemas.microsoft.com/office/mac/drawingml/2011/main" xmlns:a14="http://schemas.microsoft.com/office/drawing/2010/main" xmlns:m="http://schemas.openxmlformats.org/officeDocument/2006/math" xmlns="" val="1"/>
             </a:ext>
           </a:extLst>
         </p:spPr>
@@ -25862,7 +27766,6 @@
             </a:lvl1pPr>
           </a:lstStyle>
           <a:p>
-            <a:pPr/>
             <a:r>
               <a:t>程序员</a:t>
             </a:r>
@@ -25894,7 +27797,7 @@
             </a:solidFill>
           </a:ln>
           <a:effectLst>
-            <a:outerShdw sx="100000" sy="100000" kx="0" ky="0" algn="b" rotWithShape="0" blurRad="50800" dist="12700" dir="5400000">
+            <a:outerShdw blurRad="50800" dist="12700" dir="5400000" rotWithShape="0">
               <a:srgbClr val="000000">
                 <a:alpha val="50000"/>
               </a:srgbClr>
@@ -25902,7 +27805,7 @@
           </a:effectLst>
           <a:extLst>
             <a:ext uri="{C572A759-6A51-4108-AA02-DFA0A04FC94B}">
-              <ma14:wrappingTextBoxFlag xmlns:ma14="http://schemas.microsoft.com/office/mac/drawingml/2011/main" val="1"/>
+              <ma14:wrappingTextBoxFlag xmlns:ma14="http://schemas.microsoft.com/office/mac/drawingml/2011/main" xmlns:a14="http://schemas.microsoft.com/office/drawing/2010/main" xmlns:m="http://schemas.openxmlformats.org/officeDocument/2006/math" xmlns="" val="1"/>
             </a:ext>
           </a:extLst>
         </p:spPr>
@@ -25914,7 +27817,6 @@
             </a:lvl1pPr>
           </a:lstStyle>
           <a:p>
-            <a:pPr/>
             <a:r>
               <a:t>质量保证部</a:t>
             </a:r>
@@ -25946,7 +27848,7 @@
             </a:solidFill>
           </a:ln>
           <a:effectLst>
-            <a:outerShdw sx="100000" sy="100000" kx="0" ky="0" algn="b" rotWithShape="0" blurRad="50800" dist="12700" dir="5400000">
+            <a:outerShdw blurRad="50800" dist="12700" dir="5400000" rotWithShape="0">
               <a:srgbClr val="000000">
                 <a:alpha val="50000"/>
               </a:srgbClr>
@@ -25954,7 +27856,7 @@
           </a:effectLst>
           <a:extLst>
             <a:ext uri="{C572A759-6A51-4108-AA02-DFA0A04FC94B}">
-              <ma14:wrappingTextBoxFlag xmlns:ma14="http://schemas.microsoft.com/office/mac/drawingml/2011/main" val="1"/>
+              <ma14:wrappingTextBoxFlag xmlns:ma14="http://schemas.microsoft.com/office/mac/drawingml/2011/main" xmlns:a14="http://schemas.microsoft.com/office/drawing/2010/main" xmlns:m="http://schemas.openxmlformats.org/officeDocument/2006/math" xmlns="" val="1"/>
             </a:ext>
           </a:extLst>
         </p:spPr>
@@ -25966,7 +27868,6 @@
             </a:lvl1pPr>
           </a:lstStyle>
           <a:p>
-            <a:pPr/>
             <a:r>
               <a:t>发布</a:t>
             </a:r>
@@ -25992,7 +27893,7 @@
           </a:ln>
           <a:extLst>
             <a:ext uri="{C572A759-6A51-4108-AA02-DFA0A04FC94B}">
-              <ma14:wrappingTextBoxFlag xmlns:ma14="http://schemas.microsoft.com/office/mac/drawingml/2011/main" val="1"/>
+              <ma14:wrappingTextBoxFlag xmlns:ma14="http://schemas.microsoft.com/office/mac/drawingml/2011/main" xmlns:a14="http://schemas.microsoft.com/office/drawing/2010/main" xmlns:m="http://schemas.openxmlformats.org/officeDocument/2006/math" xmlns="" val="1"/>
             </a:ext>
           </a:extLst>
         </p:spPr>
@@ -26006,7 +27907,6 @@
             </a:lvl1pPr>
           </a:lstStyle>
           <a:p>
-            <a:pPr/>
             <a:r>
               <a:t>立项</a:t>
             </a:r>
@@ -26032,7 +27932,7 @@
           </a:ln>
           <a:extLst>
             <a:ext uri="{C572A759-6A51-4108-AA02-DFA0A04FC94B}">
-              <ma14:wrappingTextBoxFlag xmlns:ma14="http://schemas.microsoft.com/office/mac/drawingml/2011/main" val="1"/>
+              <ma14:wrappingTextBoxFlag xmlns:ma14="http://schemas.microsoft.com/office/mac/drawingml/2011/main" xmlns:a14="http://schemas.microsoft.com/office/drawing/2010/main" xmlns:m="http://schemas.openxmlformats.org/officeDocument/2006/math" xmlns="" val="1"/>
             </a:ext>
           </a:extLst>
         </p:spPr>
@@ -26046,7 +27946,6 @@
             </a:lvl1pPr>
           </a:lstStyle>
           <a:p>
-            <a:pPr/>
             <a:r>
               <a:t>设计</a:t>
             </a:r>
@@ -26072,7 +27971,7 @@
           </a:ln>
           <a:extLst>
             <a:ext uri="{C572A759-6A51-4108-AA02-DFA0A04FC94B}">
-              <ma14:wrappingTextBoxFlag xmlns:ma14="http://schemas.microsoft.com/office/mac/drawingml/2011/main" val="1"/>
+              <ma14:wrappingTextBoxFlag xmlns:ma14="http://schemas.microsoft.com/office/mac/drawingml/2011/main" xmlns:a14="http://schemas.microsoft.com/office/drawing/2010/main" xmlns:m="http://schemas.openxmlformats.org/officeDocument/2006/math" xmlns="" val="1"/>
             </a:ext>
           </a:extLst>
         </p:spPr>
@@ -26086,7 +27985,6 @@
             </a:lvl1pPr>
           </a:lstStyle>
           <a:p>
-            <a:pPr/>
             <a:r>
               <a:t>编程</a:t>
             </a:r>
@@ -26112,7 +28010,7 @@
           </a:ln>
           <a:extLst>
             <a:ext uri="{C572A759-6A51-4108-AA02-DFA0A04FC94B}">
-              <ma14:wrappingTextBoxFlag xmlns:ma14="http://schemas.microsoft.com/office/mac/drawingml/2011/main" val="1"/>
+              <ma14:wrappingTextBoxFlag xmlns:ma14="http://schemas.microsoft.com/office/mac/drawingml/2011/main" xmlns:a14="http://schemas.microsoft.com/office/drawing/2010/main" xmlns:m="http://schemas.openxmlformats.org/officeDocument/2006/math" xmlns="" val="1"/>
             </a:ext>
           </a:extLst>
         </p:spPr>
@@ -26126,7 +28024,6 @@
             </a:lvl1pPr>
           </a:lstStyle>
           <a:p>
-            <a:pPr/>
             <a:r>
               <a:t>测试</a:t>
             </a:r>
@@ -26158,7 +28055,7 @@
           <a:bodyPr lIns="45719" rIns="45719"/>
           <a:lstStyle/>
           <a:p>
-            <a:pPr/>
+            <a:endParaRPr/>
           </a:p>
         </p:txBody>
       </p:sp>
@@ -26187,7 +28084,7 @@
           <a:bodyPr lIns="45719" rIns="45719"/>
           <a:lstStyle/>
           <a:p>
-            <a:pPr/>
+            <a:endParaRPr/>
           </a:p>
         </p:txBody>
       </p:sp>
@@ -26216,7 +28113,7 @@
           <a:bodyPr lIns="45719" rIns="45719"/>
           <a:lstStyle/>
           <a:p>
-            <a:pPr/>
+            <a:endParaRPr/>
           </a:p>
         </p:txBody>
       </p:sp>
@@ -26245,14 +28142,16 @@
           <a:bodyPr lIns="45719" rIns="45719"/>
           <a:lstStyle/>
           <a:p>
-            <a:pPr/>
+            <a:endParaRPr/>
           </a:p>
         </p:txBody>
       </p:sp>
       <p:sp>
         <p:nvSpPr>
           <p:cNvPr id="153" name="Slide Number"/>
-          <p:cNvSpPr txBox="1"/>
+          <p:cNvSpPr txBox="1">
+            <a:spLocks noGrp="1"/>
+          </p:cNvSpPr>
           <p:nvPr>
             <p:ph type="sldNum" sz="quarter" idx="4294967295"/>
           </p:nvPr>
@@ -26267,7 +28166,7 @@
           </a:prstGeom>
           <a:extLst>
             <a:ext uri="{C572A759-6A51-4108-AA02-DFA0A04FC94B}">
-              <ma14:wrappingTextBoxFlag xmlns:ma14="http://schemas.microsoft.com/office/mac/drawingml/2011/main" val="1"/>
+              <ma14:wrappingTextBoxFlag xmlns:ma14="http://schemas.microsoft.com/office/mac/drawingml/2011/main" xmlns:a14="http://schemas.microsoft.com/office/drawing/2010/main" xmlns:m="http://schemas.openxmlformats.org/officeDocument/2006/math" xmlns="" val="1"/>
             </a:ext>
           </a:extLst>
         </p:spPr>
@@ -26275,8 +28174,10 @@
           <a:bodyPr/>
           <a:lstStyle/>
           <a:p>
-            <a:pPr/>
-            <a:fld id="{86CB4B4D-7CA3-9044-876B-883B54F8677D}" type="slidenum"/>
+            <a:fld id="{86CB4B4D-7CA3-9044-876B-883B54F8677D}" type="slidenum">
+              <a:t>4</a:t>
+            </a:fld>
+            <a:endParaRPr/>
           </a:p>
         </p:txBody>
       </p:sp>
@@ -26285,12 +28186,23 @@
   <p:clrMapOvr>
     <a:masterClrMapping/>
   </p:clrMapOvr>
-  <p:transition xmlns:p14="http://schemas.microsoft.com/office/powerpoint/2010/main" spd="med" advClick="1"/>
+  <mc:AlternateContent xmlns:mc="http://schemas.openxmlformats.org/markup-compatibility/2006">
+    <mc:Choice xmlns:p15="http://schemas.microsoft.com/office/powerpoint/2012/main" Requires="p15">
+      <p:transition xmlns:p14="http://schemas.microsoft.com/office/powerpoint/2010/main" spd="slow" p14:dur="1250">
+        <p15:prstTrans prst="peelOff"/>
+      </p:transition>
+    </mc:Choice>
+    <mc:Fallback>
+      <p:transition spd="slow">
+        <p:fade/>
+      </p:transition>
+    </mc:Fallback>
+  </mc:AlternateContent>
 </p:sld>
 </file>
 
 <file path=ppt/slides/slide40.xml><?xml version="1.0" encoding="utf-8"?>
-<p:sld xmlns:a="http://schemas.openxmlformats.org/drawingml/2006/main" xmlns:r="http://schemas.openxmlformats.org/officeDocument/2006/relationships" xmlns:p="http://schemas.openxmlformats.org/presentationml/2006/main" xmlns:m="http://schemas.openxmlformats.org/officeDocument/2006/math" xmlns:a14="http://schemas.microsoft.com/office/drawing/2010/main" showMasterSp="1" showMasterPhAnim="1">
+<p:sld xmlns:a="http://schemas.openxmlformats.org/drawingml/2006/main" xmlns:r="http://schemas.openxmlformats.org/officeDocument/2006/relationships" xmlns:p="http://schemas.openxmlformats.org/presentationml/2006/main">
   <p:cSld>
     <p:spTree>
       <p:nvGrpSpPr>
@@ -26309,7 +28221,9 @@
       <p:sp>
         <p:nvSpPr>
           <p:cNvPr id="301" name="小组成员绩效"/>
-          <p:cNvSpPr txBox="1"/>
+          <p:cNvSpPr txBox="1">
+            <a:spLocks noGrp="1"/>
+          </p:cNvSpPr>
           <p:nvPr>
             <p:ph type="title"/>
           </p:nvPr>
@@ -26323,7 +28237,6 @@
           <a:bodyPr/>
           <a:lstStyle/>
           <a:p>
-            <a:pPr/>
             <a:r>
               <a:t>小组成员绩效</a:t>
             </a:r>
@@ -26333,7 +28246,9 @@
       <p:sp>
         <p:nvSpPr>
           <p:cNvPr id="302" name="张光程  92 （PPT验收，检查）…"/>
-          <p:cNvSpPr txBox="1"/>
+          <p:cNvSpPr txBox="1">
+            <a:spLocks noGrp="1"/>
+          </p:cNvSpPr>
           <p:nvPr>
             <p:ph type="body" idx="1"/>
           </p:nvPr>
@@ -26347,31 +28262,26 @@
           <a:bodyPr/>
           <a:lstStyle/>
           <a:p>
-            <a:pPr/>
             <a:r>
               <a:t>张光程  92 （PPT验收，检查）</a:t>
             </a:r>
           </a:p>
           <a:p>
-            <a:pPr/>
             <a:r>
               <a:t>杨智麟  91 （提供PPT制作思路）</a:t>
             </a:r>
           </a:p>
           <a:p>
-            <a:pPr/>
             <a:r>
               <a:t>刘雨霏  89 （PPT审核）</a:t>
             </a:r>
           </a:p>
           <a:p>
-            <a:pPr/>
             <a:r>
               <a:t>刘晓倩  90（PPT审核，提出修改意见）</a:t>
             </a:r>
           </a:p>
           <a:p>
-            <a:pPr/>
             <a:r>
               <a:t>胡方正  94（主要PPT制作）</a:t>
             </a:r>
@@ -26381,7 +28291,9 @@
       <p:sp>
         <p:nvSpPr>
           <p:cNvPr id="303" name="Slide Number"/>
-          <p:cNvSpPr txBox="1"/>
+          <p:cNvSpPr txBox="1">
+            <a:spLocks noGrp="1"/>
+          </p:cNvSpPr>
           <p:nvPr>
             <p:ph type="sldNum" sz="quarter" idx="4294967295"/>
           </p:nvPr>
@@ -26392,7 +28304,7 @@
           </a:prstGeom>
           <a:extLst>
             <a:ext uri="{C572A759-6A51-4108-AA02-DFA0A04FC94B}">
-              <ma14:wrappingTextBoxFlag xmlns:ma14="http://schemas.microsoft.com/office/mac/drawingml/2011/main" val="1"/>
+              <ma14:wrappingTextBoxFlag xmlns:ma14="http://schemas.microsoft.com/office/mac/drawingml/2011/main" xmlns:a14="http://schemas.microsoft.com/office/drawing/2010/main" xmlns:m="http://schemas.openxmlformats.org/officeDocument/2006/math" xmlns="" val="1"/>
             </a:ext>
           </a:extLst>
         </p:spPr>
@@ -26400,8 +28312,10 @@
           <a:bodyPr/>
           <a:lstStyle/>
           <a:p>
-            <a:pPr/>
-            <a:fld id="{86CB4B4D-7CA3-9044-876B-883B54F8677D}" type="slidenum"/>
+            <a:fld id="{86CB4B4D-7CA3-9044-876B-883B54F8677D}" type="slidenum">
+              <a:t>40</a:t>
+            </a:fld>
+            <a:endParaRPr/>
           </a:p>
         </p:txBody>
       </p:sp>
@@ -26410,12 +28324,23 @@
   <p:clrMapOvr>
     <a:masterClrMapping/>
   </p:clrMapOvr>
-  <p:transition xmlns:p14="http://schemas.microsoft.com/office/powerpoint/2010/main" spd="med" advClick="1"/>
+  <mc:AlternateContent xmlns:mc="http://schemas.openxmlformats.org/markup-compatibility/2006">
+    <mc:Choice xmlns:p15="http://schemas.microsoft.com/office/powerpoint/2012/main" Requires="p15">
+      <p:transition xmlns:p14="http://schemas.microsoft.com/office/powerpoint/2010/main" spd="slow" p14:dur="1250">
+        <p15:prstTrans prst="peelOff"/>
+      </p:transition>
+    </mc:Choice>
+    <mc:Fallback>
+      <p:transition spd="slow">
+        <p:fade/>
+      </p:transition>
+    </mc:Fallback>
+  </mc:AlternateContent>
 </p:sld>
 </file>
 
 <file path=ppt/slides/slide5.xml><?xml version="1.0" encoding="utf-8"?>
-<p:sld xmlns:a="http://schemas.openxmlformats.org/drawingml/2006/main" xmlns:r="http://schemas.openxmlformats.org/officeDocument/2006/relationships" xmlns:p="http://schemas.openxmlformats.org/presentationml/2006/main" xmlns:m="http://schemas.openxmlformats.org/officeDocument/2006/math" xmlns:a14="http://schemas.microsoft.com/office/drawing/2010/main" showMasterSp="1" showMasterPhAnim="1">
+<p:sld xmlns:a="http://schemas.openxmlformats.org/drawingml/2006/main" xmlns:r="http://schemas.openxmlformats.org/officeDocument/2006/relationships" xmlns:p="http://schemas.openxmlformats.org/presentationml/2006/main">
   <p:cSld>
     <p:spTree>
       <p:nvGrpSpPr>
@@ -26434,7 +28359,9 @@
       <p:sp>
         <p:nvSpPr>
           <p:cNvPr id="155" name="Title 1"/>
-          <p:cNvSpPr txBox="1"/>
+          <p:cNvSpPr txBox="1">
+            <a:spLocks noGrp="1"/>
+          </p:cNvSpPr>
           <p:nvPr>
             <p:ph type="title"/>
           </p:nvPr>
@@ -26452,7 +28379,6 @@
           <a:bodyPr/>
           <a:lstStyle/>
           <a:p>
-            <a:pPr/>
             <a:r>
               <a:t>目标导向设计</a:t>
             </a:r>
@@ -26462,7 +28388,9 @@
       <p:sp>
         <p:nvSpPr>
           <p:cNvPr id="156" name="Content Placeholder 2"/>
-          <p:cNvSpPr txBox="1"/>
+          <p:cNvSpPr txBox="1">
+            <a:spLocks noGrp="1"/>
+          </p:cNvSpPr>
           <p:nvPr>
             <p:ph type="body" idx="1"/>
           </p:nvPr>
@@ -26480,28 +28408,24 @@
           <a:bodyPr/>
           <a:lstStyle/>
           <a:p>
-            <a:pPr/>
             <a:r>
               <a:t>为什么技术产品中通常无法设计出好的数字产品的交互部分</a:t>
             </a:r>
           </a:p>
           <a:p>
-            <a:pPr/>
-          </a:p>
-          <a:p>
-            <a:pPr/>
+            <a:endParaRPr/>
+          </a:p>
+          <a:p>
             <a:r>
               <a:t>1、不了解用户</a:t>
             </a:r>
           </a:p>
           <a:p>
-            <a:pPr/>
             <a:r>
               <a:t>2、满足用户需求与产品开发之间存在利益冲突</a:t>
             </a:r>
           </a:p>
           <a:p>
-            <a:pPr/>
             <a:r>
               <a:t>3、缺乏一个设计过程</a:t>
             </a:r>
@@ -26511,7 +28435,9 @@
       <p:sp>
         <p:nvSpPr>
           <p:cNvPr id="157" name="Slide Number"/>
-          <p:cNvSpPr txBox="1"/>
+          <p:cNvSpPr txBox="1">
+            <a:spLocks noGrp="1"/>
+          </p:cNvSpPr>
           <p:nvPr>
             <p:ph type="sldNum" sz="quarter" idx="4294967295"/>
           </p:nvPr>
@@ -26526,7 +28452,7 @@
           </a:prstGeom>
           <a:extLst>
             <a:ext uri="{C572A759-6A51-4108-AA02-DFA0A04FC94B}">
-              <ma14:wrappingTextBoxFlag xmlns:ma14="http://schemas.microsoft.com/office/mac/drawingml/2011/main" val="1"/>
+              <ma14:wrappingTextBoxFlag xmlns:ma14="http://schemas.microsoft.com/office/mac/drawingml/2011/main" xmlns:a14="http://schemas.microsoft.com/office/drawing/2010/main" xmlns:m="http://schemas.openxmlformats.org/officeDocument/2006/math" xmlns="" val="1"/>
             </a:ext>
           </a:extLst>
         </p:spPr>
@@ -26534,8 +28460,10 @@
           <a:bodyPr/>
           <a:lstStyle/>
           <a:p>
-            <a:pPr/>
-            <a:fld id="{86CB4B4D-7CA3-9044-876B-883B54F8677D}" type="slidenum"/>
+            <a:fld id="{86CB4B4D-7CA3-9044-876B-883B54F8677D}" type="slidenum">
+              <a:t>5</a:t>
+            </a:fld>
+            <a:endParaRPr/>
           </a:p>
         </p:txBody>
       </p:sp>
@@ -26544,12 +28472,23 @@
   <p:clrMapOvr>
     <a:masterClrMapping/>
   </p:clrMapOvr>
-  <p:transition xmlns:p14="http://schemas.microsoft.com/office/powerpoint/2010/main" spd="med" advClick="1"/>
+  <mc:AlternateContent xmlns:mc="http://schemas.openxmlformats.org/markup-compatibility/2006">
+    <mc:Choice xmlns:p15="http://schemas.microsoft.com/office/powerpoint/2012/main" Requires="p15">
+      <p:transition xmlns:p14="http://schemas.microsoft.com/office/powerpoint/2010/main" spd="slow" p14:dur="1250">
+        <p15:prstTrans prst="peelOff"/>
+      </p:transition>
+    </mc:Choice>
+    <mc:Fallback>
+      <p:transition spd="slow">
+        <p:fade/>
+      </p:transition>
+    </mc:Fallback>
+  </mc:AlternateContent>
 </p:sld>
 </file>
 
 <file path=ppt/slides/slide6.xml><?xml version="1.0" encoding="utf-8"?>
-<p:sld xmlns:a="http://schemas.openxmlformats.org/drawingml/2006/main" xmlns:r="http://schemas.openxmlformats.org/officeDocument/2006/relationships" xmlns:p="http://schemas.openxmlformats.org/presentationml/2006/main" xmlns:m="http://schemas.openxmlformats.org/officeDocument/2006/math" xmlns:a14="http://schemas.microsoft.com/office/drawing/2010/main" showMasterSp="1" showMasterPhAnim="1">
+<p:sld xmlns:a="http://schemas.openxmlformats.org/drawingml/2006/main" xmlns:r="http://schemas.openxmlformats.org/officeDocument/2006/relationships" xmlns:p="http://schemas.openxmlformats.org/presentationml/2006/main">
   <p:cSld>
     <p:spTree>
       <p:nvGrpSpPr>
@@ -26568,7 +28507,9 @@
       <p:sp>
         <p:nvSpPr>
           <p:cNvPr id="159" name="Title 1"/>
-          <p:cNvSpPr txBox="1"/>
+          <p:cNvSpPr txBox="1">
+            <a:spLocks noGrp="1"/>
+          </p:cNvSpPr>
           <p:nvPr>
             <p:ph type="title"/>
           </p:nvPr>
@@ -26586,7 +28527,6 @@
           <a:bodyPr/>
           <a:lstStyle/>
           <a:p>
-            <a:pPr/>
             <a:r>
               <a:t>目标导向设计</a:t>
             </a:r>
@@ -26625,7 +28565,9 @@
       <p:sp>
         <p:nvSpPr>
           <p:cNvPr id="161" name="Slide Number"/>
-          <p:cNvSpPr txBox="1"/>
+          <p:cNvSpPr txBox="1">
+            <a:spLocks noGrp="1"/>
+          </p:cNvSpPr>
           <p:nvPr>
             <p:ph type="sldNum" sz="quarter" idx="4294967295"/>
           </p:nvPr>
@@ -26640,7 +28582,7 @@
           </a:prstGeom>
           <a:extLst>
             <a:ext uri="{C572A759-6A51-4108-AA02-DFA0A04FC94B}">
-              <ma14:wrappingTextBoxFlag xmlns:ma14="http://schemas.microsoft.com/office/mac/drawingml/2011/main" val="1"/>
+              <ma14:wrappingTextBoxFlag xmlns:ma14="http://schemas.microsoft.com/office/mac/drawingml/2011/main" xmlns:a14="http://schemas.microsoft.com/office/drawing/2010/main" xmlns:m="http://schemas.openxmlformats.org/officeDocument/2006/math" xmlns="" val="1"/>
             </a:ext>
           </a:extLst>
         </p:spPr>
@@ -26648,8 +28590,10 @@
           <a:bodyPr/>
           <a:lstStyle/>
           <a:p>
-            <a:pPr/>
-            <a:fld id="{86CB4B4D-7CA3-9044-876B-883B54F8677D}" type="slidenum"/>
+            <a:fld id="{86CB4B4D-7CA3-9044-876B-883B54F8677D}" type="slidenum">
+              <a:t>6</a:t>
+            </a:fld>
+            <a:endParaRPr/>
           </a:p>
         </p:txBody>
       </p:sp>
@@ -26658,12 +28602,23 @@
   <p:clrMapOvr>
     <a:masterClrMapping/>
   </p:clrMapOvr>
-  <p:transition xmlns:p14="http://schemas.microsoft.com/office/powerpoint/2010/main" spd="med" advClick="1"/>
+  <mc:AlternateContent xmlns:mc="http://schemas.openxmlformats.org/markup-compatibility/2006">
+    <mc:Choice xmlns:p15="http://schemas.microsoft.com/office/powerpoint/2012/main" Requires="p15">
+      <p:transition xmlns:p14="http://schemas.microsoft.com/office/powerpoint/2010/main" spd="slow" p14:dur="1250">
+        <p15:prstTrans prst="peelOff"/>
+      </p:transition>
+    </mc:Choice>
+    <mc:Fallback>
+      <p:transition spd="slow">
+        <p:fade/>
+      </p:transition>
+    </mc:Fallback>
+  </mc:AlternateContent>
 </p:sld>
 </file>
 
 <file path=ppt/slides/slide7.xml><?xml version="1.0" encoding="utf-8"?>
-<p:sld xmlns:a="http://schemas.openxmlformats.org/drawingml/2006/main" xmlns:r="http://schemas.openxmlformats.org/officeDocument/2006/relationships" xmlns:p="http://schemas.openxmlformats.org/presentationml/2006/main" xmlns:m="http://schemas.openxmlformats.org/officeDocument/2006/math" xmlns:a14="http://schemas.microsoft.com/office/drawing/2010/main" showMasterSp="1" showMasterPhAnim="1">
+<p:sld xmlns:a="http://schemas.openxmlformats.org/drawingml/2006/main" xmlns:r="http://schemas.openxmlformats.org/officeDocument/2006/relationships" xmlns:p="http://schemas.openxmlformats.org/presentationml/2006/main">
   <p:cSld>
     <p:spTree>
       <p:nvGrpSpPr>
@@ -26682,7 +28637,9 @@
       <p:sp>
         <p:nvSpPr>
           <p:cNvPr id="163" name="Title 1"/>
-          <p:cNvSpPr txBox="1"/>
+          <p:cNvSpPr txBox="1">
+            <a:spLocks noGrp="1"/>
+          </p:cNvSpPr>
           <p:nvPr>
             <p:ph type="title"/>
           </p:nvPr>
@@ -26700,7 +28657,6 @@
           <a:bodyPr/>
           <a:lstStyle/>
           <a:p>
-            <a:pPr/>
             <a:r>
               <a:t>目标导向设计-设计过程概览</a:t>
             </a:r>
@@ -26755,7 +28711,7 @@
           </a:ln>
           <a:extLst>
             <a:ext uri="{C572A759-6A51-4108-AA02-DFA0A04FC94B}">
-              <ma14:wrappingTextBoxFlag xmlns:ma14="http://schemas.microsoft.com/office/mac/drawingml/2011/main" val="1"/>
+              <ma14:wrappingTextBoxFlag xmlns:ma14="http://schemas.microsoft.com/office/mac/drawingml/2011/main" xmlns:a14="http://schemas.microsoft.com/office/drawing/2010/main" xmlns:m="http://schemas.openxmlformats.org/officeDocument/2006/math" xmlns="" val="1"/>
             </a:ext>
           </a:extLst>
         </p:spPr>
@@ -26765,7 +28721,6 @@
           </a:bodyPr>
           <a:lstStyle/>
           <a:p>
-            <a:pPr/>
             <a:r>
               <a:t>接下来讲解以上各过程</a:t>
             </a:r>
@@ -26775,7 +28730,9 @@
       <p:sp>
         <p:nvSpPr>
           <p:cNvPr id="166" name="Slide Number"/>
-          <p:cNvSpPr txBox="1"/>
+          <p:cNvSpPr txBox="1">
+            <a:spLocks noGrp="1"/>
+          </p:cNvSpPr>
           <p:nvPr>
             <p:ph type="sldNum" sz="quarter" idx="4294967295"/>
           </p:nvPr>
@@ -26790,7 +28747,7 @@
           </a:prstGeom>
           <a:extLst>
             <a:ext uri="{C572A759-6A51-4108-AA02-DFA0A04FC94B}">
-              <ma14:wrappingTextBoxFlag xmlns:ma14="http://schemas.microsoft.com/office/mac/drawingml/2011/main" val="1"/>
+              <ma14:wrappingTextBoxFlag xmlns:ma14="http://schemas.microsoft.com/office/mac/drawingml/2011/main" xmlns:a14="http://schemas.microsoft.com/office/drawing/2010/main" xmlns:m="http://schemas.openxmlformats.org/officeDocument/2006/math" xmlns="" val="1"/>
             </a:ext>
           </a:extLst>
         </p:spPr>
@@ -26798,8 +28755,10 @@
           <a:bodyPr/>
           <a:lstStyle/>
           <a:p>
-            <a:pPr/>
-            <a:fld id="{86CB4B4D-7CA3-9044-876B-883B54F8677D}" type="slidenum"/>
+            <a:fld id="{86CB4B4D-7CA3-9044-876B-883B54F8677D}" type="slidenum">
+              <a:t>7</a:t>
+            </a:fld>
+            <a:endParaRPr/>
           </a:p>
         </p:txBody>
       </p:sp>
@@ -26808,12 +28767,23 @@
   <p:clrMapOvr>
     <a:masterClrMapping/>
   </p:clrMapOvr>
-  <p:transition xmlns:p14="http://schemas.microsoft.com/office/powerpoint/2010/main" spd="med" advClick="1"/>
+  <mc:AlternateContent xmlns:mc="http://schemas.openxmlformats.org/markup-compatibility/2006">
+    <mc:Choice xmlns:p15="http://schemas.microsoft.com/office/powerpoint/2012/main" Requires="p15">
+      <p:transition xmlns:p14="http://schemas.microsoft.com/office/powerpoint/2010/main" spd="slow" p14:dur="1250">
+        <p15:prstTrans prst="peelOff"/>
+      </p:transition>
+    </mc:Choice>
+    <mc:Fallback>
+      <p:transition spd="slow">
+        <p:fade/>
+      </p:transition>
+    </mc:Fallback>
+  </mc:AlternateContent>
 </p:sld>
 </file>
 
 <file path=ppt/slides/slide8.xml><?xml version="1.0" encoding="utf-8"?>
-<p:sld xmlns:a="http://schemas.openxmlformats.org/drawingml/2006/main" xmlns:r="http://schemas.openxmlformats.org/officeDocument/2006/relationships" xmlns:p="http://schemas.openxmlformats.org/presentationml/2006/main" xmlns:m="http://schemas.openxmlformats.org/officeDocument/2006/math" xmlns:a14="http://schemas.microsoft.com/office/drawing/2010/main" showMasterSp="1" showMasterPhAnim="1">
+<p:sld xmlns:a="http://schemas.openxmlformats.org/drawingml/2006/main" xmlns:r="http://schemas.openxmlformats.org/officeDocument/2006/relationships" xmlns:p="http://schemas.openxmlformats.org/presentationml/2006/main">
   <p:cSld>
     <p:spTree>
       <p:nvGrpSpPr>
@@ -26832,7 +28802,9 @@
       <p:sp>
         <p:nvSpPr>
           <p:cNvPr id="168" name="Title 1"/>
-          <p:cNvSpPr txBox="1"/>
+          <p:cNvSpPr txBox="1">
+            <a:spLocks noGrp="1"/>
+          </p:cNvSpPr>
           <p:nvPr>
             <p:ph type="title"/>
           </p:nvPr>
@@ -26850,7 +28822,6 @@
           <a:bodyPr/>
           <a:lstStyle/>
           <a:p>
-            <a:pPr/>
             <a:r>
               <a:t>目标导向设计-研究阶段</a:t>
             </a:r>
@@ -26860,7 +28831,9 @@
       <p:sp>
         <p:nvSpPr>
           <p:cNvPr id="169" name="Content Placeholder 2"/>
-          <p:cNvSpPr txBox="1"/>
+          <p:cNvSpPr txBox="1">
+            <a:spLocks noGrp="1"/>
+          </p:cNvSpPr>
           <p:nvPr>
             <p:ph type="body" idx="1"/>
           </p:nvPr>
@@ -26898,7 +28871,9 @@
       <p:sp>
         <p:nvSpPr>
           <p:cNvPr id="170" name="Slide Number"/>
-          <p:cNvSpPr txBox="1"/>
+          <p:cNvSpPr txBox="1">
+            <a:spLocks noGrp="1"/>
+          </p:cNvSpPr>
           <p:nvPr>
             <p:ph type="sldNum" sz="quarter" idx="4294967295"/>
           </p:nvPr>
@@ -26913,7 +28888,7 @@
           </a:prstGeom>
           <a:extLst>
             <a:ext uri="{C572A759-6A51-4108-AA02-DFA0A04FC94B}">
-              <ma14:wrappingTextBoxFlag xmlns:ma14="http://schemas.microsoft.com/office/mac/drawingml/2011/main" val="1"/>
+              <ma14:wrappingTextBoxFlag xmlns:ma14="http://schemas.microsoft.com/office/mac/drawingml/2011/main" xmlns:a14="http://schemas.microsoft.com/office/drawing/2010/main" xmlns:m="http://schemas.openxmlformats.org/officeDocument/2006/math" xmlns="" val="1"/>
             </a:ext>
           </a:extLst>
         </p:spPr>
@@ -26921,8 +28896,10 @@
           <a:bodyPr/>
           <a:lstStyle/>
           <a:p>
-            <a:pPr/>
-            <a:fld id="{86CB4B4D-7CA3-9044-876B-883B54F8677D}" type="slidenum"/>
+            <a:fld id="{86CB4B4D-7CA3-9044-876B-883B54F8677D}" type="slidenum">
+              <a:t>8</a:t>
+            </a:fld>
+            <a:endParaRPr/>
           </a:p>
         </p:txBody>
       </p:sp>
@@ -26931,12 +28908,23 @@
   <p:clrMapOvr>
     <a:masterClrMapping/>
   </p:clrMapOvr>
-  <p:transition xmlns:p14="http://schemas.microsoft.com/office/powerpoint/2010/main" spd="med" advClick="1"/>
+  <mc:AlternateContent xmlns:mc="http://schemas.openxmlformats.org/markup-compatibility/2006">
+    <mc:Choice xmlns:p15="http://schemas.microsoft.com/office/powerpoint/2012/main" Requires="p15">
+      <p:transition xmlns:p14="http://schemas.microsoft.com/office/powerpoint/2010/main" spd="slow" p14:dur="1250">
+        <p15:prstTrans prst="peelOff"/>
+      </p:transition>
+    </mc:Choice>
+    <mc:Fallback>
+      <p:transition spd="slow">
+        <p:fade/>
+      </p:transition>
+    </mc:Fallback>
+  </mc:AlternateContent>
 </p:sld>
 </file>
 
 <file path=ppt/slides/slide9.xml><?xml version="1.0" encoding="utf-8"?>
-<p:sld xmlns:a="http://schemas.openxmlformats.org/drawingml/2006/main" xmlns:r="http://schemas.openxmlformats.org/officeDocument/2006/relationships" xmlns:p="http://schemas.openxmlformats.org/presentationml/2006/main" xmlns:m="http://schemas.openxmlformats.org/officeDocument/2006/math" xmlns:a14="http://schemas.microsoft.com/office/drawing/2010/main" showMasterSp="1" showMasterPhAnim="1">
+<p:sld xmlns:a="http://schemas.openxmlformats.org/drawingml/2006/main" xmlns:r="http://schemas.openxmlformats.org/officeDocument/2006/relationships" xmlns:p="http://schemas.openxmlformats.org/presentationml/2006/main">
   <p:cSld>
     <p:spTree>
       <p:nvGrpSpPr>
@@ -26955,7 +28943,9 @@
       <p:sp>
         <p:nvSpPr>
           <p:cNvPr id="172" name="Title 1"/>
-          <p:cNvSpPr txBox="1"/>
+          <p:cNvSpPr txBox="1">
+            <a:spLocks noGrp="1"/>
+          </p:cNvSpPr>
           <p:nvPr>
             <p:ph type="title"/>
           </p:nvPr>
@@ -26973,7 +28963,6 @@
           <a:bodyPr/>
           <a:lstStyle/>
           <a:p>
-            <a:pPr/>
             <a:r>
               <a:t>目标导向设计-研究阶段</a:t>
             </a:r>
@@ -26983,7 +28972,9 @@
       <p:sp>
         <p:nvSpPr>
           <p:cNvPr id="173" name="Content Placeholder 2"/>
-          <p:cNvSpPr txBox="1"/>
+          <p:cNvSpPr txBox="1">
+            <a:spLocks noGrp="1"/>
+          </p:cNvSpPr>
           <p:nvPr>
             <p:ph type="body" idx="1"/>
           </p:nvPr>
@@ -27005,7 +28996,7 @@
               <a:spcBef>
                 <a:spcPts val="1000"/>
               </a:spcBef>
-              <a:defRPr b="1" sz="1914"/>
+              <a:defRPr sz="1914" b="1"/>
             </a:pPr>
             <a:r>
               <a:t>定性研究 </a:t>
@@ -27027,7 +29018,7 @@
               <a:spcBef>
                 <a:spcPts val="1000"/>
               </a:spcBef>
-              <a:defRPr b="1" sz="2088"/>
+              <a:defRPr sz="2088" b="1"/>
             </a:pPr>
             <a:r>
               <a:t>访谈利益相关人</a:t>
@@ -27038,7 +29029,7 @@
               <a:spcBef>
                 <a:spcPts val="1000"/>
               </a:spcBef>
-              <a:defRPr b="1" sz="2088"/>
+              <a:defRPr sz="2088" b="1"/>
             </a:pPr>
             <a:r>
               <a:t>访谈主题专家</a:t>
@@ -27049,7 +29040,7 @@
               <a:spcBef>
                 <a:spcPts val="1000"/>
               </a:spcBef>
-              <a:defRPr b="1" sz="2088"/>
+              <a:defRPr sz="2088" b="1"/>
             </a:pPr>
             <a:r>
               <a:t>访谈用户和顾客</a:t>
@@ -27060,7 +29051,7 @@
               <a:spcBef>
                 <a:spcPts val="1000"/>
               </a:spcBef>
-              <a:defRPr b="1" sz="2088"/>
+              <a:defRPr sz="2088" b="1"/>
             </a:pPr>
             <a:r>
               <a:t>用户观察</a:t>
@@ -27071,7 +29062,7 @@
               <a:spcBef>
                 <a:spcPts val="1000"/>
               </a:spcBef>
-              <a:defRPr b="1" sz="2088"/>
+              <a:defRPr sz="2088" b="1"/>
             </a:pPr>
             <a:r>
               <a:t>文献调研</a:t>
@@ -27082,7 +29073,7 @@
               <a:spcBef>
                 <a:spcPts val="1000"/>
               </a:spcBef>
-              <a:defRPr b="1" sz="2088"/>
+              <a:defRPr sz="2088" b="1"/>
             </a:pPr>
             <a:r>
               <a:t>产品/原型和竞争审查</a:t>
@@ -27093,7 +29084,9 @@
       <p:sp>
         <p:nvSpPr>
           <p:cNvPr id="174" name="Slide Number"/>
-          <p:cNvSpPr txBox="1"/>
+          <p:cNvSpPr txBox="1">
+            <a:spLocks noGrp="1"/>
+          </p:cNvSpPr>
           <p:nvPr>
             <p:ph type="sldNum" sz="quarter" idx="4294967295"/>
           </p:nvPr>
@@ -27108,7 +29101,7 @@
           </a:prstGeom>
           <a:extLst>
             <a:ext uri="{C572A759-6A51-4108-AA02-DFA0A04FC94B}">
-              <ma14:wrappingTextBoxFlag xmlns:ma14="http://schemas.microsoft.com/office/mac/drawingml/2011/main" val="1"/>
+              <ma14:wrappingTextBoxFlag xmlns:ma14="http://schemas.microsoft.com/office/mac/drawingml/2011/main" xmlns:a14="http://schemas.microsoft.com/office/drawing/2010/main" xmlns:m="http://schemas.openxmlformats.org/officeDocument/2006/math" xmlns="" val="1"/>
             </a:ext>
           </a:extLst>
         </p:spPr>
@@ -27116,8 +29109,10 @@
           <a:bodyPr/>
           <a:lstStyle/>
           <a:p>
-            <a:pPr/>
-            <a:fld id="{86CB4B4D-7CA3-9044-876B-883B54F8677D}" type="slidenum"/>
+            <a:fld id="{86CB4B4D-7CA3-9044-876B-883B54F8677D}" type="slidenum">
+              <a:t>9</a:t>
+            </a:fld>
+            <a:endParaRPr/>
           </a:p>
         </p:txBody>
       </p:sp>
@@ -27126,12 +29121,23 @@
   <p:clrMapOvr>
     <a:masterClrMapping/>
   </p:clrMapOvr>
-  <p:transition xmlns:p14="http://schemas.microsoft.com/office/powerpoint/2010/main" spd="med" advClick="1"/>
+  <mc:AlternateContent xmlns:mc="http://schemas.openxmlformats.org/markup-compatibility/2006">
+    <mc:Choice xmlns:p15="http://schemas.microsoft.com/office/powerpoint/2012/main" Requires="p15">
+      <p:transition xmlns:p14="http://schemas.microsoft.com/office/powerpoint/2010/main" spd="slow" p14:dur="1250">
+        <p15:prstTrans prst="peelOff"/>
+      </p:transition>
+    </mc:Choice>
+    <mc:Fallback>
+      <p:transition spd="slow">
+        <p:fade/>
+      </p:transition>
+    </mc:Fallback>
+  </mc:AlternateContent>
 </p:sld>
 </file>
 
 <file path=ppt/theme/theme1.xml><?xml version="1.0" encoding="utf-8"?>
-<a:theme xmlns:a="http://schemas.openxmlformats.org/drawingml/2006/main" xmlns:r="http://schemas.openxmlformats.org/officeDocument/2006/relationships" name="Integral">
+<a:theme xmlns:a="http://schemas.openxmlformats.org/drawingml/2006/main" name="Integral">
   <a:themeElements>
     <a:clrScheme name="Integral">
       <a:dk1>
@@ -27257,7 +29263,7 @@
       <a:effectStyleLst>
         <a:effectStyle>
           <a:effectLst>
-            <a:outerShdw sx="100000" sy="100000" kx="0" ky="0" algn="b" rotWithShape="0" blurRad="50800" dist="12700" dir="5400000">
+            <a:outerShdw blurRad="50800" dist="12700" dir="5400000" rotWithShape="0">
               <a:srgbClr val="000000">
                 <a:alpha val="50000"/>
               </a:srgbClr>
@@ -27266,7 +29272,7 @@
         </a:effectStyle>
         <a:effectStyle>
           <a:effectLst>
-            <a:outerShdw sx="100000" sy="100000" kx="0" ky="0" algn="b" rotWithShape="0" blurRad="50800" dist="12700" dir="5400000">
+            <a:outerShdw blurRad="50800" dist="12700" dir="5400000" rotWithShape="0">
               <a:srgbClr val="000000">
                 <a:alpha val="50000"/>
               </a:srgbClr>
@@ -27343,7 +29349,7 @@
           <a:round/>
         </a:ln>
         <a:effectLst>
-          <a:outerShdw sx="100000" sy="100000" kx="0" ky="0" algn="b" rotWithShape="0" blurRad="50800" dist="12700" dir="5400000">
+          <a:outerShdw blurRad="50800" dist="12700" dir="5400000" rotWithShape="0">
             <a:srgbClr val="000000">
               <a:alpha val="50000"/>
             </a:srgbClr>
@@ -27351,7 +29357,7 @@
         </a:effectLst>
         <a:sp3d/>
       </a:spPr>
-      <a:bodyPr rot="0" spcFirstLastPara="1" vertOverflow="overflow" horzOverflow="overflow" vert="horz" wrap="square" lIns="45719" tIns="45719" rIns="45719" bIns="45719" numCol="1" spcCol="38100" rtlCol="0" anchor="ctr" upright="0">
+      <a:bodyPr rot="0" spcFirstLastPara="1" vertOverflow="overflow" horzOverflow="overflow" vert="horz" wrap="square" lIns="45719" tIns="45719" rIns="45719" bIns="45719" numCol="1" spcCol="38100" rtlCol="0" anchor="ctr">
         <a:spAutoFit/>
       </a:bodyPr>
       <a:lstStyle>
@@ -27370,7 +29376,7 @@
           <a:buFontTx/>
           <a:buNone/>
           <a:tabLst/>
-          <a:defRPr b="0" baseline="0" cap="none" i="0" spc="0" strike="noStrike" sz="1800" u="none" kumimoji="0" normalizeH="0">
+          <a:defRPr kumimoji="0" sz="1800" b="0" i="0" u="none" strike="noStrike" cap="none" spc="0" normalizeH="0" baseline="0">
             <a:ln>
               <a:noFill/>
             </a:ln>
@@ -27400,7 +29406,7 @@
           <a:buFontTx/>
           <a:buNone/>
           <a:tabLst/>
-          <a:defRPr b="0" baseline="0" cap="none" i="0" spc="0" strike="noStrike" sz="1800" u="none" kumimoji="0" normalizeH="0">
+          <a:defRPr kumimoji="0" sz="1800" b="0" i="0" u="none" strike="noStrike" cap="none" spc="0" normalizeH="0" baseline="0">
             <a:ln>
               <a:noFill/>
             </a:ln>
@@ -27426,7 +29432,7 @@
           <a:buFontTx/>
           <a:buNone/>
           <a:tabLst/>
-          <a:defRPr b="0" baseline="0" cap="none" i="0" spc="0" strike="noStrike" sz="1800" u="none" kumimoji="0" normalizeH="0">
+          <a:defRPr kumimoji="0" sz="1800" b="0" i="0" u="none" strike="noStrike" cap="none" spc="0" normalizeH="0" baseline="0">
             <a:ln>
               <a:noFill/>
             </a:ln>
@@ -27452,7 +29458,7 @@
           <a:buFontTx/>
           <a:buNone/>
           <a:tabLst/>
-          <a:defRPr b="0" baseline="0" cap="none" i="0" spc="0" strike="noStrike" sz="1800" u="none" kumimoji="0" normalizeH="0">
+          <a:defRPr kumimoji="0" sz="1800" b="0" i="0" u="none" strike="noStrike" cap="none" spc="0" normalizeH="0" baseline="0">
             <a:ln>
               <a:noFill/>
             </a:ln>
@@ -27478,7 +29484,7 @@
           <a:buFontTx/>
           <a:buNone/>
           <a:tabLst/>
-          <a:defRPr b="0" baseline="0" cap="none" i="0" spc="0" strike="noStrike" sz="1800" u="none" kumimoji="0" normalizeH="0">
+          <a:defRPr kumimoji="0" sz="1800" b="0" i="0" u="none" strike="noStrike" cap="none" spc="0" normalizeH="0" baseline="0">
             <a:ln>
               <a:noFill/>
             </a:ln>
@@ -27504,7 +29510,7 @@
           <a:buFontTx/>
           <a:buNone/>
           <a:tabLst/>
-          <a:defRPr b="0" baseline="0" cap="none" i="0" spc="0" strike="noStrike" sz="1800" u="none" kumimoji="0" normalizeH="0">
+          <a:defRPr kumimoji="0" sz="1800" b="0" i="0" u="none" strike="noStrike" cap="none" spc="0" normalizeH="0" baseline="0">
             <a:ln>
               <a:noFill/>
             </a:ln>
@@ -27530,7 +29536,7 @@
           <a:buFontTx/>
           <a:buNone/>
           <a:tabLst/>
-          <a:defRPr b="0" baseline="0" cap="none" i="0" spc="0" strike="noStrike" sz="1800" u="none" kumimoji="0" normalizeH="0">
+          <a:defRPr kumimoji="0" sz="1800" b="0" i="0" u="none" strike="noStrike" cap="none" spc="0" normalizeH="0" baseline="0">
             <a:ln>
               <a:noFill/>
             </a:ln>
@@ -27556,7 +29562,7 @@
           <a:buFontTx/>
           <a:buNone/>
           <a:tabLst/>
-          <a:defRPr b="0" baseline="0" cap="none" i="0" spc="0" strike="noStrike" sz="1800" u="none" kumimoji="0" normalizeH="0">
+          <a:defRPr kumimoji="0" sz="1800" b="0" i="0" u="none" strike="noStrike" cap="none" spc="0" normalizeH="0" baseline="0">
             <a:ln>
               <a:noFill/>
             </a:ln>
@@ -27582,7 +29588,7 @@
           <a:buFontTx/>
           <a:buNone/>
           <a:tabLst/>
-          <a:defRPr b="0" baseline="0" cap="none" i="0" spc="0" strike="noStrike" sz="1800" u="none" kumimoji="0" normalizeH="0">
+          <a:defRPr kumimoji="0" sz="1800" b="0" i="0" u="none" strike="noStrike" cap="none" spc="0" normalizeH="0" baseline="0">
             <a:ln>
               <a:noFill/>
             </a:ln>
@@ -27608,7 +29614,7 @@
           <a:buFontTx/>
           <a:buNone/>
           <a:tabLst/>
-          <a:defRPr b="0" baseline="0" cap="none" i="0" spc="0" strike="noStrike" sz="1800" u="none" kumimoji="0" normalizeH="0">
+          <a:defRPr kumimoji="0" sz="1800" b="0" i="0" u="none" strike="noStrike" cap="none" spc="0" normalizeH="0" baseline="0">
             <a:ln>
               <a:noFill/>
             </a:ln>
@@ -27621,9 +29627,15 @@
         </a:lvl9pPr>
       </a:lstStyle>
       <a:style>
-        <a:lnRef idx="0"/>
-        <a:fillRef idx="0"/>
-        <a:effectRef idx="0"/>
+        <a:lnRef idx="0">
+          <a:scrgbClr r="0" g="0" b="0"/>
+        </a:lnRef>
+        <a:fillRef idx="0">
+          <a:scrgbClr r="0" g="0" b="0"/>
+        </a:fillRef>
+        <a:effectRef idx="0">
+          <a:scrgbClr r="0" g="0" b="0"/>
+        </a:effectRef>
         <a:fontRef idx="none"/>
       </a:style>
     </a:spDef>
@@ -27640,7 +29652,7 @@
         <a:effectLst/>
         <a:sp3d/>
       </a:spPr>
-      <a:bodyPr rot="0" spcFirstLastPara="1" vertOverflow="overflow" horzOverflow="overflow" vert="horz" wrap="square" lIns="91439" tIns="45719" rIns="91439" bIns="45719" numCol="1" spcCol="38100" rtlCol="0" anchor="t" upright="0">
+      <a:bodyPr rot="0" spcFirstLastPara="1" vertOverflow="overflow" horzOverflow="overflow" vert="horz" wrap="square" lIns="91439" tIns="45719" rIns="91439" bIns="45719" numCol="1" spcCol="38100" rtlCol="0" anchor="t">
         <a:noAutofit/>
       </a:bodyPr>
       <a:lstStyle>
@@ -27659,7 +29671,7 @@
           <a:buFontTx/>
           <a:buNone/>
           <a:tabLst/>
-          <a:defRPr b="0" baseline="0" cap="none" i="0" spc="0" strike="noStrike" sz="1800" u="none" kumimoji="0" normalizeH="0">
+          <a:defRPr kumimoji="0" sz="1800" b="0" i="0" u="none" strike="noStrike" cap="none" spc="0" normalizeH="0" baseline="0">
             <a:ln>
               <a:noFill/>
             </a:ln>
@@ -27685,7 +29697,7 @@
           <a:buFontTx/>
           <a:buNone/>
           <a:tabLst/>
-          <a:defRPr b="0" baseline="0" cap="none" i="0" spc="0" strike="noStrike" sz="1800" u="none" kumimoji="0" normalizeH="0">
+          <a:defRPr kumimoji="0" sz="1800" b="0" i="0" u="none" strike="noStrike" cap="none" spc="0" normalizeH="0" baseline="0">
             <a:ln>
               <a:noFill/>
             </a:ln>
@@ -27711,7 +29723,7 @@
           <a:buFontTx/>
           <a:buNone/>
           <a:tabLst/>
-          <a:defRPr b="0" baseline="0" cap="none" i="0" spc="0" strike="noStrike" sz="1800" u="none" kumimoji="0" normalizeH="0">
+          <a:defRPr kumimoji="0" sz="1800" b="0" i="0" u="none" strike="noStrike" cap="none" spc="0" normalizeH="0" baseline="0">
             <a:ln>
               <a:noFill/>
             </a:ln>
@@ -27737,7 +29749,7 @@
           <a:buFontTx/>
           <a:buNone/>
           <a:tabLst/>
-          <a:defRPr b="0" baseline="0" cap="none" i="0" spc="0" strike="noStrike" sz="1800" u="none" kumimoji="0" normalizeH="0">
+          <a:defRPr kumimoji="0" sz="1800" b="0" i="0" u="none" strike="noStrike" cap="none" spc="0" normalizeH="0" baseline="0">
             <a:ln>
               <a:noFill/>
             </a:ln>
@@ -27763,7 +29775,7 @@
           <a:buFontTx/>
           <a:buNone/>
           <a:tabLst/>
-          <a:defRPr b="0" baseline="0" cap="none" i="0" spc="0" strike="noStrike" sz="1800" u="none" kumimoji="0" normalizeH="0">
+          <a:defRPr kumimoji="0" sz="1800" b="0" i="0" u="none" strike="noStrike" cap="none" spc="0" normalizeH="0" baseline="0">
             <a:ln>
               <a:noFill/>
             </a:ln>
@@ -27789,7 +29801,7 @@
           <a:buFontTx/>
           <a:buNone/>
           <a:tabLst/>
-          <a:defRPr b="0" baseline="0" cap="none" i="0" spc="0" strike="noStrike" sz="1800" u="none" kumimoji="0" normalizeH="0">
+          <a:defRPr kumimoji="0" sz="1800" b="0" i="0" u="none" strike="noStrike" cap="none" spc="0" normalizeH="0" baseline="0">
             <a:ln>
               <a:noFill/>
             </a:ln>
@@ -27815,7 +29827,7 @@
           <a:buFontTx/>
           <a:buNone/>
           <a:tabLst/>
-          <a:defRPr b="0" baseline="0" cap="none" i="0" spc="0" strike="noStrike" sz="1800" u="none" kumimoji="0" normalizeH="0">
+          <a:defRPr kumimoji="0" sz="1800" b="0" i="0" u="none" strike="noStrike" cap="none" spc="0" normalizeH="0" baseline="0">
             <a:ln>
               <a:noFill/>
             </a:ln>
@@ -27841,7 +29853,7 @@
           <a:buFontTx/>
           <a:buNone/>
           <a:tabLst/>
-          <a:defRPr b="0" baseline="0" cap="none" i="0" spc="0" strike="noStrike" sz="1800" u="none" kumimoji="0" normalizeH="0">
+          <a:defRPr kumimoji="0" sz="1800" b="0" i="0" u="none" strike="noStrike" cap="none" spc="0" normalizeH="0" baseline="0">
             <a:ln>
               <a:noFill/>
             </a:ln>
@@ -27867,7 +29879,7 @@
           <a:buFontTx/>
           <a:buNone/>
           <a:tabLst/>
-          <a:defRPr b="0" baseline="0" cap="none" i="0" spc="0" strike="noStrike" sz="1800" u="none" kumimoji="0" normalizeH="0">
+          <a:defRPr kumimoji="0" sz="1800" b="0" i="0" u="none" strike="noStrike" cap="none" spc="0" normalizeH="0" baseline="0">
             <a:ln>
               <a:noFill/>
             </a:ln>
@@ -27893,7 +29905,7 @@
           <a:buFontTx/>
           <a:buNone/>
           <a:tabLst/>
-          <a:defRPr b="0" baseline="0" cap="none" i="0" spc="0" strike="noStrike" sz="1800" u="none" kumimoji="0" normalizeH="0">
+          <a:defRPr kumimoji="0" sz="1800" b="0" i="0" u="none" strike="noStrike" cap="none" spc="0" normalizeH="0" baseline="0">
             <a:ln>
               <a:noFill/>
             </a:ln>
@@ -27906,9 +29918,15 @@
         </a:lvl9pPr>
       </a:lstStyle>
       <a:style>
-        <a:lnRef idx="0"/>
-        <a:fillRef idx="0"/>
-        <a:effectRef idx="0"/>
+        <a:lnRef idx="0">
+          <a:scrgbClr r="0" g="0" b="0"/>
+        </a:lnRef>
+        <a:fillRef idx="0">
+          <a:scrgbClr r="0" g="0" b="0"/>
+        </a:fillRef>
+        <a:effectRef idx="0">
+          <a:scrgbClr r="0" g="0" b="0"/>
+        </a:effectRef>
         <a:fontRef idx="none"/>
       </a:style>
     </a:lnDef>
@@ -27922,7 +29940,7 @@
         <a:effectLst/>
         <a:sp3d/>
       </a:spPr>
-      <a:bodyPr rot="0" spcFirstLastPara="1" vertOverflow="overflow" horzOverflow="overflow" vert="horz" wrap="square" lIns="45719" tIns="45719" rIns="45719" bIns="45719" numCol="1" spcCol="38100" rtlCol="0" anchor="t" upright="0">
+      <a:bodyPr rot="0" spcFirstLastPara="1" vertOverflow="overflow" horzOverflow="overflow" vert="horz" wrap="square" lIns="45719" tIns="45719" rIns="45719" bIns="45719" numCol="1" spcCol="38100" rtlCol="0" anchor="t">
         <a:spAutoFit/>
       </a:bodyPr>
       <a:lstStyle>
@@ -27941,7 +29959,7 @@
           <a:buFontTx/>
           <a:buNone/>
           <a:tabLst/>
-          <a:defRPr b="0" baseline="0" cap="none" i="0" spc="0" strike="noStrike" sz="1800" u="none" kumimoji="0" normalizeH="0">
+          <a:defRPr kumimoji="0" sz="1800" b="0" i="0" u="none" strike="noStrike" cap="none" spc="0" normalizeH="0" baseline="0">
             <a:ln>
               <a:noFill/>
             </a:ln>
@@ -27971,7 +29989,7 @@
           <a:buFontTx/>
           <a:buNone/>
           <a:tabLst/>
-          <a:defRPr b="0" baseline="0" cap="none" i="0" spc="0" strike="noStrike" sz="1800" u="none" kumimoji="0" normalizeH="0">
+          <a:defRPr kumimoji="0" sz="1800" b="0" i="0" u="none" strike="noStrike" cap="none" spc="0" normalizeH="0" baseline="0">
             <a:ln>
               <a:noFill/>
             </a:ln>
@@ -27997,7 +30015,7 @@
           <a:buFontTx/>
           <a:buNone/>
           <a:tabLst/>
-          <a:defRPr b="0" baseline="0" cap="none" i="0" spc="0" strike="noStrike" sz="1800" u="none" kumimoji="0" normalizeH="0">
+          <a:defRPr kumimoji="0" sz="1800" b="0" i="0" u="none" strike="noStrike" cap="none" spc="0" normalizeH="0" baseline="0">
             <a:ln>
               <a:noFill/>
             </a:ln>
@@ -28023,7 +30041,7 @@
           <a:buFontTx/>
           <a:buNone/>
           <a:tabLst/>
-          <a:defRPr b="0" baseline="0" cap="none" i="0" spc="0" strike="noStrike" sz="1800" u="none" kumimoji="0" normalizeH="0">
+          <a:defRPr kumimoji="0" sz="1800" b="0" i="0" u="none" strike="noStrike" cap="none" spc="0" normalizeH="0" baseline="0">
             <a:ln>
               <a:noFill/>
             </a:ln>
@@ -28049,7 +30067,7 @@
           <a:buFontTx/>
           <a:buNone/>
           <a:tabLst/>
-          <a:defRPr b="0" baseline="0" cap="none" i="0" spc="0" strike="noStrike" sz="1800" u="none" kumimoji="0" normalizeH="0">
+          <a:defRPr kumimoji="0" sz="1800" b="0" i="0" u="none" strike="noStrike" cap="none" spc="0" normalizeH="0" baseline="0">
             <a:ln>
               <a:noFill/>
             </a:ln>
@@ -28075,7 +30093,7 @@
           <a:buFontTx/>
           <a:buNone/>
           <a:tabLst/>
-          <a:defRPr b="0" baseline="0" cap="none" i="0" spc="0" strike="noStrike" sz="1800" u="none" kumimoji="0" normalizeH="0">
+          <a:defRPr kumimoji="0" sz="1800" b="0" i="0" u="none" strike="noStrike" cap="none" spc="0" normalizeH="0" baseline="0">
             <a:ln>
               <a:noFill/>
             </a:ln>
@@ -28101,7 +30119,7 @@
           <a:buFontTx/>
           <a:buNone/>
           <a:tabLst/>
-          <a:defRPr b="0" baseline="0" cap="none" i="0" spc="0" strike="noStrike" sz="1800" u="none" kumimoji="0" normalizeH="0">
+          <a:defRPr kumimoji="0" sz="1800" b="0" i="0" u="none" strike="noStrike" cap="none" spc="0" normalizeH="0" baseline="0">
             <a:ln>
               <a:noFill/>
             </a:ln>
@@ -28127,7 +30145,7 @@
           <a:buFontTx/>
           <a:buNone/>
           <a:tabLst/>
-          <a:defRPr b="0" baseline="0" cap="none" i="0" spc="0" strike="noStrike" sz="1800" u="none" kumimoji="0" normalizeH="0">
+          <a:defRPr kumimoji="0" sz="1800" b="0" i="0" u="none" strike="noStrike" cap="none" spc="0" normalizeH="0" baseline="0">
             <a:ln>
               <a:noFill/>
             </a:ln>
@@ -28153,7 +30171,7 @@
           <a:buFontTx/>
           <a:buNone/>
           <a:tabLst/>
-          <a:defRPr b="0" baseline="0" cap="none" i="0" spc="0" strike="noStrike" sz="1800" u="none" kumimoji="0" normalizeH="0">
+          <a:defRPr kumimoji="0" sz="1800" b="0" i="0" u="none" strike="noStrike" cap="none" spc="0" normalizeH="0" baseline="0">
             <a:ln>
               <a:noFill/>
             </a:ln>
@@ -28179,7 +30197,7 @@
           <a:buFontTx/>
           <a:buNone/>
           <a:tabLst/>
-          <a:defRPr b="0" baseline="0" cap="none" i="0" spc="0" strike="noStrike" sz="1800" u="none" kumimoji="0" normalizeH="0">
+          <a:defRPr kumimoji="0" sz="1800" b="0" i="0" u="none" strike="noStrike" cap="none" spc="0" normalizeH="0" baseline="0">
             <a:ln>
               <a:noFill/>
             </a:ln>
@@ -28192,18 +30210,25 @@
         </a:lvl9pPr>
       </a:lstStyle>
       <a:style>
-        <a:lnRef idx="0"/>
-        <a:fillRef idx="0"/>
-        <a:effectRef idx="0"/>
+        <a:lnRef idx="0">
+          <a:scrgbClr r="0" g="0" b="0"/>
+        </a:lnRef>
+        <a:fillRef idx="0">
+          <a:scrgbClr r="0" g="0" b="0"/>
+        </a:fillRef>
+        <a:effectRef idx="0">
+          <a:scrgbClr r="0" g="0" b="0"/>
+        </a:effectRef>
         <a:fontRef idx="none"/>
       </a:style>
     </a:txDef>
   </a:objectDefaults>
+  <a:extraClrSchemeLst/>
 </a:theme>
 </file>
 
 <file path=ppt/theme/theme2.xml><?xml version="1.0" encoding="utf-8"?>
-<a:theme xmlns:a="http://schemas.openxmlformats.org/drawingml/2006/main" xmlns:r="http://schemas.openxmlformats.org/officeDocument/2006/relationships" name="Integral">
+<a:theme xmlns:a="http://schemas.openxmlformats.org/drawingml/2006/main" name="Integral">
   <a:themeElements>
     <a:clrScheme name="Integral">
       <a:dk1>
@@ -28329,7 +30354,7 @@
       <a:effectStyleLst>
         <a:effectStyle>
           <a:effectLst>
-            <a:outerShdw sx="100000" sy="100000" kx="0" ky="0" algn="b" rotWithShape="0" blurRad="50800" dist="12700" dir="5400000">
+            <a:outerShdw blurRad="50800" dist="12700" dir="5400000" rotWithShape="0">
               <a:srgbClr val="000000">
                 <a:alpha val="50000"/>
               </a:srgbClr>
@@ -28338,7 +30363,7 @@
         </a:effectStyle>
         <a:effectStyle>
           <a:effectLst>
-            <a:outerShdw sx="100000" sy="100000" kx="0" ky="0" algn="b" rotWithShape="0" blurRad="50800" dist="12700" dir="5400000">
+            <a:outerShdw blurRad="50800" dist="12700" dir="5400000" rotWithShape="0">
               <a:srgbClr val="000000">
                 <a:alpha val="50000"/>
               </a:srgbClr>
@@ -28415,7 +30440,7 @@
           <a:round/>
         </a:ln>
         <a:effectLst>
-          <a:outerShdw sx="100000" sy="100000" kx="0" ky="0" algn="b" rotWithShape="0" blurRad="50800" dist="12700" dir="5400000">
+          <a:outerShdw blurRad="50800" dist="12700" dir="5400000" rotWithShape="0">
             <a:srgbClr val="000000">
               <a:alpha val="50000"/>
             </a:srgbClr>
@@ -28423,7 +30448,7 @@
         </a:effectLst>
         <a:sp3d/>
       </a:spPr>
-      <a:bodyPr rot="0" spcFirstLastPara="1" vertOverflow="overflow" horzOverflow="overflow" vert="horz" wrap="square" lIns="45719" tIns="45719" rIns="45719" bIns="45719" numCol="1" spcCol="38100" rtlCol="0" anchor="ctr" upright="0">
+      <a:bodyPr rot="0" spcFirstLastPara="1" vertOverflow="overflow" horzOverflow="overflow" vert="horz" wrap="square" lIns="45719" tIns="45719" rIns="45719" bIns="45719" numCol="1" spcCol="38100" rtlCol="0" anchor="ctr">
         <a:spAutoFit/>
       </a:bodyPr>
       <a:lstStyle>
@@ -28442,7 +30467,7 @@
           <a:buFontTx/>
           <a:buNone/>
           <a:tabLst/>
-          <a:defRPr b="0" baseline="0" cap="none" i="0" spc="0" strike="noStrike" sz="1800" u="none" kumimoji="0" normalizeH="0">
+          <a:defRPr kumimoji="0" sz="1800" b="0" i="0" u="none" strike="noStrike" cap="none" spc="0" normalizeH="0" baseline="0">
             <a:ln>
               <a:noFill/>
             </a:ln>
@@ -28472,7 +30497,7 @@
           <a:buFontTx/>
           <a:buNone/>
           <a:tabLst/>
-          <a:defRPr b="0" baseline="0" cap="none" i="0" spc="0" strike="noStrike" sz="1800" u="none" kumimoji="0" normalizeH="0">
+          <a:defRPr kumimoji="0" sz="1800" b="0" i="0" u="none" strike="noStrike" cap="none" spc="0" normalizeH="0" baseline="0">
             <a:ln>
               <a:noFill/>
             </a:ln>
@@ -28498,7 +30523,7 @@
           <a:buFontTx/>
           <a:buNone/>
           <a:tabLst/>
-          <a:defRPr b="0" baseline="0" cap="none" i="0" spc="0" strike="noStrike" sz="1800" u="none" kumimoji="0" normalizeH="0">
+          <a:defRPr kumimoji="0" sz="1800" b="0" i="0" u="none" strike="noStrike" cap="none" spc="0" normalizeH="0" baseline="0">
             <a:ln>
               <a:noFill/>
             </a:ln>
@@ -28524,7 +30549,7 @@
           <a:buFontTx/>
           <a:buNone/>
           <a:tabLst/>
-          <a:defRPr b="0" baseline="0" cap="none" i="0" spc="0" strike="noStrike" sz="1800" u="none" kumimoji="0" normalizeH="0">
+          <a:defRPr kumimoji="0" sz="1800" b="0" i="0" u="none" strike="noStrike" cap="none" spc="0" normalizeH="0" baseline="0">
             <a:ln>
               <a:noFill/>
             </a:ln>
@@ -28550,7 +30575,7 @@
           <a:buFontTx/>
           <a:buNone/>
           <a:tabLst/>
-          <a:defRPr b="0" baseline="0" cap="none" i="0" spc="0" strike="noStrike" sz="1800" u="none" kumimoji="0" normalizeH="0">
+          <a:defRPr kumimoji="0" sz="1800" b="0" i="0" u="none" strike="noStrike" cap="none" spc="0" normalizeH="0" baseline="0">
             <a:ln>
               <a:noFill/>
             </a:ln>
@@ -28576,7 +30601,7 @@
           <a:buFontTx/>
           <a:buNone/>
           <a:tabLst/>
-          <a:defRPr b="0" baseline="0" cap="none" i="0" spc="0" strike="noStrike" sz="1800" u="none" kumimoji="0" normalizeH="0">
+          <a:defRPr kumimoji="0" sz="1800" b="0" i="0" u="none" strike="noStrike" cap="none" spc="0" normalizeH="0" baseline="0">
             <a:ln>
               <a:noFill/>
             </a:ln>
@@ -28602,7 +30627,7 @@
           <a:buFontTx/>
           <a:buNone/>
           <a:tabLst/>
-          <a:defRPr b="0" baseline="0" cap="none" i="0" spc="0" strike="noStrike" sz="1800" u="none" kumimoji="0" normalizeH="0">
+          <a:defRPr kumimoji="0" sz="1800" b="0" i="0" u="none" strike="noStrike" cap="none" spc="0" normalizeH="0" baseline="0">
             <a:ln>
               <a:noFill/>
             </a:ln>
@@ -28628,7 +30653,7 @@
           <a:buFontTx/>
           <a:buNone/>
           <a:tabLst/>
-          <a:defRPr b="0" baseline="0" cap="none" i="0" spc="0" strike="noStrike" sz="1800" u="none" kumimoji="0" normalizeH="0">
+          <a:defRPr kumimoji="0" sz="1800" b="0" i="0" u="none" strike="noStrike" cap="none" spc="0" normalizeH="0" baseline="0">
             <a:ln>
               <a:noFill/>
             </a:ln>
@@ -28654,7 +30679,7 @@
           <a:buFontTx/>
           <a:buNone/>
           <a:tabLst/>
-          <a:defRPr b="0" baseline="0" cap="none" i="0" spc="0" strike="noStrike" sz="1800" u="none" kumimoji="0" normalizeH="0">
+          <a:defRPr kumimoji="0" sz="1800" b="0" i="0" u="none" strike="noStrike" cap="none" spc="0" normalizeH="0" baseline="0">
             <a:ln>
               <a:noFill/>
             </a:ln>
@@ -28680,7 +30705,7 @@
           <a:buFontTx/>
           <a:buNone/>
           <a:tabLst/>
-          <a:defRPr b="0" baseline="0" cap="none" i="0" spc="0" strike="noStrike" sz="1800" u="none" kumimoji="0" normalizeH="0">
+          <a:defRPr kumimoji="0" sz="1800" b="0" i="0" u="none" strike="noStrike" cap="none" spc="0" normalizeH="0" baseline="0">
             <a:ln>
               <a:noFill/>
             </a:ln>
@@ -28693,9 +30718,15 @@
         </a:lvl9pPr>
       </a:lstStyle>
       <a:style>
-        <a:lnRef idx="0"/>
-        <a:fillRef idx="0"/>
-        <a:effectRef idx="0"/>
+        <a:lnRef idx="0">
+          <a:scrgbClr r="0" g="0" b="0"/>
+        </a:lnRef>
+        <a:fillRef idx="0">
+          <a:scrgbClr r="0" g="0" b="0"/>
+        </a:fillRef>
+        <a:effectRef idx="0">
+          <a:scrgbClr r="0" g="0" b="0"/>
+        </a:effectRef>
         <a:fontRef idx="none"/>
       </a:style>
     </a:spDef>
@@ -28712,7 +30743,7 @@
         <a:effectLst/>
         <a:sp3d/>
       </a:spPr>
-      <a:bodyPr rot="0" spcFirstLastPara="1" vertOverflow="overflow" horzOverflow="overflow" vert="horz" wrap="square" lIns="91439" tIns="45719" rIns="91439" bIns="45719" numCol="1" spcCol="38100" rtlCol="0" anchor="t" upright="0">
+      <a:bodyPr rot="0" spcFirstLastPara="1" vertOverflow="overflow" horzOverflow="overflow" vert="horz" wrap="square" lIns="91439" tIns="45719" rIns="91439" bIns="45719" numCol="1" spcCol="38100" rtlCol="0" anchor="t">
         <a:noAutofit/>
       </a:bodyPr>
       <a:lstStyle>
@@ -28731,7 +30762,7 @@
           <a:buFontTx/>
           <a:buNone/>
           <a:tabLst/>
-          <a:defRPr b="0" baseline="0" cap="none" i="0" spc="0" strike="noStrike" sz="1800" u="none" kumimoji="0" normalizeH="0">
+          <a:defRPr kumimoji="0" sz="1800" b="0" i="0" u="none" strike="noStrike" cap="none" spc="0" normalizeH="0" baseline="0">
             <a:ln>
               <a:noFill/>
             </a:ln>
@@ -28757,7 +30788,7 @@
           <a:buFontTx/>
           <a:buNone/>
           <a:tabLst/>
-          <a:defRPr b="0" baseline="0" cap="none" i="0" spc="0" strike="noStrike" sz="1800" u="none" kumimoji="0" normalizeH="0">
+          <a:defRPr kumimoji="0" sz="1800" b="0" i="0" u="none" strike="noStrike" cap="none" spc="0" normalizeH="0" baseline="0">
             <a:ln>
               <a:noFill/>
             </a:ln>
@@ -28783,7 +30814,7 @@
           <a:buFontTx/>
           <a:buNone/>
           <a:tabLst/>
-          <a:defRPr b="0" baseline="0" cap="none" i="0" spc="0" strike="noStrike" sz="1800" u="none" kumimoji="0" normalizeH="0">
+          <a:defRPr kumimoji="0" sz="1800" b="0" i="0" u="none" strike="noStrike" cap="none" spc="0" normalizeH="0" baseline="0">
             <a:ln>
               <a:noFill/>
             </a:ln>
@@ -28809,7 +30840,7 @@
           <a:buFontTx/>
           <a:buNone/>
           <a:tabLst/>
-          <a:defRPr b="0" baseline="0" cap="none" i="0" spc="0" strike="noStrike" sz="1800" u="none" kumimoji="0" normalizeH="0">
+          <a:defRPr kumimoji="0" sz="1800" b="0" i="0" u="none" strike="noStrike" cap="none" spc="0" normalizeH="0" baseline="0">
             <a:ln>
               <a:noFill/>
             </a:ln>
@@ -28835,7 +30866,7 @@
           <a:buFontTx/>
           <a:buNone/>
           <a:tabLst/>
-          <a:defRPr b="0" baseline="0" cap="none" i="0" spc="0" strike="noStrike" sz="1800" u="none" kumimoji="0" normalizeH="0">
+          <a:defRPr kumimoji="0" sz="1800" b="0" i="0" u="none" strike="noStrike" cap="none" spc="0" normalizeH="0" baseline="0">
             <a:ln>
               <a:noFill/>
             </a:ln>
@@ -28861,7 +30892,7 @@
           <a:buFontTx/>
           <a:buNone/>
           <a:tabLst/>
-          <a:defRPr b="0" baseline="0" cap="none" i="0" spc="0" strike="noStrike" sz="1800" u="none" kumimoji="0" normalizeH="0">
+          <a:defRPr kumimoji="0" sz="1800" b="0" i="0" u="none" strike="noStrike" cap="none" spc="0" normalizeH="0" baseline="0">
             <a:ln>
               <a:noFill/>
             </a:ln>
@@ -28887,7 +30918,7 @@
           <a:buFontTx/>
           <a:buNone/>
           <a:tabLst/>
-          <a:defRPr b="0" baseline="0" cap="none" i="0" spc="0" strike="noStrike" sz="1800" u="none" kumimoji="0" normalizeH="0">
+          <a:defRPr kumimoji="0" sz="1800" b="0" i="0" u="none" strike="noStrike" cap="none" spc="0" normalizeH="0" baseline="0">
             <a:ln>
               <a:noFill/>
             </a:ln>
@@ -28913,7 +30944,7 @@
           <a:buFontTx/>
           <a:buNone/>
           <a:tabLst/>
-          <a:defRPr b="0" baseline="0" cap="none" i="0" spc="0" strike="noStrike" sz="1800" u="none" kumimoji="0" normalizeH="0">
+          <a:defRPr kumimoji="0" sz="1800" b="0" i="0" u="none" strike="noStrike" cap="none" spc="0" normalizeH="0" baseline="0">
             <a:ln>
               <a:noFill/>
             </a:ln>
@@ -28939,7 +30970,7 @@
           <a:buFontTx/>
           <a:buNone/>
           <a:tabLst/>
-          <a:defRPr b="0" baseline="0" cap="none" i="0" spc="0" strike="noStrike" sz="1800" u="none" kumimoji="0" normalizeH="0">
+          <a:defRPr kumimoji="0" sz="1800" b="0" i="0" u="none" strike="noStrike" cap="none" spc="0" normalizeH="0" baseline="0">
             <a:ln>
               <a:noFill/>
             </a:ln>
@@ -28965,7 +30996,7 @@
           <a:buFontTx/>
           <a:buNone/>
           <a:tabLst/>
-          <a:defRPr b="0" baseline="0" cap="none" i="0" spc="0" strike="noStrike" sz="1800" u="none" kumimoji="0" normalizeH="0">
+          <a:defRPr kumimoji="0" sz="1800" b="0" i="0" u="none" strike="noStrike" cap="none" spc="0" normalizeH="0" baseline="0">
             <a:ln>
               <a:noFill/>
             </a:ln>
@@ -28978,9 +31009,15 @@
         </a:lvl9pPr>
       </a:lstStyle>
       <a:style>
-        <a:lnRef idx="0"/>
-        <a:fillRef idx="0"/>
-        <a:effectRef idx="0"/>
+        <a:lnRef idx="0">
+          <a:scrgbClr r="0" g="0" b="0"/>
+        </a:lnRef>
+        <a:fillRef idx="0">
+          <a:scrgbClr r="0" g="0" b="0"/>
+        </a:fillRef>
+        <a:effectRef idx="0">
+          <a:scrgbClr r="0" g="0" b="0"/>
+        </a:effectRef>
         <a:fontRef idx="none"/>
       </a:style>
     </a:lnDef>
@@ -28994,7 +31031,7 @@
         <a:effectLst/>
         <a:sp3d/>
       </a:spPr>
-      <a:bodyPr rot="0" spcFirstLastPara="1" vertOverflow="overflow" horzOverflow="overflow" vert="horz" wrap="square" lIns="45719" tIns="45719" rIns="45719" bIns="45719" numCol="1" spcCol="38100" rtlCol="0" anchor="t" upright="0">
+      <a:bodyPr rot="0" spcFirstLastPara="1" vertOverflow="overflow" horzOverflow="overflow" vert="horz" wrap="square" lIns="45719" tIns="45719" rIns="45719" bIns="45719" numCol="1" spcCol="38100" rtlCol="0" anchor="t">
         <a:spAutoFit/>
       </a:bodyPr>
       <a:lstStyle>
@@ -29013,7 +31050,7 @@
           <a:buFontTx/>
           <a:buNone/>
           <a:tabLst/>
-          <a:defRPr b="0" baseline="0" cap="none" i="0" spc="0" strike="noStrike" sz="1800" u="none" kumimoji="0" normalizeH="0">
+          <a:defRPr kumimoji="0" sz="1800" b="0" i="0" u="none" strike="noStrike" cap="none" spc="0" normalizeH="0" baseline="0">
             <a:ln>
               <a:noFill/>
             </a:ln>
@@ -29043,7 +31080,7 @@
           <a:buFontTx/>
           <a:buNone/>
           <a:tabLst/>
-          <a:defRPr b="0" baseline="0" cap="none" i="0" spc="0" strike="noStrike" sz="1800" u="none" kumimoji="0" normalizeH="0">
+          <a:defRPr kumimoji="0" sz="1800" b="0" i="0" u="none" strike="noStrike" cap="none" spc="0" normalizeH="0" baseline="0">
             <a:ln>
               <a:noFill/>
             </a:ln>
@@ -29069,7 +31106,7 @@
           <a:buFontTx/>
           <a:buNone/>
           <a:tabLst/>
-          <a:defRPr b="0" baseline="0" cap="none" i="0" spc="0" strike="noStrike" sz="1800" u="none" kumimoji="0" normalizeH="0">
+          <a:defRPr kumimoji="0" sz="1800" b="0" i="0" u="none" strike="noStrike" cap="none" spc="0" normalizeH="0" baseline="0">
             <a:ln>
               <a:noFill/>
             </a:ln>
@@ -29095,7 +31132,7 @@
           <a:buFontTx/>
           <a:buNone/>
           <a:tabLst/>
-          <a:defRPr b="0" baseline="0" cap="none" i="0" spc="0" strike="noStrike" sz="1800" u="none" kumimoji="0" normalizeH="0">
+          <a:defRPr kumimoji="0" sz="1800" b="0" i="0" u="none" strike="noStrike" cap="none" spc="0" normalizeH="0" baseline="0">
             <a:ln>
               <a:noFill/>
             </a:ln>
@@ -29121,7 +31158,7 @@
           <a:buFontTx/>
           <a:buNone/>
           <a:tabLst/>
-          <a:defRPr b="0" baseline="0" cap="none" i="0" spc="0" strike="noStrike" sz="1800" u="none" kumimoji="0" normalizeH="0">
+          <a:defRPr kumimoji="0" sz="1800" b="0" i="0" u="none" strike="noStrike" cap="none" spc="0" normalizeH="0" baseline="0">
             <a:ln>
               <a:noFill/>
             </a:ln>
@@ -29147,7 +31184,7 @@
           <a:buFontTx/>
           <a:buNone/>
           <a:tabLst/>
-          <a:defRPr b="0" baseline="0" cap="none" i="0" spc="0" strike="noStrike" sz="1800" u="none" kumimoji="0" normalizeH="0">
+          <a:defRPr kumimoji="0" sz="1800" b="0" i="0" u="none" strike="noStrike" cap="none" spc="0" normalizeH="0" baseline="0">
             <a:ln>
               <a:noFill/>
             </a:ln>
@@ -29173,7 +31210,7 @@
           <a:buFontTx/>
           <a:buNone/>
           <a:tabLst/>
-          <a:defRPr b="0" baseline="0" cap="none" i="0" spc="0" strike="noStrike" sz="1800" u="none" kumimoji="0" normalizeH="0">
+          <a:defRPr kumimoji="0" sz="1800" b="0" i="0" u="none" strike="noStrike" cap="none" spc="0" normalizeH="0" baseline="0">
             <a:ln>
               <a:noFill/>
             </a:ln>
@@ -29199,7 +31236,7 @@
           <a:buFontTx/>
           <a:buNone/>
           <a:tabLst/>
-          <a:defRPr b="0" baseline="0" cap="none" i="0" spc="0" strike="noStrike" sz="1800" u="none" kumimoji="0" normalizeH="0">
+          <a:defRPr kumimoji="0" sz="1800" b="0" i="0" u="none" strike="noStrike" cap="none" spc="0" normalizeH="0" baseline="0">
             <a:ln>
               <a:noFill/>
             </a:ln>
@@ -29225,7 +31262,7 @@
           <a:buFontTx/>
           <a:buNone/>
           <a:tabLst/>
-          <a:defRPr b="0" baseline="0" cap="none" i="0" spc="0" strike="noStrike" sz="1800" u="none" kumimoji="0" normalizeH="0">
+          <a:defRPr kumimoji="0" sz="1800" b="0" i="0" u="none" strike="noStrike" cap="none" spc="0" normalizeH="0" baseline="0">
             <a:ln>
               <a:noFill/>
             </a:ln>
@@ -29251,7 +31288,7 @@
           <a:buFontTx/>
           <a:buNone/>
           <a:tabLst/>
-          <a:defRPr b="0" baseline="0" cap="none" i="0" spc="0" strike="noStrike" sz="1800" u="none" kumimoji="0" normalizeH="0">
+          <a:defRPr kumimoji="0" sz="1800" b="0" i="0" u="none" strike="noStrike" cap="none" spc="0" normalizeH="0" baseline="0">
             <a:ln>
               <a:noFill/>
             </a:ln>
@@ -29264,12 +31301,19 @@
         </a:lvl9pPr>
       </a:lstStyle>
       <a:style>
-        <a:lnRef idx="0"/>
-        <a:fillRef idx="0"/>
-        <a:effectRef idx="0"/>
+        <a:lnRef idx="0">
+          <a:scrgbClr r="0" g="0" b="0"/>
+        </a:lnRef>
+        <a:fillRef idx="0">
+          <a:scrgbClr r="0" g="0" b="0"/>
+        </a:fillRef>
+        <a:effectRef idx="0">
+          <a:scrgbClr r="0" g="0" b="0"/>
+        </a:effectRef>
         <a:fontRef idx="none"/>
       </a:style>
     </a:txDef>
   </a:objectDefaults>
+  <a:extraClrSchemeLst/>
 </a:theme>
 </file>
--- a/PPT/UML/界面原形G02.pptx
+++ b/PPT/UML/界面原形G02.pptx
@@ -5,49 +5,53 @@
     <p:sldMasterId id="2147483648" r:id="rId1"/>
   </p:sldMasterIdLst>
   <p:notesMasterIdLst>
-    <p:notesMasterId r:id="rId42"/>
+    <p:notesMasterId r:id="rId46"/>
   </p:notesMasterIdLst>
   <p:sldIdLst>
     <p:sldId id="256" r:id="rId2"/>
-    <p:sldId id="257" r:id="rId3"/>
-    <p:sldId id="258" r:id="rId4"/>
-    <p:sldId id="259" r:id="rId5"/>
-    <p:sldId id="260" r:id="rId6"/>
-    <p:sldId id="261" r:id="rId7"/>
-    <p:sldId id="262" r:id="rId8"/>
-    <p:sldId id="263" r:id="rId9"/>
-    <p:sldId id="264" r:id="rId10"/>
-    <p:sldId id="265" r:id="rId11"/>
-    <p:sldId id="266" r:id="rId12"/>
-    <p:sldId id="267" r:id="rId13"/>
-    <p:sldId id="268" r:id="rId14"/>
-    <p:sldId id="269" r:id="rId15"/>
-    <p:sldId id="270" r:id="rId16"/>
-    <p:sldId id="271" r:id="rId17"/>
-    <p:sldId id="272" r:id="rId18"/>
-    <p:sldId id="273" r:id="rId19"/>
-    <p:sldId id="274" r:id="rId20"/>
-    <p:sldId id="275" r:id="rId21"/>
-    <p:sldId id="276" r:id="rId22"/>
-    <p:sldId id="277" r:id="rId23"/>
-    <p:sldId id="278" r:id="rId24"/>
-    <p:sldId id="279" r:id="rId25"/>
-    <p:sldId id="280" r:id="rId26"/>
-    <p:sldId id="281" r:id="rId27"/>
-    <p:sldId id="282" r:id="rId28"/>
-    <p:sldId id="283" r:id="rId29"/>
-    <p:sldId id="284" r:id="rId30"/>
-    <p:sldId id="285" r:id="rId31"/>
-    <p:sldId id="286" r:id="rId32"/>
-    <p:sldId id="287" r:id="rId33"/>
-    <p:sldId id="288" r:id="rId34"/>
-    <p:sldId id="289" r:id="rId35"/>
-    <p:sldId id="290" r:id="rId36"/>
-    <p:sldId id="291" r:id="rId37"/>
-    <p:sldId id="292" r:id="rId38"/>
-    <p:sldId id="293" r:id="rId39"/>
-    <p:sldId id="294" r:id="rId40"/>
-    <p:sldId id="295" r:id="rId41"/>
+    <p:sldId id="294" r:id="rId3"/>
+    <p:sldId id="257" r:id="rId4"/>
+    <p:sldId id="258" r:id="rId5"/>
+    <p:sldId id="259" r:id="rId6"/>
+    <p:sldId id="260" r:id="rId7"/>
+    <p:sldId id="261" r:id="rId8"/>
+    <p:sldId id="262" r:id="rId9"/>
+    <p:sldId id="263" r:id="rId10"/>
+    <p:sldId id="264" r:id="rId11"/>
+    <p:sldId id="265" r:id="rId12"/>
+    <p:sldId id="266" r:id="rId13"/>
+    <p:sldId id="267" r:id="rId14"/>
+    <p:sldId id="268" r:id="rId15"/>
+    <p:sldId id="269" r:id="rId16"/>
+    <p:sldId id="270" r:id="rId17"/>
+    <p:sldId id="271" r:id="rId18"/>
+    <p:sldId id="272" r:id="rId19"/>
+    <p:sldId id="273" r:id="rId20"/>
+    <p:sldId id="274" r:id="rId21"/>
+    <p:sldId id="275" r:id="rId22"/>
+    <p:sldId id="276" r:id="rId23"/>
+    <p:sldId id="277" r:id="rId24"/>
+    <p:sldId id="278" r:id="rId25"/>
+    <p:sldId id="279" r:id="rId26"/>
+    <p:sldId id="280" r:id="rId27"/>
+    <p:sldId id="281" r:id="rId28"/>
+    <p:sldId id="282" r:id="rId29"/>
+    <p:sldId id="283" r:id="rId30"/>
+    <p:sldId id="284" r:id="rId31"/>
+    <p:sldId id="285" r:id="rId32"/>
+    <p:sldId id="286" r:id="rId33"/>
+    <p:sldId id="287" r:id="rId34"/>
+    <p:sldId id="288" r:id="rId35"/>
+    <p:sldId id="289" r:id="rId36"/>
+    <p:sldId id="290" r:id="rId37"/>
+    <p:sldId id="296" r:id="rId38"/>
+    <p:sldId id="298" r:id="rId39"/>
+    <p:sldId id="299" r:id="rId40"/>
+    <p:sldId id="300" r:id="rId41"/>
+    <p:sldId id="291" r:id="rId42"/>
+    <p:sldId id="292" r:id="rId43"/>
+    <p:sldId id="293" r:id="rId44"/>
+    <p:sldId id="295" r:id="rId45"/>
   </p:sldIdLst>
   <p:sldSz cx="12192000" cy="6858000"/>
   <p:notesSz cx="6858000" cy="9144000"/>
@@ -349,6 +353,22 @@
       </a:defRPr>
     </a:lvl9pPr>
   </p:defaultTextStyle>
+  <p:extLst>
+    <p:ext uri="{EFAFB233-063F-42B5-8137-9DF3F51BA10A}">
+      <p15:sldGuideLst xmlns:p15="http://schemas.microsoft.com/office/powerpoint/2012/main">
+        <p15:guide id="1" orient="horz" pos="2160">
+          <p15:clr>
+            <a:srgbClr val="A4A3A4"/>
+          </p15:clr>
+        </p15:guide>
+        <p15:guide id="2" pos="3840">
+          <p15:clr>
+            <a:srgbClr val="A4A3A4"/>
+          </p15:clr>
+        </p15:guide>
+      </p15:sldGuideLst>
+    </p:ext>
+  </p:extLst>
 </p:presentation>
 </file>
 
@@ -429,6 +449,11 @@
         </p:txBody>
       </p:sp>
     </p:spTree>
+    <p:extLst>
+      <p:ext uri="{BB962C8B-B14F-4D97-AF65-F5344CB8AC3E}">
+        <p14:creationId xmlns:p14="http://schemas.microsoft.com/office/powerpoint/2010/main" val="3739069442"/>
+      </p:ext>
+    </p:extLst>
   </p:cSld>
   <p:clrMap bg1="lt1" tx1="dk1" bg2="lt2" tx2="dk2" accent1="accent1" accent2="accent2" accent3="accent3" accent4="accent4" accent5="accent5" accent6="accent6" hlink="hlink" folHlink="folHlink"/>
   <p:notesStyle>
@@ -506,6 +531,668 @@
     </a:lvl9pPr>
   </p:notesStyle>
 </p:notesMaster>
+</file>
+
+<file path=ppt/notesSlides/notesSlide1.xml><?xml version="1.0" encoding="utf-8"?>
+<p:notes xmlns:a="http://schemas.openxmlformats.org/drawingml/2006/main" xmlns:r="http://schemas.openxmlformats.org/officeDocument/2006/relationships" xmlns:p="http://schemas.openxmlformats.org/presentationml/2006/main">
+  <p:cSld>
+    <p:spTree>
+      <p:nvGrpSpPr>
+        <p:cNvPr id="1" name=""/>
+        <p:cNvGrpSpPr/>
+        <p:nvPr/>
+      </p:nvGrpSpPr>
+      <p:grpSpPr>
+        <a:xfrm>
+          <a:off x="0" y="0"/>
+          <a:ext cx="0" cy="0"/>
+          <a:chOff x="0" y="0"/>
+          <a:chExt cx="0" cy="0"/>
+        </a:xfrm>
+      </p:grpSpPr>
+      <p:sp>
+        <p:nvSpPr>
+          <p:cNvPr id="2" name="幻灯片图像占位符 1"/>
+          <p:cNvSpPr>
+            <a:spLocks noGrp="1" noRot="1" noChangeAspect="1"/>
+          </p:cNvSpPr>
+          <p:nvPr>
+            <p:ph type="sldImg"/>
+          </p:nvPr>
+        </p:nvSpPr>
+        <p:spPr>
+          <a:xfrm>
+            <a:off x="381000" y="685800"/>
+            <a:ext cx="6096000" cy="3429000"/>
+          </a:xfrm>
+        </p:spPr>
+      </p:sp>
+      <p:sp>
+        <p:nvSpPr>
+          <p:cNvPr id="3" name="备注占位符 2"/>
+          <p:cNvSpPr>
+            <a:spLocks noGrp="1"/>
+          </p:cNvSpPr>
+          <p:nvPr>
+            <p:ph type="body" idx="1"/>
+          </p:nvPr>
+        </p:nvSpPr>
+        <p:spPr/>
+        <p:txBody>
+          <a:bodyPr/>
+          <a:lstStyle/>
+          <a:p>
+            <a:pPr marL="0" marR="0" indent="0" defTabSz="457200" eaLnBrk="1" fontAlgn="auto" latinLnBrk="0" hangingPunct="1">
+              <a:lnSpc>
+                <a:spcPct val="100000"/>
+              </a:lnSpc>
+              <a:spcBef>
+                <a:spcPts val="0"/>
+              </a:spcBef>
+              <a:spcAft>
+                <a:spcPts val="0"/>
+              </a:spcAft>
+              <a:buClrTx/>
+              <a:buSzTx/>
+              <a:buFontTx/>
+              <a:buNone/>
+              <a:tabLst/>
+              <a:defRPr/>
+            </a:pPr>
+            <a:r>
+              <a:rPr lang="en-US" altLang="zh-CN" dirty="0"/>
+              <a:t>[1]About Face3</a:t>
+            </a:r>
+            <a:r>
+              <a:rPr lang="zh-CN" altLang="en-US" dirty="0"/>
+              <a:t>（</a:t>
+            </a:r>
+            <a:r>
+              <a:rPr lang="en-US" altLang="zh-CN" dirty="0"/>
+              <a:t>《</a:t>
+            </a:r>
+            <a:r>
+              <a:rPr lang="zh-CN" altLang="en-US" dirty="0"/>
+              <a:t>交互设计精髓</a:t>
+            </a:r>
+            <a:r>
+              <a:rPr lang="en-US" altLang="zh-CN" dirty="0"/>
+              <a:t>3》</a:t>
+            </a:r>
+            <a:r>
+              <a:rPr lang="zh-CN" altLang="en-US" dirty="0"/>
+              <a:t>）  </a:t>
+            </a:r>
+            <a:r>
+              <a:rPr lang="en-US" altLang="zh-CN" dirty="0"/>
+              <a:t>Alan Cooper / Robert </a:t>
+            </a:r>
+            <a:r>
+              <a:rPr lang="en-US" altLang="zh-CN" dirty="0" err="1"/>
+              <a:t>Reimann</a:t>
+            </a:r>
+            <a:r>
+              <a:rPr lang="en-US" altLang="zh-CN" dirty="0"/>
+              <a:t>  David Cronin</a:t>
+            </a:r>
+            <a:r>
+              <a:rPr lang="en-US" altLang="zh-CN" dirty="0">
+                <a:solidFill>
+                  <a:srgbClr val="111111"/>
+                </a:solidFill>
+              </a:rPr>
+              <a:t> </a:t>
+            </a:r>
+            <a:r>
+              <a:rPr lang="zh-CN" altLang="en-US" dirty="0">
+                <a:solidFill>
+                  <a:srgbClr val="111111"/>
+                </a:solidFill>
+              </a:rPr>
+              <a:t>电子工业出版社   </a:t>
+            </a:r>
+            <a:r>
+              <a:rPr lang="en-US" altLang="zh-CN" dirty="0"/>
+              <a:t>ISBN: 9787121070174</a:t>
+            </a:r>
+          </a:p>
+        </p:txBody>
+      </p:sp>
+    </p:spTree>
+    <p:extLst>
+      <p:ext uri="{BB962C8B-B14F-4D97-AF65-F5344CB8AC3E}">
+        <p14:creationId xmlns:p14="http://schemas.microsoft.com/office/powerpoint/2010/main" val="1042901371"/>
+      </p:ext>
+    </p:extLst>
+  </p:cSld>
+  <p:clrMapOvr>
+    <a:masterClrMapping/>
+  </p:clrMapOvr>
+</p:notes>
+</file>
+
+<file path=ppt/notesSlides/notesSlide2.xml><?xml version="1.0" encoding="utf-8"?>
+<p:notes xmlns:a="http://schemas.openxmlformats.org/drawingml/2006/main" xmlns:r="http://schemas.openxmlformats.org/officeDocument/2006/relationships" xmlns:p="http://schemas.openxmlformats.org/presentationml/2006/main">
+  <p:cSld>
+    <p:spTree>
+      <p:nvGrpSpPr>
+        <p:cNvPr id="1" name=""/>
+        <p:cNvGrpSpPr/>
+        <p:nvPr/>
+      </p:nvGrpSpPr>
+      <p:grpSpPr>
+        <a:xfrm>
+          <a:off x="0" y="0"/>
+          <a:ext cx="0" cy="0"/>
+          <a:chOff x="0" y="0"/>
+          <a:chExt cx="0" cy="0"/>
+        </a:xfrm>
+      </p:grpSpPr>
+      <p:sp>
+        <p:nvSpPr>
+          <p:cNvPr id="2" name="幻灯片图像占位符 1"/>
+          <p:cNvSpPr>
+            <a:spLocks noGrp="1" noRot="1" noChangeAspect="1"/>
+          </p:cNvSpPr>
+          <p:nvPr>
+            <p:ph type="sldImg"/>
+          </p:nvPr>
+        </p:nvSpPr>
+        <p:spPr>
+          <a:xfrm>
+            <a:off x="381000" y="685800"/>
+            <a:ext cx="6096000" cy="3429000"/>
+          </a:xfrm>
+        </p:spPr>
+      </p:sp>
+      <p:sp>
+        <p:nvSpPr>
+          <p:cNvPr id="3" name="备注占位符 2"/>
+          <p:cNvSpPr>
+            <a:spLocks noGrp="1"/>
+          </p:cNvSpPr>
+          <p:nvPr>
+            <p:ph type="body" idx="1"/>
+          </p:nvPr>
+        </p:nvSpPr>
+        <p:spPr/>
+        <p:txBody>
+          <a:bodyPr/>
+          <a:lstStyle/>
+          <a:p>
+            <a:r>
+              <a:rPr lang="zh-CN" altLang="en-US" sz="1200" b="0" i="0" dirty="0">
+                <a:effectLst/>
+                <a:latin typeface="+mj-lt"/>
+                <a:ea typeface="+mj-ea"/>
+                <a:cs typeface="+mj-cs"/>
+                <a:sym typeface="Tw Cen MT"/>
+              </a:rPr>
+              <a:t>目标导向设计：是面向行为的设计，旨在处理并满足用户的目标和动机。</a:t>
+            </a:r>
+            <a:endParaRPr lang="en-US" altLang="zh-CN" sz="1200" b="0" i="0" dirty="0">
+              <a:effectLst/>
+              <a:latin typeface="+mj-lt"/>
+              <a:ea typeface="+mj-ea"/>
+              <a:cs typeface="+mj-cs"/>
+              <a:sym typeface="Tw Cen MT"/>
+            </a:endParaRPr>
+          </a:p>
+          <a:p>
+            <a:r>
+              <a:rPr lang="en-US" altLang="zh-CN" sz="1200" b="0" i="0" dirty="0">
+                <a:effectLst/>
+                <a:latin typeface="+mj-lt"/>
+                <a:ea typeface="+mj-ea"/>
+                <a:cs typeface="+mj-cs"/>
+                <a:sym typeface="Tw Cen MT"/>
+              </a:rPr>
+              <a:t>(goal-directed design)</a:t>
+            </a:r>
+            <a:endParaRPr lang="zh-CN" altLang="en-US" dirty="0"/>
+          </a:p>
+        </p:txBody>
+      </p:sp>
+    </p:spTree>
+    <p:extLst>
+      <p:ext uri="{BB962C8B-B14F-4D97-AF65-F5344CB8AC3E}">
+        <p14:creationId xmlns:p14="http://schemas.microsoft.com/office/powerpoint/2010/main" val="707473387"/>
+      </p:ext>
+    </p:extLst>
+  </p:cSld>
+  <p:clrMapOvr>
+    <a:masterClrMapping/>
+  </p:clrMapOvr>
+</p:notes>
+</file>
+
+<file path=ppt/notesSlides/notesSlide3.xml><?xml version="1.0" encoding="utf-8"?>
+<p:notes xmlns:a="http://schemas.openxmlformats.org/drawingml/2006/main" xmlns:r="http://schemas.openxmlformats.org/officeDocument/2006/relationships" xmlns:p="http://schemas.openxmlformats.org/presentationml/2006/main">
+  <p:cSld>
+    <p:spTree>
+      <p:nvGrpSpPr>
+        <p:cNvPr id="1" name=""/>
+        <p:cNvGrpSpPr/>
+        <p:nvPr/>
+      </p:nvGrpSpPr>
+      <p:grpSpPr>
+        <a:xfrm>
+          <a:off x="0" y="0"/>
+          <a:ext cx="0" cy="0"/>
+          <a:chOff x="0" y="0"/>
+          <a:chExt cx="0" cy="0"/>
+        </a:xfrm>
+      </p:grpSpPr>
+      <p:sp>
+        <p:nvSpPr>
+          <p:cNvPr id="2" name="幻灯片图像占位符 1"/>
+          <p:cNvSpPr>
+            <a:spLocks noGrp="1" noRot="1" noChangeAspect="1"/>
+          </p:cNvSpPr>
+          <p:nvPr>
+            <p:ph type="sldImg"/>
+          </p:nvPr>
+        </p:nvSpPr>
+        <p:spPr>
+          <a:xfrm>
+            <a:off x="381000" y="685800"/>
+            <a:ext cx="6096000" cy="3429000"/>
+          </a:xfrm>
+        </p:spPr>
+      </p:sp>
+      <p:sp>
+        <p:nvSpPr>
+          <p:cNvPr id="3" name="备注占位符 2"/>
+          <p:cNvSpPr>
+            <a:spLocks noGrp="1"/>
+          </p:cNvSpPr>
+          <p:nvPr>
+            <p:ph type="body" idx="1"/>
+          </p:nvPr>
+        </p:nvSpPr>
+        <p:spPr/>
+        <p:txBody>
+          <a:bodyPr/>
+          <a:lstStyle/>
+          <a:p>
+            <a:r>
+              <a:rPr lang="zh-CN" altLang="en-US" dirty="0"/>
+              <a:t>页面注释和交互区（</a:t>
+            </a:r>
+            <a:r>
+              <a:rPr lang="zh-CN" altLang="en-US" sz="1200" b="0" i="0" dirty="0">
+                <a:effectLst/>
+                <a:latin typeface="+mj-lt"/>
+                <a:ea typeface="+mj-ea"/>
+                <a:cs typeface="+mj-cs"/>
+                <a:sym typeface="Tw Cen MT"/>
+              </a:rPr>
+              <a:t>添加和管理页面级的注释和交互。</a:t>
+            </a:r>
+            <a:r>
+              <a:rPr lang="zh-CN" altLang="en-US" dirty="0"/>
+              <a:t>）</a:t>
+            </a:r>
+            <a:endParaRPr lang="en-US" altLang="zh-CN" dirty="0"/>
+          </a:p>
+          <a:p>
+            <a:r>
+              <a:rPr lang="zh-CN" altLang="en-US" dirty="0"/>
+              <a:t>模块面板（左下  </a:t>
+            </a:r>
+            <a:r>
+              <a:rPr lang="zh-CN" altLang="en-US" sz="1200" b="0" i="0" dirty="0">
+                <a:effectLst/>
+                <a:latin typeface="+mj-lt"/>
+                <a:ea typeface="+mj-ea"/>
+                <a:cs typeface="+mj-cs"/>
+                <a:sym typeface="Tw Cen MT"/>
+              </a:rPr>
+              <a:t>在该面板中可进行模块的添加、删除、重命名和组织模块分类层次</a:t>
+            </a:r>
+            <a:r>
+              <a:rPr lang="zh-CN" altLang="en-US" dirty="0"/>
+              <a:t>）</a:t>
+            </a:r>
+            <a:endParaRPr lang="en-US" altLang="zh-CN" dirty="0"/>
+          </a:p>
+        </p:txBody>
+      </p:sp>
+    </p:spTree>
+    <p:extLst>
+      <p:ext uri="{BB962C8B-B14F-4D97-AF65-F5344CB8AC3E}">
+        <p14:creationId xmlns:p14="http://schemas.microsoft.com/office/powerpoint/2010/main" val="767047583"/>
+      </p:ext>
+    </p:extLst>
+  </p:cSld>
+  <p:clrMapOvr>
+    <a:masterClrMapping/>
+  </p:clrMapOvr>
+</p:notes>
+</file>
+
+<file path=ppt/notesSlides/notesSlide4.xml><?xml version="1.0" encoding="utf-8"?>
+<p:notes xmlns:a="http://schemas.openxmlformats.org/drawingml/2006/main" xmlns:r="http://schemas.openxmlformats.org/officeDocument/2006/relationships" xmlns:p="http://schemas.openxmlformats.org/presentationml/2006/main">
+  <p:cSld>
+    <p:spTree>
+      <p:nvGrpSpPr>
+        <p:cNvPr id="1" name=""/>
+        <p:cNvGrpSpPr/>
+        <p:nvPr/>
+      </p:nvGrpSpPr>
+      <p:grpSpPr>
+        <a:xfrm>
+          <a:off x="0" y="0"/>
+          <a:ext cx="0" cy="0"/>
+          <a:chOff x="0" y="0"/>
+          <a:chExt cx="0" cy="0"/>
+        </a:xfrm>
+      </p:grpSpPr>
+      <p:sp>
+        <p:nvSpPr>
+          <p:cNvPr id="2" name="幻灯片图像占位符 1"/>
+          <p:cNvSpPr>
+            <a:spLocks noGrp="1" noRot="1" noChangeAspect="1"/>
+          </p:cNvSpPr>
+          <p:nvPr>
+            <p:ph type="sldImg"/>
+          </p:nvPr>
+        </p:nvSpPr>
+        <p:spPr>
+          <a:xfrm>
+            <a:off x="381000" y="685800"/>
+            <a:ext cx="6096000" cy="3429000"/>
+          </a:xfrm>
+        </p:spPr>
+      </p:sp>
+      <p:sp>
+        <p:nvSpPr>
+          <p:cNvPr id="3" name="备注占位符 2"/>
+          <p:cNvSpPr>
+            <a:spLocks noGrp="1"/>
+          </p:cNvSpPr>
+          <p:nvPr>
+            <p:ph type="body" idx="1"/>
+          </p:nvPr>
+        </p:nvSpPr>
+        <p:spPr/>
+        <p:txBody>
+          <a:bodyPr/>
+          <a:lstStyle/>
+          <a:p>
+            <a:pPr marL="84124" indent="-84124" defTabSz="841247">
+              <a:spcBef>
+                <a:spcPts val="1100"/>
+              </a:spcBef>
+              <a:defRPr sz="2208" b="1"/>
+            </a:pPr>
+            <a:r>
+              <a:rPr lang="zh-CN" altLang="en-US" dirty="0"/>
+              <a:t>访谈利益相关人</a:t>
+            </a:r>
+          </a:p>
+          <a:p>
+            <a:pPr marL="84124" indent="-84124" defTabSz="841247">
+              <a:spcBef>
+                <a:spcPts val="1100"/>
+              </a:spcBef>
+              <a:defRPr sz="2208" b="1"/>
+            </a:pPr>
+            <a:r>
+              <a:rPr lang="zh-CN" altLang="en-US" dirty="0"/>
+              <a:t>访谈主题专家</a:t>
+            </a:r>
+          </a:p>
+          <a:p>
+            <a:pPr marL="84124" indent="-84124" defTabSz="841247">
+              <a:spcBef>
+                <a:spcPts val="1100"/>
+              </a:spcBef>
+              <a:defRPr sz="2208" b="1"/>
+            </a:pPr>
+            <a:r>
+              <a:rPr lang="zh-CN" altLang="en-US" dirty="0"/>
+              <a:t>访谈用户和顾客</a:t>
+            </a:r>
+          </a:p>
+          <a:p>
+            <a:pPr marL="84124" indent="-84124" defTabSz="841247">
+              <a:spcBef>
+                <a:spcPts val="1100"/>
+              </a:spcBef>
+              <a:defRPr sz="2208" b="1"/>
+            </a:pPr>
+            <a:r>
+              <a:rPr lang="zh-CN" altLang="en-US" dirty="0"/>
+              <a:t>用户观察</a:t>
+            </a:r>
+          </a:p>
+          <a:p>
+            <a:pPr marL="84124" indent="-84124" defTabSz="841247">
+              <a:spcBef>
+                <a:spcPts val="1100"/>
+              </a:spcBef>
+              <a:defRPr sz="2208" b="1"/>
+            </a:pPr>
+            <a:r>
+              <a:rPr lang="zh-CN" altLang="en-US" dirty="0"/>
+              <a:t>文献调研</a:t>
+            </a:r>
+          </a:p>
+          <a:p>
+            <a:pPr marL="84124" indent="-84124" defTabSz="841247">
+              <a:spcBef>
+                <a:spcPts val="1100"/>
+              </a:spcBef>
+              <a:defRPr sz="2208" b="1"/>
+            </a:pPr>
+            <a:r>
+              <a:rPr lang="zh-CN" altLang="en-US" dirty="0"/>
+              <a:t>产品</a:t>
+            </a:r>
+            <a:r>
+              <a:rPr lang="en-US" altLang="zh-CN" dirty="0"/>
+              <a:t>/</a:t>
+            </a:r>
+            <a:r>
+              <a:rPr lang="zh-CN" altLang="en-US" dirty="0"/>
+              <a:t>原型和竞争审查</a:t>
+            </a:r>
+          </a:p>
+        </p:txBody>
+      </p:sp>
+    </p:spTree>
+    <p:extLst>
+      <p:ext uri="{BB962C8B-B14F-4D97-AF65-F5344CB8AC3E}">
+        <p14:creationId xmlns:p14="http://schemas.microsoft.com/office/powerpoint/2010/main" val="4061074617"/>
+      </p:ext>
+    </p:extLst>
+  </p:cSld>
+  <p:clrMapOvr>
+    <a:masterClrMapping/>
+  </p:clrMapOvr>
+</p:notes>
+</file>
+
+<file path=ppt/notesSlides/notesSlide5.xml><?xml version="1.0" encoding="utf-8"?>
+<p:notes xmlns:a="http://schemas.openxmlformats.org/drawingml/2006/main" xmlns:r="http://schemas.openxmlformats.org/officeDocument/2006/relationships" xmlns:p="http://schemas.openxmlformats.org/presentationml/2006/main">
+  <p:cSld>
+    <p:spTree>
+      <p:nvGrpSpPr>
+        <p:cNvPr id="1" name=""/>
+        <p:cNvGrpSpPr/>
+        <p:nvPr/>
+      </p:nvGrpSpPr>
+      <p:grpSpPr>
+        <a:xfrm>
+          <a:off x="0" y="0"/>
+          <a:ext cx="0" cy="0"/>
+          <a:chOff x="0" y="0"/>
+          <a:chExt cx="0" cy="0"/>
+        </a:xfrm>
+      </p:grpSpPr>
+      <p:sp>
+        <p:nvSpPr>
+          <p:cNvPr id="2" name="幻灯片图像占位符 1"/>
+          <p:cNvSpPr>
+            <a:spLocks noGrp="1" noRot="1" noChangeAspect="1"/>
+          </p:cNvSpPr>
+          <p:nvPr>
+            <p:ph type="sldImg"/>
+          </p:nvPr>
+        </p:nvSpPr>
+        <p:spPr>
+          <a:xfrm>
+            <a:off x="381000" y="685800"/>
+            <a:ext cx="6096000" cy="3429000"/>
+          </a:xfrm>
+        </p:spPr>
+      </p:sp>
+      <p:sp>
+        <p:nvSpPr>
+          <p:cNvPr id="3" name="备注占位符 2"/>
+          <p:cNvSpPr>
+            <a:spLocks noGrp="1"/>
+          </p:cNvSpPr>
+          <p:nvPr>
+            <p:ph type="body" idx="1"/>
+          </p:nvPr>
+        </p:nvSpPr>
+        <p:spPr/>
+        <p:txBody>
+          <a:bodyPr/>
+          <a:lstStyle/>
+          <a:p>
+            <a:pPr marL="0" marR="0" indent="0" defTabSz="457200" eaLnBrk="1" fontAlgn="auto" latinLnBrk="0" hangingPunct="1">
+              <a:lnSpc>
+                <a:spcPct val="100000"/>
+              </a:lnSpc>
+              <a:spcBef>
+                <a:spcPts val="0"/>
+              </a:spcBef>
+              <a:spcAft>
+                <a:spcPts val="0"/>
+              </a:spcAft>
+              <a:buClrTx/>
+              <a:buSzTx/>
+              <a:buFontTx/>
+              <a:buNone/>
+              <a:tabLst/>
+              <a:defRPr/>
+            </a:pPr>
+            <a:r>
+              <a:rPr lang="zh-CN" altLang="en-US" dirty="0"/>
+              <a:t>心理模型</a:t>
+            </a:r>
+          </a:p>
+          <a:p>
+            <a:endParaRPr lang="zh-CN" altLang="en-US" dirty="0"/>
+          </a:p>
+        </p:txBody>
+      </p:sp>
+    </p:spTree>
+    <p:extLst>
+      <p:ext uri="{BB962C8B-B14F-4D97-AF65-F5344CB8AC3E}">
+        <p14:creationId xmlns:p14="http://schemas.microsoft.com/office/powerpoint/2010/main" val="2322138152"/>
+      </p:ext>
+    </p:extLst>
+  </p:cSld>
+  <p:clrMapOvr>
+    <a:masterClrMapping/>
+  </p:clrMapOvr>
+</p:notes>
+</file>
+
+<file path=ppt/notesSlides/notesSlide6.xml><?xml version="1.0" encoding="utf-8"?>
+<p:notes xmlns:a="http://schemas.openxmlformats.org/drawingml/2006/main" xmlns:r="http://schemas.openxmlformats.org/officeDocument/2006/relationships" xmlns:p="http://schemas.openxmlformats.org/presentationml/2006/main">
+  <p:cSld>
+    <p:spTree>
+      <p:nvGrpSpPr>
+        <p:cNvPr id="1" name=""/>
+        <p:cNvGrpSpPr/>
+        <p:nvPr/>
+      </p:nvGrpSpPr>
+      <p:grpSpPr>
+        <a:xfrm>
+          <a:off x="0" y="0"/>
+          <a:ext cx="0" cy="0"/>
+          <a:chOff x="0" y="0"/>
+          <a:chExt cx="0" cy="0"/>
+        </a:xfrm>
+      </p:grpSpPr>
+      <p:sp>
+        <p:nvSpPr>
+          <p:cNvPr id="2" name="幻灯片图像占位符 1"/>
+          <p:cNvSpPr>
+            <a:spLocks noGrp="1" noRot="1" noChangeAspect="1"/>
+          </p:cNvSpPr>
+          <p:nvPr>
+            <p:ph type="sldImg"/>
+          </p:nvPr>
+        </p:nvSpPr>
+        <p:spPr>
+          <a:xfrm>
+            <a:off x="381000" y="685800"/>
+            <a:ext cx="6096000" cy="3429000"/>
+          </a:xfrm>
+        </p:spPr>
+      </p:sp>
+      <p:sp>
+        <p:nvSpPr>
+          <p:cNvPr id="3" name="备注占位符 2"/>
+          <p:cNvSpPr>
+            <a:spLocks noGrp="1"/>
+          </p:cNvSpPr>
+          <p:nvPr>
+            <p:ph type="body" idx="1"/>
+          </p:nvPr>
+        </p:nvSpPr>
+        <p:spPr/>
+        <p:txBody>
+          <a:bodyPr/>
+          <a:lstStyle/>
+          <a:p>
+            <a:pPr>
+              <a:defRPr sz="2300"/>
+            </a:pPr>
+            <a:r>
+              <a:rPr lang="zh-CN" altLang="en-US" b="1" dirty="0"/>
+              <a:t>场景剧本</a:t>
+            </a:r>
+            <a:r>
+              <a:rPr lang="zh-CN" altLang="en-US" dirty="0"/>
+              <a:t>是从人物角色角度定义产品行为的迭代手段，不仅包括系统功能，也包括功能过的优先级，以及用户与系统的交互方式。</a:t>
+            </a:r>
+          </a:p>
+          <a:p>
+            <a:pPr>
+              <a:defRPr sz="2300"/>
+            </a:pPr>
+            <a:r>
+              <a:rPr lang="zh-CN" altLang="en-US" b="1" dirty="0"/>
+              <a:t>用例</a:t>
+            </a:r>
+            <a:r>
+              <a:rPr lang="zh-CN" altLang="en-US" dirty="0"/>
+              <a:t>是对系统功能需求的详尽描述，系统的精确行为通常不是用例的一部分，很少提到任务如何向用户表达或者如何在界面中进行优先级排序。</a:t>
+            </a:r>
+          </a:p>
+          <a:p>
+            <a:endParaRPr lang="zh-CN" altLang="en-US" dirty="0"/>
+          </a:p>
+        </p:txBody>
+      </p:sp>
+    </p:spTree>
+    <p:extLst>
+      <p:ext uri="{BB962C8B-B14F-4D97-AF65-F5344CB8AC3E}">
+        <p14:creationId xmlns:p14="http://schemas.microsoft.com/office/powerpoint/2010/main" val="3131042117"/>
+      </p:ext>
+    </p:extLst>
+  </p:cSld>
+  <p:clrMapOvr>
+    <a:masterClrMapping/>
+  </p:clrMapOvr>
+</p:notes>
 </file>
 
 <file path=ppt/slideLayouts/slideLayout1.xml><?xml version="1.0" encoding="utf-8"?>
@@ -21009,22 +21696,253 @@
   <p:clrMapOvr>
     <a:masterClrMapping/>
   </p:clrMapOvr>
-  <mc:AlternateContent xmlns:mc="http://schemas.openxmlformats.org/markup-compatibility/2006">
-    <mc:Choice xmlns:p15="http://schemas.microsoft.com/office/powerpoint/2012/main" Requires="p15">
-      <p:transition xmlns:p14="http://schemas.microsoft.com/office/powerpoint/2010/main" spd="slow" p14:dur="1250">
-        <p15:prstTrans prst="peelOff"/>
-      </p:transition>
-    </mc:Choice>
-    <mc:Fallback>
-      <p:transition spd="slow">
-        <p:fade/>
-      </p:transition>
-    </mc:Fallback>
-  </mc:AlternateContent>
+  <p:transition spd="slow">
+    <p:fade/>
+  </p:transition>
 </p:sld>
 </file>
 
 <file path=ppt/slides/slide10.xml><?xml version="1.0" encoding="utf-8"?>
+<p:sld xmlns:a="http://schemas.openxmlformats.org/drawingml/2006/main" xmlns:r="http://schemas.openxmlformats.org/officeDocument/2006/relationships" xmlns:p="http://schemas.openxmlformats.org/presentationml/2006/main">
+  <p:cSld>
+    <p:spTree>
+      <p:nvGrpSpPr>
+        <p:cNvPr id="1" name=""/>
+        <p:cNvGrpSpPr/>
+        <p:nvPr/>
+      </p:nvGrpSpPr>
+      <p:grpSpPr>
+        <a:xfrm>
+          <a:off x="0" y="0"/>
+          <a:ext cx="0" cy="0"/>
+          <a:chOff x="0" y="0"/>
+          <a:chExt cx="0" cy="0"/>
+        </a:xfrm>
+      </p:grpSpPr>
+      <p:sp>
+        <p:nvSpPr>
+          <p:cNvPr id="172" name="Title 1"/>
+          <p:cNvSpPr txBox="1">
+            <a:spLocks noGrp="1"/>
+          </p:cNvSpPr>
+          <p:nvPr>
+            <p:ph type="title"/>
+          </p:nvPr>
+        </p:nvSpPr>
+        <p:spPr>
+          <a:xfrm>
+            <a:off x="1024128" y="585216"/>
+            <a:ext cx="9720072" cy="1499617"/>
+          </a:xfrm>
+          <a:prstGeom prst="rect">
+            <a:avLst/>
+          </a:prstGeom>
+        </p:spPr>
+        <p:txBody>
+          <a:bodyPr/>
+          <a:lstStyle/>
+          <a:p>
+            <a:r>
+              <a:rPr dirty="0" err="1"/>
+              <a:t>目标导向设计-研究阶段</a:t>
+            </a:r>
+            <a:endParaRPr dirty="0"/>
+          </a:p>
+        </p:txBody>
+      </p:sp>
+      <p:sp>
+        <p:nvSpPr>
+          <p:cNvPr id="173" name="Content Placeholder 2"/>
+          <p:cNvSpPr txBox="1">
+            <a:spLocks noGrp="1"/>
+          </p:cNvSpPr>
+          <p:nvPr>
+            <p:ph type="body" idx="1"/>
+          </p:nvPr>
+        </p:nvSpPr>
+        <p:spPr>
+          <a:xfrm>
+            <a:off x="1024128" y="2286000"/>
+            <a:ext cx="9589858" cy="4023360"/>
+          </a:xfrm>
+          <a:prstGeom prst="rect">
+            <a:avLst/>
+          </a:prstGeom>
+        </p:spPr>
+        <p:txBody>
+          <a:bodyPr/>
+          <a:lstStyle/>
+          <a:p>
+            <a:pPr marL="79552" indent="-79552" defTabSz="795527">
+              <a:spcBef>
+                <a:spcPts val="1000"/>
+              </a:spcBef>
+              <a:defRPr sz="1914" b="1"/>
+            </a:pPr>
+            <a:r>
+              <a:rPr dirty="0" err="1"/>
+              <a:t>定性研究</a:t>
+            </a:r>
+            <a:r>
+              <a:rPr dirty="0"/>
+              <a:t> </a:t>
+            </a:r>
+          </a:p>
+          <a:p>
+            <a:pPr marL="79552" indent="-79552" defTabSz="795527">
+              <a:spcBef>
+                <a:spcPts val="1000"/>
+              </a:spcBef>
+              <a:defRPr sz="2088"/>
+            </a:pPr>
+            <a:r>
+              <a:rPr dirty="0"/>
+              <a:t>       </a:t>
+            </a:r>
+            <a:r>
+              <a:rPr dirty="0" err="1"/>
+              <a:t>与定量研究相比，定性研究以另一种更有用的方式帮助我们理解产品的问题域、情境和约束条件。定性研究的主要方法如下</a:t>
+            </a:r>
+            <a:r>
+              <a:rPr dirty="0"/>
+              <a:t>：</a:t>
+            </a:r>
+          </a:p>
+          <a:p>
+            <a:pPr marL="79552" indent="-79552" defTabSz="795527">
+              <a:spcBef>
+                <a:spcPts val="1000"/>
+              </a:spcBef>
+              <a:defRPr sz="2088" b="1"/>
+            </a:pPr>
+            <a:r>
+              <a:rPr dirty="0" err="1"/>
+              <a:t>访谈利益相关人</a:t>
+            </a:r>
+            <a:endParaRPr dirty="0"/>
+          </a:p>
+          <a:p>
+            <a:pPr marL="79552" indent="-79552" defTabSz="795527">
+              <a:spcBef>
+                <a:spcPts val="1000"/>
+              </a:spcBef>
+              <a:defRPr sz="2088" b="1"/>
+            </a:pPr>
+            <a:r>
+              <a:rPr dirty="0" err="1"/>
+              <a:t>访谈主题专家</a:t>
+            </a:r>
+            <a:endParaRPr dirty="0"/>
+          </a:p>
+          <a:p>
+            <a:pPr marL="79552" indent="-79552" defTabSz="795527">
+              <a:spcBef>
+                <a:spcPts val="1000"/>
+              </a:spcBef>
+              <a:defRPr sz="2088" b="1"/>
+            </a:pPr>
+            <a:r>
+              <a:rPr dirty="0" err="1"/>
+              <a:t>访谈用户和顾客</a:t>
+            </a:r>
+            <a:endParaRPr dirty="0"/>
+          </a:p>
+          <a:p>
+            <a:pPr marL="79552" indent="-79552" defTabSz="795527">
+              <a:spcBef>
+                <a:spcPts val="1000"/>
+              </a:spcBef>
+              <a:defRPr sz="2088" b="1"/>
+            </a:pPr>
+            <a:r>
+              <a:rPr dirty="0" err="1"/>
+              <a:t>用户观察</a:t>
+            </a:r>
+            <a:endParaRPr dirty="0"/>
+          </a:p>
+          <a:p>
+            <a:pPr marL="79552" indent="-79552" defTabSz="795527">
+              <a:spcBef>
+                <a:spcPts val="1000"/>
+              </a:spcBef>
+              <a:defRPr sz="2088" b="1"/>
+            </a:pPr>
+            <a:r>
+              <a:rPr dirty="0" err="1"/>
+              <a:t>文献调研</a:t>
+            </a:r>
+            <a:endParaRPr dirty="0"/>
+          </a:p>
+          <a:p>
+            <a:pPr marL="79552" indent="-79552" defTabSz="795527">
+              <a:spcBef>
+                <a:spcPts val="1000"/>
+              </a:spcBef>
+              <a:defRPr sz="2088" b="1"/>
+            </a:pPr>
+            <a:r>
+              <a:rPr dirty="0" err="1"/>
+              <a:t>产品</a:t>
+            </a:r>
+            <a:r>
+              <a:rPr dirty="0"/>
+              <a:t>/</a:t>
+            </a:r>
+            <a:r>
+              <a:rPr dirty="0" err="1"/>
+              <a:t>原型和竞争审查</a:t>
+            </a:r>
+            <a:endParaRPr dirty="0"/>
+          </a:p>
+        </p:txBody>
+      </p:sp>
+      <p:sp>
+        <p:nvSpPr>
+          <p:cNvPr id="174" name="Slide Number"/>
+          <p:cNvSpPr txBox="1">
+            <a:spLocks noGrp="1"/>
+          </p:cNvSpPr>
+          <p:nvPr>
+            <p:ph type="sldNum" sz="quarter" idx="4294967295"/>
+          </p:nvPr>
+        </p:nvSpPr>
+        <p:spPr>
+          <a:xfrm>
+            <a:off x="10837333" y="6492294"/>
+            <a:ext cx="174214" cy="231141"/>
+          </a:xfrm>
+          <a:prstGeom prst="rect">
+            <a:avLst/>
+          </a:prstGeom>
+          <a:extLst>
+            <a:ext uri="{C572A759-6A51-4108-AA02-DFA0A04FC94B}">
+              <ma14:wrappingTextBoxFlag xmlns:ma14="http://schemas.microsoft.com/office/mac/drawingml/2011/main" xmlns:a14="http://schemas.microsoft.com/office/drawing/2010/main" xmlns:m="http://schemas.openxmlformats.org/officeDocument/2006/math" xmlns="" val="1"/>
+            </a:ext>
+          </a:extLst>
+        </p:spPr>
+        <p:txBody>
+          <a:bodyPr/>
+          <a:lstStyle/>
+          <a:p>
+            <a:fld id="{86CB4B4D-7CA3-9044-876B-883B54F8677D}" type="slidenum">
+              <a:t>10</a:t>
+            </a:fld>
+            <a:endParaRPr/>
+          </a:p>
+        </p:txBody>
+      </p:sp>
+    </p:spTree>
+  </p:cSld>
+  <p:clrMapOvr>
+    <a:masterClrMapping/>
+  </p:clrMapOvr>
+  <p:transition spd="slow">
+    <p:fade/>
+  </p:transition>
+</p:sld>
+</file>
+
+<file path=ppt/slides/slide11.xml><?xml version="1.0" encoding="utf-8"?>
 <p:sld xmlns:a="http://schemas.openxmlformats.org/drawingml/2006/main" xmlns:r="http://schemas.openxmlformats.org/officeDocument/2006/relationships" xmlns:p="http://schemas.openxmlformats.org/presentationml/2006/main">
   <p:cSld>
     <p:spTree>
@@ -21210,7 +22128,7 @@
           <a:lstStyle/>
           <a:p>
             <a:fld id="{86CB4B4D-7CA3-9044-876B-883B54F8677D}" type="slidenum">
-              <a:t>10</a:t>
+              <a:t>11</a:t>
             </a:fld>
             <a:endParaRPr/>
           </a:p>
@@ -21221,22 +22139,13 @@
   <p:clrMapOvr>
     <a:masterClrMapping/>
   </p:clrMapOvr>
-  <mc:AlternateContent xmlns:mc="http://schemas.openxmlformats.org/markup-compatibility/2006">
-    <mc:Choice xmlns:p15="http://schemas.microsoft.com/office/powerpoint/2012/main" Requires="p15">
-      <p:transition xmlns:p14="http://schemas.microsoft.com/office/powerpoint/2010/main" spd="slow" p14:dur="1250">
-        <p15:prstTrans prst="peelOff"/>
-      </p:transition>
-    </mc:Choice>
-    <mc:Fallback>
-      <p:transition spd="slow">
-        <p:fade/>
-      </p:transition>
-    </mc:Fallback>
-  </mc:AlternateContent>
+  <p:transition spd="slow">
+    <p:fade/>
+  </p:transition>
 </p:sld>
 </file>
 
-<file path=ppt/slides/slide11.xml><?xml version="1.0" encoding="utf-8"?>
+<file path=ppt/slides/slide12.xml><?xml version="1.0" encoding="utf-8"?>
 <p:sld xmlns:a="http://schemas.openxmlformats.org/drawingml/2006/main" xmlns:r="http://schemas.openxmlformats.org/officeDocument/2006/relationships" xmlns:p="http://schemas.openxmlformats.org/presentationml/2006/main">
   <p:cSld>
     <p:spTree>
@@ -21295,7 +22204,7 @@
         <p:spPr>
           <a:xfrm>
             <a:off x="1024127" y="2286000"/>
-            <a:ext cx="9720075" cy="4023360"/>
+            <a:ext cx="9813206" cy="4023360"/>
           </a:xfrm>
           <a:prstGeom prst="rect">
             <a:avLst/>
@@ -21309,7 +22218,12 @@
               <a:defRPr b="1"/>
             </a:pPr>
             <a:r>
-              <a:t>实现模型（Implementation Model）</a:t>
+              <a:rPr dirty="0" err="1"/>
+              <a:t>实现模型（Implementation</a:t>
+            </a:r>
+            <a:r>
+              <a:rPr dirty="0"/>
+              <a:t> Model）</a:t>
             </a:r>
           </a:p>
           <a:p>
@@ -21317,31 +22231,54 @@
               <a:defRPr b="1"/>
             </a:pPr>
             <a:r>
+              <a:rPr dirty="0"/>
               <a:t>        </a:t>
             </a:r>
             <a:r>
-              <a:rPr b="0"/>
-              <a:t>有关程序如何实际工作的表达[1]</a:t>
+              <a:rPr b="0" dirty="0" err="1"/>
+              <a:t>有关程序如何实际工作的表达</a:t>
+            </a:r>
+            <a:r>
+              <a:rPr b="0" dirty="0"/>
+              <a:t>[1]</a:t>
             </a:r>
           </a:p>
           <a:p>
             <a:pPr>
               <a:defRPr b="1"/>
             </a:pPr>
-            <a:endParaRPr b="0"/>
-          </a:p>
-          <a:p>
-            <a:r>
-              <a:rPr b="1"/>
-              <a:t>心理模型（Mental Model）</a:t>
-            </a:r>
-            <a:r>
-              <a:t>：人们使用产品时，不需要了解其中复杂机构实际运转的所有细节，因此人们创造出一种认知上的简捷的解释方式。</a:t>
-            </a:r>
-          </a:p>
-          <a:p>
-            <a:r>
-              <a:t>例如：在电影观众看来，放映机只不过是在大屏幕上投射出移动的图片而已。</a:t>
+            <a:endParaRPr b="0" dirty="0"/>
+          </a:p>
+          <a:p>
+            <a:r>
+              <a:rPr b="1" dirty="0" err="1"/>
+              <a:t>心理模型（Mental</a:t>
+            </a:r>
+            <a:r>
+              <a:rPr b="1" dirty="0"/>
+              <a:t> Model）</a:t>
+            </a:r>
+            <a:r>
+              <a:rPr dirty="0"/>
+              <a:t>：</a:t>
+            </a:r>
+            <a:r>
+              <a:rPr dirty="0" err="1"/>
+              <a:t>人们使用产品时，不需要了解其中复杂机构实际运转的所有细节，因此人们创造出一种认知上的简捷的解释方式</a:t>
+            </a:r>
+            <a:r>
+              <a:rPr dirty="0"/>
+              <a:t>。</a:t>
+            </a:r>
+          </a:p>
+          <a:p>
+            <a:r>
+              <a:rPr dirty="0" err="1"/>
+              <a:t>例如：在电影观众看来，放映机只不过是在大屏幕上投射出移动的图片而已</a:t>
+            </a:r>
+            <a:r>
+              <a:rPr dirty="0"/>
+              <a:t>。</a:t>
             </a:r>
           </a:p>
         </p:txBody>
@@ -21371,7 +22308,7 @@
           <a:lstStyle/>
           <a:p>
             <a:fld id="{86CB4B4D-7CA3-9044-876B-883B54F8677D}" type="slidenum">
-              <a:t>11</a:t>
+              <a:t>12</a:t>
             </a:fld>
             <a:endParaRPr/>
           </a:p>
@@ -21382,22 +22319,13 @@
   <p:clrMapOvr>
     <a:masterClrMapping/>
   </p:clrMapOvr>
-  <mc:AlternateContent xmlns:mc="http://schemas.openxmlformats.org/markup-compatibility/2006">
-    <mc:Choice xmlns:p15="http://schemas.microsoft.com/office/powerpoint/2012/main" Requires="p15">
-      <p:transition xmlns:p14="http://schemas.microsoft.com/office/powerpoint/2010/main" spd="slow" p14:dur="1250">
-        <p15:prstTrans prst="peelOff"/>
-      </p:transition>
-    </mc:Choice>
-    <mc:Fallback>
-      <p:transition spd="slow">
-        <p:fade/>
-      </p:transition>
-    </mc:Fallback>
-  </mc:AlternateContent>
+  <p:transition spd="slow">
+    <p:fade/>
+  </p:transition>
 </p:sld>
 </file>
 
-<file path=ppt/slides/slide12.xml><?xml version="1.0" encoding="utf-8"?>
+<file path=ppt/slides/slide13.xml><?xml version="1.0" encoding="utf-8"?>
 <p:sld xmlns:a="http://schemas.openxmlformats.org/drawingml/2006/main" xmlns:r="http://schemas.openxmlformats.org/officeDocument/2006/relationships" xmlns:p="http://schemas.openxmlformats.org/presentationml/2006/main">
   <p:cSld>
     <p:spTree>
@@ -21470,6 +22398,7 @@
               <a:defRPr sz="2300"/>
             </a:pPr>
             <a:r>
+              <a:rPr dirty="0"/>
               <a:t>       对于软件应用来说，实现模型和心理模型之间的差异非常明显。在这种情况下，实现的复杂性使得用户几乎不可能看到用户动作和程序反应之间存在的联系。</a:t>
             </a:r>
           </a:p>
@@ -21477,17 +22406,18 @@
             <a:pPr>
               <a:defRPr sz="2300"/>
             </a:pPr>
-            <a:endParaRPr/>
+            <a:endParaRPr dirty="0"/>
           </a:p>
           <a:p>
             <a:pPr>
               <a:defRPr sz="2300"/>
             </a:pPr>
             <a:r>
+              <a:rPr dirty="0"/>
               <a:t>        计算机最能够帮助人类的一个重要方面就是将复杂的过程和情况隐藏在简单的外表下，</a:t>
             </a:r>
             <a:r>
-              <a:rPr b="1"/>
+              <a:rPr b="1" dirty="0"/>
               <a:t>所以和用户心理模型一致的用户界面远远比仅仅能够反应出实现模型的界面要卓越的多。</a:t>
             </a:r>
           </a:p>
@@ -21518,7 +22448,7 @@
           <a:lstStyle/>
           <a:p>
             <a:fld id="{86CB4B4D-7CA3-9044-876B-883B54F8677D}" type="slidenum">
-              <a:t>12</a:t>
+              <a:t>13</a:t>
             </a:fld>
             <a:endParaRPr/>
           </a:p>
@@ -21529,22 +22459,13 @@
   <p:clrMapOvr>
     <a:masterClrMapping/>
   </p:clrMapOvr>
-  <mc:AlternateContent xmlns:mc="http://schemas.openxmlformats.org/markup-compatibility/2006">
-    <mc:Choice xmlns:p15="http://schemas.microsoft.com/office/powerpoint/2012/main" Requires="p15">
-      <p:transition xmlns:p14="http://schemas.microsoft.com/office/powerpoint/2010/main" spd="slow" p14:dur="1250">
-        <p15:prstTrans prst="peelOff"/>
-      </p:transition>
-    </mc:Choice>
-    <mc:Fallback>
-      <p:transition spd="slow">
-        <p:fade/>
-      </p:transition>
-    </mc:Fallback>
-  </mc:AlternateContent>
+  <p:transition spd="slow">
+    <p:fade/>
+  </p:transition>
 </p:sld>
 </file>
 
-<file path=ppt/slides/slide13.xml><?xml version="1.0" encoding="utf-8"?>
+<file path=ppt/slides/slide14.xml><?xml version="1.0" encoding="utf-8"?>
 <p:sld xmlns:a="http://schemas.openxmlformats.org/drawingml/2006/main" xmlns:r="http://schemas.openxmlformats.org/officeDocument/2006/relationships" xmlns:p="http://schemas.openxmlformats.org/presentationml/2006/main">
   <p:cSld>
     <p:spTree>
@@ -21680,7 +22601,7 @@
           <a:lstStyle/>
           <a:p>
             <a:fld id="{86CB4B4D-7CA3-9044-876B-883B54F8677D}" type="slidenum">
-              <a:t>13</a:t>
+              <a:t>14</a:t>
             </a:fld>
             <a:endParaRPr/>
           </a:p>
@@ -21691,22 +22612,13 @@
   <p:clrMapOvr>
     <a:masterClrMapping/>
   </p:clrMapOvr>
-  <mc:AlternateContent xmlns:mc="http://schemas.openxmlformats.org/markup-compatibility/2006">
-    <mc:Choice xmlns:p15="http://schemas.microsoft.com/office/powerpoint/2012/main" Requires="p15">
-      <p:transition xmlns:p14="http://schemas.microsoft.com/office/powerpoint/2010/main" spd="slow" p14:dur="1250">
-        <p15:prstTrans prst="peelOff"/>
-      </p:transition>
-    </mc:Choice>
-    <mc:Fallback>
-      <p:transition spd="slow">
-        <p:fade/>
-      </p:transition>
-    </mc:Fallback>
-  </mc:AlternateContent>
+  <p:transition spd="slow">
+    <p:fade/>
+  </p:transition>
 </p:sld>
 </file>
 
-<file path=ppt/slides/slide14.xml><?xml version="1.0" encoding="utf-8"?>
+<file path=ppt/slides/slide15.xml><?xml version="1.0" encoding="utf-8"?>
 <p:sld xmlns:a="http://schemas.openxmlformats.org/drawingml/2006/main" xmlns:r="http://schemas.openxmlformats.org/officeDocument/2006/relationships" xmlns:p="http://schemas.openxmlformats.org/presentationml/2006/main">
   <p:cSld>
     <p:spTree>
@@ -21893,7 +22805,7 @@
           <a:lstStyle/>
           <a:p>
             <a:fld id="{86CB4B4D-7CA3-9044-876B-883B54F8677D}" type="slidenum">
-              <a:t>14</a:t>
+              <a:t>15</a:t>
             </a:fld>
             <a:endParaRPr/>
           </a:p>
@@ -21904,22 +22816,13 @@
   <p:clrMapOvr>
     <a:masterClrMapping/>
   </p:clrMapOvr>
-  <mc:AlternateContent xmlns:mc="http://schemas.openxmlformats.org/markup-compatibility/2006">
-    <mc:Choice xmlns:p15="http://schemas.microsoft.com/office/powerpoint/2012/main" Requires="p15">
-      <p:transition xmlns:p14="http://schemas.microsoft.com/office/powerpoint/2010/main" spd="slow" p14:dur="1250">
-        <p15:prstTrans prst="peelOff"/>
-      </p:transition>
-    </mc:Choice>
-    <mc:Fallback>
-      <p:transition spd="slow">
-        <p:fade/>
-      </p:transition>
-    </mc:Fallback>
-  </mc:AlternateContent>
+  <p:transition spd="slow">
+    <p:fade/>
+  </p:transition>
 </p:sld>
 </file>
 
-<file path=ppt/slides/slide15.xml><?xml version="1.0" encoding="utf-8"?>
+<file path=ppt/slides/slide16.xml><?xml version="1.0" encoding="utf-8"?>
 <p:sld xmlns:a="http://schemas.openxmlformats.org/drawingml/2006/main" xmlns:r="http://schemas.openxmlformats.org/officeDocument/2006/relationships" xmlns:p="http://schemas.openxmlformats.org/presentationml/2006/main">
   <p:cSld>
     <p:spTree>
@@ -22066,7 +22969,7 @@
           <a:lstStyle/>
           <a:p>
             <a:fld id="{86CB4B4D-7CA3-9044-876B-883B54F8677D}" type="slidenum">
-              <a:t>15</a:t>
+              <a:t>16</a:t>
             </a:fld>
             <a:endParaRPr/>
           </a:p>
@@ -22077,22 +22980,13 @@
   <p:clrMapOvr>
     <a:masterClrMapping/>
   </p:clrMapOvr>
-  <mc:AlternateContent xmlns:mc="http://schemas.openxmlformats.org/markup-compatibility/2006">
-    <mc:Choice xmlns:p15="http://schemas.microsoft.com/office/powerpoint/2012/main" Requires="p15">
-      <p:transition xmlns:p14="http://schemas.microsoft.com/office/powerpoint/2010/main" spd="slow" p14:dur="1250">
-        <p15:prstTrans prst="peelOff"/>
-      </p:transition>
-    </mc:Choice>
-    <mc:Fallback>
-      <p:transition spd="slow">
-        <p:fade/>
-      </p:transition>
-    </mc:Fallback>
-  </mc:AlternateContent>
+  <p:transition spd="slow">
+    <p:fade/>
+  </p:transition>
 </p:sld>
 </file>
 
-<file path=ppt/slides/slide16.xml><?xml version="1.0" encoding="utf-8"?>
+<file path=ppt/slides/slide17.xml><?xml version="1.0" encoding="utf-8"?>
 <p:sld xmlns:a="http://schemas.openxmlformats.org/drawingml/2006/main" xmlns:r="http://schemas.openxmlformats.org/officeDocument/2006/relationships" xmlns:p="http://schemas.openxmlformats.org/presentationml/2006/main">
   <p:cSld>
     <p:spTree>
@@ -22265,7 +23159,7 @@
           <a:lstStyle/>
           <a:p>
             <a:fld id="{86CB4B4D-7CA3-9044-876B-883B54F8677D}" type="slidenum">
-              <a:t>16</a:t>
+              <a:t>17</a:t>
             </a:fld>
             <a:endParaRPr/>
           </a:p>
@@ -22276,22 +23170,13 @@
   <p:clrMapOvr>
     <a:masterClrMapping/>
   </p:clrMapOvr>
-  <mc:AlternateContent xmlns:mc="http://schemas.openxmlformats.org/markup-compatibility/2006">
-    <mc:Choice xmlns:p15="http://schemas.microsoft.com/office/powerpoint/2012/main" Requires="p15">
-      <p:transition xmlns:p14="http://schemas.microsoft.com/office/powerpoint/2010/main" spd="slow" p14:dur="1250">
-        <p15:prstTrans prst="peelOff"/>
-      </p:transition>
-    </mc:Choice>
-    <mc:Fallback>
-      <p:transition spd="slow">
-        <p:fade/>
-      </p:transition>
-    </mc:Fallback>
-  </mc:AlternateContent>
+  <p:transition spd="slow">
+    <p:fade/>
+  </p:transition>
 </p:sld>
 </file>
 
-<file path=ppt/slides/slide17.xml><?xml version="1.0" encoding="utf-8"?>
+<file path=ppt/slides/slide18.xml><?xml version="1.0" encoding="utf-8"?>
 <p:sld xmlns:a="http://schemas.openxmlformats.org/drawingml/2006/main" xmlns:r="http://schemas.openxmlformats.org/officeDocument/2006/relationships" xmlns:p="http://schemas.openxmlformats.org/presentationml/2006/main">
   <p:cSld>
     <p:spTree>
@@ -22405,7 +23290,7 @@
           <a:lstStyle/>
           <a:p>
             <a:fld id="{86CB4B4D-7CA3-9044-876B-883B54F8677D}" type="slidenum">
-              <a:t>17</a:t>
+              <a:t>18</a:t>
             </a:fld>
             <a:endParaRPr/>
           </a:p>
@@ -22416,22 +23301,13 @@
   <p:clrMapOvr>
     <a:masterClrMapping/>
   </p:clrMapOvr>
-  <mc:AlternateContent xmlns:mc="http://schemas.openxmlformats.org/markup-compatibility/2006">
-    <mc:Choice xmlns:p15="http://schemas.microsoft.com/office/powerpoint/2012/main" Requires="p15">
-      <p:transition xmlns:p14="http://schemas.microsoft.com/office/powerpoint/2010/main" spd="slow" p14:dur="1250">
-        <p15:prstTrans prst="peelOff"/>
-      </p:transition>
-    </mc:Choice>
-    <mc:Fallback>
-      <p:transition spd="slow">
-        <p:fade/>
-      </p:transition>
-    </mc:Fallback>
-  </mc:AlternateContent>
+  <p:transition spd="slow">
+    <p:fade/>
+  </p:transition>
 </p:sld>
 </file>
 
-<file path=ppt/slides/slide18.xml><?xml version="1.0" encoding="utf-8"?>
+<file path=ppt/slides/slide19.xml><?xml version="1.0" encoding="utf-8"?>
 <p:sld xmlns:a="http://schemas.openxmlformats.org/drawingml/2006/main" xmlns:r="http://schemas.openxmlformats.org/officeDocument/2006/relationships" xmlns:p="http://schemas.openxmlformats.org/presentationml/2006/main">
   <p:cSld>
     <p:spTree>
@@ -22563,7 +23439,7 @@
           <a:lstStyle/>
           <a:p>
             <a:fld id="{86CB4B4D-7CA3-9044-876B-883B54F8677D}" type="slidenum">
-              <a:t>18</a:t>
+              <a:t>19</a:t>
             </a:fld>
             <a:endParaRPr/>
           </a:p>
@@ -22574,22 +23450,182 @@
   <p:clrMapOvr>
     <a:masterClrMapping/>
   </p:clrMapOvr>
-  <mc:AlternateContent xmlns:mc="http://schemas.openxmlformats.org/markup-compatibility/2006">
-    <mc:Choice xmlns:p15="http://schemas.microsoft.com/office/powerpoint/2012/main" Requires="p15">
-      <p:transition xmlns:p14="http://schemas.microsoft.com/office/powerpoint/2010/main" spd="slow" p14:dur="1250">
-        <p15:prstTrans prst="peelOff"/>
-      </p:transition>
-    </mc:Choice>
-    <mc:Fallback>
-      <p:transition spd="slow">
-        <p:fade/>
-      </p:transition>
-    </mc:Fallback>
-  </mc:AlternateContent>
+  <p:transition spd="slow">
+    <p:fade/>
+  </p:transition>
 </p:sld>
 </file>
 
-<file path=ppt/slides/slide19.xml><?xml version="1.0" encoding="utf-8"?>
+<file path=ppt/slides/slide2.xml><?xml version="1.0" encoding="utf-8"?>
+<p:sld xmlns:a="http://schemas.openxmlformats.org/drawingml/2006/main" xmlns:r="http://schemas.openxmlformats.org/officeDocument/2006/relationships" xmlns:p="http://schemas.openxmlformats.org/presentationml/2006/main">
+  <p:cSld>
+    <p:spTree>
+      <p:nvGrpSpPr>
+        <p:cNvPr id="1" name=""/>
+        <p:cNvGrpSpPr/>
+        <p:nvPr/>
+      </p:nvGrpSpPr>
+      <p:grpSpPr>
+        <a:xfrm>
+          <a:off x="0" y="0"/>
+          <a:ext cx="0" cy="0"/>
+          <a:chOff x="0" y="0"/>
+          <a:chExt cx="0" cy="0"/>
+        </a:xfrm>
+      </p:grpSpPr>
+      <p:sp>
+        <p:nvSpPr>
+          <p:cNvPr id="297" name="Title 1"/>
+          <p:cNvSpPr txBox="1">
+            <a:spLocks noGrp="1"/>
+          </p:cNvSpPr>
+          <p:nvPr>
+            <p:ph type="title"/>
+          </p:nvPr>
+        </p:nvSpPr>
+        <p:spPr>
+          <a:xfrm>
+            <a:off x="1024128" y="585216"/>
+            <a:ext cx="9720072" cy="1499617"/>
+          </a:xfrm>
+          <a:prstGeom prst="rect">
+            <a:avLst/>
+          </a:prstGeom>
+        </p:spPr>
+        <p:txBody>
+          <a:bodyPr/>
+          <a:lstStyle/>
+          <a:p>
+            <a:r>
+              <a:t>参考资料</a:t>
+            </a:r>
+          </a:p>
+        </p:txBody>
+      </p:sp>
+      <p:sp>
+        <p:nvSpPr>
+          <p:cNvPr id="298" name="Content Placeholder 2"/>
+          <p:cNvSpPr txBox="1">
+            <a:spLocks noGrp="1"/>
+          </p:cNvSpPr>
+          <p:nvPr>
+            <p:ph type="body" idx="1"/>
+          </p:nvPr>
+        </p:nvSpPr>
+        <p:spPr>
+          <a:xfrm>
+            <a:off x="1024127" y="2286000"/>
+            <a:ext cx="9720075" cy="4023360"/>
+          </a:xfrm>
+          <a:prstGeom prst="rect">
+            <a:avLst/>
+          </a:prstGeom>
+        </p:spPr>
+        <p:txBody>
+          <a:bodyPr/>
+          <a:lstStyle/>
+          <a:p>
+            <a:r>
+              <a:rPr dirty="0"/>
+              <a:t>[1]About Face3（《交互设计精髓3》）  Alan Cooper / Robert Reimann  David Cronin</a:t>
+            </a:r>
+            <a:r>
+              <a:rPr dirty="0">
+                <a:solidFill>
+                  <a:srgbClr val="111111"/>
+                </a:solidFill>
+              </a:rPr>
+              <a:t> </a:t>
+            </a:r>
+            <a:r>
+              <a:rPr dirty="0" err="1">
+                <a:solidFill>
+                  <a:srgbClr val="111111"/>
+                </a:solidFill>
+              </a:rPr>
+              <a:t>电子工业出版社</a:t>
+            </a:r>
+            <a:r>
+              <a:rPr dirty="0">
+                <a:solidFill>
+                  <a:srgbClr val="111111"/>
+                </a:solidFill>
+              </a:rPr>
+              <a:t>   </a:t>
+            </a:r>
+            <a:r>
+              <a:rPr dirty="0"/>
+              <a:t>ISBN: 9787121070174</a:t>
+            </a:r>
+            <a:endParaRPr lang="en-US" dirty="0"/>
+          </a:p>
+          <a:p>
+            <a:endParaRPr lang="en-US" dirty="0"/>
+          </a:p>
+          <a:p>
+            <a:r>
+              <a:rPr lang="en-US" dirty="0"/>
+              <a:t>[2] https://www.cnblogs.com/liangxiaofeng/p/5932513.html  2018\11\9</a:t>
+            </a:r>
+          </a:p>
+          <a:p>
+            <a:pPr lvl="1"/>
+            <a:r>
+              <a:rPr lang="zh-CN" altLang="en-US" dirty="0"/>
+              <a:t>几种原型工具的介绍、对比</a:t>
+            </a:r>
+            <a:endParaRPr dirty="0"/>
+          </a:p>
+        </p:txBody>
+      </p:sp>
+      <p:sp>
+        <p:nvSpPr>
+          <p:cNvPr id="299" name="Slide Number"/>
+          <p:cNvSpPr txBox="1">
+            <a:spLocks noGrp="1"/>
+          </p:cNvSpPr>
+          <p:nvPr>
+            <p:ph type="sldNum" sz="quarter" idx="4294967295"/>
+          </p:nvPr>
+        </p:nvSpPr>
+        <p:spPr>
+          <a:prstGeom prst="rect">
+            <a:avLst/>
+          </a:prstGeom>
+          <a:extLst>
+            <a:ext uri="{C572A759-6A51-4108-AA02-DFA0A04FC94B}">
+              <ma14:wrappingTextBoxFlag xmlns:ma14="http://schemas.microsoft.com/office/mac/drawingml/2011/main" xmlns:a14="http://schemas.microsoft.com/office/drawing/2010/main" xmlns:m="http://schemas.openxmlformats.org/officeDocument/2006/math" xmlns="" val="1"/>
+            </a:ext>
+          </a:extLst>
+        </p:spPr>
+        <p:txBody>
+          <a:bodyPr/>
+          <a:lstStyle/>
+          <a:p>
+            <a:fld id="{86CB4B4D-7CA3-9044-876B-883B54F8677D}" type="slidenum">
+              <a:t>2</a:t>
+            </a:fld>
+            <a:endParaRPr/>
+          </a:p>
+        </p:txBody>
+      </p:sp>
+    </p:spTree>
+    <p:extLst>
+      <p:ext uri="{BB962C8B-B14F-4D97-AF65-F5344CB8AC3E}">
+        <p14:creationId xmlns:p14="http://schemas.microsoft.com/office/powerpoint/2010/main" val="1852888838"/>
+      </p:ext>
+    </p:extLst>
+  </p:cSld>
+  <p:clrMapOvr>
+    <a:masterClrMapping/>
+  </p:clrMapOvr>
+  <p:transition spd="slow">
+    <p:fade/>
+  </p:transition>
+</p:sld>
+</file>
+
+<file path=ppt/slides/slide20.xml><?xml version="1.0" encoding="utf-8"?>
 <p:sld xmlns:a="http://schemas.openxmlformats.org/drawingml/2006/main" xmlns:r="http://schemas.openxmlformats.org/officeDocument/2006/relationships" xmlns:p="http://schemas.openxmlformats.org/presentationml/2006/main">
   <p:cSld>
     <p:spTree>
@@ -22662,7 +23698,12 @@
               <a:defRPr sz="2300" b="1"/>
             </a:pPr>
             <a:r>
-              <a:t>场景剧本（Scenario）：</a:t>
+              <a:rPr dirty="0" err="1"/>
+              <a:t>场景剧本（Scenario</a:t>
+            </a:r>
+            <a:r>
+              <a:rPr dirty="0"/>
+              <a:t>）：</a:t>
             </a:r>
           </a:p>
           <a:p>
@@ -22670,11 +23711,16 @@
               <a:defRPr sz="2300"/>
             </a:pPr>
             <a:r>
-              <a:rPr b="1"/>
+              <a:rPr b="1" dirty="0" err="1"/>
               <a:t>基于人物角色的场景剧本</a:t>
             </a:r>
             <a:r>
-              <a:t>：一个或者多个人物角色的简明叙述性描述，以某个用户角色通过一个故事描述其理想体验开始设计。</a:t>
+              <a:rPr dirty="0" err="1"/>
+              <a:t>：一个或者多个人物角色的简明叙述性描述，以某个用户角色通过一个故事描述其理想体验开始设计</a:t>
+            </a:r>
+            <a:r>
+              <a:rPr dirty="0"/>
+              <a:t>。</a:t>
             </a:r>
           </a:p>
         </p:txBody>
@@ -22704,7 +23750,7 @@
           <a:lstStyle/>
           <a:p>
             <a:fld id="{86CB4B4D-7CA3-9044-876B-883B54F8677D}" type="slidenum">
-              <a:t>19</a:t>
+              <a:t>20</a:t>
             </a:fld>
             <a:endParaRPr/>
           </a:p>
@@ -22715,224 +23761,13 @@
   <p:clrMapOvr>
     <a:masterClrMapping/>
   </p:clrMapOvr>
-  <mc:AlternateContent xmlns:mc="http://schemas.openxmlformats.org/markup-compatibility/2006">
-    <mc:Choice xmlns:p15="http://schemas.microsoft.com/office/powerpoint/2012/main" Requires="p15">
-      <p:transition xmlns:p14="http://schemas.microsoft.com/office/powerpoint/2010/main" spd="slow" p14:dur="1250">
-        <p15:prstTrans prst="peelOff"/>
-      </p:transition>
-    </mc:Choice>
-    <mc:Fallback>
-      <p:transition spd="slow">
-        <p:fade/>
-      </p:transition>
-    </mc:Fallback>
-  </mc:AlternateContent>
+  <p:transition spd="slow">
+    <p:fade/>
+  </p:transition>
 </p:sld>
 </file>
 
-<file path=ppt/slides/slide2.xml><?xml version="1.0" encoding="utf-8"?>
-<p:sld xmlns:a="http://schemas.openxmlformats.org/drawingml/2006/main" xmlns:r="http://schemas.openxmlformats.org/officeDocument/2006/relationships" xmlns:p="http://schemas.openxmlformats.org/presentationml/2006/main">
-  <p:cSld>
-    <p:spTree>
-      <p:nvGrpSpPr>
-        <p:cNvPr id="1" name=""/>
-        <p:cNvGrpSpPr/>
-        <p:nvPr/>
-      </p:nvGrpSpPr>
-      <p:grpSpPr>
-        <a:xfrm>
-          <a:off x="0" y="0"/>
-          <a:ext cx="0" cy="0"/>
-          <a:chOff x="0" y="0"/>
-          <a:chExt cx="0" cy="0"/>
-        </a:xfrm>
-      </p:grpSpPr>
-      <p:sp>
-        <p:nvSpPr>
-          <p:cNvPr id="130" name="Title 1"/>
-          <p:cNvSpPr txBox="1">
-            <a:spLocks noGrp="1"/>
-          </p:cNvSpPr>
-          <p:nvPr>
-            <p:ph type="title"/>
-          </p:nvPr>
-        </p:nvSpPr>
-        <p:spPr>
-          <a:xfrm>
-            <a:off x="1024128" y="585216"/>
-            <a:ext cx="9720072" cy="1499617"/>
-          </a:xfrm>
-          <a:prstGeom prst="rect">
-            <a:avLst/>
-          </a:prstGeom>
-        </p:spPr>
-        <p:txBody>
-          <a:bodyPr/>
-          <a:lstStyle/>
-          <a:p>
-            <a:r>
-              <a:t>Content</a:t>
-            </a:r>
-          </a:p>
-        </p:txBody>
-      </p:sp>
-      <p:sp>
-        <p:nvSpPr>
-          <p:cNvPr id="131" name="Content Placeholder 2"/>
-          <p:cNvSpPr txBox="1">
-            <a:spLocks noGrp="1"/>
-          </p:cNvSpPr>
-          <p:nvPr>
-            <p:ph type="body" sz="half" idx="1"/>
-          </p:nvPr>
-        </p:nvSpPr>
-        <p:spPr>
-          <a:xfrm>
-            <a:off x="7292164" y="2286000"/>
-            <a:ext cx="4899837" cy="4023360"/>
-          </a:xfrm>
-          <a:prstGeom prst="rect">
-            <a:avLst/>
-          </a:prstGeom>
-        </p:spPr>
-        <p:txBody>
-          <a:bodyPr/>
-          <a:lstStyle/>
-          <a:p>
-            <a:pPr marL="87782" indent="-87782" defTabSz="877823">
-              <a:spcBef>
-                <a:spcPts val="1100"/>
-              </a:spcBef>
-              <a:defRPr sz="2304"/>
-            </a:pPr>
-            <a:r>
-              <a:t>1、目标导向设计概述</a:t>
-            </a:r>
-          </a:p>
-          <a:p>
-            <a:pPr marL="87782" indent="-87782" defTabSz="877823">
-              <a:spcBef>
-                <a:spcPts val="1100"/>
-              </a:spcBef>
-              <a:defRPr sz="2304"/>
-            </a:pPr>
-            <a:r>
-              <a:t>2、研究阶段</a:t>
-            </a:r>
-          </a:p>
-          <a:p>
-            <a:pPr marL="87782" indent="-87782" defTabSz="877823">
-              <a:spcBef>
-                <a:spcPts val="1100"/>
-              </a:spcBef>
-              <a:defRPr sz="2304"/>
-            </a:pPr>
-            <a:r>
-              <a:t>3、建模阶段</a:t>
-            </a:r>
-          </a:p>
-          <a:p>
-            <a:pPr marL="87782" indent="-87782" defTabSz="877823">
-              <a:spcBef>
-                <a:spcPts val="1100"/>
-              </a:spcBef>
-              <a:defRPr sz="2304"/>
-            </a:pPr>
-            <a:r>
-              <a:t>4、需求定义阶段</a:t>
-            </a:r>
-          </a:p>
-          <a:p>
-            <a:pPr marL="87782" indent="-87782" defTabSz="877823">
-              <a:spcBef>
-                <a:spcPts val="1100"/>
-              </a:spcBef>
-              <a:defRPr sz="2304"/>
-            </a:pPr>
-            <a:r>
-              <a:t>5、框架定义阶段</a:t>
-            </a:r>
-          </a:p>
-          <a:p>
-            <a:pPr marL="87782" indent="-87782" defTabSz="877823">
-              <a:spcBef>
-                <a:spcPts val="1100"/>
-              </a:spcBef>
-              <a:defRPr sz="2304"/>
-            </a:pPr>
-            <a:r>
-              <a:t>6、细化阶段</a:t>
-            </a:r>
-          </a:p>
-          <a:p>
-            <a:pPr marL="87782" indent="-87782" defTabSz="877823">
-              <a:spcBef>
-                <a:spcPts val="1100"/>
-              </a:spcBef>
-              <a:defRPr sz="2304"/>
-            </a:pPr>
-            <a:r>
-              <a:t>7、开发支持阶段</a:t>
-            </a:r>
-          </a:p>
-        </p:txBody>
-      </p:sp>
-      <p:sp>
-        <p:nvSpPr>
-          <p:cNvPr id="132" name="Slide Number"/>
-          <p:cNvSpPr txBox="1">
-            <a:spLocks noGrp="1"/>
-          </p:cNvSpPr>
-          <p:nvPr>
-            <p:ph type="sldNum" sz="quarter" idx="4294967295"/>
-          </p:nvPr>
-        </p:nvSpPr>
-        <p:spPr>
-          <a:xfrm>
-            <a:off x="10837333" y="6492294"/>
-            <a:ext cx="174214" cy="231141"/>
-          </a:xfrm>
-          <a:prstGeom prst="rect">
-            <a:avLst/>
-          </a:prstGeom>
-          <a:extLst>
-            <a:ext uri="{C572A759-6A51-4108-AA02-DFA0A04FC94B}">
-              <ma14:wrappingTextBoxFlag xmlns:ma14="http://schemas.microsoft.com/office/mac/drawingml/2011/main" xmlns:a14="http://schemas.microsoft.com/office/drawing/2010/main" xmlns:m="http://schemas.openxmlformats.org/officeDocument/2006/math" xmlns="" val="1"/>
-            </a:ext>
-          </a:extLst>
-        </p:spPr>
-        <p:txBody>
-          <a:bodyPr/>
-          <a:lstStyle/>
-          <a:p>
-            <a:fld id="{86CB4B4D-7CA3-9044-876B-883B54F8677D}" type="slidenum">
-              <a:t>2</a:t>
-            </a:fld>
-            <a:endParaRPr/>
-          </a:p>
-        </p:txBody>
-      </p:sp>
-    </p:spTree>
-  </p:cSld>
-  <p:clrMapOvr>
-    <a:masterClrMapping/>
-  </p:clrMapOvr>
-  <mc:AlternateContent xmlns:mc="http://schemas.openxmlformats.org/markup-compatibility/2006">
-    <mc:Choice xmlns:p15="http://schemas.microsoft.com/office/powerpoint/2012/main" Requires="p15">
-      <p:transition xmlns:p14="http://schemas.microsoft.com/office/powerpoint/2010/main" spd="slow" p14:dur="1250">
-        <p15:prstTrans prst="peelOff"/>
-      </p:transition>
-    </mc:Choice>
-    <mc:Fallback>
-      <p:transition spd="slow">
-        <p:fade/>
-      </p:transition>
-    </mc:Fallback>
-  </mc:AlternateContent>
-</p:sld>
-</file>
-
-<file path=ppt/slides/slide20.xml><?xml version="1.0" encoding="utf-8"?>
+<file path=ppt/slides/slide21.xml><?xml version="1.0" encoding="utf-8"?>
 <p:sld xmlns:a="http://schemas.openxmlformats.org/drawingml/2006/main" xmlns:r="http://schemas.openxmlformats.org/officeDocument/2006/relationships" xmlns:p="http://schemas.openxmlformats.org/presentationml/2006/main">
   <p:cSld>
     <p:spTree>
@@ -23005,42 +23840,83 @@
               <a:defRPr sz="2300" b="1"/>
             </a:pPr>
             <a:r>
-              <a:t>场景剧本（Scenario）与用例（use case）：</a:t>
+              <a:rPr dirty="0" err="1"/>
+              <a:t>场景剧本（Scenario）与用例（</a:t>
+            </a:r>
+            <a:r>
+              <a:rPr lang="en-US" dirty="0" err="1"/>
+              <a:t>U</a:t>
+            </a:r>
+            <a:r>
+              <a:rPr dirty="0" err="1"/>
+              <a:t>se</a:t>
+            </a:r>
+            <a:r>
+              <a:rPr dirty="0"/>
+              <a:t> </a:t>
+            </a:r>
+            <a:r>
+              <a:rPr lang="en-US" dirty="0"/>
+              <a:t>C</a:t>
+            </a:r>
+            <a:r>
+              <a:rPr dirty="0"/>
+              <a:t>ase）：</a:t>
             </a:r>
           </a:p>
           <a:p>
             <a:pPr>
               <a:defRPr sz="2300"/>
             </a:pPr>
-            <a:endParaRPr/>
+            <a:endParaRPr dirty="0"/>
           </a:p>
           <a:p>
             <a:pPr>
               <a:defRPr sz="2300"/>
             </a:pPr>
             <a:r>
+              <a:rPr dirty="0" err="1"/>
               <a:t>相同点：都是描述用户与系统交互的方法</a:t>
             </a:r>
+            <a:endParaRPr dirty="0"/>
           </a:p>
           <a:p>
             <a:pPr>
               <a:defRPr sz="2300"/>
             </a:pPr>
-            <a:endParaRPr/>
+            <a:endParaRPr dirty="0"/>
           </a:p>
           <a:p>
             <a:pPr>
               <a:defRPr sz="2300"/>
             </a:pPr>
             <a:r>
+              <a:rPr dirty="0" err="1"/>
               <a:t>不同点：</a:t>
             </a:r>
             <a:r>
-              <a:rPr b="1"/>
+              <a:rPr b="1" dirty="0" err="1"/>
               <a:t>场景剧本</a:t>
             </a:r>
             <a:r>
-              <a:t>是从人物角色角度定义产品行为的迭代手段，不仅包括系统功能，也包括功能过的优先级，以及用户与系统的交互方式。</a:t>
+              <a:rPr dirty="0" err="1"/>
+              <a:t>是从</a:t>
+            </a:r>
+            <a:r>
+              <a:rPr dirty="0" err="1">
+                <a:solidFill>
+                  <a:srgbClr val="FF0000"/>
+                </a:solidFill>
+              </a:rPr>
+              <a:t>人物角色</a:t>
+            </a:r>
+            <a:r>
+              <a:rPr dirty="0" err="1"/>
+              <a:t>角度定义产品行为的迭代手段，不仅包括系统功能，也包括功能过的优先级，以及用户与系统的交互方式</a:t>
+            </a:r>
+            <a:r>
+              <a:rPr dirty="0"/>
+              <a:t>。</a:t>
             </a:r>
           </a:p>
           <a:p>
@@ -23048,11 +23924,28 @@
               <a:defRPr sz="2300"/>
             </a:pPr>
             <a:r>
-              <a:rPr b="1"/>
+              <a:rPr b="1" dirty="0" err="1"/>
               <a:t>用例</a:t>
             </a:r>
             <a:r>
-              <a:t>是对系统功能需求的详尽描述，系统的精确行为通常不是用例的一部分，很少提到任务如何向用户表达或者如何在界面中进行优先级排序。</a:t>
+              <a:rPr dirty="0" err="1"/>
+              <a:t>是对</a:t>
+            </a:r>
+            <a:r>
+              <a:rPr dirty="0" err="1">
+                <a:solidFill>
+                  <a:srgbClr val="FF0000"/>
+                </a:solidFill>
+              </a:rPr>
+              <a:t>系统功能需求</a:t>
+            </a:r>
+            <a:r>
+              <a:rPr dirty="0" err="1"/>
+              <a:t>的详尽描述，系统的精确行为通常不是用例的一部分，很少提到任务如何向用户表达或者如何在界面中进行优先级排序</a:t>
+            </a:r>
+            <a:r>
+              <a:rPr dirty="0"/>
+              <a:t>。</a:t>
             </a:r>
           </a:p>
         </p:txBody>
@@ -23082,7 +23975,7 @@
           <a:lstStyle/>
           <a:p>
             <a:fld id="{86CB4B4D-7CA3-9044-876B-883B54F8677D}" type="slidenum">
-              <a:t>20</a:t>
+              <a:t>21</a:t>
             </a:fld>
             <a:endParaRPr/>
           </a:p>
@@ -23093,22 +23986,13 @@
   <p:clrMapOvr>
     <a:masterClrMapping/>
   </p:clrMapOvr>
-  <mc:AlternateContent xmlns:mc="http://schemas.openxmlformats.org/markup-compatibility/2006">
-    <mc:Choice xmlns:p15="http://schemas.microsoft.com/office/powerpoint/2012/main" Requires="p15">
-      <p:transition xmlns:p14="http://schemas.microsoft.com/office/powerpoint/2010/main" spd="slow" p14:dur="1250">
-        <p15:prstTrans prst="peelOff"/>
-      </p:transition>
-    </mc:Choice>
-    <mc:Fallback>
-      <p:transition spd="slow">
-        <p:fade/>
-      </p:transition>
-    </mc:Fallback>
-  </mc:AlternateContent>
+  <p:transition spd="slow">
+    <p:fade/>
+  </p:transition>
 </p:sld>
 </file>
 
-<file path=ppt/slides/slide21.xml><?xml version="1.0" encoding="utf-8"?>
+<file path=ppt/slides/slide22.xml><?xml version="1.0" encoding="utf-8"?>
 <p:sld xmlns:a="http://schemas.openxmlformats.org/drawingml/2006/main" xmlns:r="http://schemas.openxmlformats.org/officeDocument/2006/relationships" xmlns:p="http://schemas.openxmlformats.org/presentationml/2006/main">
   <p:cSld>
     <p:spTree>
@@ -23167,7 +24051,7 @@
         <p:spPr>
           <a:xfrm>
             <a:off x="1024127" y="2286000"/>
-            <a:ext cx="9720075" cy="3783830"/>
+            <a:ext cx="10446384" cy="3783830"/>
           </a:xfrm>
           <a:prstGeom prst="rect">
             <a:avLst/>
@@ -23181,45 +24065,66 @@
               <a:defRPr sz="2300" b="1"/>
             </a:pPr>
             <a:r>
+              <a:rPr dirty="0" err="1"/>
               <a:t>根据场景剧本确定需求</a:t>
             </a:r>
+            <a:endParaRPr dirty="0"/>
           </a:p>
           <a:p>
             <a:pPr marL="91440" indent="-91440">
               <a:defRPr sz="2300"/>
             </a:pPr>
             <a:r>
+              <a:rPr dirty="0" err="1"/>
               <a:t>数据需求</a:t>
             </a:r>
+            <a:endParaRPr dirty="0"/>
           </a:p>
           <a:p>
             <a:pPr marL="91440" indent="-91440">
               <a:defRPr sz="2300"/>
             </a:pPr>
             <a:r>
-              <a:t>        包括账号、文档、邮件、歌曲、图片等</a:t>
-            </a:r>
+              <a:rPr dirty="0"/>
+              <a:t>        </a:t>
+            </a:r>
+            <a:r>
+              <a:rPr dirty="0" err="1"/>
+              <a:t>包括账号、文档、邮件、歌曲、图片等</a:t>
+            </a:r>
+            <a:endParaRPr dirty="0"/>
           </a:p>
           <a:p>
             <a:pPr marL="91440" indent="-91440">
               <a:defRPr sz="2300"/>
             </a:pPr>
-            <a:endParaRPr/>
+            <a:endParaRPr dirty="0"/>
           </a:p>
           <a:p>
             <a:pPr marL="91440" indent="-91440">
               <a:defRPr sz="2300"/>
             </a:pPr>
             <a:r>
+              <a:rPr dirty="0" err="1"/>
               <a:t>功能需求</a:t>
             </a:r>
+            <a:endParaRPr dirty="0"/>
           </a:p>
           <a:p>
             <a:pPr marL="91440" indent="-91440">
               <a:defRPr sz="2300"/>
             </a:pPr>
             <a:r>
-              <a:t>        功能需求是针对系统对象必须进行的操作，它们最终会转换为界面空间。</a:t>
+              <a:rPr dirty="0"/>
+              <a:t>        </a:t>
+            </a:r>
+            <a:r>
+              <a:rPr dirty="0" err="1"/>
+              <a:t>功能需求是针对系统对象必须进行的操作，它们最终会转换为界面空间</a:t>
+            </a:r>
+            <a:r>
+              <a:rPr dirty="0"/>
+              <a:t>。</a:t>
             </a:r>
           </a:p>
         </p:txBody>
@@ -23249,7 +24154,7 @@
           <a:lstStyle/>
           <a:p>
             <a:fld id="{86CB4B4D-7CA3-9044-876B-883B54F8677D}" type="slidenum">
-              <a:t>21</a:t>
+              <a:t>22</a:t>
             </a:fld>
             <a:endParaRPr/>
           </a:p>
@@ -23260,22 +24165,13 @@
   <p:clrMapOvr>
     <a:masterClrMapping/>
   </p:clrMapOvr>
-  <mc:AlternateContent xmlns:mc="http://schemas.openxmlformats.org/markup-compatibility/2006">
-    <mc:Choice xmlns:p15="http://schemas.microsoft.com/office/powerpoint/2012/main" Requires="p15">
-      <p:transition xmlns:p14="http://schemas.microsoft.com/office/powerpoint/2010/main" spd="slow" p14:dur="1250">
-        <p15:prstTrans prst="peelOff"/>
-      </p:transition>
-    </mc:Choice>
-    <mc:Fallback>
-      <p:transition spd="slow">
-        <p:fade/>
-      </p:transition>
-    </mc:Fallback>
-  </mc:AlternateContent>
+  <p:transition spd="slow">
+    <p:fade/>
+  </p:transition>
 </p:sld>
 </file>
 
-<file path=ppt/slides/slide22.xml><?xml version="1.0" encoding="utf-8"?>
+<file path=ppt/slides/slide23.xml><?xml version="1.0" encoding="utf-8"?>
 <p:sld xmlns:a="http://schemas.openxmlformats.org/drawingml/2006/main" xmlns:r="http://schemas.openxmlformats.org/officeDocument/2006/relationships" xmlns:p="http://schemas.openxmlformats.org/presentationml/2006/main">
   <p:cSld>
     <p:spTree>
@@ -23348,50 +24244,105 @@
               <a:defRPr b="1"/>
             </a:pPr>
             <a:r>
-              <a:t>框架定义（framework Definition）</a:t>
-            </a:r>
-          </a:p>
-          <a:p>
-            <a:r>
-              <a:t>在框架定义阶段，设计者创建整个产品的概念，产品行为、视觉设计及物理形式（如果有的话）的基本框架。</a:t>
-            </a:r>
-          </a:p>
-          <a:p>
-            <a:r>
+              <a:rPr dirty="0" err="1"/>
+              <a:t>框架定义（</a:t>
+            </a:r>
+            <a:r>
+              <a:rPr lang="en-US" altLang="zh-CN" dirty="0" err="1"/>
+              <a:t>F</a:t>
+            </a:r>
+            <a:r>
+              <a:rPr dirty="0" err="1"/>
+              <a:t>ramework</a:t>
+            </a:r>
+            <a:r>
+              <a:rPr dirty="0"/>
+              <a:t> Definition）</a:t>
+            </a:r>
+          </a:p>
+          <a:p>
+            <a:r>
+              <a:rPr dirty="0" err="1"/>
+              <a:t>在框架定义阶段，设计者创建整个产品的概念，产品行为、视觉设计及物理形式（如果有的话）的基本框架</a:t>
+            </a:r>
+            <a:r>
+              <a:rPr dirty="0"/>
+              <a:t>。</a:t>
+            </a:r>
+          </a:p>
+          <a:p>
+            <a:r>
+              <a:rPr dirty="0" err="1"/>
               <a:t>交互设计团队使用</a:t>
             </a:r>
             <a:r>
-              <a:rPr b="1"/>
+              <a:rPr b="1" dirty="0" err="1"/>
               <a:t>交互设计原则</a:t>
             </a:r>
             <a:r>
+              <a:rPr dirty="0" err="1"/>
               <a:t>与</a:t>
             </a:r>
             <a:r>
-              <a:rPr b="1"/>
+              <a:rPr b="1" dirty="0" err="1"/>
               <a:t>交互设计模式</a:t>
             </a:r>
             <a:r>
+              <a:rPr dirty="0" err="1"/>
               <a:t>来合成一个</a:t>
             </a:r>
             <a:r>
-              <a:rPr b="1"/>
+              <a:rPr b="1" dirty="0" err="1"/>
               <a:t>交互框架</a:t>
             </a:r>
-          </a:p>
-          <a:p>
-            <a:endParaRPr b="1"/>
+            <a:endParaRPr b="1" dirty="0"/>
+          </a:p>
+          <a:p>
+            <a:endParaRPr b="1" dirty="0"/>
           </a:p>
           <a:p>
             <a:pPr>
               <a:defRPr b="1"/>
             </a:pPr>
             <a:r>
-              <a:t>交互设计原则（interaction design principle）</a:t>
-            </a:r>
-            <a:r>
-              <a:rPr b="0"/>
-              <a:t>提供了在多种情境中定义恰当系统行为的指导原则。</a:t>
+              <a:rPr dirty="0" err="1"/>
+              <a:t>交互设计原则（</a:t>
+            </a:r>
+            <a:r>
+              <a:rPr lang="en-US" dirty="0" err="1"/>
+              <a:t>I</a:t>
+            </a:r>
+            <a:r>
+              <a:rPr dirty="0" err="1"/>
+              <a:t>nteraction</a:t>
+            </a:r>
+            <a:r>
+              <a:rPr dirty="0"/>
+              <a:t> </a:t>
+            </a:r>
+            <a:r>
+              <a:rPr lang="en-US" altLang="zh-CN" dirty="0"/>
+              <a:t>D</a:t>
+            </a:r>
+            <a:r>
+              <a:rPr dirty="0"/>
+              <a:t>esign </a:t>
+            </a:r>
+            <a:r>
+              <a:rPr lang="en-US" dirty="0" err="1"/>
+              <a:t>P</a:t>
+            </a:r>
+            <a:r>
+              <a:rPr dirty="0" err="1"/>
+              <a:t>rinciple）</a:t>
+            </a:r>
+            <a:r>
+              <a:rPr b="0" dirty="0" err="1"/>
+              <a:t>提供了在多种情境中定义恰当系统行为的指导原则</a:t>
+            </a:r>
+            <a:r>
+              <a:rPr b="0" dirty="0"/>
+              <a:t>。</a:t>
             </a:r>
           </a:p>
           <a:p>
@@ -23399,11 +24350,44 @@
               <a:defRPr b="1"/>
             </a:pPr>
             <a:r>
-              <a:t>交互设计模式（interaction design pattern）</a:t>
-            </a:r>
-            <a:r>
-              <a:rPr b="0"/>
-              <a:t>对先前已经分析过的不同类别的问题，它给出了通用的解决方案（基于情境不同会有所不同）</a:t>
+              <a:rPr dirty="0" err="1"/>
+              <a:t>交互设计模式（</a:t>
+            </a:r>
+            <a:r>
+              <a:rPr lang="en-US" dirty="0" err="1"/>
+              <a:t>I</a:t>
+            </a:r>
+            <a:r>
+              <a:rPr dirty="0" err="1"/>
+              <a:t>nteraction</a:t>
+            </a:r>
+            <a:r>
+              <a:rPr dirty="0"/>
+              <a:t> </a:t>
+            </a:r>
+            <a:r>
+              <a:rPr lang="en-US" dirty="0"/>
+              <a:t>D</a:t>
+            </a:r>
+            <a:r>
+              <a:rPr dirty="0"/>
+              <a:t>esign </a:t>
+            </a:r>
+            <a:r>
+              <a:rPr lang="en-US" dirty="0" err="1"/>
+              <a:t>P</a:t>
+            </a:r>
+            <a:r>
+              <a:rPr dirty="0" err="1"/>
+              <a:t>attern）</a:t>
+            </a:r>
+            <a:r>
+              <a:rPr b="0" dirty="0" err="1"/>
+              <a:t>对先前已经分析过的不同类别的问题，它给出了通用的解决方案（基于情境不同会有所不同</a:t>
+            </a:r>
+            <a:r>
+              <a:rPr b="0" dirty="0"/>
+              <a:t>）</a:t>
             </a:r>
           </a:p>
         </p:txBody>
@@ -23433,7 +24417,7 @@
           <a:lstStyle/>
           <a:p>
             <a:fld id="{86CB4B4D-7CA3-9044-876B-883B54F8677D}" type="slidenum">
-              <a:t>22</a:t>
+              <a:t>23</a:t>
             </a:fld>
             <a:endParaRPr/>
           </a:p>
@@ -23444,22 +24428,13 @@
   <p:clrMapOvr>
     <a:masterClrMapping/>
   </p:clrMapOvr>
-  <mc:AlternateContent xmlns:mc="http://schemas.openxmlformats.org/markup-compatibility/2006">
-    <mc:Choice xmlns:p15="http://schemas.microsoft.com/office/powerpoint/2012/main" Requires="p15">
-      <p:transition xmlns:p14="http://schemas.microsoft.com/office/powerpoint/2010/main" spd="slow" p14:dur="1250">
-        <p15:prstTrans prst="peelOff"/>
-      </p:transition>
-    </mc:Choice>
-    <mc:Fallback>
-      <p:transition spd="slow">
-        <p:fade/>
-      </p:transition>
-    </mc:Fallback>
-  </mc:AlternateContent>
+  <p:transition spd="slow">
+    <p:fade/>
+  </p:transition>
 </p:sld>
 </file>
 
-<file path=ppt/slides/slide23.xml><?xml version="1.0" encoding="utf-8"?>
+<file path=ppt/slides/slide24.xml><?xml version="1.0" encoding="utf-8"?>
 <p:sld xmlns:a="http://schemas.openxmlformats.org/drawingml/2006/main" xmlns:r="http://schemas.openxmlformats.org/officeDocument/2006/relationships" xmlns:p="http://schemas.openxmlformats.org/presentationml/2006/main">
   <p:cSld>
     <p:spTree>
@@ -23597,7 +24572,7 @@
           <a:lstStyle/>
           <a:p>
             <a:fld id="{86CB4B4D-7CA3-9044-876B-883B54F8677D}" type="slidenum">
-              <a:t>23</a:t>
+              <a:t>24</a:t>
             </a:fld>
             <a:endParaRPr/>
           </a:p>
@@ -23608,22 +24583,13 @@
   <p:clrMapOvr>
     <a:masterClrMapping/>
   </p:clrMapOvr>
-  <mc:AlternateContent xmlns:mc="http://schemas.openxmlformats.org/markup-compatibility/2006">
-    <mc:Choice xmlns:p15="http://schemas.microsoft.com/office/powerpoint/2012/main" Requires="p15">
-      <p:transition xmlns:p14="http://schemas.microsoft.com/office/powerpoint/2010/main" spd="slow" p14:dur="1250">
-        <p15:prstTrans prst="peelOff"/>
-      </p:transition>
-    </mc:Choice>
-    <mc:Fallback>
-      <p:transition spd="slow">
-        <p:fade/>
-      </p:transition>
-    </mc:Fallback>
-  </mc:AlternateContent>
+  <p:transition spd="slow">
+    <p:fade/>
+  </p:transition>
 </p:sld>
 </file>
 
-<file path=ppt/slides/slide24.xml><?xml version="1.0" encoding="utf-8"?>
+<file path=ppt/slides/slide25.xml><?xml version="1.0" encoding="utf-8"?>
 <p:sld xmlns:a="http://schemas.openxmlformats.org/drawingml/2006/main" xmlns:r="http://schemas.openxmlformats.org/officeDocument/2006/relationships" xmlns:p="http://schemas.openxmlformats.org/presentationml/2006/main">
   <p:cSld>
     <p:spTree>
@@ -23752,7 +24718,7 @@
           <a:lstStyle/>
           <a:p>
             <a:fld id="{86CB4B4D-7CA3-9044-876B-883B54F8677D}" type="slidenum">
-              <a:t>24</a:t>
+              <a:t>25</a:t>
             </a:fld>
             <a:endParaRPr/>
           </a:p>
@@ -23763,22 +24729,13 @@
   <p:clrMapOvr>
     <a:masterClrMapping/>
   </p:clrMapOvr>
-  <mc:AlternateContent xmlns:mc="http://schemas.openxmlformats.org/markup-compatibility/2006">
-    <mc:Choice xmlns:p15="http://schemas.microsoft.com/office/powerpoint/2012/main" Requires="p15">
-      <p:transition xmlns:p14="http://schemas.microsoft.com/office/powerpoint/2010/main" spd="slow" p14:dur="1250">
-        <p15:prstTrans prst="peelOff"/>
-      </p:transition>
-    </mc:Choice>
-    <mc:Fallback>
-      <p:transition spd="slow">
-        <p:fade/>
-      </p:transition>
-    </mc:Fallback>
-  </mc:AlternateContent>
+  <p:transition spd="slow">
+    <p:fade/>
+  </p:transition>
 </p:sld>
 </file>
 
-<file path=ppt/slides/slide25.xml><?xml version="1.0" encoding="utf-8"?>
+<file path=ppt/slides/slide26.xml><?xml version="1.0" encoding="utf-8"?>
 <p:sld xmlns:a="http://schemas.openxmlformats.org/drawingml/2006/main" xmlns:r="http://schemas.openxmlformats.org/officeDocument/2006/relationships" xmlns:p="http://schemas.openxmlformats.org/presentationml/2006/main">
   <p:cSld>
     <p:spTree>
@@ -23923,7 +24880,7 @@
           <a:lstStyle/>
           <a:p>
             <a:fld id="{86CB4B4D-7CA3-9044-876B-883B54F8677D}" type="slidenum">
-              <a:t>25</a:t>
+              <a:t>26</a:t>
             </a:fld>
             <a:endParaRPr/>
           </a:p>
@@ -23934,22 +24891,13 @@
   <p:clrMapOvr>
     <a:masterClrMapping/>
   </p:clrMapOvr>
-  <mc:AlternateContent xmlns:mc="http://schemas.openxmlformats.org/markup-compatibility/2006">
-    <mc:Choice xmlns:p15="http://schemas.microsoft.com/office/powerpoint/2012/main" Requires="p15">
-      <p:transition xmlns:p14="http://schemas.microsoft.com/office/powerpoint/2010/main" spd="slow" p14:dur="1250">
-        <p15:prstTrans prst="peelOff"/>
-      </p:transition>
-    </mc:Choice>
-    <mc:Fallback>
-      <p:transition spd="slow">
-        <p:fade/>
-      </p:transition>
-    </mc:Fallback>
-  </mc:AlternateContent>
+  <p:transition spd="slow">
+    <p:fade/>
+  </p:transition>
 </p:sld>
 </file>
 
-<file path=ppt/slides/slide26.xml><?xml version="1.0" encoding="utf-8"?>
+<file path=ppt/slides/slide27.xml><?xml version="1.0" encoding="utf-8"?>
 <p:sld xmlns:a="http://schemas.openxmlformats.org/drawingml/2006/main" xmlns:r="http://schemas.openxmlformats.org/officeDocument/2006/relationships" xmlns:p="http://schemas.openxmlformats.org/presentationml/2006/main">
   <p:cSld>
     <p:spTree>
@@ -24065,7 +25013,7 @@
           <a:lstStyle/>
           <a:p>
             <a:fld id="{86CB4B4D-7CA3-9044-876B-883B54F8677D}" type="slidenum">
-              <a:t>26</a:t>
+              <a:t>27</a:t>
             </a:fld>
             <a:endParaRPr/>
           </a:p>
@@ -24076,22 +25024,13 @@
   <p:clrMapOvr>
     <a:masterClrMapping/>
   </p:clrMapOvr>
-  <mc:AlternateContent xmlns:mc="http://schemas.openxmlformats.org/markup-compatibility/2006">
-    <mc:Choice xmlns:p15="http://schemas.microsoft.com/office/powerpoint/2012/main" Requires="p15">
-      <p:transition xmlns:p14="http://schemas.microsoft.com/office/powerpoint/2010/main" spd="slow" p14:dur="1250">
-        <p15:prstTrans prst="peelOff"/>
-      </p:transition>
-    </mc:Choice>
-    <mc:Fallback>
-      <p:transition spd="slow">
-        <p:fade/>
-      </p:transition>
-    </mc:Fallback>
-  </mc:AlternateContent>
+  <p:transition spd="slow">
+    <p:fade/>
+  </p:transition>
 </p:sld>
 </file>
 
-<file path=ppt/slides/slide27.xml><?xml version="1.0" encoding="utf-8"?>
+<file path=ppt/slides/slide28.xml><?xml version="1.0" encoding="utf-8"?>
 <p:sld xmlns:a="http://schemas.openxmlformats.org/drawingml/2006/main" xmlns:r="http://schemas.openxmlformats.org/officeDocument/2006/relationships" xmlns:p="http://schemas.openxmlformats.org/presentationml/2006/main">
   <p:cSld>
     <p:spTree>
@@ -24162,7 +25101,7 @@
           <a:lstStyle/>
           <a:p>
             <a:fld id="{86CB4B4D-7CA3-9044-876B-883B54F8677D}" type="slidenum">
-              <a:t>27</a:t>
+              <a:t>28</a:t>
             </a:fld>
             <a:endParaRPr/>
           </a:p>
@@ -24173,22 +25112,13 @@
   <p:clrMapOvr>
     <a:masterClrMapping/>
   </p:clrMapOvr>
-  <mc:AlternateContent xmlns:mc="http://schemas.openxmlformats.org/markup-compatibility/2006">
-    <mc:Choice xmlns:p15="http://schemas.microsoft.com/office/powerpoint/2012/main" Requires="p15">
-      <p:transition xmlns:p14="http://schemas.microsoft.com/office/powerpoint/2010/main" spd="slow" p14:dur="1250">
-        <p15:prstTrans prst="peelOff"/>
-      </p:transition>
-    </mc:Choice>
-    <mc:Fallback>
-      <p:transition spd="slow">
-        <p:fade/>
-      </p:transition>
-    </mc:Fallback>
-  </mc:AlternateContent>
+  <p:transition spd="slow">
+    <p:fade/>
+  </p:transition>
 </p:sld>
 </file>
 
-<file path=ppt/slides/slide28.xml><?xml version="1.0" encoding="utf-8"?>
+<file path=ppt/slides/slide29.xml><?xml version="1.0" encoding="utf-8"?>
 <p:sld xmlns:a="http://schemas.openxmlformats.org/drawingml/2006/main" xmlns:r="http://schemas.openxmlformats.org/officeDocument/2006/relationships" xmlns:p="http://schemas.openxmlformats.org/presentationml/2006/main">
   <p:cSld>
     <p:spTree>
@@ -24304,7 +25234,7 @@
           <a:lstStyle/>
           <a:p>
             <a:fld id="{86CB4B4D-7CA3-9044-876B-883B54F8677D}" type="slidenum">
-              <a:t>28</a:t>
+              <a:t>29</a:t>
             </a:fld>
             <a:endParaRPr/>
           </a:p>
@@ -24315,22 +25245,231 @@
   <p:clrMapOvr>
     <a:masterClrMapping/>
   </p:clrMapOvr>
-  <mc:AlternateContent xmlns:mc="http://schemas.openxmlformats.org/markup-compatibility/2006">
-    <mc:Choice xmlns:p15="http://schemas.microsoft.com/office/powerpoint/2012/main" Requires="p15">
-      <p:transition xmlns:p14="http://schemas.microsoft.com/office/powerpoint/2010/main" spd="slow" p14:dur="1250">
-        <p15:prstTrans prst="peelOff"/>
-      </p:transition>
-    </mc:Choice>
-    <mc:Fallback>
-      <p:transition spd="slow">
-        <p:fade/>
-      </p:transition>
-    </mc:Fallback>
-  </mc:AlternateContent>
+  <p:transition spd="slow">
+    <p:fade/>
+  </p:transition>
 </p:sld>
 </file>
 
-<file path=ppt/slides/slide29.xml><?xml version="1.0" encoding="utf-8"?>
+<file path=ppt/slides/slide3.xml><?xml version="1.0" encoding="utf-8"?>
+<p:sld xmlns:a="http://schemas.openxmlformats.org/drawingml/2006/main" xmlns:r="http://schemas.openxmlformats.org/officeDocument/2006/relationships" xmlns:p="http://schemas.openxmlformats.org/presentationml/2006/main">
+  <p:cSld>
+    <p:spTree>
+      <p:nvGrpSpPr>
+        <p:cNvPr id="1" name=""/>
+        <p:cNvGrpSpPr/>
+        <p:nvPr/>
+      </p:nvGrpSpPr>
+      <p:grpSpPr>
+        <a:xfrm>
+          <a:off x="0" y="0"/>
+          <a:ext cx="0" cy="0"/>
+          <a:chOff x="0" y="0"/>
+          <a:chExt cx="0" cy="0"/>
+        </a:xfrm>
+      </p:grpSpPr>
+      <p:sp>
+        <p:nvSpPr>
+          <p:cNvPr id="130" name="Title 1"/>
+          <p:cNvSpPr txBox="1">
+            <a:spLocks noGrp="1"/>
+          </p:cNvSpPr>
+          <p:nvPr>
+            <p:ph type="title"/>
+          </p:nvPr>
+        </p:nvSpPr>
+        <p:spPr>
+          <a:xfrm>
+            <a:off x="1024128" y="585216"/>
+            <a:ext cx="9720072" cy="1499617"/>
+          </a:xfrm>
+          <a:prstGeom prst="rect">
+            <a:avLst/>
+          </a:prstGeom>
+        </p:spPr>
+        <p:txBody>
+          <a:bodyPr/>
+          <a:lstStyle/>
+          <a:p>
+            <a:r>
+              <a:t>Content</a:t>
+            </a:r>
+          </a:p>
+        </p:txBody>
+      </p:sp>
+      <p:sp>
+        <p:nvSpPr>
+          <p:cNvPr id="131" name="Content Placeholder 2"/>
+          <p:cNvSpPr txBox="1">
+            <a:spLocks noGrp="1"/>
+          </p:cNvSpPr>
+          <p:nvPr>
+            <p:ph type="body" sz="half" idx="1"/>
+          </p:nvPr>
+        </p:nvSpPr>
+        <p:spPr>
+          <a:xfrm>
+            <a:off x="7292164" y="2286000"/>
+            <a:ext cx="4899837" cy="4023360"/>
+          </a:xfrm>
+          <a:prstGeom prst="rect">
+            <a:avLst/>
+          </a:prstGeom>
+        </p:spPr>
+        <p:txBody>
+          <a:bodyPr/>
+          <a:lstStyle/>
+          <a:p>
+            <a:pPr marL="87782" indent="-87782" defTabSz="877823">
+              <a:spcBef>
+                <a:spcPts val="1100"/>
+              </a:spcBef>
+              <a:defRPr sz="2304"/>
+            </a:pPr>
+            <a:r>
+              <a:rPr dirty="0"/>
+              <a:t>1、目标导向设计概述</a:t>
+            </a:r>
+          </a:p>
+          <a:p>
+            <a:pPr marL="87782" indent="-87782" defTabSz="877823">
+              <a:spcBef>
+                <a:spcPts val="1100"/>
+              </a:spcBef>
+              <a:defRPr sz="2304"/>
+            </a:pPr>
+            <a:r>
+              <a:rPr dirty="0"/>
+              <a:t>2、研究阶段</a:t>
+            </a:r>
+          </a:p>
+          <a:p>
+            <a:pPr marL="87782" indent="-87782" defTabSz="877823">
+              <a:spcBef>
+                <a:spcPts val="1100"/>
+              </a:spcBef>
+              <a:defRPr sz="2304"/>
+            </a:pPr>
+            <a:r>
+              <a:rPr dirty="0"/>
+              <a:t>3、建模阶段</a:t>
+            </a:r>
+          </a:p>
+          <a:p>
+            <a:pPr marL="87782" indent="-87782" defTabSz="877823">
+              <a:spcBef>
+                <a:spcPts val="1100"/>
+              </a:spcBef>
+              <a:defRPr sz="2304"/>
+            </a:pPr>
+            <a:r>
+              <a:rPr dirty="0"/>
+              <a:t>4、需求定义阶段</a:t>
+            </a:r>
+          </a:p>
+          <a:p>
+            <a:pPr marL="87782" indent="-87782" defTabSz="877823">
+              <a:spcBef>
+                <a:spcPts val="1100"/>
+              </a:spcBef>
+              <a:defRPr sz="2304"/>
+            </a:pPr>
+            <a:r>
+              <a:rPr dirty="0"/>
+              <a:t>5、框架定义阶段</a:t>
+            </a:r>
+          </a:p>
+          <a:p>
+            <a:pPr marL="87782" indent="-87782" defTabSz="877823">
+              <a:spcBef>
+                <a:spcPts val="1100"/>
+              </a:spcBef>
+              <a:defRPr sz="2304"/>
+            </a:pPr>
+            <a:r>
+              <a:rPr dirty="0"/>
+              <a:t>6、细化阶段</a:t>
+            </a:r>
+          </a:p>
+          <a:p>
+            <a:pPr marL="87782" indent="-87782" defTabSz="877823">
+              <a:spcBef>
+                <a:spcPts val="1100"/>
+              </a:spcBef>
+              <a:defRPr sz="2304"/>
+            </a:pPr>
+            <a:r>
+              <a:rPr dirty="0"/>
+              <a:t>7、开发支持阶段</a:t>
+            </a:r>
+            <a:endParaRPr lang="en-US" dirty="0"/>
+          </a:p>
+          <a:p>
+            <a:pPr marL="87782" indent="-87782" defTabSz="877823">
+              <a:spcBef>
+                <a:spcPts val="1100"/>
+              </a:spcBef>
+              <a:defRPr sz="2304"/>
+            </a:pPr>
+            <a:r>
+              <a:rPr lang="en-US" dirty="0"/>
+              <a:t>8</a:t>
+            </a:r>
+            <a:r>
+              <a:rPr lang="zh-CN" altLang="en-US" dirty="0"/>
+              <a:t>、原型设计工具介绍</a:t>
+            </a:r>
+            <a:endParaRPr dirty="0"/>
+          </a:p>
+        </p:txBody>
+      </p:sp>
+      <p:sp>
+        <p:nvSpPr>
+          <p:cNvPr id="132" name="Slide Number"/>
+          <p:cNvSpPr txBox="1">
+            <a:spLocks noGrp="1"/>
+          </p:cNvSpPr>
+          <p:nvPr>
+            <p:ph type="sldNum" sz="quarter" idx="4294967295"/>
+          </p:nvPr>
+        </p:nvSpPr>
+        <p:spPr>
+          <a:xfrm>
+            <a:off x="10837333" y="6492294"/>
+            <a:ext cx="174214" cy="231141"/>
+          </a:xfrm>
+          <a:prstGeom prst="rect">
+            <a:avLst/>
+          </a:prstGeom>
+          <a:extLst>
+            <a:ext uri="{C572A759-6A51-4108-AA02-DFA0A04FC94B}">
+              <ma14:wrappingTextBoxFlag xmlns:ma14="http://schemas.microsoft.com/office/mac/drawingml/2011/main" xmlns:a14="http://schemas.microsoft.com/office/drawing/2010/main" xmlns:m="http://schemas.openxmlformats.org/officeDocument/2006/math" xmlns="" val="1"/>
+            </a:ext>
+          </a:extLst>
+        </p:spPr>
+        <p:txBody>
+          <a:bodyPr/>
+          <a:lstStyle/>
+          <a:p>
+            <a:fld id="{86CB4B4D-7CA3-9044-876B-883B54F8677D}" type="slidenum">
+              <a:t>3</a:t>
+            </a:fld>
+            <a:endParaRPr/>
+          </a:p>
+        </p:txBody>
+      </p:sp>
+    </p:spTree>
+  </p:cSld>
+  <p:clrMapOvr>
+    <a:masterClrMapping/>
+  </p:clrMapOvr>
+  <p:transition spd="slow">
+    <p:fade/>
+  </p:transition>
+</p:sld>
+</file>
+
+<file path=ppt/slides/slide30.xml><?xml version="1.0" encoding="utf-8"?>
 <p:sld xmlns:a="http://schemas.openxmlformats.org/drawingml/2006/main" xmlns:r="http://schemas.openxmlformats.org/officeDocument/2006/relationships" xmlns:p="http://schemas.openxmlformats.org/presentationml/2006/main">
   <p:cSld>
     <p:spTree>
@@ -24389,7 +25528,7 @@
         <p:spPr>
           <a:xfrm>
             <a:off x="1024127" y="2286000"/>
-            <a:ext cx="5706668" cy="4023360"/>
+            <a:ext cx="5862810" cy="4023360"/>
           </a:xfrm>
           <a:prstGeom prst="rect">
             <a:avLst/>
@@ -24400,47 +25539,82 @@
           <a:lstStyle/>
           <a:p>
             <a:r>
+              <a:rPr dirty="0"/>
               <a:t>       一旦交互框架浮现出来，视觉设计者便开始着手创建一些</a:t>
             </a:r>
             <a:r>
-              <a:rPr b="1"/>
+              <a:rPr b="1" dirty="0"/>
               <a:t>视觉框架</a:t>
             </a:r>
             <a:r>
+              <a:rPr dirty="0"/>
               <a:t>，有时这也称为“</a:t>
             </a:r>
             <a:r>
-              <a:rPr b="1"/>
+              <a:rPr b="1" dirty="0" err="1"/>
               <a:t>视觉语言策略</a:t>
             </a:r>
             <a:r>
+              <a:rPr dirty="0"/>
               <a:t>”</a:t>
             </a:r>
             <a:r>
-              <a:rPr b="1"/>
-              <a:t>（visual language strategy）</a:t>
-            </a:r>
-            <a:r>
-              <a:t>。视觉设计者运用品牌属性和对整体界面结构的理解来开发出</a:t>
-            </a:r>
-            <a:r>
-              <a:rPr b="1"/>
+              <a:rPr b="1" dirty="0"/>
+              <a:t>（</a:t>
+            </a:r>
+            <a:r>
+              <a:rPr lang="en-US" b="1" dirty="0"/>
+              <a:t>V</a:t>
+            </a:r>
+            <a:r>
+              <a:rPr b="1" dirty="0"/>
+              <a:t>isual </a:t>
+            </a:r>
+            <a:r>
+              <a:rPr lang="en-US" b="1" dirty="0"/>
+              <a:t>L</a:t>
+            </a:r>
+            <a:r>
+              <a:rPr b="1" dirty="0"/>
+              <a:t>anguage </a:t>
+            </a:r>
+            <a:r>
+              <a:rPr lang="en-US" b="1" dirty="0"/>
+              <a:t>S</a:t>
+            </a:r>
+            <a:r>
+              <a:rPr b="1" dirty="0"/>
+              <a:t>trategy）</a:t>
+            </a:r>
+            <a:r>
+              <a:rPr dirty="0"/>
+              <a:t>。</a:t>
+            </a:r>
+            <a:r>
+              <a:rPr dirty="0" err="1"/>
+              <a:t>视觉设计者运用品牌属性和对整体界面结构的理解来开发出</a:t>
+            </a:r>
+            <a:r>
+              <a:rPr b="1" dirty="0" err="1"/>
               <a:t>版面</a:t>
             </a:r>
             <a:r>
+              <a:rPr dirty="0" err="1"/>
               <a:t>、</a:t>
             </a:r>
             <a:r>
-              <a:rPr b="1"/>
+              <a:rPr b="1" dirty="0" err="1"/>
               <a:t>色彩模式</a:t>
             </a:r>
             <a:r>
+              <a:rPr dirty="0" err="1"/>
               <a:t>和</a:t>
             </a:r>
             <a:r>
-              <a:rPr b="1"/>
+              <a:rPr b="1" dirty="0" err="1"/>
               <a:t>视觉风格</a:t>
             </a:r>
+            <a:endParaRPr b="1" dirty="0"/>
           </a:p>
         </p:txBody>
       </p:sp>
@@ -24498,7 +25672,7 @@
           <a:lstStyle/>
           <a:p>
             <a:fld id="{86CB4B4D-7CA3-9044-876B-883B54F8677D}" type="slidenum">
-              <a:t>29</a:t>
+              <a:t>30</a:t>
             </a:fld>
             <a:endParaRPr/>
           </a:p>
@@ -24509,152 +25683,13 @@
   <p:clrMapOvr>
     <a:masterClrMapping/>
   </p:clrMapOvr>
-  <mc:AlternateContent xmlns:mc="http://schemas.openxmlformats.org/markup-compatibility/2006">
-    <mc:Choice xmlns:p15="http://schemas.microsoft.com/office/powerpoint/2012/main" Requires="p15">
-      <p:transition xmlns:p14="http://schemas.microsoft.com/office/powerpoint/2010/main" spd="slow" p14:dur="1250">
-        <p15:prstTrans prst="peelOff"/>
-      </p:transition>
-    </mc:Choice>
-    <mc:Fallback>
-      <p:transition spd="slow">
-        <p:fade/>
-      </p:transition>
-    </mc:Fallback>
-  </mc:AlternateContent>
+  <p:transition spd="slow">
+    <p:fade/>
+  </p:transition>
 </p:sld>
 </file>
 
-<file path=ppt/slides/slide3.xml><?xml version="1.0" encoding="utf-8"?>
-<p:sld xmlns:a="http://schemas.openxmlformats.org/drawingml/2006/main" xmlns:r="http://schemas.openxmlformats.org/officeDocument/2006/relationships" xmlns:p="http://schemas.openxmlformats.org/presentationml/2006/main">
-  <p:cSld>
-    <p:spTree>
-      <p:nvGrpSpPr>
-        <p:cNvPr id="1" name=""/>
-        <p:cNvGrpSpPr/>
-        <p:nvPr/>
-      </p:nvGrpSpPr>
-      <p:grpSpPr>
-        <a:xfrm>
-          <a:off x="0" y="0"/>
-          <a:ext cx="0" cy="0"/>
-          <a:chOff x="0" y="0"/>
-          <a:chExt cx="0" cy="0"/>
-        </a:xfrm>
-      </p:grpSpPr>
-      <p:sp>
-        <p:nvSpPr>
-          <p:cNvPr id="134" name="Title 1"/>
-          <p:cNvSpPr txBox="1">
-            <a:spLocks noGrp="1"/>
-          </p:cNvSpPr>
-          <p:nvPr>
-            <p:ph type="title"/>
-          </p:nvPr>
-        </p:nvSpPr>
-        <p:spPr>
-          <a:xfrm>
-            <a:off x="1024128" y="585216"/>
-            <a:ext cx="9720072" cy="1499617"/>
-          </a:xfrm>
-          <a:prstGeom prst="rect">
-            <a:avLst/>
-          </a:prstGeom>
-        </p:spPr>
-        <p:txBody>
-          <a:bodyPr/>
-          <a:lstStyle/>
-          <a:p>
-            <a:r>
-              <a:t>目标导向设计</a:t>
-            </a:r>
-          </a:p>
-        </p:txBody>
-      </p:sp>
-      <p:sp>
-        <p:nvSpPr>
-          <p:cNvPr id="135" name="Content Placeholder 2"/>
-          <p:cNvSpPr txBox="1">
-            <a:spLocks noGrp="1"/>
-          </p:cNvSpPr>
-          <p:nvPr>
-            <p:ph type="body" idx="1"/>
-          </p:nvPr>
-        </p:nvSpPr>
-        <p:spPr>
-          <a:xfrm>
-            <a:off x="1024127" y="2286000"/>
-            <a:ext cx="9720075" cy="4023360"/>
-          </a:xfrm>
-          <a:prstGeom prst="rect">
-            <a:avLst/>
-          </a:prstGeom>
-        </p:spPr>
-        <p:txBody>
-          <a:bodyPr/>
-          <a:lstStyle/>
-          <a:p>
-            <a:r>
-              <a:t>       “目前，多数数字产品的开发过程就像怪物从咕咚冒泡的容器中诞生一样。开发人员没有从购买者与用户的需求出发进行规划与开发，最终创造出以技术为主导的产品很难控制与使用。”[1]</a:t>
-            </a:r>
-          </a:p>
-        </p:txBody>
-      </p:sp>
-      <p:sp>
-        <p:nvSpPr>
-          <p:cNvPr id="136" name="Slide Number"/>
-          <p:cNvSpPr txBox="1">
-            <a:spLocks noGrp="1"/>
-          </p:cNvSpPr>
-          <p:nvPr>
-            <p:ph type="sldNum" sz="quarter" idx="4294967295"/>
-          </p:nvPr>
-        </p:nvSpPr>
-        <p:spPr>
-          <a:xfrm>
-            <a:off x="10837333" y="6492294"/>
-            <a:ext cx="174214" cy="231141"/>
-          </a:xfrm>
-          <a:prstGeom prst="rect">
-            <a:avLst/>
-          </a:prstGeom>
-          <a:extLst>
-            <a:ext uri="{C572A759-6A51-4108-AA02-DFA0A04FC94B}">
-              <ma14:wrappingTextBoxFlag xmlns:ma14="http://schemas.microsoft.com/office/mac/drawingml/2011/main" xmlns:a14="http://schemas.microsoft.com/office/drawing/2010/main" xmlns:m="http://schemas.openxmlformats.org/officeDocument/2006/math" xmlns="" val="1"/>
-            </a:ext>
-          </a:extLst>
-        </p:spPr>
-        <p:txBody>
-          <a:bodyPr/>
-          <a:lstStyle/>
-          <a:p>
-            <a:fld id="{86CB4B4D-7CA3-9044-876B-883B54F8677D}" type="slidenum">
-              <a:t>3</a:t>
-            </a:fld>
-            <a:endParaRPr/>
-          </a:p>
-        </p:txBody>
-      </p:sp>
-    </p:spTree>
-  </p:cSld>
-  <p:clrMapOvr>
-    <a:masterClrMapping/>
-  </p:clrMapOvr>
-  <mc:AlternateContent xmlns:mc="http://schemas.openxmlformats.org/markup-compatibility/2006">
-    <mc:Choice xmlns:p15="http://schemas.microsoft.com/office/powerpoint/2012/main" Requires="p15">
-      <p:transition xmlns:p14="http://schemas.microsoft.com/office/powerpoint/2010/main" spd="slow" p14:dur="1250">
-        <p15:prstTrans prst="peelOff"/>
-      </p:transition>
-    </mc:Choice>
-    <mc:Fallback>
-      <p:transition spd="slow">
-        <p:fade/>
-      </p:transition>
-    </mc:Fallback>
-  </mc:AlternateContent>
-</p:sld>
-</file>
-
-<file path=ppt/slides/slide30.xml><?xml version="1.0" encoding="utf-8"?>
+<file path=ppt/slides/slide31.xml><?xml version="1.0" encoding="utf-8"?>
 <p:sld xmlns:a="http://schemas.openxmlformats.org/drawingml/2006/main" xmlns:r="http://schemas.openxmlformats.org/officeDocument/2006/relationships" xmlns:p="http://schemas.openxmlformats.org/presentationml/2006/main">
   <p:cSld>
     <p:spTree>
@@ -24770,7 +25805,7 @@
           <a:lstStyle/>
           <a:p>
             <a:fld id="{86CB4B4D-7CA3-9044-876B-883B54F8677D}" type="slidenum">
-              <a:t>30</a:t>
+              <a:t>31</a:t>
             </a:fld>
             <a:endParaRPr/>
           </a:p>
@@ -24781,22 +25816,13 @@
   <p:clrMapOvr>
     <a:masterClrMapping/>
   </p:clrMapOvr>
-  <mc:AlternateContent xmlns:mc="http://schemas.openxmlformats.org/markup-compatibility/2006">
-    <mc:Choice xmlns:p15="http://schemas.microsoft.com/office/powerpoint/2012/main" Requires="p15">
-      <p:transition xmlns:p14="http://schemas.microsoft.com/office/powerpoint/2010/main" spd="slow" p14:dur="1250">
-        <p15:prstTrans prst="peelOff"/>
-      </p:transition>
-    </mc:Choice>
-    <mc:Fallback>
-      <p:transition spd="slow">
-        <p:fade/>
-      </p:transition>
-    </mc:Fallback>
-  </mc:AlternateContent>
+  <p:transition spd="slow">
+    <p:fade/>
+  </p:transition>
 </p:sld>
 </file>
 
-<file path=ppt/slides/slide31.xml><?xml version="1.0" encoding="utf-8"?>
+<file path=ppt/slides/slide32.xml><?xml version="1.0" encoding="utf-8"?>
 <p:sld xmlns:a="http://schemas.openxmlformats.org/drawingml/2006/main" xmlns:r="http://schemas.openxmlformats.org/officeDocument/2006/relationships" xmlns:p="http://schemas.openxmlformats.org/presentationml/2006/main">
   <p:cSld>
     <p:spTree>
@@ -24926,7 +25952,7 @@
           <a:lstStyle/>
           <a:p>
             <a:fld id="{86CB4B4D-7CA3-9044-876B-883B54F8677D}" type="slidenum">
-              <a:t>31</a:t>
+              <a:t>32</a:t>
             </a:fld>
             <a:endParaRPr/>
           </a:p>
@@ -24937,22 +25963,13 @@
   <p:clrMapOvr>
     <a:masterClrMapping/>
   </p:clrMapOvr>
-  <mc:AlternateContent xmlns:mc="http://schemas.openxmlformats.org/markup-compatibility/2006">
-    <mc:Choice xmlns:p15="http://schemas.microsoft.com/office/powerpoint/2012/main" Requires="p15">
-      <p:transition xmlns:p14="http://schemas.microsoft.com/office/powerpoint/2010/main" spd="slow" p14:dur="1250">
-        <p15:prstTrans prst="peelOff"/>
-      </p:transition>
-    </mc:Choice>
-    <mc:Fallback>
-      <p:transition spd="slow">
-        <p:fade/>
-      </p:transition>
-    </mc:Fallback>
-  </mc:AlternateContent>
+  <p:transition spd="slow">
+    <p:fade/>
+  </p:transition>
 </p:sld>
 </file>
 
-<file path=ppt/slides/slide32.xml><?xml version="1.0" encoding="utf-8"?>
+<file path=ppt/slides/slide33.xml><?xml version="1.0" encoding="utf-8"?>
 <p:sld xmlns:a="http://schemas.openxmlformats.org/drawingml/2006/main" xmlns:r="http://schemas.openxmlformats.org/officeDocument/2006/relationships" xmlns:p="http://schemas.openxmlformats.org/presentationml/2006/main">
   <p:cSld>
     <p:spTree>
@@ -25138,7 +26155,7 @@
           <a:lstStyle/>
           <a:p>
             <a:fld id="{86CB4B4D-7CA3-9044-876B-883B54F8677D}" type="slidenum">
-              <a:t>32</a:t>
+              <a:t>33</a:t>
             </a:fld>
             <a:endParaRPr/>
           </a:p>
@@ -25149,22 +26166,13 @@
   <p:clrMapOvr>
     <a:masterClrMapping/>
   </p:clrMapOvr>
-  <mc:AlternateContent xmlns:mc="http://schemas.openxmlformats.org/markup-compatibility/2006">
-    <mc:Choice xmlns:p15="http://schemas.microsoft.com/office/powerpoint/2012/main" Requires="p15">
-      <p:transition xmlns:p14="http://schemas.microsoft.com/office/powerpoint/2010/main" spd="slow" p14:dur="1250">
-        <p15:prstTrans prst="peelOff"/>
-      </p:transition>
-    </mc:Choice>
-    <mc:Fallback>
-      <p:transition spd="slow">
-        <p:fade/>
-      </p:transition>
-    </mc:Fallback>
-  </mc:AlternateContent>
+  <p:transition spd="slow">
+    <p:fade/>
+  </p:transition>
 </p:sld>
 </file>
 
-<file path=ppt/slides/slide33.xml><?xml version="1.0" encoding="utf-8"?>
+<file path=ppt/slides/slide34.xml><?xml version="1.0" encoding="utf-8"?>
 <p:sld xmlns:a="http://schemas.openxmlformats.org/drawingml/2006/main" xmlns:r="http://schemas.openxmlformats.org/officeDocument/2006/relationships" xmlns:p="http://schemas.openxmlformats.org/presentationml/2006/main">
   <p:cSld>
     <p:spTree>
@@ -25305,7 +26313,7 @@
           <a:lstStyle/>
           <a:p>
             <a:fld id="{86CB4B4D-7CA3-9044-876B-883B54F8677D}" type="slidenum">
-              <a:t>33</a:t>
+              <a:t>34</a:t>
             </a:fld>
             <a:endParaRPr/>
           </a:p>
@@ -25316,22 +26324,13 @@
   <p:clrMapOvr>
     <a:masterClrMapping/>
   </p:clrMapOvr>
-  <mc:AlternateContent xmlns:mc="http://schemas.openxmlformats.org/markup-compatibility/2006">
-    <mc:Choice xmlns:p15="http://schemas.microsoft.com/office/powerpoint/2012/main" Requires="p15">
-      <p:transition xmlns:p14="http://schemas.microsoft.com/office/powerpoint/2010/main" spd="slow" p14:dur="1250">
-        <p15:prstTrans prst="peelOff"/>
-      </p:transition>
-    </mc:Choice>
-    <mc:Fallback>
-      <p:transition spd="slow">
-        <p:fade/>
-      </p:transition>
-    </mc:Fallback>
-  </mc:AlternateContent>
+  <p:transition spd="slow">
+    <p:fade/>
+  </p:transition>
 </p:sld>
 </file>
 
-<file path=ppt/slides/slide34.xml><?xml version="1.0" encoding="utf-8"?>
+<file path=ppt/slides/slide35.xml><?xml version="1.0" encoding="utf-8"?>
 <p:sld xmlns:a="http://schemas.openxmlformats.org/drawingml/2006/main" xmlns:r="http://schemas.openxmlformats.org/officeDocument/2006/relationships" xmlns:p="http://schemas.openxmlformats.org/presentationml/2006/main">
   <p:cSld>
     <p:spTree>
@@ -25451,7 +26450,7 @@
           <a:lstStyle/>
           <a:p>
             <a:fld id="{86CB4B4D-7CA3-9044-876B-883B54F8677D}" type="slidenum">
-              <a:t>34</a:t>
+              <a:t>35</a:t>
             </a:fld>
             <a:endParaRPr/>
           </a:p>
@@ -25462,22 +26461,13 @@
   <p:clrMapOvr>
     <a:masterClrMapping/>
   </p:clrMapOvr>
-  <mc:AlternateContent xmlns:mc="http://schemas.openxmlformats.org/markup-compatibility/2006">
-    <mc:Choice xmlns:p15="http://schemas.microsoft.com/office/powerpoint/2012/main" Requires="p15">
-      <p:transition xmlns:p14="http://schemas.microsoft.com/office/powerpoint/2010/main" spd="slow" p14:dur="1250">
-        <p15:prstTrans prst="peelOff"/>
-      </p:transition>
-    </mc:Choice>
-    <mc:Fallback>
-      <p:transition spd="slow">
-        <p:fade/>
-      </p:transition>
-    </mc:Fallback>
-  </mc:AlternateContent>
+  <p:transition spd="slow">
+    <p:fade/>
+  </p:transition>
 </p:sld>
 </file>
 
-<file path=ppt/slides/slide35.xml><?xml version="1.0" encoding="utf-8"?>
+<file path=ppt/slides/slide36.xml><?xml version="1.0" encoding="utf-8"?>
 <p:sld xmlns:a="http://schemas.openxmlformats.org/drawingml/2006/main" xmlns:r="http://schemas.openxmlformats.org/officeDocument/2006/relationships" xmlns:p="http://schemas.openxmlformats.org/presentationml/2006/main">
   <p:cSld>
     <p:spTree>
@@ -25550,11 +26540,14 @@
               <a:defRPr b="1"/>
             </a:pPr>
             <a:r>
+              <a:rPr dirty="0" err="1"/>
               <a:t>开发支持</a:t>
             </a:r>
-          </a:p>
-          <a:p>
-            <a:r>
+            <a:endParaRPr dirty="0"/>
+          </a:p>
+          <a:p>
+            <a:r>
+              <a:rPr dirty="0"/>
               <a:t>        开发团队经常会为了赶工期而将其工作按优先级排序，并进行综合平衡。这时就需要缩减设计方案。如果交互设计团队不能在场对设计进行调整，那么开发者有可能就会在时间压力下自己进行缩减，这样有可能会严重地损害到产品设计的完整性。</a:t>
             </a:r>
           </a:p>
@@ -25585,7 +26578,7 @@
           <a:lstStyle/>
           <a:p>
             <a:fld id="{86CB4B4D-7CA3-9044-876B-883B54F8677D}" type="slidenum">
-              <a:t>35</a:t>
+              <a:t>36</a:t>
             </a:fld>
             <a:endParaRPr/>
           </a:p>
@@ -25596,22 +26589,1193 @@
   <p:clrMapOvr>
     <a:masterClrMapping/>
   </p:clrMapOvr>
-  <mc:AlternateContent xmlns:mc="http://schemas.openxmlformats.org/markup-compatibility/2006">
-    <mc:Choice xmlns:p15="http://schemas.microsoft.com/office/powerpoint/2012/main" Requires="p15">
-      <p:transition xmlns:p14="http://schemas.microsoft.com/office/powerpoint/2010/main" spd="slow" p14:dur="1250">
-        <p15:prstTrans prst="peelOff"/>
-      </p:transition>
-    </mc:Choice>
-    <mc:Fallback>
-      <p:transition spd="slow">
-        <p:fade/>
-      </p:transition>
-    </mc:Fallback>
-  </mc:AlternateContent>
+  <p:transition spd="slow">
+    <p:fade/>
+  </p:transition>
 </p:sld>
 </file>
 
-<file path=ppt/slides/slide36.xml><?xml version="1.0" encoding="utf-8"?>
+<file path=ppt/slides/slide37.xml><?xml version="1.0" encoding="utf-8"?>
+<p:sld xmlns:a="http://schemas.openxmlformats.org/drawingml/2006/main" xmlns:r="http://schemas.openxmlformats.org/officeDocument/2006/relationships" xmlns:p="http://schemas.openxmlformats.org/presentationml/2006/main">
+  <p:cSld>
+    <p:spTree>
+      <p:nvGrpSpPr>
+        <p:cNvPr id="1" name=""/>
+        <p:cNvGrpSpPr/>
+        <p:nvPr/>
+      </p:nvGrpSpPr>
+      <p:grpSpPr>
+        <a:xfrm>
+          <a:off x="0" y="0"/>
+          <a:ext cx="0" cy="0"/>
+          <a:chOff x="0" y="0"/>
+          <a:chExt cx="0" cy="0"/>
+        </a:xfrm>
+      </p:grpSpPr>
+      <p:sp>
+        <p:nvSpPr>
+          <p:cNvPr id="281" name="Title 1"/>
+          <p:cNvSpPr txBox="1">
+            <a:spLocks noGrp="1"/>
+          </p:cNvSpPr>
+          <p:nvPr>
+            <p:ph type="title"/>
+          </p:nvPr>
+        </p:nvSpPr>
+        <p:spPr>
+          <a:xfrm>
+            <a:off x="1024128" y="585216"/>
+            <a:ext cx="9720072" cy="1499617"/>
+          </a:xfrm>
+          <a:prstGeom prst="rect">
+            <a:avLst/>
+          </a:prstGeom>
+        </p:spPr>
+        <p:txBody>
+          <a:bodyPr/>
+          <a:lstStyle/>
+          <a:p>
+            <a:r>
+              <a:rPr dirty="0" err="1"/>
+              <a:t>目标导向设计</a:t>
+            </a:r>
+            <a:r>
+              <a:rPr dirty="0"/>
+              <a:t>-</a:t>
+            </a:r>
+            <a:r>
+              <a:rPr lang="zh-CN" altLang="en-US" dirty="0"/>
+              <a:t>原型设计工具</a:t>
+            </a:r>
+            <a:endParaRPr dirty="0"/>
+          </a:p>
+        </p:txBody>
+      </p:sp>
+      <p:sp>
+        <p:nvSpPr>
+          <p:cNvPr id="282" name="Content Placeholder 2"/>
+          <p:cNvSpPr txBox="1">
+            <a:spLocks noGrp="1"/>
+          </p:cNvSpPr>
+          <p:nvPr>
+            <p:ph type="body" idx="1"/>
+          </p:nvPr>
+        </p:nvSpPr>
+        <p:spPr>
+          <a:xfrm>
+            <a:off x="1024127" y="1968746"/>
+            <a:ext cx="9720075" cy="4523548"/>
+          </a:xfrm>
+          <a:prstGeom prst="rect">
+            <a:avLst/>
+          </a:prstGeom>
+        </p:spPr>
+        <p:txBody>
+          <a:bodyPr>
+            <a:noAutofit/>
+          </a:bodyPr>
+          <a:lstStyle/>
+          <a:p>
+            <a:pPr>
+              <a:lnSpc>
+                <a:spcPct val="120000"/>
+              </a:lnSpc>
+              <a:defRPr b="1"/>
+            </a:pPr>
+            <a:r>
+              <a:rPr lang="en-US" altLang="zh-CN" sz="2000" dirty="0">
+                <a:latin typeface="+mn-ea"/>
+                <a:ea typeface="+mn-ea"/>
+              </a:rPr>
+              <a:t>Axure RP</a:t>
+            </a:r>
+          </a:p>
+          <a:p>
+            <a:pPr marL="0" indent="0">
+              <a:lnSpc>
+                <a:spcPct val="120000"/>
+              </a:lnSpc>
+              <a:buNone/>
+              <a:defRPr b="1"/>
+            </a:pPr>
+            <a:r>
+              <a:rPr lang="zh-CN" altLang="en-US" sz="2000" dirty="0">
+                <a:latin typeface="+mn-ea"/>
+                <a:ea typeface="+mn-ea"/>
+              </a:rPr>
+              <a:t>该原型设计工具可以专业快速地帮助完成定义需求规格负责设计功能和界面的原型设计者快速创建应用软件或</a:t>
+            </a:r>
+            <a:r>
+              <a:rPr lang="en-US" altLang="zh-CN" sz="2000" dirty="0">
+                <a:latin typeface="+mn-ea"/>
+                <a:ea typeface="+mn-ea"/>
+              </a:rPr>
+              <a:t>Web</a:t>
+            </a:r>
+            <a:r>
+              <a:rPr lang="zh-CN" altLang="en-US" sz="2000" dirty="0">
+                <a:latin typeface="+mn-ea"/>
+                <a:ea typeface="+mn-ea"/>
+              </a:rPr>
+              <a:t>网站线框图、原型、规格说明书等。</a:t>
+            </a:r>
+            <a:endParaRPr lang="en-US" sz="2000" dirty="0">
+              <a:latin typeface="+mn-ea"/>
+              <a:ea typeface="+mn-ea"/>
+            </a:endParaRPr>
+          </a:p>
+          <a:p>
+            <a:pPr>
+              <a:lnSpc>
+                <a:spcPct val="120000"/>
+              </a:lnSpc>
+              <a:defRPr b="1"/>
+            </a:pPr>
+            <a:endParaRPr lang="en-US" sz="2000" dirty="0">
+              <a:latin typeface="+mn-ea"/>
+              <a:ea typeface="+mn-ea"/>
+            </a:endParaRPr>
+          </a:p>
+        </p:txBody>
+      </p:sp>
+      <p:sp>
+        <p:nvSpPr>
+          <p:cNvPr id="283" name="Slide Number"/>
+          <p:cNvSpPr txBox="1">
+            <a:spLocks noGrp="1"/>
+          </p:cNvSpPr>
+          <p:nvPr>
+            <p:ph type="sldNum" sz="quarter" idx="4294967295"/>
+          </p:nvPr>
+        </p:nvSpPr>
+        <p:spPr>
+          <a:prstGeom prst="rect">
+            <a:avLst/>
+          </a:prstGeom>
+          <a:extLst>
+            <a:ext uri="{C572A759-6A51-4108-AA02-DFA0A04FC94B}">
+              <ma14:wrappingTextBoxFlag xmlns:ma14="http://schemas.microsoft.com/office/mac/drawingml/2011/main" xmlns:a14="http://schemas.microsoft.com/office/drawing/2010/main" xmlns:m="http://schemas.openxmlformats.org/officeDocument/2006/math" xmlns="" val="1"/>
+            </a:ext>
+          </a:extLst>
+        </p:spPr>
+        <p:txBody>
+          <a:bodyPr/>
+          <a:lstStyle/>
+          <a:p>
+            <a:fld id="{86CB4B4D-7CA3-9044-876B-883B54F8677D}" type="slidenum">
+              <a:t>37</a:t>
+            </a:fld>
+            <a:endParaRPr/>
+          </a:p>
+        </p:txBody>
+      </p:sp>
+    </p:spTree>
+    <p:extLst>
+      <p:ext uri="{BB962C8B-B14F-4D97-AF65-F5344CB8AC3E}">
+        <p14:creationId xmlns:p14="http://schemas.microsoft.com/office/powerpoint/2010/main" val="2676866716"/>
+      </p:ext>
+    </p:extLst>
+  </p:cSld>
+  <p:clrMapOvr>
+    <a:masterClrMapping/>
+  </p:clrMapOvr>
+  <p:transition spd="slow">
+    <p:fade/>
+  </p:transition>
+</p:sld>
+</file>
+
+<file path=ppt/slides/slide38.xml><?xml version="1.0" encoding="utf-8"?>
+<p:sld xmlns:a="http://schemas.openxmlformats.org/drawingml/2006/main" xmlns:r="http://schemas.openxmlformats.org/officeDocument/2006/relationships" xmlns:p="http://schemas.openxmlformats.org/presentationml/2006/main">
+  <p:cSld>
+    <p:spTree>
+      <p:nvGrpSpPr>
+        <p:cNvPr id="1" name=""/>
+        <p:cNvGrpSpPr/>
+        <p:nvPr/>
+      </p:nvGrpSpPr>
+      <p:grpSpPr>
+        <a:xfrm>
+          <a:off x="0" y="0"/>
+          <a:ext cx="0" cy="0"/>
+          <a:chOff x="0" y="0"/>
+          <a:chExt cx="0" cy="0"/>
+        </a:xfrm>
+      </p:grpSpPr>
+      <p:sp>
+        <p:nvSpPr>
+          <p:cNvPr id="281" name="Title 1"/>
+          <p:cNvSpPr txBox="1">
+            <a:spLocks noGrp="1"/>
+          </p:cNvSpPr>
+          <p:nvPr>
+            <p:ph type="title"/>
+          </p:nvPr>
+        </p:nvSpPr>
+        <p:spPr>
+          <a:xfrm>
+            <a:off x="1024128" y="585216"/>
+            <a:ext cx="9720072" cy="1499617"/>
+          </a:xfrm>
+          <a:prstGeom prst="rect">
+            <a:avLst/>
+          </a:prstGeom>
+        </p:spPr>
+        <p:txBody>
+          <a:bodyPr/>
+          <a:lstStyle/>
+          <a:p>
+            <a:r>
+              <a:rPr dirty="0" err="1"/>
+              <a:t>目标导向设计</a:t>
+            </a:r>
+            <a:r>
+              <a:rPr dirty="0"/>
+              <a:t>-</a:t>
+            </a:r>
+            <a:r>
+              <a:rPr lang="zh-CN" altLang="en-US" dirty="0"/>
+              <a:t>原型设计工具</a:t>
+            </a:r>
+            <a:endParaRPr dirty="0"/>
+          </a:p>
+        </p:txBody>
+      </p:sp>
+      <p:sp>
+        <p:nvSpPr>
+          <p:cNvPr id="283" name="Slide Number"/>
+          <p:cNvSpPr txBox="1">
+            <a:spLocks noGrp="1"/>
+          </p:cNvSpPr>
+          <p:nvPr>
+            <p:ph type="sldNum" sz="quarter" idx="4294967295"/>
+          </p:nvPr>
+        </p:nvSpPr>
+        <p:spPr>
+          <a:prstGeom prst="rect">
+            <a:avLst/>
+          </a:prstGeom>
+          <a:extLst>
+            <a:ext uri="{C572A759-6A51-4108-AA02-DFA0A04FC94B}">
+              <ma14:wrappingTextBoxFlag xmlns:ma14="http://schemas.microsoft.com/office/mac/drawingml/2011/main" xmlns:a14="http://schemas.microsoft.com/office/drawing/2010/main" xmlns:m="http://schemas.openxmlformats.org/officeDocument/2006/math" xmlns="" val="1"/>
+            </a:ext>
+          </a:extLst>
+        </p:spPr>
+        <p:txBody>
+          <a:bodyPr/>
+          <a:lstStyle/>
+          <a:p>
+            <a:fld id="{86CB4B4D-7CA3-9044-876B-883B54F8677D}" type="slidenum">
+              <a:t>38</a:t>
+            </a:fld>
+            <a:endParaRPr/>
+          </a:p>
+        </p:txBody>
+      </p:sp>
+      <p:pic>
+        <p:nvPicPr>
+          <p:cNvPr id="1026" name="Picture 2" descr="C:\Users\lenovo\Desktop\ic_rp.jpg"/>
+          <p:cNvPicPr>
+            <a:picLocks noChangeAspect="1" noChangeArrowheads="1"/>
+          </p:cNvPicPr>
+          <p:nvPr/>
+        </p:nvPicPr>
+        <p:blipFill>
+          <a:blip r:embed="rId3" cstate="print">
+            <a:extLst>
+              <a:ext uri="{28A0092B-C50C-407E-A947-70E740481C1C}">
+                <a14:useLocalDpi xmlns:a14="http://schemas.microsoft.com/office/drawing/2010/main" val="0"/>
+              </a:ext>
+            </a:extLst>
+          </a:blip>
+          <a:srcRect/>
+          <a:stretch>
+            <a:fillRect/>
+          </a:stretch>
+        </p:blipFill>
+        <p:spPr bwMode="auto">
+          <a:xfrm>
+            <a:off x="9730273" y="407435"/>
+            <a:ext cx="2027854" cy="2027854"/>
+          </a:xfrm>
+          <a:prstGeom prst="rect">
+            <a:avLst/>
+          </a:prstGeom>
+          <a:noFill/>
+          <a:extLst>
+            <a:ext uri="{909E8E84-426E-40DD-AFC4-6F175D3DCCD1}">
+              <a14:hiddenFill xmlns:a14="http://schemas.microsoft.com/office/drawing/2010/main">
+                <a:solidFill>
+                  <a:srgbClr val="FFFFFF"/>
+                </a:solidFill>
+              </a14:hiddenFill>
+            </a:ext>
+          </a:extLst>
+        </p:spPr>
+      </p:pic>
+      <p:pic>
+        <p:nvPicPr>
+          <p:cNvPr id="1027" name="Picture 3"/>
+          <p:cNvPicPr>
+            <a:picLocks noChangeAspect="1" noChangeArrowheads="1"/>
+          </p:cNvPicPr>
+          <p:nvPr/>
+        </p:nvPicPr>
+        <p:blipFill>
+          <a:blip r:embed="rId4">
+            <a:extLst>
+              <a:ext uri="{28A0092B-C50C-407E-A947-70E740481C1C}">
+                <a14:useLocalDpi xmlns:a14="http://schemas.microsoft.com/office/drawing/2010/main" val="0"/>
+              </a:ext>
+            </a:extLst>
+          </a:blip>
+          <a:srcRect/>
+          <a:stretch>
+            <a:fillRect/>
+          </a:stretch>
+        </p:blipFill>
+        <p:spPr bwMode="auto">
+          <a:xfrm>
+            <a:off x="865506" y="1720563"/>
+            <a:ext cx="9015611" cy="4921022"/>
+          </a:xfrm>
+          <a:prstGeom prst="rect">
+            <a:avLst/>
+          </a:prstGeom>
+          <a:noFill/>
+          <a:ln>
+            <a:noFill/>
+          </a:ln>
+          <a:effectLst/>
+          <a:extLst>
+            <a:ext uri="{909E8E84-426E-40DD-AFC4-6F175D3DCCD1}">
+              <a14:hiddenFill xmlns:a14="http://schemas.microsoft.com/office/drawing/2010/main">
+                <a:solidFill>
+                  <a:schemeClr val="accent1"/>
+                </a:solidFill>
+              </a14:hiddenFill>
+            </a:ext>
+            <a:ext uri="{91240B29-F687-4F45-9708-019B960494DF}">
+              <a14:hiddenLine xmlns:a14="http://schemas.microsoft.com/office/drawing/2010/main" w="9525">
+                <a:solidFill>
+                  <a:schemeClr val="tx1"/>
+                </a:solidFill>
+                <a:miter lim="800000"/>
+                <a:headEnd/>
+                <a:tailEnd/>
+              </a14:hiddenLine>
+            </a:ext>
+            <a:ext uri="{AF507438-7753-43E0-B8FC-AC1667EBCBE1}">
+              <a14:hiddenEffects xmlns:a14="http://schemas.microsoft.com/office/drawing/2010/main">
+                <a:effectLst>
+                  <a:outerShdw dist="35921" dir="2700000" algn="ctr" rotWithShape="0">
+                    <a:schemeClr val="bg2"/>
+                  </a:outerShdw>
+                </a:effectLst>
+              </a14:hiddenEffects>
+            </a:ext>
+          </a:extLst>
+        </p:spPr>
+      </p:pic>
+      <p:sp>
+        <p:nvSpPr>
+          <p:cNvPr id="2" name="TextBox 1"/>
+          <p:cNvSpPr txBox="1"/>
+          <p:nvPr/>
+        </p:nvSpPr>
+        <p:spPr>
+          <a:xfrm>
+            <a:off x="6204857" y="1929894"/>
+            <a:ext cx="784828" cy="369330"/>
+          </a:xfrm>
+          <a:prstGeom prst="rect">
+            <a:avLst/>
+          </a:prstGeom>
+          <a:noFill/>
+          <a:ln w="12700" cap="flat">
+            <a:noFill/>
+            <a:miter lim="400000"/>
+          </a:ln>
+          <a:effectLst/>
+          <a:sp3d/>
+        </p:spPr>
+        <p:style>
+          <a:lnRef idx="0">
+            <a:scrgbClr r="0" g="0" b="0"/>
+          </a:lnRef>
+          <a:fillRef idx="0">
+            <a:scrgbClr r="0" g="0" b="0"/>
+          </a:fillRef>
+          <a:effectRef idx="0">
+            <a:scrgbClr r="0" g="0" b="0"/>
+          </a:effectRef>
+          <a:fontRef idx="none"/>
+        </p:style>
+        <p:txBody>
+          <a:bodyPr rot="0" spcFirstLastPara="1" vertOverflow="overflow" horzOverflow="overflow" vert="horz" wrap="none" lIns="45719" tIns="45719" rIns="45719" bIns="45719" numCol="1" spcCol="38100" rtlCol="0" anchor="t">
+            <a:spAutoFit/>
+          </a:bodyPr>
+          <a:lstStyle/>
+          <a:p>
+            <a:pPr marL="0" marR="0" indent="0" algn="l" defTabSz="457200" rtl="0" fontAlgn="auto" latinLnBrk="0" hangingPunct="0">
+              <a:lnSpc>
+                <a:spcPct val="100000"/>
+              </a:lnSpc>
+              <a:spcBef>
+                <a:spcPts val="0"/>
+              </a:spcBef>
+              <a:spcAft>
+                <a:spcPts val="0"/>
+              </a:spcAft>
+              <a:buClrTx/>
+              <a:buSzTx/>
+              <a:buFontTx/>
+              <a:buNone/>
+              <a:tabLst/>
+            </a:pPr>
+            <a:r>
+              <a:rPr lang="zh-CN" altLang="en-US" b="1" dirty="0">
+                <a:solidFill>
+                  <a:srgbClr val="FF0000"/>
+                </a:solidFill>
+              </a:rPr>
+              <a:t>工具栏</a:t>
+            </a:r>
+            <a:endParaRPr kumimoji="0" lang="zh-CN" altLang="en-US" sz="1800" b="1" i="0" u="none" strike="noStrike" cap="none" spc="0" normalizeH="0" baseline="0" dirty="0">
+              <a:ln>
+                <a:noFill/>
+              </a:ln>
+              <a:solidFill>
+                <a:srgbClr val="FF0000"/>
+              </a:solidFill>
+              <a:effectLst/>
+              <a:uFillTx/>
+              <a:sym typeface="Tw Cen MT"/>
+            </a:endParaRPr>
+          </a:p>
+        </p:txBody>
+      </p:sp>
+      <p:sp>
+        <p:nvSpPr>
+          <p:cNvPr id="8" name="TextBox 7"/>
+          <p:cNvSpPr txBox="1"/>
+          <p:nvPr/>
+        </p:nvSpPr>
+        <p:spPr>
+          <a:xfrm>
+            <a:off x="734879" y="3132759"/>
+            <a:ext cx="1486943" cy="369330"/>
+          </a:xfrm>
+          <a:prstGeom prst="rect">
+            <a:avLst/>
+          </a:prstGeom>
+          <a:noFill/>
+          <a:ln w="12700" cap="flat">
+            <a:noFill/>
+            <a:miter lim="400000"/>
+          </a:ln>
+          <a:effectLst/>
+          <a:sp3d/>
+        </p:spPr>
+        <p:style>
+          <a:lnRef idx="0">
+            <a:scrgbClr r="0" g="0" b="0"/>
+          </a:lnRef>
+          <a:fillRef idx="0">
+            <a:scrgbClr r="0" g="0" b="0"/>
+          </a:fillRef>
+          <a:effectRef idx="0">
+            <a:scrgbClr r="0" g="0" b="0"/>
+          </a:effectRef>
+          <a:fontRef idx="none"/>
+        </p:style>
+        <p:txBody>
+          <a:bodyPr rot="0" spcFirstLastPara="1" vertOverflow="overflow" horzOverflow="overflow" vert="horz" wrap="none" lIns="45719" tIns="45719" rIns="45719" bIns="45719" numCol="1" spcCol="38100" rtlCol="0" anchor="t">
+            <a:spAutoFit/>
+          </a:bodyPr>
+          <a:lstStyle/>
+          <a:p>
+            <a:r>
+              <a:rPr lang="zh-CN" altLang="en-US" b="1" dirty="0">
+                <a:solidFill>
+                  <a:srgbClr val="FF0000"/>
+                </a:solidFill>
+              </a:rPr>
+              <a:t>站点地图面板</a:t>
+            </a:r>
+            <a:endParaRPr kumimoji="0" lang="zh-CN" altLang="en-US" sz="1800" b="1" i="0" u="none" strike="noStrike" cap="none" spc="0" normalizeH="0" baseline="0" dirty="0">
+              <a:ln>
+                <a:noFill/>
+              </a:ln>
+              <a:solidFill>
+                <a:srgbClr val="FF0000"/>
+              </a:solidFill>
+              <a:effectLst/>
+              <a:uFillTx/>
+              <a:sym typeface="Tw Cen MT"/>
+            </a:endParaRPr>
+          </a:p>
+        </p:txBody>
+      </p:sp>
+      <p:sp>
+        <p:nvSpPr>
+          <p:cNvPr id="11" name="TextBox 10"/>
+          <p:cNvSpPr txBox="1"/>
+          <p:nvPr/>
+        </p:nvSpPr>
+        <p:spPr>
+          <a:xfrm>
+            <a:off x="3907349" y="3132759"/>
+            <a:ext cx="789638" cy="369330"/>
+          </a:xfrm>
+          <a:prstGeom prst="rect">
+            <a:avLst/>
+          </a:prstGeom>
+          <a:noFill/>
+          <a:ln w="12700" cap="flat">
+            <a:noFill/>
+            <a:miter lim="400000"/>
+          </a:ln>
+          <a:effectLst/>
+          <a:sp3d/>
+        </p:spPr>
+        <p:style>
+          <a:lnRef idx="0">
+            <a:scrgbClr r="0" g="0" b="0"/>
+          </a:lnRef>
+          <a:fillRef idx="0">
+            <a:scrgbClr r="0" g="0" b="0"/>
+          </a:fillRef>
+          <a:effectRef idx="0">
+            <a:scrgbClr r="0" g="0" b="0"/>
+          </a:effectRef>
+          <a:fontRef idx="none"/>
+        </p:style>
+        <p:txBody>
+          <a:bodyPr rot="0" spcFirstLastPara="1" vertOverflow="overflow" horzOverflow="overflow" vert="horz" wrap="none" lIns="45719" tIns="45719" rIns="45719" bIns="45719" numCol="1" spcCol="38100" rtlCol="0" anchor="t">
+            <a:spAutoFit/>
+          </a:bodyPr>
+          <a:lstStyle/>
+          <a:p>
+            <a:pPr marL="0" marR="0" indent="0" algn="l" defTabSz="457200" rtl="0" fontAlgn="auto" latinLnBrk="0" hangingPunct="0">
+              <a:lnSpc>
+                <a:spcPct val="100000"/>
+              </a:lnSpc>
+              <a:spcBef>
+                <a:spcPts val="0"/>
+              </a:spcBef>
+              <a:spcAft>
+                <a:spcPts val="0"/>
+              </a:spcAft>
+              <a:buClrTx/>
+              <a:buSzTx/>
+              <a:buFontTx/>
+              <a:buNone/>
+              <a:tabLst/>
+            </a:pPr>
+            <a:r>
+              <a:rPr kumimoji="0" lang="zh-CN" altLang="en-US" sz="1800" b="1" i="0" u="none" strike="noStrike" cap="none" spc="0" normalizeH="0" baseline="0" dirty="0">
+                <a:ln>
+                  <a:noFill/>
+                </a:ln>
+                <a:solidFill>
+                  <a:srgbClr val="FF0000"/>
+                </a:solidFill>
+                <a:effectLst/>
+                <a:uFillTx/>
+                <a:sym typeface="Tw Cen MT"/>
+              </a:rPr>
+              <a:t>工作区</a:t>
+            </a:r>
+          </a:p>
+        </p:txBody>
+      </p:sp>
+      <p:sp>
+        <p:nvSpPr>
+          <p:cNvPr id="12" name="TextBox 11"/>
+          <p:cNvSpPr txBox="1"/>
+          <p:nvPr/>
+        </p:nvSpPr>
+        <p:spPr>
+          <a:xfrm>
+            <a:off x="959870" y="5077421"/>
+            <a:ext cx="1022073" cy="369330"/>
+          </a:xfrm>
+          <a:prstGeom prst="rect">
+            <a:avLst/>
+          </a:prstGeom>
+          <a:noFill/>
+          <a:ln w="12700" cap="flat">
+            <a:noFill/>
+            <a:miter lim="400000"/>
+          </a:ln>
+          <a:effectLst/>
+          <a:sp3d/>
+        </p:spPr>
+        <p:style>
+          <a:lnRef idx="0">
+            <a:scrgbClr r="0" g="0" b="0"/>
+          </a:lnRef>
+          <a:fillRef idx="0">
+            <a:scrgbClr r="0" g="0" b="0"/>
+          </a:fillRef>
+          <a:effectRef idx="0">
+            <a:scrgbClr r="0" g="0" b="0"/>
+          </a:effectRef>
+          <a:fontRef idx="none"/>
+        </p:style>
+        <p:txBody>
+          <a:bodyPr rot="0" spcFirstLastPara="1" vertOverflow="overflow" horzOverflow="overflow" vert="horz" wrap="none" lIns="45719" tIns="45719" rIns="45719" bIns="45719" numCol="1" spcCol="38100" rtlCol="0" anchor="t">
+            <a:spAutoFit/>
+          </a:bodyPr>
+          <a:lstStyle/>
+          <a:p>
+            <a:r>
+              <a:rPr lang="zh-CN" altLang="en-US" b="1" dirty="0">
+                <a:solidFill>
+                  <a:srgbClr val="FF0000"/>
+                </a:solidFill>
+              </a:rPr>
+              <a:t>控件面板</a:t>
+            </a:r>
+          </a:p>
+        </p:txBody>
+      </p:sp>
+    </p:spTree>
+    <p:extLst>
+      <p:ext uri="{BB962C8B-B14F-4D97-AF65-F5344CB8AC3E}">
+        <p14:creationId xmlns:p14="http://schemas.microsoft.com/office/powerpoint/2010/main" val="1510407813"/>
+      </p:ext>
+    </p:extLst>
+  </p:cSld>
+  <p:clrMapOvr>
+    <a:masterClrMapping/>
+  </p:clrMapOvr>
+  <p:transition spd="slow">
+    <p:fade/>
+  </p:transition>
+</p:sld>
+</file>
+
+<file path=ppt/slides/slide39.xml><?xml version="1.0" encoding="utf-8"?>
+<p:sld xmlns:a="http://schemas.openxmlformats.org/drawingml/2006/main" xmlns:r="http://schemas.openxmlformats.org/officeDocument/2006/relationships" xmlns:p="http://schemas.openxmlformats.org/presentationml/2006/main">
+  <p:cSld>
+    <p:spTree>
+      <p:nvGrpSpPr>
+        <p:cNvPr id="1" name=""/>
+        <p:cNvGrpSpPr/>
+        <p:nvPr/>
+      </p:nvGrpSpPr>
+      <p:grpSpPr>
+        <a:xfrm>
+          <a:off x="0" y="0"/>
+          <a:ext cx="0" cy="0"/>
+          <a:chOff x="0" y="0"/>
+          <a:chExt cx="0" cy="0"/>
+        </a:xfrm>
+      </p:grpSpPr>
+      <p:sp>
+        <p:nvSpPr>
+          <p:cNvPr id="2" name="Title 1">
+            <a:extLst>
+              <a:ext uri="{FF2B5EF4-FFF2-40B4-BE49-F238E27FC236}">
+                <a16:creationId xmlns:a16="http://schemas.microsoft.com/office/drawing/2014/main" id="{D737EAC6-159E-2B4B-AE4A-BE7CF87F5572}"/>
+              </a:ext>
+            </a:extLst>
+          </p:cNvPr>
+          <p:cNvSpPr>
+            <a:spLocks noGrp="1"/>
+          </p:cNvSpPr>
+          <p:nvPr>
+            <p:ph type="title"/>
+          </p:nvPr>
+        </p:nvSpPr>
+        <p:spPr/>
+        <p:txBody>
+          <a:bodyPr/>
+          <a:lstStyle/>
+          <a:p>
+            <a:r>
+              <a:rPr lang="zh-CN" altLang="en-US" dirty="0"/>
+              <a:t>目标导向设计</a:t>
+            </a:r>
+            <a:r>
+              <a:rPr lang="en-US" altLang="zh-CN" dirty="0"/>
+              <a:t>-</a:t>
+            </a:r>
+            <a:r>
+              <a:rPr lang="zh-CN" altLang="en-US" dirty="0"/>
+              <a:t>原型设计工具</a:t>
+            </a:r>
+            <a:endParaRPr lang="en-US" dirty="0"/>
+          </a:p>
+        </p:txBody>
+      </p:sp>
+      <p:sp>
+        <p:nvSpPr>
+          <p:cNvPr id="3" name="Text Placeholder 2">
+            <a:extLst>
+              <a:ext uri="{FF2B5EF4-FFF2-40B4-BE49-F238E27FC236}">
+                <a16:creationId xmlns:a16="http://schemas.microsoft.com/office/drawing/2014/main" id="{2BA35135-8D25-6C46-B07E-26626C148899}"/>
+              </a:ext>
+            </a:extLst>
+          </p:cNvPr>
+          <p:cNvSpPr>
+            <a:spLocks noGrp="1"/>
+          </p:cNvSpPr>
+          <p:nvPr>
+            <p:ph type="body" idx="1"/>
+          </p:nvPr>
+        </p:nvSpPr>
+        <p:spPr>
+          <a:xfrm>
+            <a:off x="1024128" y="2286000"/>
+            <a:ext cx="3760144" cy="4023360"/>
+          </a:xfrm>
+        </p:spPr>
+        <p:txBody>
+          <a:bodyPr/>
+          <a:lstStyle/>
+          <a:p>
+            <a:pPr>
+              <a:lnSpc>
+                <a:spcPct val="120000"/>
+              </a:lnSpc>
+              <a:defRPr b="1"/>
+            </a:pPr>
+            <a:r>
+              <a:rPr lang="en-US" altLang="zh-CN" sz="2400" dirty="0" err="1">
+                <a:latin typeface="+mn-ea"/>
+              </a:rPr>
+              <a:t>Balsamiq</a:t>
+            </a:r>
+            <a:r>
+              <a:rPr lang="en-US" altLang="zh-CN" sz="2400" dirty="0">
+                <a:latin typeface="+mn-ea"/>
+              </a:rPr>
+              <a:t> Mockups</a:t>
+            </a:r>
+          </a:p>
+          <a:p>
+            <a:pPr marL="0" indent="0">
+              <a:lnSpc>
+                <a:spcPct val="120000"/>
+              </a:lnSpc>
+              <a:buNone/>
+              <a:defRPr b="1"/>
+            </a:pPr>
+            <a:r>
+              <a:rPr lang="zh-CN" altLang="en-US" sz="2400" dirty="0">
+                <a:latin typeface="+mn-ea"/>
+              </a:rPr>
+              <a:t>由美国加利福利亚的</a:t>
+            </a:r>
+            <a:r>
+              <a:rPr lang="en-US" altLang="zh-CN" sz="2400" dirty="0" err="1">
+                <a:latin typeface="+mn-ea"/>
+              </a:rPr>
+              <a:t>Balsamiq</a:t>
+            </a:r>
+            <a:r>
+              <a:rPr lang="zh-CN" altLang="en-US" sz="2400" dirty="0">
+                <a:latin typeface="+mn-ea"/>
+              </a:rPr>
+              <a:t>工作室推出，它真正抓住了原型设计的核心与平衡点</a:t>
+            </a:r>
+            <a:r>
+              <a:rPr lang="en-US" altLang="zh-CN" sz="2400" dirty="0">
+                <a:latin typeface="+mn-ea"/>
+              </a:rPr>
+              <a:t>——</a:t>
+            </a:r>
+            <a:r>
+              <a:rPr lang="zh-CN" altLang="en-US" sz="2400" dirty="0">
+                <a:latin typeface="+mn-ea"/>
+              </a:rPr>
+              <a:t>既能快速设计草图，又能较好地进入到平时团队工作的流程和工具。</a:t>
+            </a:r>
+            <a:endParaRPr lang="en-US" dirty="0"/>
+          </a:p>
+        </p:txBody>
+      </p:sp>
+      <p:pic>
+        <p:nvPicPr>
+          <p:cNvPr id="5" name="Picture 4">
+            <a:extLst>
+              <a:ext uri="{FF2B5EF4-FFF2-40B4-BE49-F238E27FC236}">
+                <a16:creationId xmlns:a16="http://schemas.microsoft.com/office/drawing/2014/main" id="{9FA9C6F9-5379-454B-8295-FF33DBCF70A4}"/>
+              </a:ext>
+            </a:extLst>
+          </p:cNvPr>
+          <p:cNvPicPr>
+            <a:picLocks noChangeAspect="1"/>
+          </p:cNvPicPr>
+          <p:nvPr/>
+        </p:nvPicPr>
+        <p:blipFill>
+          <a:blip r:embed="rId2">
+            <a:extLst>
+              <a:ext uri="{28A0092B-C50C-407E-A947-70E740481C1C}">
+                <a14:useLocalDpi xmlns:a14="http://schemas.microsoft.com/office/drawing/2010/main" val="0"/>
+              </a:ext>
+            </a:extLst>
+          </a:blip>
+          <a:stretch>
+            <a:fillRect/>
+          </a:stretch>
+        </p:blipFill>
+        <p:spPr>
+          <a:xfrm>
+            <a:off x="5884163" y="1714500"/>
+            <a:ext cx="5691978" cy="4594860"/>
+          </a:xfrm>
+          <a:prstGeom prst="rect">
+            <a:avLst/>
+          </a:prstGeom>
+        </p:spPr>
+      </p:pic>
+    </p:spTree>
+    <p:extLst>
+      <p:ext uri="{BB962C8B-B14F-4D97-AF65-F5344CB8AC3E}">
+        <p14:creationId xmlns:p14="http://schemas.microsoft.com/office/powerpoint/2010/main" val="4131909165"/>
+      </p:ext>
+    </p:extLst>
+  </p:cSld>
+  <p:clrMapOvr>
+    <a:masterClrMapping/>
+  </p:clrMapOvr>
+  <p:transition spd="med"/>
+</p:sld>
+</file>
+
+<file path=ppt/slides/slide4.xml><?xml version="1.0" encoding="utf-8"?>
+<p:sld xmlns:a="http://schemas.openxmlformats.org/drawingml/2006/main" xmlns:r="http://schemas.openxmlformats.org/officeDocument/2006/relationships" xmlns:p="http://schemas.openxmlformats.org/presentationml/2006/main">
+  <p:cSld>
+    <p:spTree>
+      <p:nvGrpSpPr>
+        <p:cNvPr id="1" name=""/>
+        <p:cNvGrpSpPr/>
+        <p:nvPr/>
+      </p:nvGrpSpPr>
+      <p:grpSpPr>
+        <a:xfrm>
+          <a:off x="0" y="0"/>
+          <a:ext cx="0" cy="0"/>
+          <a:chOff x="0" y="0"/>
+          <a:chExt cx="0" cy="0"/>
+        </a:xfrm>
+      </p:grpSpPr>
+      <p:sp>
+        <p:nvSpPr>
+          <p:cNvPr id="134" name="Title 1"/>
+          <p:cNvSpPr txBox="1">
+            <a:spLocks noGrp="1"/>
+          </p:cNvSpPr>
+          <p:nvPr>
+            <p:ph type="title"/>
+          </p:nvPr>
+        </p:nvSpPr>
+        <p:spPr>
+          <a:xfrm>
+            <a:off x="1024128" y="585216"/>
+            <a:ext cx="9720072" cy="1499617"/>
+          </a:xfrm>
+          <a:prstGeom prst="rect">
+            <a:avLst/>
+          </a:prstGeom>
+        </p:spPr>
+        <p:txBody>
+          <a:bodyPr/>
+          <a:lstStyle/>
+          <a:p>
+            <a:r>
+              <a:t>目标导向设计</a:t>
+            </a:r>
+          </a:p>
+        </p:txBody>
+      </p:sp>
+      <p:sp>
+        <p:nvSpPr>
+          <p:cNvPr id="135" name="Content Placeholder 2"/>
+          <p:cNvSpPr txBox="1">
+            <a:spLocks noGrp="1"/>
+          </p:cNvSpPr>
+          <p:nvPr>
+            <p:ph type="body" idx="1"/>
+          </p:nvPr>
+        </p:nvSpPr>
+        <p:spPr>
+          <a:xfrm>
+            <a:off x="1024127" y="2286000"/>
+            <a:ext cx="9720075" cy="4023360"/>
+          </a:xfrm>
+          <a:prstGeom prst="rect">
+            <a:avLst/>
+          </a:prstGeom>
+        </p:spPr>
+        <p:txBody>
+          <a:bodyPr/>
+          <a:lstStyle/>
+          <a:p>
+            <a:r>
+              <a:t>       “目前，多数数字产品的开发过程就像怪物从咕咚冒泡的容器中诞生一样。开发人员没有从购买者与用户的需求出发进行规划与开发，最终创造出以技术为主导的产品很难控制与使用。”[1]</a:t>
+            </a:r>
+          </a:p>
+        </p:txBody>
+      </p:sp>
+      <p:sp>
+        <p:nvSpPr>
+          <p:cNvPr id="136" name="Slide Number"/>
+          <p:cNvSpPr txBox="1">
+            <a:spLocks noGrp="1"/>
+          </p:cNvSpPr>
+          <p:nvPr>
+            <p:ph type="sldNum" sz="quarter" idx="4294967295"/>
+          </p:nvPr>
+        </p:nvSpPr>
+        <p:spPr>
+          <a:xfrm>
+            <a:off x="10837333" y="6492294"/>
+            <a:ext cx="174214" cy="231141"/>
+          </a:xfrm>
+          <a:prstGeom prst="rect">
+            <a:avLst/>
+          </a:prstGeom>
+          <a:extLst>
+            <a:ext uri="{C572A759-6A51-4108-AA02-DFA0A04FC94B}">
+              <ma14:wrappingTextBoxFlag xmlns:ma14="http://schemas.microsoft.com/office/mac/drawingml/2011/main" xmlns:a14="http://schemas.microsoft.com/office/drawing/2010/main" xmlns:m="http://schemas.openxmlformats.org/officeDocument/2006/math" xmlns="" val="1"/>
+            </a:ext>
+          </a:extLst>
+        </p:spPr>
+        <p:txBody>
+          <a:bodyPr/>
+          <a:lstStyle/>
+          <a:p>
+            <a:fld id="{86CB4B4D-7CA3-9044-876B-883B54F8677D}" type="slidenum">
+              <a:t>4</a:t>
+            </a:fld>
+            <a:endParaRPr/>
+          </a:p>
+        </p:txBody>
+      </p:sp>
+    </p:spTree>
+  </p:cSld>
+  <p:clrMapOvr>
+    <a:masterClrMapping/>
+  </p:clrMapOvr>
+  <p:transition spd="slow">
+    <p:fade/>
+  </p:transition>
+</p:sld>
+</file>
+
+<file path=ppt/slides/slide40.xml><?xml version="1.0" encoding="utf-8"?>
+<p:sld xmlns:a="http://schemas.openxmlformats.org/drawingml/2006/main" xmlns:r="http://schemas.openxmlformats.org/officeDocument/2006/relationships" xmlns:p="http://schemas.openxmlformats.org/presentationml/2006/main">
+  <p:cSld>
+    <p:spTree>
+      <p:nvGrpSpPr>
+        <p:cNvPr id="1" name=""/>
+        <p:cNvGrpSpPr/>
+        <p:nvPr/>
+      </p:nvGrpSpPr>
+      <p:grpSpPr>
+        <a:xfrm>
+          <a:off x="0" y="0"/>
+          <a:ext cx="0" cy="0"/>
+          <a:chOff x="0" y="0"/>
+          <a:chExt cx="0" cy="0"/>
+        </a:xfrm>
+      </p:grpSpPr>
+      <p:sp>
+        <p:nvSpPr>
+          <p:cNvPr id="2" name="Title 1">
+            <a:extLst>
+              <a:ext uri="{FF2B5EF4-FFF2-40B4-BE49-F238E27FC236}">
+                <a16:creationId xmlns:a16="http://schemas.microsoft.com/office/drawing/2014/main" id="{F23A6DB0-3F02-3A4A-BF7F-01D4B964E1A7}"/>
+              </a:ext>
+            </a:extLst>
+          </p:cNvPr>
+          <p:cNvSpPr>
+            <a:spLocks noGrp="1"/>
+          </p:cNvSpPr>
+          <p:nvPr>
+            <p:ph type="title"/>
+          </p:nvPr>
+        </p:nvSpPr>
+        <p:spPr/>
+        <p:txBody>
+          <a:bodyPr/>
+          <a:lstStyle/>
+          <a:p>
+            <a:r>
+              <a:rPr lang="zh-CN" altLang="en-US" dirty="0"/>
+              <a:t>目标导向设计</a:t>
+            </a:r>
+            <a:r>
+              <a:rPr lang="en-US" altLang="zh-CN" dirty="0"/>
+              <a:t>-</a:t>
+            </a:r>
+            <a:r>
+              <a:rPr lang="zh-CN" altLang="en-US" dirty="0"/>
+              <a:t>原型设计工具</a:t>
+            </a:r>
+            <a:endParaRPr lang="en-US" dirty="0"/>
+          </a:p>
+        </p:txBody>
+      </p:sp>
+      <p:sp>
+        <p:nvSpPr>
+          <p:cNvPr id="3" name="Text Placeholder 2">
+            <a:extLst>
+              <a:ext uri="{FF2B5EF4-FFF2-40B4-BE49-F238E27FC236}">
+                <a16:creationId xmlns:a16="http://schemas.microsoft.com/office/drawing/2014/main" id="{5906E07E-63AA-5341-9F5A-F7C50F8C3FFE}"/>
+              </a:ext>
+            </a:extLst>
+          </p:cNvPr>
+          <p:cNvSpPr>
+            <a:spLocks noGrp="1"/>
+          </p:cNvSpPr>
+          <p:nvPr>
+            <p:ph type="body" idx="1"/>
+          </p:nvPr>
+        </p:nvSpPr>
+        <p:spPr>
+          <a:xfrm>
+            <a:off x="1024127" y="2286000"/>
+            <a:ext cx="3841787" cy="4023360"/>
+          </a:xfrm>
+        </p:spPr>
+        <p:txBody>
+          <a:bodyPr/>
+          <a:lstStyle/>
+          <a:p>
+            <a:pPr>
+              <a:lnSpc>
+                <a:spcPct val="120000"/>
+              </a:lnSpc>
+            </a:pPr>
+            <a:r>
+              <a:rPr lang="en-US" altLang="zh-CN" sz="2400" b="1" dirty="0">
+                <a:latin typeface="+mn-ea"/>
+              </a:rPr>
+              <a:t>Pencil Project</a:t>
+            </a:r>
+          </a:p>
+          <a:p>
+            <a:pPr marL="0" indent="0">
+              <a:lnSpc>
+                <a:spcPct val="120000"/>
+              </a:lnSpc>
+              <a:buNone/>
+            </a:pPr>
+            <a:r>
+              <a:rPr lang="zh-CN" altLang="en-US" sz="2400" b="1" dirty="0">
+                <a:latin typeface="+mn-ea"/>
+              </a:rPr>
+              <a:t>最初只是</a:t>
+            </a:r>
+            <a:r>
+              <a:rPr lang="en-US" altLang="zh-CN" sz="2400" b="1" dirty="0" err="1">
+                <a:latin typeface="+mn-ea"/>
+              </a:rPr>
+              <a:t>firefox</a:t>
+            </a:r>
+            <a:r>
+              <a:rPr lang="zh-CN" altLang="en-US" sz="2400" b="1" dirty="0">
+                <a:latin typeface="+mn-ea"/>
+              </a:rPr>
+              <a:t>的小插件，曾经得过</a:t>
+            </a:r>
+            <a:r>
+              <a:rPr lang="en-US" altLang="zh-CN" sz="2400" b="1" dirty="0">
+                <a:latin typeface="+mn-ea"/>
+              </a:rPr>
+              <a:t>Firefox</a:t>
+            </a:r>
+            <a:r>
+              <a:rPr lang="zh-CN" altLang="en-US" sz="2400" b="1" dirty="0">
+                <a:latin typeface="+mn-ea"/>
+              </a:rPr>
+              <a:t>插件</a:t>
+            </a:r>
+            <a:r>
+              <a:rPr lang="en-US" altLang="zh-CN" sz="2400" b="1" dirty="0">
+                <a:latin typeface="+mn-ea"/>
+              </a:rPr>
+              <a:t>Grand Prize</a:t>
+            </a:r>
+            <a:r>
+              <a:rPr lang="zh-CN" altLang="en-US" sz="2400" b="1" dirty="0">
+                <a:latin typeface="+mn-ea"/>
+              </a:rPr>
+              <a:t>大奖第一名，后来发布了独立软件。这款手绘风格的开源原型设计工具可以用来绘制各种架构图和流程图。 </a:t>
+            </a:r>
+            <a:r>
+              <a:rPr lang="en-US" altLang="zh-CN" sz="2400" b="1" dirty="0">
+                <a:latin typeface="+mn-ea"/>
+              </a:rPr>
+              <a:t>[2]</a:t>
+            </a:r>
+            <a:endParaRPr lang="zh-CN" altLang="en-US" sz="2400" b="1" dirty="0">
+              <a:latin typeface="+mn-ea"/>
+            </a:endParaRPr>
+          </a:p>
+          <a:p>
+            <a:endParaRPr lang="en-US" dirty="0"/>
+          </a:p>
+        </p:txBody>
+      </p:sp>
+      <p:pic>
+        <p:nvPicPr>
+          <p:cNvPr id="5" name="Picture 4">
+            <a:extLst>
+              <a:ext uri="{FF2B5EF4-FFF2-40B4-BE49-F238E27FC236}">
+                <a16:creationId xmlns:a16="http://schemas.microsoft.com/office/drawing/2014/main" id="{A5496ED0-351A-444B-89CC-BE740983C7FB}"/>
+              </a:ext>
+            </a:extLst>
+          </p:cNvPr>
+          <p:cNvPicPr>
+            <a:picLocks noChangeAspect="1"/>
+          </p:cNvPicPr>
+          <p:nvPr/>
+        </p:nvPicPr>
+        <p:blipFill>
+          <a:blip r:embed="rId2">
+            <a:extLst>
+              <a:ext uri="{28A0092B-C50C-407E-A947-70E740481C1C}">
+                <a14:useLocalDpi xmlns:a14="http://schemas.microsoft.com/office/drawing/2010/main" val="0"/>
+              </a:ext>
+            </a:extLst>
+          </a:blip>
+          <a:stretch>
+            <a:fillRect/>
+          </a:stretch>
+        </p:blipFill>
+        <p:spPr>
+          <a:xfrm>
+            <a:off x="5559878" y="2207260"/>
+            <a:ext cx="6134100" cy="4102100"/>
+          </a:xfrm>
+          <a:prstGeom prst="rect">
+            <a:avLst/>
+          </a:prstGeom>
+        </p:spPr>
+      </p:pic>
+    </p:spTree>
+    <p:extLst>
+      <p:ext uri="{BB962C8B-B14F-4D97-AF65-F5344CB8AC3E}">
+        <p14:creationId xmlns:p14="http://schemas.microsoft.com/office/powerpoint/2010/main" val="1048237340"/>
+      </p:ext>
+    </p:extLst>
+  </p:cSld>
+  <p:clrMapOvr>
+    <a:masterClrMapping/>
+  </p:clrMapOvr>
+  <p:transition spd="med"/>
+</p:sld>
+</file>
+
+<file path=ppt/slides/slide41.xml><?xml version="1.0" encoding="utf-8"?>
 <p:sld xmlns:a="http://schemas.openxmlformats.org/drawingml/2006/main" xmlns:r="http://schemas.openxmlformats.org/officeDocument/2006/relationships" xmlns:p="http://schemas.openxmlformats.org/presentationml/2006/main">
   <p:cSld>
     <p:spTree>
@@ -25823,7 +27987,7 @@
           <a:lstStyle/>
           <a:p>
             <a:fld id="{86CB4B4D-7CA3-9044-876B-883B54F8677D}" type="slidenum">
-              <a:t>36</a:t>
+              <a:t>41</a:t>
             </a:fld>
             <a:endParaRPr/>
           </a:p>
@@ -25834,18 +27998,9 @@
   <p:clrMapOvr>
     <a:masterClrMapping/>
   </p:clrMapOvr>
-  <mc:AlternateContent xmlns:mc="http://schemas.openxmlformats.org/markup-compatibility/2006">
-    <mc:Choice xmlns:p15="http://schemas.microsoft.com/office/powerpoint/2012/main" Requires="p15">
-      <p:transition xmlns:p14="http://schemas.microsoft.com/office/powerpoint/2010/main" spd="slow" p14:dur="1250">
-        <p15:prstTrans prst="peelOff"/>
-      </p:transition>
-    </mc:Choice>
-    <mc:Fallback>
-      <p:transition spd="slow">
-        <p:fade/>
-      </p:transition>
-    </mc:Fallback>
-  </mc:AlternateContent>
+  <p:transition spd="slow">
+    <p:fade/>
+  </p:transition>
   <p:timing>
     <p:tnLst>
       <p:par>
@@ -26510,7 +28665,7 @@
 </p:sld>
 </file>
 
-<file path=ppt/slides/slide37.xml><?xml version="1.0" encoding="utf-8"?>
+<file path=ppt/slides/slide42.xml><?xml version="1.0" encoding="utf-8"?>
 <p:sld xmlns:a="http://schemas.openxmlformats.org/drawingml/2006/main" xmlns:r="http://schemas.openxmlformats.org/officeDocument/2006/relationships" xmlns:p="http://schemas.openxmlformats.org/presentationml/2006/main">
   <p:cSld>
     <p:spTree>
@@ -26636,7 +28791,7 @@
           <a:lstStyle/>
           <a:p>
             <a:fld id="{86CB4B4D-7CA3-9044-876B-883B54F8677D}" type="slidenum">
-              <a:t>37</a:t>
+              <a:t>42</a:t>
             </a:fld>
             <a:endParaRPr/>
           </a:p>
@@ -26647,18 +28802,9 @@
   <p:clrMapOvr>
     <a:masterClrMapping/>
   </p:clrMapOvr>
-  <mc:AlternateContent xmlns:mc="http://schemas.openxmlformats.org/markup-compatibility/2006">
-    <mc:Choice xmlns:p15="http://schemas.microsoft.com/office/powerpoint/2012/main" Requires="p15">
-      <p:transition xmlns:p14="http://schemas.microsoft.com/office/powerpoint/2010/main" spd="slow" p14:dur="1250">
-        <p15:prstTrans prst="peelOff"/>
-      </p:transition>
-    </mc:Choice>
-    <mc:Fallback>
-      <p:transition spd="slow">
-        <p:fade/>
-      </p:transition>
-    </mc:Fallback>
-  </mc:AlternateContent>
+  <p:transition spd="slow">
+    <p:fade/>
+  </p:transition>
   <p:timing>
     <p:tnLst>
       <p:par>
@@ -26898,7 +29044,7 @@
 </p:sld>
 </file>
 
-<file path=ppt/slides/slide38.xml><?xml version="1.0" encoding="utf-8"?>
+<file path=ppt/slides/slide43.xml><?xml version="1.0" encoding="utf-8"?>
 <p:sld xmlns:a="http://schemas.openxmlformats.org/drawingml/2006/main" xmlns:r="http://schemas.openxmlformats.org/officeDocument/2006/relationships" xmlns:p="http://schemas.openxmlformats.org/presentationml/2006/main">
   <p:cSld>
     <p:spTree>
@@ -26991,24 +29137,55 @@
             </a:r>
             <a:r>
               <a:rPr dirty="0" err="1"/>
-              <a:t>是从人物角色角度定义产品行为的迭代手段，不仅包括系统功能，也包括功能过的优先级，以及用户与系统的交互方式</a:t>
+              <a:t>是从</a:t>
+            </a:r>
+            <a:r>
+              <a:rPr dirty="0" err="1">
+                <a:solidFill>
+                  <a:srgbClr val="FF0000"/>
+                </a:solidFill>
+              </a:rPr>
+              <a:t>人物角色角度</a:t>
+            </a:r>
+            <a:r>
+              <a:rPr dirty="0" err="1"/>
+              <a:t>定义产品行为的迭代手段，不仅包括系统功能，也包括功能过的优先级，以及用户与系统的交互方式</a:t>
             </a:r>
             <a:r>
               <a:rPr dirty="0"/>
               <a:t>。</a:t>
             </a:r>
+            <a:endParaRPr lang="en-US" dirty="0"/>
           </a:p>
           <a:p>
             <a:pPr>
               <a:defRPr sz="2300"/>
             </a:pPr>
+            <a:endParaRPr dirty="0"/>
+          </a:p>
+          <a:p>
+            <a:pPr>
+              <a:defRPr sz="2300"/>
+            </a:pPr>
             <a:r>
               <a:rPr b="1" dirty="0" err="1"/>
               <a:t>用例</a:t>
             </a:r>
             <a:r>
               <a:rPr dirty="0" err="1"/>
-              <a:t>是对系统功能需求的详尽描述，系统的精确行为通常不是用例的一部分，很少提到任务如何向用户表达或者如何在界面中进行优先级排序</a:t>
+              <a:t>是对</a:t>
+            </a:r>
+            <a:r>
+              <a:rPr dirty="0" err="1">
+                <a:solidFill>
+                  <a:srgbClr val="FF0000"/>
+                </a:solidFill>
+              </a:rPr>
+              <a:t>系统功能需求</a:t>
+            </a:r>
+            <a:r>
+              <a:rPr dirty="0" err="1"/>
+              <a:t>的详尽描述，系统的精确行为通常不是用例的一部分，很少提到任务如何向用户表达或者如何在界面中进行优先级排序</a:t>
             </a:r>
             <a:r>
               <a:rPr dirty="0"/>
@@ -27042,7 +29219,7 @@
           <a:lstStyle/>
           <a:p>
             <a:fld id="{86CB4B4D-7CA3-9044-876B-883B54F8677D}" type="slidenum">
-              <a:t>38</a:t>
+              <a:t>43</a:t>
             </a:fld>
             <a:endParaRPr/>
           </a:p>
@@ -27053,18 +29230,9 @@
   <p:clrMapOvr>
     <a:masterClrMapping/>
   </p:clrMapOvr>
-  <mc:AlternateContent xmlns:mc="http://schemas.openxmlformats.org/markup-compatibility/2006">
-    <mc:Choice xmlns:p15="http://schemas.microsoft.com/office/powerpoint/2012/main" Requires="p15">
-      <p:transition xmlns:p14="http://schemas.microsoft.com/office/powerpoint/2010/main" spd="slow" p14:dur="1250">
-        <p15:prstTrans prst="peelOff"/>
-      </p:transition>
-    </mc:Choice>
-    <mc:Fallback>
-      <p:transition spd="slow">
-        <p:fade/>
-      </p:transition>
-    </mc:Fallback>
-  </mc:AlternateContent>
+  <p:transition spd="slow">
+    <p:fade/>
+  </p:transition>
   <p:timing>
     <p:tnLst>
       <p:par>
@@ -27289,7 +29457,7 @@
                                         <p:tgtEl>
                                           <p:spTgt spid="294">
                                             <p:txEl>
-                                              <p:pRg st="3" end="3"/>
+                                              <p:pRg st="4" end="4"/>
                                             </p:txEl>
                                           </p:spTgt>
                                         </p:tgtEl>
@@ -27307,7 +29475,7 @@
                                         <p:tgtEl>
                                           <p:spTgt spid="294">
                                             <p:txEl>
-                                              <p:pRg st="3" end="3"/>
+                                              <p:pRg st="4" end="4"/>
                                             </p:txEl>
                                           </p:spTgt>
                                         </p:tgtEl>
@@ -27334,7 +29502,7 @@
                                         <p:tgtEl>
                                           <p:spTgt spid="294">
                                             <p:txEl>
-                                              <p:pRg st="3" end="3"/>
+                                              <p:pRg st="4" end="4"/>
                                             </p:txEl>
                                           </p:spTgt>
                                         </p:tgtEl>
@@ -27389,7 +29557,7 @@
 </p:sld>
 </file>
 
-<file path=ppt/slides/slide39.xml><?xml version="1.0" encoding="utf-8"?>
+<file path=ppt/slides/slide44.xml><?xml version="1.0" encoding="utf-8"?>
 <p:sld xmlns:a="http://schemas.openxmlformats.org/drawingml/2006/main" xmlns:r="http://schemas.openxmlformats.org/officeDocument/2006/relationships" xmlns:p="http://schemas.openxmlformats.org/presentationml/2006/main">
   <p:cSld>
     <p:spTree>
@@ -27408,7 +29576,7 @@
       </p:grpSpPr>
       <p:sp>
         <p:nvSpPr>
-          <p:cNvPr id="297" name="Title 1"/>
+          <p:cNvPr id="301" name="小组成员绩效"/>
           <p:cNvSpPr txBox="1">
             <a:spLocks noGrp="1"/>
           </p:cNvSpPr>
@@ -27417,10 +29585,6 @@
           </p:nvPr>
         </p:nvSpPr>
         <p:spPr>
-          <a:xfrm>
-            <a:off x="1024128" y="585216"/>
-            <a:ext cx="9720072" cy="1499617"/>
-          </a:xfrm>
           <a:prstGeom prst="rect">
             <a:avLst/>
           </a:prstGeom>
@@ -27430,14 +29594,14 @@
           <a:lstStyle/>
           <a:p>
             <a:r>
-              <a:t>参考资料</a:t>
+              <a:t>小组成员绩效</a:t>
             </a:r>
           </a:p>
         </p:txBody>
       </p:sp>
       <p:sp>
         <p:nvSpPr>
-          <p:cNvPr id="298" name="Content Placeholder 2"/>
+          <p:cNvPr id="302" name="张光程  92 （PPT验收，检查）…"/>
           <p:cNvSpPr txBox="1">
             <a:spLocks noGrp="1"/>
           </p:cNvSpPr>
@@ -27446,10 +29610,6 @@
           </p:nvPr>
         </p:nvSpPr>
         <p:spPr>
-          <a:xfrm>
-            <a:off x="1024127" y="2286000"/>
-            <a:ext cx="9720075" cy="4023360"/>
-          </a:xfrm>
           <a:prstGeom prst="rect">
             <a:avLst/>
           </a:prstGeom>
@@ -27459,43 +29619,34 @@
           <a:lstStyle/>
           <a:p>
             <a:r>
-              <a:rPr dirty="0"/>
-              <a:t>[1]About Face3（《交互设计精髓3》）  Alan Cooper / Robert Reimann  David Cronin</a:t>
-            </a:r>
-            <a:r>
-              <a:rPr dirty="0">
-                <a:solidFill>
-                  <a:srgbClr val="111111"/>
-                </a:solidFill>
-              </a:rPr>
-              <a:t> </a:t>
-            </a:r>
-            <a:r>
-              <a:rPr dirty="0" err="1">
-                <a:solidFill>
-                  <a:srgbClr val="111111"/>
-                </a:solidFill>
-              </a:rPr>
-              <a:t>电子工业出版社</a:t>
-            </a:r>
-            <a:r>
-              <a:rPr dirty="0">
-                <a:solidFill>
-                  <a:srgbClr val="111111"/>
-                </a:solidFill>
-              </a:rPr>
-              <a:t>   </a:t>
-            </a:r>
-            <a:r>
-              <a:rPr dirty="0"/>
-              <a:t>ISBN: 9787121070174</a:t>
+              <a:t>张光程  92 （PPT验收，检查）</a:t>
+            </a:r>
+          </a:p>
+          <a:p>
+            <a:r>
+              <a:t>杨智麟  91 （提供PPT制作思路）</a:t>
+            </a:r>
+          </a:p>
+          <a:p>
+            <a:r>
+              <a:t>刘雨霏  89 （PPT审核）</a:t>
+            </a:r>
+          </a:p>
+          <a:p>
+            <a:r>
+              <a:t>刘晓倩  90（PPT审核，提出修改意见）</a:t>
+            </a:r>
+          </a:p>
+          <a:p>
+            <a:r>
+              <a:t>胡方正  94（主要PPT制作）</a:t>
             </a:r>
           </a:p>
         </p:txBody>
       </p:sp>
       <p:sp>
         <p:nvSpPr>
-          <p:cNvPr id="299" name="Slide Number"/>
+          <p:cNvPr id="303" name="Slide Number"/>
           <p:cNvSpPr txBox="1">
             <a:spLocks noGrp="1"/>
           </p:cNvSpPr>
@@ -27518,7 +29669,7 @@
           <a:lstStyle/>
           <a:p>
             <a:fld id="{86CB4B4D-7CA3-9044-876B-883B54F8677D}" type="slidenum">
-              <a:t>39</a:t>
+              <a:t>44</a:t>
             </a:fld>
             <a:endParaRPr/>
           </a:p>
@@ -27529,22 +29680,13 @@
   <p:clrMapOvr>
     <a:masterClrMapping/>
   </p:clrMapOvr>
-  <mc:AlternateContent xmlns:mc="http://schemas.openxmlformats.org/markup-compatibility/2006">
-    <mc:Choice xmlns:p15="http://schemas.microsoft.com/office/powerpoint/2012/main" Requires="p15">
-      <p:transition xmlns:p14="http://schemas.microsoft.com/office/powerpoint/2010/main" spd="slow" p14:dur="1250">
-        <p15:prstTrans prst="peelOff"/>
-      </p:transition>
-    </mc:Choice>
-    <mc:Fallback>
-      <p:transition spd="slow">
-        <p:fade/>
-      </p:transition>
-    </mc:Fallback>
-  </mc:AlternateContent>
+  <p:transition spd="slow">
+    <p:fade/>
+  </p:transition>
 </p:sld>
 </file>
 
-<file path=ppt/slides/slide4.xml><?xml version="1.0" encoding="utf-8"?>
+<file path=ppt/slides/slide5.xml><?xml version="1.0" encoding="utf-8"?>
 <p:sld xmlns:a="http://schemas.openxmlformats.org/drawingml/2006/main" xmlns:r="http://schemas.openxmlformats.org/officeDocument/2006/relationships" xmlns:p="http://schemas.openxmlformats.org/presentationml/2006/main">
   <p:cSld>
     <p:spTree>
@@ -28175,7 +30317,7 @@
           <a:lstStyle/>
           <a:p>
             <a:fld id="{86CB4B4D-7CA3-9044-876B-883B54F8677D}" type="slidenum">
-              <a:t>4</a:t>
+              <a:t>5</a:t>
             </a:fld>
             <a:endParaRPr/>
           </a:p>
@@ -28186,160 +30328,13 @@
   <p:clrMapOvr>
     <a:masterClrMapping/>
   </p:clrMapOvr>
-  <mc:AlternateContent xmlns:mc="http://schemas.openxmlformats.org/markup-compatibility/2006">
-    <mc:Choice xmlns:p15="http://schemas.microsoft.com/office/powerpoint/2012/main" Requires="p15">
-      <p:transition xmlns:p14="http://schemas.microsoft.com/office/powerpoint/2010/main" spd="slow" p14:dur="1250">
-        <p15:prstTrans prst="peelOff"/>
-      </p:transition>
-    </mc:Choice>
-    <mc:Fallback>
-      <p:transition spd="slow">
-        <p:fade/>
-      </p:transition>
-    </mc:Fallback>
-  </mc:AlternateContent>
+  <p:transition spd="slow">
+    <p:fade/>
+  </p:transition>
 </p:sld>
 </file>
 
-<file path=ppt/slides/slide40.xml><?xml version="1.0" encoding="utf-8"?>
-<p:sld xmlns:a="http://schemas.openxmlformats.org/drawingml/2006/main" xmlns:r="http://schemas.openxmlformats.org/officeDocument/2006/relationships" xmlns:p="http://schemas.openxmlformats.org/presentationml/2006/main">
-  <p:cSld>
-    <p:spTree>
-      <p:nvGrpSpPr>
-        <p:cNvPr id="1" name=""/>
-        <p:cNvGrpSpPr/>
-        <p:nvPr/>
-      </p:nvGrpSpPr>
-      <p:grpSpPr>
-        <a:xfrm>
-          <a:off x="0" y="0"/>
-          <a:ext cx="0" cy="0"/>
-          <a:chOff x="0" y="0"/>
-          <a:chExt cx="0" cy="0"/>
-        </a:xfrm>
-      </p:grpSpPr>
-      <p:sp>
-        <p:nvSpPr>
-          <p:cNvPr id="301" name="小组成员绩效"/>
-          <p:cNvSpPr txBox="1">
-            <a:spLocks noGrp="1"/>
-          </p:cNvSpPr>
-          <p:nvPr>
-            <p:ph type="title"/>
-          </p:nvPr>
-        </p:nvSpPr>
-        <p:spPr>
-          <a:prstGeom prst="rect">
-            <a:avLst/>
-          </a:prstGeom>
-        </p:spPr>
-        <p:txBody>
-          <a:bodyPr/>
-          <a:lstStyle/>
-          <a:p>
-            <a:r>
-              <a:t>小组成员绩效</a:t>
-            </a:r>
-          </a:p>
-        </p:txBody>
-      </p:sp>
-      <p:sp>
-        <p:nvSpPr>
-          <p:cNvPr id="302" name="张光程  92 （PPT验收，检查）…"/>
-          <p:cNvSpPr txBox="1">
-            <a:spLocks noGrp="1"/>
-          </p:cNvSpPr>
-          <p:nvPr>
-            <p:ph type="body" idx="1"/>
-          </p:nvPr>
-        </p:nvSpPr>
-        <p:spPr>
-          <a:prstGeom prst="rect">
-            <a:avLst/>
-          </a:prstGeom>
-        </p:spPr>
-        <p:txBody>
-          <a:bodyPr/>
-          <a:lstStyle/>
-          <a:p>
-            <a:r>
-              <a:t>张光程  92 （PPT验收，检查）</a:t>
-            </a:r>
-          </a:p>
-          <a:p>
-            <a:r>
-              <a:t>杨智麟  91 （提供PPT制作思路）</a:t>
-            </a:r>
-          </a:p>
-          <a:p>
-            <a:r>
-              <a:t>刘雨霏  89 （PPT审核）</a:t>
-            </a:r>
-          </a:p>
-          <a:p>
-            <a:r>
-              <a:t>刘晓倩  90（PPT审核，提出修改意见）</a:t>
-            </a:r>
-          </a:p>
-          <a:p>
-            <a:r>
-              <a:t>胡方正  94（主要PPT制作）</a:t>
-            </a:r>
-          </a:p>
-        </p:txBody>
-      </p:sp>
-      <p:sp>
-        <p:nvSpPr>
-          <p:cNvPr id="303" name="Slide Number"/>
-          <p:cNvSpPr txBox="1">
-            <a:spLocks noGrp="1"/>
-          </p:cNvSpPr>
-          <p:nvPr>
-            <p:ph type="sldNum" sz="quarter" idx="4294967295"/>
-          </p:nvPr>
-        </p:nvSpPr>
-        <p:spPr>
-          <a:prstGeom prst="rect">
-            <a:avLst/>
-          </a:prstGeom>
-          <a:extLst>
-            <a:ext uri="{C572A759-6A51-4108-AA02-DFA0A04FC94B}">
-              <ma14:wrappingTextBoxFlag xmlns:ma14="http://schemas.microsoft.com/office/mac/drawingml/2011/main" xmlns:a14="http://schemas.microsoft.com/office/drawing/2010/main" xmlns:m="http://schemas.openxmlformats.org/officeDocument/2006/math" xmlns="" val="1"/>
-            </a:ext>
-          </a:extLst>
-        </p:spPr>
-        <p:txBody>
-          <a:bodyPr/>
-          <a:lstStyle/>
-          <a:p>
-            <a:fld id="{86CB4B4D-7CA3-9044-876B-883B54F8677D}" type="slidenum">
-              <a:t>40</a:t>
-            </a:fld>
-            <a:endParaRPr/>
-          </a:p>
-        </p:txBody>
-      </p:sp>
-    </p:spTree>
-  </p:cSld>
-  <p:clrMapOvr>
-    <a:masterClrMapping/>
-  </p:clrMapOvr>
-  <mc:AlternateContent xmlns:mc="http://schemas.openxmlformats.org/markup-compatibility/2006">
-    <mc:Choice xmlns:p15="http://schemas.microsoft.com/office/powerpoint/2012/main" Requires="p15">
-      <p:transition xmlns:p14="http://schemas.microsoft.com/office/powerpoint/2010/main" spd="slow" p14:dur="1250">
-        <p15:prstTrans prst="peelOff"/>
-      </p:transition>
-    </mc:Choice>
-    <mc:Fallback>
-      <p:transition spd="slow">
-        <p:fade/>
-      </p:transition>
-    </mc:Fallback>
-  </mc:AlternateContent>
-</p:sld>
-</file>
-
-<file path=ppt/slides/slide5.xml><?xml version="1.0" encoding="utf-8"?>
+<file path=ppt/slides/slide6.xml><?xml version="1.0" encoding="utf-8"?>
 <p:sld xmlns:a="http://schemas.openxmlformats.org/drawingml/2006/main" xmlns:r="http://schemas.openxmlformats.org/officeDocument/2006/relationships" xmlns:p="http://schemas.openxmlformats.org/presentationml/2006/main">
   <p:cSld>
     <p:spTree>
@@ -28461,7 +30456,7 @@
           <a:lstStyle/>
           <a:p>
             <a:fld id="{86CB4B4D-7CA3-9044-876B-883B54F8677D}" type="slidenum">
-              <a:t>5</a:t>
+              <a:t>6</a:t>
             </a:fld>
             <a:endParaRPr/>
           </a:p>
@@ -28472,22 +30467,13 @@
   <p:clrMapOvr>
     <a:masterClrMapping/>
   </p:clrMapOvr>
-  <mc:AlternateContent xmlns:mc="http://schemas.openxmlformats.org/markup-compatibility/2006">
-    <mc:Choice xmlns:p15="http://schemas.microsoft.com/office/powerpoint/2012/main" Requires="p15">
-      <p:transition xmlns:p14="http://schemas.microsoft.com/office/powerpoint/2010/main" spd="slow" p14:dur="1250">
-        <p15:prstTrans prst="peelOff"/>
-      </p:transition>
-    </mc:Choice>
-    <mc:Fallback>
-      <p:transition spd="slow">
-        <p:fade/>
-      </p:transition>
-    </mc:Fallback>
-  </mc:AlternateContent>
+  <p:transition spd="slow">
+    <p:fade/>
+  </p:transition>
 </p:sld>
 </file>
 
-<file path=ppt/slides/slide6.xml><?xml version="1.0" encoding="utf-8"?>
+<file path=ppt/slides/slide7.xml><?xml version="1.0" encoding="utf-8"?>
 <p:sld xmlns:a="http://schemas.openxmlformats.org/drawingml/2006/main" xmlns:r="http://schemas.openxmlformats.org/officeDocument/2006/relationships" xmlns:p="http://schemas.openxmlformats.org/presentationml/2006/main">
   <p:cSld>
     <p:spTree>
@@ -28591,7 +30577,7 @@
           <a:lstStyle/>
           <a:p>
             <a:fld id="{86CB4B4D-7CA3-9044-876B-883B54F8677D}" type="slidenum">
-              <a:t>6</a:t>
+              <a:t>7</a:t>
             </a:fld>
             <a:endParaRPr/>
           </a:p>
@@ -28602,22 +30588,13 @@
   <p:clrMapOvr>
     <a:masterClrMapping/>
   </p:clrMapOvr>
-  <mc:AlternateContent xmlns:mc="http://schemas.openxmlformats.org/markup-compatibility/2006">
-    <mc:Choice xmlns:p15="http://schemas.microsoft.com/office/powerpoint/2012/main" Requires="p15">
-      <p:transition xmlns:p14="http://schemas.microsoft.com/office/powerpoint/2010/main" spd="slow" p14:dur="1250">
-        <p15:prstTrans prst="peelOff"/>
-      </p:transition>
-    </mc:Choice>
-    <mc:Fallback>
-      <p:transition spd="slow">
-        <p:fade/>
-      </p:transition>
-    </mc:Fallback>
-  </mc:AlternateContent>
+  <p:transition spd="slow">
+    <p:fade/>
+  </p:transition>
 </p:sld>
 </file>
 
-<file path=ppt/slides/slide7.xml><?xml version="1.0" encoding="utf-8"?>
+<file path=ppt/slides/slide8.xml><?xml version="1.0" encoding="utf-8"?>
 <p:sld xmlns:a="http://schemas.openxmlformats.org/drawingml/2006/main" xmlns:r="http://schemas.openxmlformats.org/officeDocument/2006/relationships" xmlns:p="http://schemas.openxmlformats.org/presentationml/2006/main">
   <p:cSld>
     <p:spTree>
@@ -28756,7 +30733,7 @@
           <a:lstStyle/>
           <a:p>
             <a:fld id="{86CB4B4D-7CA3-9044-876B-883B54F8677D}" type="slidenum">
-              <a:t>7</a:t>
+              <a:t>8</a:t>
             </a:fld>
             <a:endParaRPr/>
           </a:p>
@@ -28767,22 +30744,13 @@
   <p:clrMapOvr>
     <a:masterClrMapping/>
   </p:clrMapOvr>
-  <mc:AlternateContent xmlns:mc="http://schemas.openxmlformats.org/markup-compatibility/2006">
-    <mc:Choice xmlns:p15="http://schemas.microsoft.com/office/powerpoint/2012/main" Requires="p15">
-      <p:transition xmlns:p14="http://schemas.microsoft.com/office/powerpoint/2010/main" spd="slow" p14:dur="1250">
-        <p15:prstTrans prst="peelOff"/>
-      </p:transition>
-    </mc:Choice>
-    <mc:Fallback>
-      <p:transition spd="slow">
-        <p:fade/>
-      </p:transition>
-    </mc:Fallback>
-  </mc:AlternateContent>
+  <p:transition spd="slow">
+    <p:fade/>
+  </p:transition>
 </p:sld>
 </file>
 
-<file path=ppt/slides/slide8.xml><?xml version="1.0" encoding="utf-8"?>
+<file path=ppt/slides/slide9.xml><?xml version="1.0" encoding="utf-8"?>
 <p:sld xmlns:a="http://schemas.openxmlformats.org/drawingml/2006/main" xmlns:r="http://schemas.openxmlformats.org/officeDocument/2006/relationships" xmlns:p="http://schemas.openxmlformats.org/presentationml/2006/main">
   <p:cSld>
     <p:spTree>
@@ -28823,8 +30791,10 @@
           <a:lstStyle/>
           <a:p>
             <a:r>
+              <a:rPr dirty="0" err="1"/>
               <a:t>目标导向设计-研究阶段</a:t>
             </a:r>
+            <a:endParaRPr dirty="0"/>
           </a:p>
         </p:txBody>
       </p:sp>
@@ -28897,7 +30867,7 @@
           <a:lstStyle/>
           <a:p>
             <a:fld id="{86CB4B4D-7CA3-9044-876B-883B54F8677D}" type="slidenum">
-              <a:t>8</a:t>
+              <a:t>9</a:t>
             </a:fld>
             <a:endParaRPr/>
           </a:p>
@@ -28908,231 +30878,9 @@
   <p:clrMapOvr>
     <a:masterClrMapping/>
   </p:clrMapOvr>
-  <mc:AlternateContent xmlns:mc="http://schemas.openxmlformats.org/markup-compatibility/2006">
-    <mc:Choice xmlns:p15="http://schemas.microsoft.com/office/powerpoint/2012/main" Requires="p15">
-      <p:transition xmlns:p14="http://schemas.microsoft.com/office/powerpoint/2010/main" spd="slow" p14:dur="1250">
-        <p15:prstTrans prst="peelOff"/>
-      </p:transition>
-    </mc:Choice>
-    <mc:Fallback>
-      <p:transition spd="slow">
-        <p:fade/>
-      </p:transition>
-    </mc:Fallback>
-  </mc:AlternateContent>
-</p:sld>
-</file>
-
-<file path=ppt/slides/slide9.xml><?xml version="1.0" encoding="utf-8"?>
-<p:sld xmlns:a="http://schemas.openxmlformats.org/drawingml/2006/main" xmlns:r="http://schemas.openxmlformats.org/officeDocument/2006/relationships" xmlns:p="http://schemas.openxmlformats.org/presentationml/2006/main">
-  <p:cSld>
-    <p:spTree>
-      <p:nvGrpSpPr>
-        <p:cNvPr id="1" name=""/>
-        <p:cNvGrpSpPr/>
-        <p:nvPr/>
-      </p:nvGrpSpPr>
-      <p:grpSpPr>
-        <a:xfrm>
-          <a:off x="0" y="0"/>
-          <a:ext cx="0" cy="0"/>
-          <a:chOff x="0" y="0"/>
-          <a:chExt cx="0" cy="0"/>
-        </a:xfrm>
-      </p:grpSpPr>
-      <p:sp>
-        <p:nvSpPr>
-          <p:cNvPr id="172" name="Title 1"/>
-          <p:cNvSpPr txBox="1">
-            <a:spLocks noGrp="1"/>
-          </p:cNvSpPr>
-          <p:nvPr>
-            <p:ph type="title"/>
-          </p:nvPr>
-        </p:nvSpPr>
-        <p:spPr>
-          <a:xfrm>
-            <a:off x="1024128" y="585216"/>
-            <a:ext cx="9720072" cy="1499617"/>
-          </a:xfrm>
-          <a:prstGeom prst="rect">
-            <a:avLst/>
-          </a:prstGeom>
-        </p:spPr>
-        <p:txBody>
-          <a:bodyPr/>
-          <a:lstStyle/>
-          <a:p>
-            <a:r>
-              <a:t>目标导向设计-研究阶段</a:t>
-            </a:r>
-          </a:p>
-        </p:txBody>
-      </p:sp>
-      <p:sp>
-        <p:nvSpPr>
-          <p:cNvPr id="173" name="Content Placeholder 2"/>
-          <p:cNvSpPr txBox="1">
-            <a:spLocks noGrp="1"/>
-          </p:cNvSpPr>
-          <p:nvPr>
-            <p:ph type="body" idx="1"/>
-          </p:nvPr>
-        </p:nvSpPr>
-        <p:spPr>
-          <a:xfrm>
-            <a:off x="1024127" y="2286000"/>
-            <a:ext cx="9720075" cy="4023360"/>
-          </a:xfrm>
-          <a:prstGeom prst="rect">
-            <a:avLst/>
-          </a:prstGeom>
-        </p:spPr>
-        <p:txBody>
-          <a:bodyPr/>
-          <a:lstStyle/>
-          <a:p>
-            <a:pPr marL="79552" indent="-79552" defTabSz="795527">
-              <a:spcBef>
-                <a:spcPts val="1000"/>
-              </a:spcBef>
-              <a:defRPr sz="1914" b="1"/>
-            </a:pPr>
-            <a:r>
-              <a:t>定性研究 </a:t>
-            </a:r>
-          </a:p>
-          <a:p>
-            <a:pPr marL="79552" indent="-79552" defTabSz="795527">
-              <a:spcBef>
-                <a:spcPts val="1000"/>
-              </a:spcBef>
-              <a:defRPr sz="2088"/>
-            </a:pPr>
-            <a:r>
-              <a:t>       与定量研究相比，定性研究以另一种更有用的方式帮助我们理解产品的问题域、情境和约束条件。定性研究的主要方法如下：</a:t>
-            </a:r>
-          </a:p>
-          <a:p>
-            <a:pPr marL="79552" indent="-79552" defTabSz="795527">
-              <a:spcBef>
-                <a:spcPts val="1000"/>
-              </a:spcBef>
-              <a:defRPr sz="2088" b="1"/>
-            </a:pPr>
-            <a:r>
-              <a:t>访谈利益相关人</a:t>
-            </a:r>
-          </a:p>
-          <a:p>
-            <a:pPr marL="79552" indent="-79552" defTabSz="795527">
-              <a:spcBef>
-                <a:spcPts val="1000"/>
-              </a:spcBef>
-              <a:defRPr sz="2088" b="1"/>
-            </a:pPr>
-            <a:r>
-              <a:t>访谈主题专家</a:t>
-            </a:r>
-          </a:p>
-          <a:p>
-            <a:pPr marL="79552" indent="-79552" defTabSz="795527">
-              <a:spcBef>
-                <a:spcPts val="1000"/>
-              </a:spcBef>
-              <a:defRPr sz="2088" b="1"/>
-            </a:pPr>
-            <a:r>
-              <a:t>访谈用户和顾客</a:t>
-            </a:r>
-          </a:p>
-          <a:p>
-            <a:pPr marL="79552" indent="-79552" defTabSz="795527">
-              <a:spcBef>
-                <a:spcPts val="1000"/>
-              </a:spcBef>
-              <a:defRPr sz="2088" b="1"/>
-            </a:pPr>
-            <a:r>
-              <a:t>用户观察</a:t>
-            </a:r>
-          </a:p>
-          <a:p>
-            <a:pPr marL="79552" indent="-79552" defTabSz="795527">
-              <a:spcBef>
-                <a:spcPts val="1000"/>
-              </a:spcBef>
-              <a:defRPr sz="2088" b="1"/>
-            </a:pPr>
-            <a:r>
-              <a:t>文献调研</a:t>
-            </a:r>
-          </a:p>
-          <a:p>
-            <a:pPr marL="79552" indent="-79552" defTabSz="795527">
-              <a:spcBef>
-                <a:spcPts val="1000"/>
-              </a:spcBef>
-              <a:defRPr sz="2088" b="1"/>
-            </a:pPr>
-            <a:r>
-              <a:t>产品/原型和竞争审查</a:t>
-            </a:r>
-          </a:p>
-        </p:txBody>
-      </p:sp>
-      <p:sp>
-        <p:nvSpPr>
-          <p:cNvPr id="174" name="Slide Number"/>
-          <p:cNvSpPr txBox="1">
-            <a:spLocks noGrp="1"/>
-          </p:cNvSpPr>
-          <p:nvPr>
-            <p:ph type="sldNum" sz="quarter" idx="4294967295"/>
-          </p:nvPr>
-        </p:nvSpPr>
-        <p:spPr>
-          <a:xfrm>
-            <a:off x="10837333" y="6492294"/>
-            <a:ext cx="174214" cy="231141"/>
-          </a:xfrm>
-          <a:prstGeom prst="rect">
-            <a:avLst/>
-          </a:prstGeom>
-          <a:extLst>
-            <a:ext uri="{C572A759-6A51-4108-AA02-DFA0A04FC94B}">
-              <ma14:wrappingTextBoxFlag xmlns:ma14="http://schemas.microsoft.com/office/mac/drawingml/2011/main" xmlns:a14="http://schemas.microsoft.com/office/drawing/2010/main" xmlns:m="http://schemas.openxmlformats.org/officeDocument/2006/math" xmlns="" val="1"/>
-            </a:ext>
-          </a:extLst>
-        </p:spPr>
-        <p:txBody>
-          <a:bodyPr/>
-          <a:lstStyle/>
-          <a:p>
-            <a:fld id="{86CB4B4D-7CA3-9044-876B-883B54F8677D}" type="slidenum">
-              <a:t>9</a:t>
-            </a:fld>
-            <a:endParaRPr/>
-          </a:p>
-        </p:txBody>
-      </p:sp>
-    </p:spTree>
-  </p:cSld>
-  <p:clrMapOvr>
-    <a:masterClrMapping/>
-  </p:clrMapOvr>
-  <mc:AlternateContent xmlns:mc="http://schemas.openxmlformats.org/markup-compatibility/2006">
-    <mc:Choice xmlns:p15="http://schemas.microsoft.com/office/powerpoint/2012/main" Requires="p15">
-      <p:transition xmlns:p14="http://schemas.microsoft.com/office/powerpoint/2010/main" spd="slow" p14:dur="1250">
-        <p15:prstTrans prst="peelOff"/>
-      </p:transition>
-    </mc:Choice>
-    <mc:Fallback>
-      <p:transition spd="slow">
-        <p:fade/>
-      </p:transition>
-    </mc:Fallback>
-  </mc:AlternateContent>
+  <p:transition spd="slow">
+    <p:fade/>
+  </p:transition>
 </p:sld>
 </file>
 
